--- a/docs/presentation-proposal/group02-proposalPresentation-warehouse.pptx
+++ b/docs/presentation-proposal/group02-proposalPresentation-warehouse.pptx
@@ -5,19 +5,20 @@
     <p:sldMasterId id="2147483660" r:id="rId1"/>
   </p:sldMasterIdLst>
   <p:notesMasterIdLst>
-    <p:notesMasterId r:id="rId12"/>
+    <p:notesMasterId r:id="rId13"/>
   </p:notesMasterIdLst>
   <p:sldIdLst>
     <p:sldId id="256" r:id="rId2"/>
     <p:sldId id="260" r:id="rId3"/>
     <p:sldId id="266" r:id="rId4"/>
-    <p:sldId id="259" r:id="rId5"/>
-    <p:sldId id="261" r:id="rId6"/>
-    <p:sldId id="263" r:id="rId7"/>
-    <p:sldId id="264" r:id="rId8"/>
-    <p:sldId id="265" r:id="rId9"/>
-    <p:sldId id="257" r:id="rId10"/>
-    <p:sldId id="258" r:id="rId11"/>
+    <p:sldId id="267" r:id="rId5"/>
+    <p:sldId id="259" r:id="rId6"/>
+    <p:sldId id="261" r:id="rId7"/>
+    <p:sldId id="263" r:id="rId8"/>
+    <p:sldId id="264" r:id="rId9"/>
+    <p:sldId id="265" r:id="rId10"/>
+    <p:sldId id="257" r:id="rId11"/>
+    <p:sldId id="258" r:id="rId12"/>
   </p:sldIdLst>
   <p:sldSz cx="9144000" cy="6858000" type="screen4x3"/>
   <p:notesSz cx="6858000" cy="9144000"/>
@@ -533,7 +534,7 @@
           <a:p>
             <a:fld id="{CC6A8E79-C43C-4BE9-815B-BB8A78C8DF5A}" type="slidenum">
               <a:rPr lang="en-US" smtClean="0"/>
-              <a:t>4</a:t>
+              <a:t>5</a:t>
             </a:fld>
             <a:endParaRPr lang="en-US"/>
           </a:p>
@@ -4312,6 +4313,174 @@
           <a:bodyPr/>
           <a:lstStyle/>
           <a:p>
+            <a:r>
+              <a:rPr lang="en-US" dirty="0" smtClean="0"/>
+              <a:t>Project Tools</a:t>
+            </a:r>
+            <a:endParaRPr lang="en-US" dirty="0"/>
+          </a:p>
+        </p:txBody>
+      </p:sp>
+      <p:sp>
+        <p:nvSpPr>
+          <p:cNvPr id="3" name="Content Placeholder 2"/>
+          <p:cNvSpPr>
+            <a:spLocks noGrp="1"/>
+          </p:cNvSpPr>
+          <p:nvPr>
+            <p:ph sz="quarter" idx="1"/>
+          </p:nvPr>
+        </p:nvSpPr>
+        <p:spPr/>
+        <p:txBody>
+          <a:bodyPr>
+            <a:normAutofit/>
+          </a:bodyPr>
+          <a:lstStyle/>
+          <a:p>
+            <a:r>
+              <a:rPr lang="en-US" sz="3200" dirty="0" smtClean="0"/>
+              <a:t>Software</a:t>
+            </a:r>
+          </a:p>
+          <a:p>
+            <a:pPr lvl="1"/>
+            <a:r>
+              <a:rPr lang="en-US" sz="3200" dirty="0" smtClean="0"/>
+              <a:t>Languages</a:t>
+            </a:r>
+          </a:p>
+          <a:p>
+            <a:pPr lvl="2"/>
+            <a:r>
+              <a:rPr lang="en-US" sz="3200" dirty="0" smtClean="0"/>
+              <a:t>Java</a:t>
+            </a:r>
+          </a:p>
+          <a:p>
+            <a:pPr lvl="2"/>
+            <a:r>
+              <a:rPr lang="en-US" sz="3200" dirty="0" smtClean="0"/>
+              <a:t>SQL</a:t>
+            </a:r>
+          </a:p>
+          <a:p>
+            <a:pPr lvl="2"/>
+            <a:endParaRPr lang="en-US" sz="3200" dirty="0" smtClean="0"/>
+          </a:p>
+          <a:p>
+            <a:pPr lvl="1"/>
+            <a:r>
+              <a:rPr lang="en-US" sz="3200" dirty="0" smtClean="0"/>
+              <a:t>Databases</a:t>
+            </a:r>
+          </a:p>
+          <a:p>
+            <a:pPr lvl="2"/>
+            <a:r>
+              <a:rPr lang="en-US" sz="3200" dirty="0" err="1" smtClean="0"/>
+              <a:t>MySQL</a:t>
+            </a:r>
+            <a:endParaRPr lang="en-US" sz="3200" dirty="0" smtClean="0"/>
+          </a:p>
+          <a:p>
+            <a:pPr lvl="2"/>
+            <a:r>
+              <a:rPr lang="en-US" sz="3200" dirty="0" smtClean="0"/>
+              <a:t>Neo4j</a:t>
+            </a:r>
+          </a:p>
+        </p:txBody>
+      </p:sp>
+      <p:sp>
+        <p:nvSpPr>
+          <p:cNvPr id="4" name="Content Placeholder 3"/>
+          <p:cNvSpPr>
+            <a:spLocks noGrp="1"/>
+          </p:cNvSpPr>
+          <p:nvPr>
+            <p:ph sz="quarter" idx="2"/>
+          </p:nvPr>
+        </p:nvSpPr>
+        <p:spPr/>
+        <p:txBody>
+          <a:bodyPr/>
+          <a:lstStyle/>
+          <a:p>
+            <a:r>
+              <a:rPr lang="en-US" sz="3200" dirty="0" smtClean="0"/>
+              <a:t>Project Management</a:t>
+            </a:r>
+          </a:p>
+          <a:p>
+            <a:pPr lvl="2"/>
+            <a:r>
+              <a:rPr lang="en-US" sz="3200" dirty="0" err="1" smtClean="0"/>
+              <a:t>GitHub</a:t>
+            </a:r>
+            <a:endParaRPr lang="en-US" sz="3200" dirty="0" smtClean="0"/>
+          </a:p>
+          <a:p>
+            <a:pPr lvl="2"/>
+            <a:r>
+              <a:rPr lang="en-US" sz="3200" dirty="0" smtClean="0"/>
+              <a:t>Ant</a:t>
+            </a:r>
+          </a:p>
+          <a:p>
+            <a:pPr lvl="2"/>
+            <a:r>
+              <a:rPr lang="en-US" sz="3200" dirty="0" err="1" smtClean="0"/>
+              <a:t>Doxygen</a:t>
+            </a:r>
+            <a:endParaRPr lang="en-US" sz="3200" dirty="0" smtClean="0"/>
+          </a:p>
+          <a:p>
+            <a:pPr lvl="1"/>
+            <a:endParaRPr lang="en-US" dirty="0"/>
+          </a:p>
+        </p:txBody>
+      </p:sp>
+    </p:spTree>
+  </p:cSld>
+  <p:clrMapOvr>
+    <a:masterClrMapping/>
+  </p:clrMapOvr>
+</p:sld>
+</file>
+
+<file path=ppt/slides/slide11.xml><?xml version="1.0" encoding="utf-8"?>
+<p:sld xmlns:a="http://schemas.openxmlformats.org/drawingml/2006/main" xmlns:r="http://schemas.openxmlformats.org/officeDocument/2006/relationships" xmlns:p="http://schemas.openxmlformats.org/presentationml/2006/main">
+  <p:cSld>
+    <p:spTree>
+      <p:nvGrpSpPr>
+        <p:cNvPr id="1" name=""/>
+        <p:cNvGrpSpPr/>
+        <p:nvPr/>
+      </p:nvGrpSpPr>
+      <p:grpSpPr>
+        <a:xfrm>
+          <a:off x="0" y="0"/>
+          <a:ext cx="0" cy="0"/>
+          <a:chOff x="0" y="0"/>
+          <a:chExt cx="0" cy="0"/>
+        </a:xfrm>
+      </p:grpSpPr>
+      <p:sp>
+        <p:nvSpPr>
+          <p:cNvPr id="2" name="Title 1"/>
+          <p:cNvSpPr>
+            <a:spLocks noGrp="1"/>
+          </p:cNvSpPr>
+          <p:nvPr>
+            <p:ph type="title"/>
+          </p:nvPr>
+        </p:nvSpPr>
+        <p:spPr/>
+        <p:txBody>
+          <a:bodyPr/>
+          <a:lstStyle/>
+          <a:p>
             <a:endParaRPr lang="en-US"/>
           </a:p>
         </p:txBody>
@@ -4519,10 +4688,79 @@
         </p:nvSpPr>
         <p:spPr/>
         <p:txBody>
-          <a:bodyPr/>
-          <a:lstStyle/>
-          <a:p>
-            <a:endParaRPr lang="en-US" dirty="0"/>
+          <a:bodyPr>
+            <a:normAutofit lnSpcReduction="10000"/>
+          </a:bodyPr>
+          <a:lstStyle/>
+          <a:p>
+            <a:r>
+              <a:rPr lang="en-US" dirty="0" smtClean="0"/>
+              <a:t>Standalone warehouse</a:t>
+            </a:r>
+          </a:p>
+          <a:p>
+            <a:r>
+              <a:rPr lang="en-US" dirty="0" smtClean="0"/>
+              <a:t>Purchases goods</a:t>
+            </a:r>
+          </a:p>
+          <a:p>
+            <a:r>
+              <a:rPr lang="en-US" dirty="0" smtClean="0"/>
+              <a:t>Ships goods ordered by customers</a:t>
+            </a:r>
+          </a:p>
+          <a:p>
+            <a:r>
+              <a:rPr lang="en-US" dirty="0" smtClean="0"/>
+              <a:t>Stock Handlers</a:t>
+            </a:r>
+          </a:p>
+          <a:p>
+            <a:pPr lvl="1"/>
+            <a:r>
+              <a:rPr lang="en-US" dirty="0" smtClean="0"/>
+              <a:t>Gather and put away goods</a:t>
+            </a:r>
+          </a:p>
+          <a:p>
+            <a:r>
+              <a:rPr lang="en-US" dirty="0" smtClean="0"/>
+              <a:t>Receivers</a:t>
+            </a:r>
+          </a:p>
+          <a:p>
+            <a:pPr lvl="1"/>
+            <a:r>
+              <a:rPr lang="en-US" dirty="0" smtClean="0"/>
+              <a:t>Process incoming shipments</a:t>
+            </a:r>
+          </a:p>
+          <a:p>
+            <a:r>
+              <a:rPr lang="en-US" dirty="0" smtClean="0"/>
+              <a:t>Shippers</a:t>
+            </a:r>
+          </a:p>
+          <a:p>
+            <a:pPr lvl="1"/>
+            <a:r>
+              <a:rPr lang="en-US" dirty="0" smtClean="0"/>
+              <a:t>Arrange outgoing shipments</a:t>
+            </a:r>
+          </a:p>
+          <a:p>
+            <a:r>
+              <a:rPr lang="en-US" dirty="0" smtClean="0"/>
+              <a:t>Management</a:t>
+            </a:r>
+          </a:p>
+          <a:p>
+            <a:pPr lvl="1"/>
+            <a:r>
+              <a:rPr lang="en-US" dirty="0" smtClean="0"/>
+              <a:t>Over see planning and organization of the warehouse</a:t>
+            </a:r>
           </a:p>
         </p:txBody>
       </p:sp>
@@ -4566,56 +4804,46 @@
           <a:bodyPr/>
           <a:lstStyle/>
           <a:p>
+            <a:endParaRPr lang="en-US"/>
+          </a:p>
+        </p:txBody>
+      </p:sp>
+      <p:sp>
+        <p:nvSpPr>
+          <p:cNvPr id="3" name="Content Placeholder 2"/>
+          <p:cNvSpPr>
+            <a:spLocks noGrp="1"/>
+          </p:cNvSpPr>
+          <p:nvPr>
+            <p:ph sz="quarter" idx="1"/>
+          </p:nvPr>
+        </p:nvSpPr>
+        <p:spPr/>
+        <p:txBody>
+          <a:bodyPr/>
+          <a:lstStyle/>
+          <a:p>
             <a:r>
               <a:rPr lang="en-US" dirty="0" smtClean="0"/>
-              <a:t>Progress</a:t>
-            </a:r>
+              <a:t>Revolves around a GUI</a:t>
+            </a:r>
+          </a:p>
+          <a:p>
+            <a:r>
+              <a:rPr lang="en-US" dirty="0" smtClean="0"/>
+              <a:t>Interactive map of the </a:t>
+            </a:r>
+            <a:r>
+              <a:rPr lang="en-US" dirty="0" err="1" smtClean="0"/>
+              <a:t>floorplan</a:t>
+            </a:r>
+            <a:r>
+              <a:rPr lang="en-US" dirty="0" smtClean="0"/>
+              <a:t> of the warehouse</a:t>
+            </a:r>
+          </a:p>
+          <a:p>
             <a:endParaRPr lang="en-US" dirty="0"/>
-          </a:p>
-        </p:txBody>
-      </p:sp>
-      <p:sp>
-        <p:nvSpPr>
-          <p:cNvPr id="3" name="Content Placeholder 2"/>
-          <p:cNvSpPr>
-            <a:spLocks noGrp="1"/>
-          </p:cNvSpPr>
-          <p:nvPr>
-            <p:ph sz="quarter" idx="1"/>
-          </p:nvPr>
-        </p:nvSpPr>
-        <p:spPr/>
-        <p:txBody>
-          <a:bodyPr>
-            <a:normAutofit/>
-          </a:bodyPr>
-          <a:lstStyle/>
-          <a:p>
-            <a:r>
-              <a:rPr lang="en-US" sz="3600" dirty="0" smtClean="0"/>
-              <a:t>Prototype Design</a:t>
-            </a:r>
-          </a:p>
-          <a:p>
-            <a:r>
-              <a:rPr lang="en-US" sz="3600" dirty="0" smtClean="0"/>
-              <a:t>Documentation</a:t>
-            </a:r>
-          </a:p>
-          <a:p>
-            <a:r>
-              <a:rPr lang="en-US" sz="3600" dirty="0" smtClean="0"/>
-              <a:t>Database Design and Setup</a:t>
-            </a:r>
-          </a:p>
-          <a:p>
-            <a:r>
-              <a:rPr lang="en-US" sz="3600" dirty="0" smtClean="0"/>
-              <a:t>Preliminary GUI Implementation </a:t>
-            </a:r>
-          </a:p>
-          <a:p>
-            <a:endParaRPr lang="en-US" sz="3600" dirty="0"/>
           </a:p>
         </p:txBody>
       </p:sp>
@@ -4660,8 +4888,8 @@
           <a:lstStyle/>
           <a:p>
             <a:r>
-              <a:rPr lang="en-US" altLang="zh-CN" b="1" dirty="0" smtClean="0"/>
-              <a:t>Stock Handler</a:t>
+              <a:rPr lang="en-US" dirty="0" smtClean="0"/>
+              <a:t>Progress</a:t>
             </a:r>
             <a:endParaRPr lang="en-US" dirty="0"/>
           </a:p>
@@ -4679,51 +4907,36 @@
         </p:nvSpPr>
         <p:spPr/>
         <p:txBody>
-          <a:bodyPr/>
-          <a:lstStyle/>
-          <a:p>
-            <a:pPr marL="457200" indent="-457200">
-              <a:buFont typeface="Arial" pitchFamily="34" charset="0"/>
-              <a:buChar char="•"/>
-            </a:pPr>
-            <a:r>
-              <a:rPr lang="en-US" altLang="zh-CN" dirty="0" smtClean="0"/>
-              <a:t>Create daily plans for stock to be gather	</a:t>
-            </a:r>
-          </a:p>
-          <a:p>
-            <a:pPr marL="457200" indent="-457200">
-              <a:buFont typeface="Arial" pitchFamily="34" charset="0"/>
-              <a:buChar char="•"/>
-            </a:pPr>
-            <a:r>
-              <a:rPr lang="en-US" altLang="zh-CN" dirty="0" smtClean="0"/>
-              <a:t>Figure out most efficient routes to take to gather all products for shipment 	</a:t>
-            </a:r>
-          </a:p>
-          <a:p>
-            <a:pPr marL="457200" indent="-457200">
-              <a:buFont typeface="Arial" pitchFamily="34" charset="0"/>
-              <a:buChar char="•"/>
-            </a:pPr>
-            <a:r>
-              <a:rPr lang="en-US" altLang="zh-CN" dirty="0" smtClean="0"/>
-              <a:t>Recording and monitoring of inconsistencies in stock levels 	</a:t>
-            </a:r>
-          </a:p>
-          <a:p>
-            <a:pPr marL="457200" indent="-457200">
-              <a:buFont typeface="Arial" pitchFamily="34" charset="0"/>
-              <a:buChar char="•"/>
-            </a:pPr>
-            <a:r>
-              <a:rPr lang="en-US" altLang="zh-CN" dirty="0" smtClean="0"/>
-              <a:t>Track speed of each of the workers</a:t>
-            </a:r>
-            <a:endParaRPr lang="zh-CN" altLang="en-US" dirty="0" smtClean="0"/>
-          </a:p>
-          <a:p>
-            <a:endParaRPr lang="en-US" dirty="0"/>
+          <a:bodyPr>
+            <a:normAutofit/>
+          </a:bodyPr>
+          <a:lstStyle/>
+          <a:p>
+            <a:r>
+              <a:rPr lang="en-US" sz="3600" dirty="0" smtClean="0"/>
+              <a:t>Prototype Design</a:t>
+            </a:r>
+          </a:p>
+          <a:p>
+            <a:r>
+              <a:rPr lang="en-US" sz="3600" dirty="0" smtClean="0"/>
+              <a:t>Documentation</a:t>
+            </a:r>
+          </a:p>
+          <a:p>
+            <a:r>
+              <a:rPr lang="en-US" sz="3600" dirty="0" smtClean="0"/>
+              <a:t>Database Design and Setup</a:t>
+            </a:r>
+          </a:p>
+          <a:p>
+            <a:r>
+              <a:rPr lang="en-US" sz="3600" dirty="0" smtClean="0"/>
+              <a:t>Preliminary GUI Implementation </a:t>
+            </a:r>
+          </a:p>
+          <a:p>
+            <a:endParaRPr lang="en-US" sz="3600" dirty="0"/>
           </a:p>
         </p:txBody>
       </p:sp>
@@ -4754,7 +4967,7 @@
       </p:grpSpPr>
       <p:sp>
         <p:nvSpPr>
-          <p:cNvPr id="2" name="标题 1"/>
+          <p:cNvPr id="2" name="Title 1"/>
           <p:cNvSpPr>
             <a:spLocks noGrp="1"/>
           </p:cNvSpPr>
@@ -4764,109 +4977,30 @@
         </p:nvSpPr>
         <p:spPr/>
         <p:txBody>
-          <a:bodyPr>
-            <a:normAutofit/>
-          </a:bodyPr>
-          <a:lstStyle/>
-          <a:p>
-            <a:r>
-              <a:rPr lang="en-US" altLang="zh-CN" b="1" dirty="0"/>
-              <a:t>Shipper </a:t>
-            </a:r>
+          <a:bodyPr/>
+          <a:lstStyle/>
+          <a:p>
             <a:r>
               <a:rPr lang="en-US" altLang="zh-CN" b="1" dirty="0" smtClean="0"/>
-              <a:t>&amp; </a:t>
-            </a:r>
-            <a:r>
-              <a:rPr lang="en-US" altLang="zh-CN" b="1" dirty="0"/>
-              <a:t>Receiver 	</a:t>
-            </a:r>
-            <a:endParaRPr lang="zh-CN" altLang="en-US" b="1" dirty="0"/>
-          </a:p>
-        </p:txBody>
-      </p:sp>
-      <p:sp>
-        <p:nvSpPr>
-          <p:cNvPr id="3" name="内容占位符 2"/>
-          <p:cNvSpPr>
-            <a:spLocks noGrp="1"/>
-          </p:cNvSpPr>
-          <p:nvPr>
-            <p:ph idx="1"/>
-          </p:nvPr>
-        </p:nvSpPr>
-        <p:spPr>
-          <a:xfrm>
-            <a:off x="910861" y="1556792"/>
-            <a:ext cx="7618040" cy="2088232"/>
-          </a:xfrm>
-        </p:spPr>
-        <p:txBody>
-          <a:bodyPr/>
-          <a:lstStyle/>
-          <a:p>
-            <a:r>
-              <a:rPr lang="en-US" altLang="zh-CN" dirty="0"/>
-              <a:t>Check and </a:t>
-            </a:r>
-            <a:r>
-              <a:rPr lang="en-US" altLang="zh-CN" dirty="0" smtClean="0"/>
-              <a:t>assign </a:t>
-            </a:r>
-            <a:r>
-              <a:rPr lang="en-US" altLang="zh-CN" dirty="0"/>
-              <a:t>upcoming </a:t>
-            </a:r>
-            <a:r>
-              <a:rPr lang="en-US" altLang="zh-CN" dirty="0" smtClean="0"/>
-              <a:t>shipments	</a:t>
-            </a:r>
-          </a:p>
-          <a:p>
-            <a:r>
-              <a:rPr lang="en-US" altLang="zh-CN" dirty="0" smtClean="0"/>
-              <a:t>Record </a:t>
-            </a:r>
-            <a:r>
-              <a:rPr lang="en-US" altLang="zh-CN" dirty="0"/>
-              <a:t>outgoing shipment </a:t>
-            </a:r>
-            <a:r>
-              <a:rPr lang="en-US" altLang="zh-CN" dirty="0" smtClean="0"/>
-              <a:t>information</a:t>
-            </a:r>
-          </a:p>
-          <a:p>
-            <a:r>
-              <a:rPr lang="en-US" altLang="zh-CN" dirty="0"/>
-              <a:t>Track pallet contents </a:t>
-            </a:r>
-          </a:p>
-          <a:p>
-            <a:endParaRPr lang="en-US" altLang="zh-CN" dirty="0"/>
-          </a:p>
-        </p:txBody>
-      </p:sp>
-      <p:sp>
-        <p:nvSpPr>
-          <p:cNvPr id="4" name="TextBox 3"/>
-          <p:cNvSpPr txBox="1"/>
-          <p:nvPr/>
-        </p:nvSpPr>
-        <p:spPr>
-          <a:xfrm>
-            <a:off x="907615" y="3501008"/>
-            <a:ext cx="7549571" cy="2062103"/>
-          </a:xfrm>
-          <a:prstGeom prst="rect">
-            <a:avLst/>
-          </a:prstGeom>
-          <a:noFill/>
-        </p:spPr>
-        <p:txBody>
-          <a:bodyPr wrap="square" rtlCol="0">
-            <a:spAutoFit/>
-          </a:bodyPr>
+              <a:t>Stock Handler</a:t>
+            </a:r>
+            <a:endParaRPr lang="en-US" dirty="0"/>
+          </a:p>
+        </p:txBody>
+      </p:sp>
+      <p:sp>
+        <p:nvSpPr>
+          <p:cNvPr id="3" name="Content Placeholder 2"/>
+          <p:cNvSpPr>
+            <a:spLocks noGrp="1"/>
+          </p:cNvSpPr>
+          <p:nvPr>
+            <p:ph sz="quarter" idx="1"/>
+          </p:nvPr>
+        </p:nvSpPr>
+        <p:spPr/>
+        <p:txBody>
+          <a:bodyPr/>
           <a:lstStyle/>
           <a:p>
             <a:pPr marL="457200" indent="-457200">
@@ -4874,10 +5008,9 @@
               <a:buChar char="•"/>
             </a:pPr>
             <a:r>
-              <a:rPr lang="en-US" altLang="zh-CN" sz="3200" dirty="0"/>
-              <a:t>Input information for incoming products </a:t>
-            </a:r>
-            <a:endParaRPr lang="en-US" altLang="zh-CN" sz="3200" dirty="0" smtClean="0"/>
+              <a:rPr lang="en-US" altLang="zh-CN" dirty="0" smtClean="0"/>
+              <a:t>Create daily plans for stock to be gather	</a:t>
+            </a:r>
           </a:p>
           <a:p>
             <a:pPr marL="457200" indent="-457200">
@@ -4885,12 +5018,8 @@
               <a:buChar char="•"/>
             </a:pPr>
             <a:r>
-              <a:rPr lang="en-US" altLang="zh-CN" sz="3200" dirty="0" smtClean="0"/>
-              <a:t>Check </a:t>
-            </a:r>
-            <a:r>
-              <a:rPr lang="en-US" altLang="zh-CN" sz="3200" dirty="0"/>
-              <a:t>warehouse capacity 	</a:t>
+              <a:rPr lang="en-US" altLang="zh-CN" dirty="0" smtClean="0"/>
+              <a:t>Figure out most efficient routes to take to gather all products for shipment 	</a:t>
             </a:r>
           </a:p>
           <a:p>
@@ -4899,22 +5028,27 @@
               <a:buChar char="•"/>
             </a:pPr>
             <a:r>
-              <a:rPr lang="en-US" altLang="zh-CN" sz="3200" dirty="0" smtClean="0"/>
-              <a:t>Check </a:t>
-            </a:r>
-            <a:r>
-              <a:rPr lang="en-US" altLang="zh-CN" sz="3200" dirty="0"/>
-              <a:t>shipments to be shipped to create space 	</a:t>
-            </a:r>
+              <a:rPr lang="en-US" altLang="zh-CN" dirty="0" smtClean="0"/>
+              <a:t>Recording and monitoring of inconsistencies in stock levels 	</a:t>
+            </a:r>
+          </a:p>
+          <a:p>
+            <a:pPr marL="457200" indent="-457200">
+              <a:buFont typeface="Arial" pitchFamily="34" charset="0"/>
+              <a:buChar char="•"/>
+            </a:pPr>
+            <a:r>
+              <a:rPr lang="en-US" altLang="zh-CN" dirty="0" smtClean="0"/>
+              <a:t>Track speed of each of the workers</a:t>
+            </a:r>
+            <a:endParaRPr lang="zh-CN" altLang="en-US" dirty="0" smtClean="0"/>
+          </a:p>
+          <a:p>
+            <a:endParaRPr lang="en-US" dirty="0"/>
           </a:p>
         </p:txBody>
       </p:sp>
     </p:spTree>
-    <p:extLst>
-      <p:ext uri="{BB962C8B-B14F-4D97-AF65-F5344CB8AC3E}">
-        <p14:creationId xmlns:p14="http://schemas.microsoft.com/office/powerpoint/2010/main" xmlns="" val="3957772106"/>
-      </p:ext>
-    </p:extLst>
   </p:cSld>
   <p:clrMapOvr>
     <a:masterClrMapping/>
@@ -4951,63 +5085,155 @@
         </p:nvSpPr>
         <p:spPr/>
         <p:txBody>
-          <a:bodyPr/>
-          <a:lstStyle/>
-          <a:p>
-            <a:r>
-              <a:rPr lang="en-US" altLang="zh-CN" dirty="0" smtClean="0"/>
-              <a:t>Manager</a:t>
-            </a:r>
-            <a:endParaRPr lang="zh-CN" altLang="en-US" dirty="0"/>
-          </a:p>
-        </p:txBody>
-      </p:sp>
-      <p:sp>
-        <p:nvSpPr>
-          <p:cNvPr id="3" name="内容占位符 2"/>
-          <p:cNvSpPr>
-            <a:spLocks noGrp="1"/>
-          </p:cNvSpPr>
-          <p:nvPr>
-            <p:ph idx="1"/>
-          </p:nvPr>
-        </p:nvSpPr>
-        <p:spPr>
-          <a:xfrm>
-            <a:off x="971600" y="2132856"/>
-            <a:ext cx="7879162" cy="2764903"/>
-          </a:xfrm>
-        </p:spPr>
-        <p:txBody>
           <a:bodyPr>
             <a:normAutofit/>
           </a:bodyPr>
           <a:lstStyle/>
           <a:p>
             <a:r>
+              <a:rPr lang="en-US" altLang="zh-CN" b="1" dirty="0"/>
+              <a:t>Shipper </a:t>
+            </a:r>
+            <a:r>
+              <a:rPr lang="en-US" altLang="zh-CN" b="1" dirty="0" smtClean="0"/>
+              <a:t>&amp; </a:t>
+            </a:r>
+            <a:r>
+              <a:rPr lang="en-US" altLang="zh-CN" b="1" dirty="0"/>
+              <a:t>Receiver 	</a:t>
+            </a:r>
+            <a:endParaRPr lang="zh-CN" altLang="en-US" b="1" dirty="0"/>
+          </a:p>
+        </p:txBody>
+      </p:sp>
+      <p:sp>
+        <p:nvSpPr>
+          <p:cNvPr id="3" name="内容占位符 2"/>
+          <p:cNvSpPr>
+            <a:spLocks noGrp="1"/>
+          </p:cNvSpPr>
+          <p:nvPr>
+            <p:ph idx="1"/>
+          </p:nvPr>
+        </p:nvSpPr>
+        <p:spPr>
+          <a:xfrm>
+            <a:off x="910861" y="1556792"/>
+            <a:ext cx="7618040" cy="2088232"/>
+          </a:xfrm>
+        </p:spPr>
+        <p:txBody>
+          <a:bodyPr/>
+          <a:lstStyle/>
+          <a:p>
+            <a:r>
+              <a:rPr lang="en-US" altLang="zh-CN" dirty="0"/>
+              <a:t>Check and </a:t>
+            </a:r>
+            <a:r>
               <a:rPr lang="en-US" altLang="zh-CN" dirty="0" smtClean="0"/>
-              <a:t>It is a management and reporting system</a:t>
-            </a:r>
-          </a:p>
-          <a:p>
+              <a:t>assign </a:t>
+            </a:r>
+            <a:r>
+              <a:rPr lang="en-US" altLang="zh-CN" dirty="0"/>
+              <a:t>upcoming </a:t>
+            </a:r>
             <a:r>
               <a:rPr lang="en-US" altLang="zh-CN" dirty="0" smtClean="0"/>
-              <a:t>Product listing, purchase order listing and shipping listing, including basic information about item name, price, and time.</a:t>
+              <a:t>shipments	</a:t>
             </a:r>
           </a:p>
           <a:p>
             <a:r>
               <a:rPr lang="en-US" altLang="zh-CN" dirty="0" smtClean="0"/>
-              <a:t>Statistic report, employee report.</a:t>
-            </a:r>
-            <a:endParaRPr lang="zh-CN" altLang="en-US" dirty="0"/>
+              <a:t>Record </a:t>
+            </a:r>
+            <a:r>
+              <a:rPr lang="en-US" altLang="zh-CN" dirty="0"/>
+              <a:t>outgoing shipment </a:t>
+            </a:r>
+            <a:r>
+              <a:rPr lang="en-US" altLang="zh-CN" dirty="0" smtClean="0"/>
+              <a:t>information</a:t>
+            </a:r>
+          </a:p>
+          <a:p>
+            <a:r>
+              <a:rPr lang="en-US" altLang="zh-CN" dirty="0"/>
+              <a:t>Track pallet contents </a:t>
+            </a:r>
+          </a:p>
+          <a:p>
+            <a:endParaRPr lang="en-US" altLang="zh-CN" dirty="0"/>
+          </a:p>
+        </p:txBody>
+      </p:sp>
+      <p:sp>
+        <p:nvSpPr>
+          <p:cNvPr id="4" name="TextBox 3"/>
+          <p:cNvSpPr txBox="1"/>
+          <p:nvPr/>
+        </p:nvSpPr>
+        <p:spPr>
+          <a:xfrm>
+            <a:off x="907615" y="3501008"/>
+            <a:ext cx="7549571" cy="2062103"/>
+          </a:xfrm>
+          <a:prstGeom prst="rect">
+            <a:avLst/>
+          </a:prstGeom>
+          <a:noFill/>
+        </p:spPr>
+        <p:txBody>
+          <a:bodyPr wrap="square" rtlCol="0">
+            <a:spAutoFit/>
+          </a:bodyPr>
+          <a:lstStyle/>
+          <a:p>
+            <a:pPr marL="457200" indent="-457200">
+              <a:buFont typeface="Arial" pitchFamily="34" charset="0"/>
+              <a:buChar char="•"/>
+            </a:pPr>
+            <a:r>
+              <a:rPr lang="en-US" altLang="zh-CN" sz="3200" dirty="0"/>
+              <a:t>Input information for incoming products </a:t>
+            </a:r>
+            <a:endParaRPr lang="en-US" altLang="zh-CN" sz="3200" dirty="0" smtClean="0"/>
+          </a:p>
+          <a:p>
+            <a:pPr marL="457200" indent="-457200">
+              <a:buFont typeface="Arial" pitchFamily="34" charset="0"/>
+              <a:buChar char="•"/>
+            </a:pPr>
+            <a:r>
+              <a:rPr lang="en-US" altLang="zh-CN" sz="3200" dirty="0" smtClean="0"/>
+              <a:t>Check </a:t>
+            </a:r>
+            <a:r>
+              <a:rPr lang="en-US" altLang="zh-CN" sz="3200" dirty="0"/>
+              <a:t>warehouse capacity 	</a:t>
+            </a:r>
+          </a:p>
+          <a:p>
+            <a:pPr marL="457200" indent="-457200">
+              <a:buFont typeface="Arial" pitchFamily="34" charset="0"/>
+              <a:buChar char="•"/>
+            </a:pPr>
+            <a:r>
+              <a:rPr lang="en-US" altLang="zh-CN" sz="3200" dirty="0" smtClean="0"/>
+              <a:t>Check </a:t>
+            </a:r>
+            <a:r>
+              <a:rPr lang="en-US" altLang="zh-CN" sz="3200" dirty="0"/>
+              <a:t>shipments to be shipped to create space 	</a:t>
+            </a:r>
           </a:p>
         </p:txBody>
       </p:sp>
     </p:spTree>
     <p:extLst>
       <p:ext uri="{BB962C8B-B14F-4D97-AF65-F5344CB8AC3E}">
-        <p14:creationId xmlns:p14="http://schemas.microsoft.com/office/powerpoint/2010/main" xmlns="" val="1471122107"/>
+        <p14:creationId xmlns:p14="http://schemas.microsoft.com/office/powerpoint/2010/main" xmlns="" val="3957772106"/>
       </p:ext>
     </p:extLst>
   </p:cSld>
@@ -5036,6 +5262,29 @@
       </p:grpSpPr>
       <p:sp>
         <p:nvSpPr>
+          <p:cNvPr id="2" name="标题 1"/>
+          <p:cNvSpPr>
+            <a:spLocks noGrp="1"/>
+          </p:cNvSpPr>
+          <p:nvPr>
+            <p:ph type="title"/>
+          </p:nvPr>
+        </p:nvSpPr>
+        <p:spPr/>
+        <p:txBody>
+          <a:bodyPr/>
+          <a:lstStyle/>
+          <a:p>
+            <a:r>
+              <a:rPr lang="en-US" altLang="zh-CN" dirty="0" smtClean="0"/>
+              <a:t>Manager</a:t>
+            </a:r>
+            <a:endParaRPr lang="zh-CN" altLang="en-US" dirty="0"/>
+          </a:p>
+        </p:txBody>
+      </p:sp>
+      <p:sp>
+        <p:nvSpPr>
           <p:cNvPr id="3" name="内容占位符 2"/>
           <p:cNvSpPr>
             <a:spLocks noGrp="1"/>
@@ -5046,34 +5295,31 @@
         </p:nvSpPr>
         <p:spPr>
           <a:xfrm>
-            <a:off x="1331640" y="2060848"/>
-            <a:ext cx="6419056" cy="2692896"/>
-          </a:xfrm>
-        </p:spPr>
-        <p:txBody>
-          <a:bodyPr/>
+            <a:off x="971600" y="2132856"/>
+            <a:ext cx="7879162" cy="2764903"/>
+          </a:xfrm>
+        </p:spPr>
+        <p:txBody>
+          <a:bodyPr>
+            <a:normAutofit/>
+          </a:bodyPr>
           <a:lstStyle/>
           <a:p>
             <a:r>
               <a:rPr lang="en-US" altLang="zh-CN" dirty="0" smtClean="0"/>
-              <a:t>No</a:t>
-            </a:r>
-            <a:r>
-              <a:rPr lang="en-US" altLang="zh-CN" dirty="0"/>
-              <a:t> breakdown of the work</a:t>
-            </a:r>
-            <a:endParaRPr lang="en-US" altLang="zh-CN" dirty="0" smtClean="0"/>
+              <a:t>It is a management and reporting system</a:t>
+            </a:r>
           </a:p>
           <a:p>
             <a:r>
               <a:rPr lang="en-US" altLang="zh-CN" dirty="0" smtClean="0"/>
-              <a:t>Cooperate closely</a:t>
+              <a:t>Product listing, purchase order listing and shipping listing, including basic information about item name, price, and time.</a:t>
             </a:r>
           </a:p>
           <a:p>
             <a:r>
               <a:rPr lang="en-US" altLang="zh-CN" dirty="0" smtClean="0"/>
-              <a:t>Discuss and Find out solution</a:t>
+              <a:t>Statistic report, employee report.</a:t>
             </a:r>
             <a:endParaRPr lang="zh-CN" altLang="en-US" dirty="0"/>
           </a:p>
@@ -5082,7 +5328,7 @@
     </p:spTree>
     <p:extLst>
       <p:ext uri="{BB962C8B-B14F-4D97-AF65-F5344CB8AC3E}">
-        <p14:creationId xmlns:p14="http://schemas.microsoft.com/office/powerpoint/2010/main" xmlns="" val="1440489434"/>
+        <p14:creationId xmlns:p14="http://schemas.microsoft.com/office/powerpoint/2010/main" xmlns="" val="1471122107"/>
       </p:ext>
     </p:extLst>
   </p:cSld>
@@ -5111,148 +5357,55 @@
       </p:grpSpPr>
       <p:sp>
         <p:nvSpPr>
-          <p:cNvPr id="2" name="Title 1"/>
-          <p:cNvSpPr>
-            <a:spLocks noGrp="1"/>
-          </p:cNvSpPr>
-          <p:nvPr>
-            <p:ph type="title"/>
-          </p:nvPr>
-        </p:nvSpPr>
-        <p:spPr/>
-        <p:txBody>
-          <a:bodyPr/>
-          <a:lstStyle/>
-          <a:p>
-            <a:r>
-              <a:rPr lang="en-US" dirty="0" smtClean="0"/>
-              <a:t>Project Tools</a:t>
-            </a:r>
-            <a:endParaRPr lang="en-US" dirty="0"/>
-          </a:p>
-        </p:txBody>
-      </p:sp>
-      <p:sp>
-        <p:nvSpPr>
-          <p:cNvPr id="3" name="Content Placeholder 2"/>
-          <p:cNvSpPr>
-            <a:spLocks noGrp="1"/>
-          </p:cNvSpPr>
-          <p:nvPr>
-            <p:ph sz="quarter" idx="1"/>
-          </p:nvPr>
-        </p:nvSpPr>
-        <p:spPr/>
-        <p:txBody>
-          <a:bodyPr>
-            <a:normAutofit/>
-          </a:bodyPr>
-          <a:lstStyle/>
-          <a:p>
-            <a:r>
-              <a:rPr lang="en-US" sz="3200" dirty="0" smtClean="0"/>
-              <a:t>Software</a:t>
-            </a:r>
-          </a:p>
-          <a:p>
-            <a:pPr lvl="1"/>
-            <a:r>
-              <a:rPr lang="en-US" sz="3200" dirty="0" smtClean="0"/>
-              <a:t>Languages</a:t>
-            </a:r>
-          </a:p>
-          <a:p>
-            <a:pPr lvl="2"/>
-            <a:r>
-              <a:rPr lang="en-US" sz="3200" dirty="0" smtClean="0"/>
-              <a:t>Java</a:t>
-            </a:r>
-          </a:p>
-          <a:p>
-            <a:pPr lvl="2"/>
-            <a:r>
-              <a:rPr lang="en-US" sz="3200" dirty="0" smtClean="0"/>
-              <a:t>SQL</a:t>
-            </a:r>
-          </a:p>
-          <a:p>
-            <a:pPr lvl="2"/>
-            <a:endParaRPr lang="en-US" sz="3200" dirty="0" smtClean="0"/>
-          </a:p>
-          <a:p>
-            <a:pPr lvl="1"/>
-            <a:r>
-              <a:rPr lang="en-US" sz="3200" dirty="0" smtClean="0"/>
-              <a:t>Databases</a:t>
-            </a:r>
-          </a:p>
-          <a:p>
-            <a:pPr lvl="2"/>
-            <a:r>
-              <a:rPr lang="en-US" sz="3200" dirty="0" err="1" smtClean="0"/>
-              <a:t>MySQL</a:t>
-            </a:r>
-            <a:endParaRPr lang="en-US" sz="3200" dirty="0" smtClean="0"/>
-          </a:p>
-          <a:p>
-            <a:pPr lvl="2"/>
-            <a:r>
-              <a:rPr lang="en-US" sz="3200" dirty="0" smtClean="0"/>
-              <a:t>Neo4j</a:t>
-            </a:r>
-          </a:p>
-        </p:txBody>
-      </p:sp>
-      <p:sp>
-        <p:nvSpPr>
-          <p:cNvPr id="4" name="Content Placeholder 3"/>
-          <p:cNvSpPr>
-            <a:spLocks noGrp="1"/>
-          </p:cNvSpPr>
-          <p:nvPr>
-            <p:ph sz="quarter" idx="2"/>
-          </p:nvPr>
-        </p:nvSpPr>
-        <p:spPr/>
-        <p:txBody>
-          <a:bodyPr/>
-          <a:lstStyle/>
-          <a:p>
-            <a:r>
-              <a:rPr lang="en-US" sz="3200" dirty="0" smtClean="0"/>
-              <a:t>Project Management</a:t>
-            </a:r>
-          </a:p>
-          <a:p>
-            <a:pPr lvl="2"/>
-            <a:r>
-              <a:rPr lang="en-US" sz="3200" dirty="0" err="1" smtClean="0"/>
-              <a:t>GitHub</a:t>
-            </a:r>
-            <a:endParaRPr lang="en-US" sz="3200" dirty="0" smtClean="0"/>
-          </a:p>
-          <a:p>
-            <a:pPr lvl="2"/>
-            <a:r>
-              <a:rPr lang="en-US" sz="3200" dirty="0" smtClean="0"/>
-              <a:t>Ant</a:t>
-            </a:r>
-          </a:p>
-          <a:p>
-            <a:pPr lvl="2"/>
-            <a:r>
-              <a:rPr lang="en-US" sz="3200" dirty="0" err="1" smtClean="0"/>
-              <a:t>Doxygen</a:t>
-            </a:r>
-            <a:endParaRPr lang="en-US" sz="3200" dirty="0" smtClean="0"/>
-          </a:p>
-          <a:p>
-            <a:pPr lvl="1"/>
-            <a:endParaRPr lang="en-US" dirty="0"/>
+          <p:cNvPr id="3" name="内容占位符 2"/>
+          <p:cNvSpPr>
+            <a:spLocks noGrp="1"/>
+          </p:cNvSpPr>
+          <p:nvPr>
+            <p:ph idx="1"/>
+          </p:nvPr>
+        </p:nvSpPr>
+        <p:spPr>
+          <a:xfrm>
+            <a:off x="1331640" y="2060848"/>
+            <a:ext cx="6419056" cy="2692896"/>
+          </a:xfrm>
+        </p:spPr>
+        <p:txBody>
+          <a:bodyPr/>
+          <a:lstStyle/>
+          <a:p>
+            <a:r>
+              <a:rPr lang="en-US" altLang="zh-CN" dirty="0" smtClean="0"/>
+              <a:t>No</a:t>
+            </a:r>
+            <a:r>
+              <a:rPr lang="en-US" altLang="zh-CN" dirty="0"/>
+              <a:t> breakdown of the work</a:t>
+            </a:r>
+            <a:endParaRPr lang="en-US" altLang="zh-CN" dirty="0" smtClean="0"/>
+          </a:p>
+          <a:p>
+            <a:r>
+              <a:rPr lang="en-US" altLang="zh-CN" dirty="0" smtClean="0"/>
+              <a:t>Cooperate closely</a:t>
+            </a:r>
+          </a:p>
+          <a:p>
+            <a:r>
+              <a:rPr lang="en-US" altLang="zh-CN" dirty="0" smtClean="0"/>
+              <a:t>Discuss and Find out solution</a:t>
+            </a:r>
+            <a:endParaRPr lang="zh-CN" altLang="en-US" dirty="0"/>
           </a:p>
         </p:txBody>
       </p:sp>
     </p:spTree>
+    <p:extLst>
+      <p:ext uri="{BB962C8B-B14F-4D97-AF65-F5344CB8AC3E}">
+        <p14:creationId xmlns:p14="http://schemas.microsoft.com/office/powerpoint/2010/main" xmlns="" val="1440489434"/>
+      </p:ext>
+    </p:extLst>
   </p:cSld>
   <p:clrMapOvr>
     <a:masterClrMapping/>

--- a/docs/presentation-proposal/group02-proposalPresentation-warehouse.pptx
+++ b/docs/presentation-proposal/group02-proposalPresentation-warehouse.pptx
@@ -5,7 +5,7 @@
     <p:sldMasterId id="2147483660" r:id="rId1"/>
   </p:sldMasterIdLst>
   <p:notesMasterIdLst>
-    <p:notesMasterId r:id="rId13"/>
+    <p:notesMasterId r:id="rId15"/>
   </p:notesMasterIdLst>
   <p:sldIdLst>
     <p:sldId id="256" r:id="rId2"/>
@@ -13,12 +13,14 @@
     <p:sldId id="266" r:id="rId4"/>
     <p:sldId id="267" r:id="rId5"/>
     <p:sldId id="259" r:id="rId6"/>
-    <p:sldId id="261" r:id="rId7"/>
-    <p:sldId id="263" r:id="rId8"/>
-    <p:sldId id="264" r:id="rId9"/>
-    <p:sldId id="265" r:id="rId10"/>
-    <p:sldId id="257" r:id="rId11"/>
-    <p:sldId id="258" r:id="rId12"/>
+    <p:sldId id="268" r:id="rId7"/>
+    <p:sldId id="269" r:id="rId8"/>
+    <p:sldId id="261" r:id="rId9"/>
+    <p:sldId id="263" r:id="rId10"/>
+    <p:sldId id="264" r:id="rId11"/>
+    <p:sldId id="265" r:id="rId12"/>
+    <p:sldId id="257" r:id="rId13"/>
+    <p:sldId id="258" r:id="rId14"/>
   </p:sldIdLst>
   <p:sldSz cx="9144000" cy="6858000" type="screen4x3"/>
   <p:notesSz cx="6858000" cy="9144000"/>
@@ -541,6 +543,176 @@
         </p:txBody>
       </p:sp>
     </p:spTree>
+  </p:cSld>
+  <p:clrMapOvr>
+    <a:masterClrMapping/>
+  </p:clrMapOvr>
+</p:notes>
+</file>
+
+<file path=ppt/notesSlides/notesSlide2.xml><?xml version="1.0" encoding="utf-8"?>
+<p:notes xmlns:a="http://schemas.openxmlformats.org/drawingml/2006/main" xmlns:r="http://schemas.openxmlformats.org/officeDocument/2006/relationships" xmlns:p="http://schemas.openxmlformats.org/presentationml/2006/main">
+  <p:cSld>
+    <p:spTree>
+      <p:nvGrpSpPr>
+        <p:cNvPr id="1" name=""/>
+        <p:cNvGrpSpPr/>
+        <p:nvPr/>
+      </p:nvGrpSpPr>
+      <p:grpSpPr>
+        <a:xfrm>
+          <a:off x="0" y="0"/>
+          <a:ext cx="0" cy="0"/>
+          <a:chOff x="0" y="0"/>
+          <a:chExt cx="0" cy="0"/>
+        </a:xfrm>
+      </p:grpSpPr>
+      <p:sp>
+        <p:nvSpPr>
+          <p:cNvPr id="2" name="Slide Image Placeholder 1"/>
+          <p:cNvSpPr>
+            <a:spLocks noGrp="1" noRot="1" noChangeAspect="1"/>
+          </p:cNvSpPr>
+          <p:nvPr>
+            <p:ph type="sldImg"/>
+          </p:nvPr>
+        </p:nvSpPr>
+        <p:spPr/>
+      </p:sp>
+      <p:sp>
+        <p:nvSpPr>
+          <p:cNvPr id="3" name="Notes Placeholder 2"/>
+          <p:cNvSpPr>
+            <a:spLocks noGrp="1"/>
+          </p:cNvSpPr>
+          <p:nvPr>
+            <p:ph type="body" idx="1"/>
+          </p:nvPr>
+        </p:nvSpPr>
+        <p:spPr/>
+        <p:txBody>
+          <a:bodyPr/>
+          <a:lstStyle/>
+          <a:p>
+            <a:endParaRPr lang="en-CA" dirty="0"/>
+          </a:p>
+        </p:txBody>
+      </p:sp>
+      <p:sp>
+        <p:nvSpPr>
+          <p:cNvPr id="4" name="Slide Number Placeholder 3"/>
+          <p:cNvSpPr>
+            <a:spLocks noGrp="1"/>
+          </p:cNvSpPr>
+          <p:nvPr>
+            <p:ph type="sldNum" sz="quarter" idx="10"/>
+          </p:nvPr>
+        </p:nvSpPr>
+        <p:spPr/>
+        <p:txBody>
+          <a:bodyPr/>
+          <a:lstStyle/>
+          <a:p>
+            <a:fld id="{A65087DF-A252-433C-A54F-35F1BAC6DEB9}" type="slidenum">
+              <a:rPr lang="en-CA" smtClean="0"/>
+              <a:pPr/>
+              <a:t>6</a:t>
+            </a:fld>
+            <a:endParaRPr lang="en-CA"/>
+          </a:p>
+        </p:txBody>
+      </p:sp>
+    </p:spTree>
+    <p:extLst>
+      <p:ext uri="{BB962C8B-B14F-4D97-AF65-F5344CB8AC3E}">
+        <p14:creationId xmlns:p14="http://schemas.microsoft.com/office/powerpoint/2010/main" xmlns="" val="3316710920"/>
+      </p:ext>
+    </p:extLst>
+  </p:cSld>
+  <p:clrMapOvr>
+    <a:masterClrMapping/>
+  </p:clrMapOvr>
+</p:notes>
+</file>
+
+<file path=ppt/notesSlides/notesSlide3.xml><?xml version="1.0" encoding="utf-8"?>
+<p:notes xmlns:a="http://schemas.openxmlformats.org/drawingml/2006/main" xmlns:r="http://schemas.openxmlformats.org/officeDocument/2006/relationships" xmlns:p="http://schemas.openxmlformats.org/presentationml/2006/main">
+  <p:cSld>
+    <p:spTree>
+      <p:nvGrpSpPr>
+        <p:cNvPr id="1" name=""/>
+        <p:cNvGrpSpPr/>
+        <p:nvPr/>
+      </p:nvGrpSpPr>
+      <p:grpSpPr>
+        <a:xfrm>
+          <a:off x="0" y="0"/>
+          <a:ext cx="0" cy="0"/>
+          <a:chOff x="0" y="0"/>
+          <a:chExt cx="0" cy="0"/>
+        </a:xfrm>
+      </p:grpSpPr>
+      <p:sp>
+        <p:nvSpPr>
+          <p:cNvPr id="2" name="Slide Image Placeholder 1"/>
+          <p:cNvSpPr>
+            <a:spLocks noGrp="1" noRot="1" noChangeAspect="1"/>
+          </p:cNvSpPr>
+          <p:nvPr>
+            <p:ph type="sldImg"/>
+          </p:nvPr>
+        </p:nvSpPr>
+        <p:spPr/>
+      </p:sp>
+      <p:sp>
+        <p:nvSpPr>
+          <p:cNvPr id="3" name="Notes Placeholder 2"/>
+          <p:cNvSpPr>
+            <a:spLocks noGrp="1"/>
+          </p:cNvSpPr>
+          <p:nvPr>
+            <p:ph type="body" idx="1"/>
+          </p:nvPr>
+        </p:nvSpPr>
+        <p:spPr/>
+        <p:txBody>
+          <a:bodyPr/>
+          <a:lstStyle/>
+          <a:p>
+            <a:endParaRPr lang="en-CA" dirty="0"/>
+          </a:p>
+        </p:txBody>
+      </p:sp>
+      <p:sp>
+        <p:nvSpPr>
+          <p:cNvPr id="4" name="Slide Number Placeholder 3"/>
+          <p:cNvSpPr>
+            <a:spLocks noGrp="1"/>
+          </p:cNvSpPr>
+          <p:nvPr>
+            <p:ph type="sldNum" sz="quarter" idx="10"/>
+          </p:nvPr>
+        </p:nvSpPr>
+        <p:spPr/>
+        <p:txBody>
+          <a:bodyPr/>
+          <a:lstStyle/>
+          <a:p>
+            <a:fld id="{A65087DF-A252-433C-A54F-35F1BAC6DEB9}" type="slidenum">
+              <a:rPr lang="en-CA" smtClean="0"/>
+              <a:pPr/>
+              <a:t>7</a:t>
+            </a:fld>
+            <a:endParaRPr lang="en-CA"/>
+          </a:p>
+        </p:txBody>
+      </p:sp>
+    </p:spTree>
+    <p:extLst>
+      <p:ext uri="{BB962C8B-B14F-4D97-AF65-F5344CB8AC3E}">
+        <p14:creationId xmlns:p14="http://schemas.microsoft.com/office/powerpoint/2010/main" xmlns="" val="1146942259"/>
+      </p:ext>
+    </p:extLst>
   </p:cSld>
   <p:clrMapOvr>
     <a:masterClrMapping/>
@@ -4300,6 +4472,176 @@
       </p:grpSpPr>
       <p:sp>
         <p:nvSpPr>
+          <p:cNvPr id="2" name="标题 1"/>
+          <p:cNvSpPr>
+            <a:spLocks noGrp="1"/>
+          </p:cNvSpPr>
+          <p:nvPr>
+            <p:ph type="title"/>
+          </p:nvPr>
+        </p:nvSpPr>
+        <p:spPr/>
+        <p:txBody>
+          <a:bodyPr/>
+          <a:lstStyle/>
+          <a:p>
+            <a:r>
+              <a:rPr lang="en-US" altLang="zh-CN" dirty="0" smtClean="0"/>
+              <a:t>Manager</a:t>
+            </a:r>
+            <a:endParaRPr lang="zh-CN" altLang="en-US" dirty="0"/>
+          </a:p>
+        </p:txBody>
+      </p:sp>
+      <p:sp>
+        <p:nvSpPr>
+          <p:cNvPr id="3" name="内容占位符 2"/>
+          <p:cNvSpPr>
+            <a:spLocks noGrp="1"/>
+          </p:cNvSpPr>
+          <p:nvPr>
+            <p:ph idx="1"/>
+          </p:nvPr>
+        </p:nvSpPr>
+        <p:spPr>
+          <a:xfrm>
+            <a:off x="971600" y="2132856"/>
+            <a:ext cx="7879162" cy="2764903"/>
+          </a:xfrm>
+        </p:spPr>
+        <p:txBody>
+          <a:bodyPr>
+            <a:normAutofit/>
+          </a:bodyPr>
+          <a:lstStyle/>
+          <a:p>
+            <a:r>
+              <a:rPr lang="en-US" altLang="zh-CN" dirty="0" smtClean="0"/>
+              <a:t>It is a management and reporting system</a:t>
+            </a:r>
+          </a:p>
+          <a:p>
+            <a:r>
+              <a:rPr lang="en-US" altLang="zh-CN" dirty="0" smtClean="0"/>
+              <a:t>Product listing, purchase order listing and shipping listing, including basic information about item name, price, and time.</a:t>
+            </a:r>
+          </a:p>
+          <a:p>
+            <a:r>
+              <a:rPr lang="en-US" altLang="zh-CN" dirty="0" smtClean="0"/>
+              <a:t>Statistic report, employee report.</a:t>
+            </a:r>
+            <a:endParaRPr lang="zh-CN" altLang="en-US" dirty="0"/>
+          </a:p>
+        </p:txBody>
+      </p:sp>
+    </p:spTree>
+    <p:extLst>
+      <p:ext uri="{BB962C8B-B14F-4D97-AF65-F5344CB8AC3E}">
+        <p14:creationId xmlns:p14="http://schemas.microsoft.com/office/powerpoint/2010/main" xmlns="" val="1471122107"/>
+      </p:ext>
+    </p:extLst>
+  </p:cSld>
+  <p:clrMapOvr>
+    <a:masterClrMapping/>
+  </p:clrMapOvr>
+</p:sld>
+</file>
+
+<file path=ppt/slides/slide11.xml><?xml version="1.0" encoding="utf-8"?>
+<p:sld xmlns:a="http://schemas.openxmlformats.org/drawingml/2006/main" xmlns:r="http://schemas.openxmlformats.org/officeDocument/2006/relationships" xmlns:p="http://schemas.openxmlformats.org/presentationml/2006/main">
+  <p:cSld>
+    <p:spTree>
+      <p:nvGrpSpPr>
+        <p:cNvPr id="1" name=""/>
+        <p:cNvGrpSpPr/>
+        <p:nvPr/>
+      </p:nvGrpSpPr>
+      <p:grpSpPr>
+        <a:xfrm>
+          <a:off x="0" y="0"/>
+          <a:ext cx="0" cy="0"/>
+          <a:chOff x="0" y="0"/>
+          <a:chExt cx="0" cy="0"/>
+        </a:xfrm>
+      </p:grpSpPr>
+      <p:sp>
+        <p:nvSpPr>
+          <p:cNvPr id="3" name="内容占位符 2"/>
+          <p:cNvSpPr>
+            <a:spLocks noGrp="1"/>
+          </p:cNvSpPr>
+          <p:nvPr>
+            <p:ph idx="1"/>
+          </p:nvPr>
+        </p:nvSpPr>
+        <p:spPr>
+          <a:xfrm>
+            <a:off x="1331640" y="2060848"/>
+            <a:ext cx="6419056" cy="2692896"/>
+          </a:xfrm>
+        </p:spPr>
+        <p:txBody>
+          <a:bodyPr/>
+          <a:lstStyle/>
+          <a:p>
+            <a:r>
+              <a:rPr lang="en-US" altLang="zh-CN" dirty="0" smtClean="0"/>
+              <a:t>No</a:t>
+            </a:r>
+            <a:r>
+              <a:rPr lang="en-US" altLang="zh-CN" dirty="0"/>
+              <a:t> breakdown of the work</a:t>
+            </a:r>
+            <a:endParaRPr lang="en-US" altLang="zh-CN" dirty="0" smtClean="0"/>
+          </a:p>
+          <a:p>
+            <a:r>
+              <a:rPr lang="en-US" altLang="zh-CN" dirty="0" smtClean="0"/>
+              <a:t>Cooperate closely</a:t>
+            </a:r>
+          </a:p>
+          <a:p>
+            <a:r>
+              <a:rPr lang="en-US" altLang="zh-CN" dirty="0" smtClean="0"/>
+              <a:t>Discuss and Find out solution</a:t>
+            </a:r>
+            <a:endParaRPr lang="zh-CN" altLang="en-US" dirty="0"/>
+          </a:p>
+        </p:txBody>
+      </p:sp>
+    </p:spTree>
+    <p:extLst>
+      <p:ext uri="{BB962C8B-B14F-4D97-AF65-F5344CB8AC3E}">
+        <p14:creationId xmlns:p14="http://schemas.microsoft.com/office/powerpoint/2010/main" xmlns="" val="1440489434"/>
+      </p:ext>
+    </p:extLst>
+  </p:cSld>
+  <p:clrMapOvr>
+    <a:masterClrMapping/>
+  </p:clrMapOvr>
+</p:sld>
+</file>
+
+<file path=ppt/slides/slide12.xml><?xml version="1.0" encoding="utf-8"?>
+<p:sld xmlns:a="http://schemas.openxmlformats.org/drawingml/2006/main" xmlns:r="http://schemas.openxmlformats.org/officeDocument/2006/relationships" xmlns:p="http://schemas.openxmlformats.org/presentationml/2006/main">
+  <p:cSld>
+    <p:spTree>
+      <p:nvGrpSpPr>
+        <p:cNvPr id="1" name=""/>
+        <p:cNvGrpSpPr/>
+        <p:nvPr/>
+      </p:nvGrpSpPr>
+      <p:grpSpPr>
+        <a:xfrm>
+          <a:off x="0" y="0"/>
+          <a:ext cx="0" cy="0"/>
+          <a:chOff x="0" y="0"/>
+          <a:chExt cx="0" cy="0"/>
+        </a:xfrm>
+      </p:grpSpPr>
+      <p:sp>
+        <p:nvSpPr>
           <p:cNvPr id="2" name="Title 1"/>
           <p:cNvSpPr>
             <a:spLocks noGrp="1"/>
@@ -4449,7 +4791,7 @@
 </p:sld>
 </file>
 
-<file path=ppt/slides/slide11.xml><?xml version="1.0" encoding="utf-8"?>
+<file path=ppt/slides/slide13.xml><?xml version="1.0" encoding="utf-8"?>
 <p:sld xmlns:a="http://schemas.openxmlformats.org/drawingml/2006/main" xmlns:r="http://schemas.openxmlformats.org/officeDocument/2006/relationships" xmlns:p="http://schemas.openxmlformats.org/presentationml/2006/main">
   <p:cSld>
     <p:spTree>
@@ -4949,7 +5291,7 @@
 </file>
 
 <file path=ppt/slides/slide6.xml><?xml version="1.0" encoding="utf-8"?>
-<p:sld xmlns:a="http://schemas.openxmlformats.org/drawingml/2006/main" xmlns:r="http://schemas.openxmlformats.org/officeDocument/2006/relationships" xmlns:p="http://schemas.openxmlformats.org/presentationml/2006/main">
+<p:sld xmlns:a="http://schemas.openxmlformats.org/drawingml/2006/main" xmlns:r="http://schemas.openxmlformats.org/officeDocument/2006/relationships" xmlns:p="http://schemas.openxmlformats.org/presentationml/2006/main" showMasterSp="0">
   <p:cSld>
     <p:spTree>
       <p:nvGrpSpPr>
@@ -4965,94 +5307,901 @@
           <a:chExt cx="0" cy="0"/>
         </a:xfrm>
       </p:grpSpPr>
-      <p:sp>
-        <p:nvSpPr>
-          <p:cNvPr id="2" name="Title 1"/>
-          <p:cNvSpPr>
-            <a:spLocks noGrp="1"/>
-          </p:cNvSpPr>
-          <p:nvPr>
-            <p:ph type="title"/>
-          </p:nvPr>
-        </p:nvSpPr>
-        <p:spPr/>
-        <p:txBody>
-          <a:bodyPr/>
+      <p:grpSp>
+        <p:nvGrpSpPr>
+          <p:cNvPr id="17" name="Group 16"/>
+          <p:cNvGrpSpPr/>
+          <p:nvPr/>
+        </p:nvGrpSpPr>
+        <p:grpSpPr>
+          <a:xfrm>
+            <a:off x="1564481" y="800100"/>
+            <a:ext cx="5979319" cy="4991100"/>
+            <a:chOff x="1564481" y="800100"/>
+            <a:chExt cx="4352925" cy="3181350"/>
+          </a:xfrm>
+        </p:grpSpPr>
+        <p:sp>
+          <p:nvSpPr>
+            <p:cNvPr id="4" name="Rounded Rectangle 3"/>
+            <p:cNvSpPr/>
+            <p:nvPr/>
+          </p:nvSpPr>
+          <p:spPr>
+            <a:xfrm>
+              <a:off x="3050381" y="3155950"/>
+              <a:ext cx="1381125" cy="825500"/>
+            </a:xfrm>
+            <a:prstGeom prst="roundRect">
+              <a:avLst/>
+            </a:prstGeom>
+          </p:spPr>
+          <p:style>
+            <a:lnRef idx="2">
+              <a:schemeClr val="accent1">
+                <a:shade val="50000"/>
+              </a:schemeClr>
+            </a:lnRef>
+            <a:fillRef idx="1">
+              <a:schemeClr val="accent1"/>
+            </a:fillRef>
+            <a:effectRef idx="0">
+              <a:schemeClr val="accent1"/>
+            </a:effectRef>
+            <a:fontRef idx="minor">
+              <a:schemeClr val="lt1"/>
+            </a:fontRef>
+          </p:style>
+          <p:txBody>
+            <a:bodyPr rtlCol="0" anchor="ctr"/>
+            <a:lstStyle/>
+            <a:p>
+              <a:pPr algn="ctr"/>
+              <a:r>
+                <a:rPr lang="en-CA" dirty="0" smtClean="0"/>
+                <a:t>Database</a:t>
+              </a:r>
+              <a:endParaRPr lang="en-CA" dirty="0"/>
+            </a:p>
+          </p:txBody>
+        </p:sp>
+        <p:sp>
+          <p:nvSpPr>
+            <p:cNvPr id="6" name="Rounded Rectangle 5"/>
+            <p:cNvSpPr/>
+            <p:nvPr/>
+          </p:nvSpPr>
+          <p:spPr>
+            <a:xfrm>
+              <a:off x="3183731" y="800100"/>
+              <a:ext cx="1114425" cy="635000"/>
+            </a:xfrm>
+            <a:prstGeom prst="roundRect">
+              <a:avLst/>
+            </a:prstGeom>
+          </p:spPr>
+          <p:style>
+            <a:lnRef idx="2">
+              <a:schemeClr val="accent1">
+                <a:shade val="50000"/>
+              </a:schemeClr>
+            </a:lnRef>
+            <a:fillRef idx="1">
+              <a:schemeClr val="accent1"/>
+            </a:fillRef>
+            <a:effectRef idx="0">
+              <a:schemeClr val="accent1"/>
+            </a:effectRef>
+            <a:fontRef idx="minor">
+              <a:schemeClr val="lt1"/>
+            </a:fontRef>
+          </p:style>
+          <p:txBody>
+            <a:bodyPr rot="0" spcFirstLastPara="0" vert="horz" wrap="square" lIns="91440" tIns="45720" rIns="91440" bIns="45720" numCol="1" spcCol="0" rtlCol="0" fromWordArt="0" anchor="ctr" anchorCtr="0" forceAA="0" compatLnSpc="1">
+              <a:prstTxWarp prst="textNoShape">
+                <a:avLst/>
+              </a:prstTxWarp>
+              <a:noAutofit/>
+            </a:bodyPr>
+            <a:lstStyle>
+              <a:defPPr>
+                <a:defRPr lang="en-US"/>
+              </a:defPPr>
+              <a:lvl1pPr marL="0" algn="l" defTabSz="914400" rtl="0" eaLnBrk="1" latinLnBrk="0" hangingPunct="1">
+                <a:defRPr sz="1800" kern="1200">
+                  <a:solidFill>
+                    <a:schemeClr val="lt1"/>
+                  </a:solidFill>
+                  <a:latin typeface="+mn-lt"/>
+                  <a:ea typeface="+mn-ea"/>
+                  <a:cs typeface="+mn-cs"/>
+                </a:defRPr>
+              </a:lvl1pPr>
+              <a:lvl2pPr marL="457200" algn="l" defTabSz="914400" rtl="0" eaLnBrk="1" latinLnBrk="0" hangingPunct="1">
+                <a:defRPr sz="1800" kern="1200">
+                  <a:solidFill>
+                    <a:schemeClr val="lt1"/>
+                  </a:solidFill>
+                  <a:latin typeface="+mn-lt"/>
+                  <a:ea typeface="+mn-ea"/>
+                  <a:cs typeface="+mn-cs"/>
+                </a:defRPr>
+              </a:lvl2pPr>
+              <a:lvl3pPr marL="914400" algn="l" defTabSz="914400" rtl="0" eaLnBrk="1" latinLnBrk="0" hangingPunct="1">
+                <a:defRPr sz="1800" kern="1200">
+                  <a:solidFill>
+                    <a:schemeClr val="lt1"/>
+                  </a:solidFill>
+                  <a:latin typeface="+mn-lt"/>
+                  <a:ea typeface="+mn-ea"/>
+                  <a:cs typeface="+mn-cs"/>
+                </a:defRPr>
+              </a:lvl3pPr>
+              <a:lvl4pPr marL="1371600" algn="l" defTabSz="914400" rtl="0" eaLnBrk="1" latinLnBrk="0" hangingPunct="1">
+                <a:defRPr sz="1800" kern="1200">
+                  <a:solidFill>
+                    <a:schemeClr val="lt1"/>
+                  </a:solidFill>
+                  <a:latin typeface="+mn-lt"/>
+                  <a:ea typeface="+mn-ea"/>
+                  <a:cs typeface="+mn-cs"/>
+                </a:defRPr>
+              </a:lvl4pPr>
+              <a:lvl5pPr marL="1828800" algn="l" defTabSz="914400" rtl="0" eaLnBrk="1" latinLnBrk="0" hangingPunct="1">
+                <a:defRPr sz="1800" kern="1200">
+                  <a:solidFill>
+                    <a:schemeClr val="lt1"/>
+                  </a:solidFill>
+                  <a:latin typeface="+mn-lt"/>
+                  <a:ea typeface="+mn-ea"/>
+                  <a:cs typeface="+mn-cs"/>
+                </a:defRPr>
+              </a:lvl5pPr>
+              <a:lvl6pPr marL="2286000" algn="l" defTabSz="914400" rtl="0" eaLnBrk="1" latinLnBrk="0" hangingPunct="1">
+                <a:defRPr sz="1800" kern="1200">
+                  <a:solidFill>
+                    <a:schemeClr val="lt1"/>
+                  </a:solidFill>
+                  <a:latin typeface="+mn-lt"/>
+                  <a:ea typeface="+mn-ea"/>
+                  <a:cs typeface="+mn-cs"/>
+                </a:defRPr>
+              </a:lvl6pPr>
+              <a:lvl7pPr marL="2743200" algn="l" defTabSz="914400" rtl="0" eaLnBrk="1" latinLnBrk="0" hangingPunct="1">
+                <a:defRPr sz="1800" kern="1200">
+                  <a:solidFill>
+                    <a:schemeClr val="lt1"/>
+                  </a:solidFill>
+                  <a:latin typeface="+mn-lt"/>
+                  <a:ea typeface="+mn-ea"/>
+                  <a:cs typeface="+mn-cs"/>
+                </a:defRPr>
+              </a:lvl7pPr>
+              <a:lvl8pPr marL="3200400" algn="l" defTabSz="914400" rtl="0" eaLnBrk="1" latinLnBrk="0" hangingPunct="1">
+                <a:defRPr sz="1800" kern="1200">
+                  <a:solidFill>
+                    <a:schemeClr val="lt1"/>
+                  </a:solidFill>
+                  <a:latin typeface="+mn-lt"/>
+                  <a:ea typeface="+mn-ea"/>
+                  <a:cs typeface="+mn-cs"/>
+                </a:defRPr>
+              </a:lvl8pPr>
+              <a:lvl9pPr marL="3657600" algn="l" defTabSz="914400" rtl="0" eaLnBrk="1" latinLnBrk="0" hangingPunct="1">
+                <a:defRPr sz="1800" kern="1200">
+                  <a:solidFill>
+                    <a:schemeClr val="lt1"/>
+                  </a:solidFill>
+                  <a:latin typeface="+mn-lt"/>
+                  <a:ea typeface="+mn-ea"/>
+                  <a:cs typeface="+mn-cs"/>
+                </a:defRPr>
+              </a:lvl9pPr>
+            </a:lstStyle>
+            <a:p>
+              <a:pPr algn="ctr"/>
+              <a:r>
+                <a:rPr lang="en-CA" dirty="0" smtClean="0"/>
+                <a:t>Stock Handler</a:t>
+              </a:r>
+              <a:endParaRPr lang="en-CA" dirty="0"/>
+            </a:p>
+          </p:txBody>
+        </p:sp>
+        <p:sp>
+          <p:nvSpPr>
+            <p:cNvPr id="7" name="Rounded Rectangle 6"/>
+            <p:cNvSpPr/>
+            <p:nvPr/>
+          </p:nvSpPr>
+          <p:spPr>
+            <a:xfrm>
+              <a:off x="3183731" y="1978025"/>
+              <a:ext cx="1114425" cy="635000"/>
+            </a:xfrm>
+            <a:prstGeom prst="roundRect">
+              <a:avLst/>
+            </a:prstGeom>
+          </p:spPr>
+          <p:style>
+            <a:lnRef idx="2">
+              <a:schemeClr val="accent1">
+                <a:shade val="50000"/>
+              </a:schemeClr>
+            </a:lnRef>
+            <a:fillRef idx="1">
+              <a:schemeClr val="accent1"/>
+            </a:fillRef>
+            <a:effectRef idx="0">
+              <a:schemeClr val="accent1"/>
+            </a:effectRef>
+            <a:fontRef idx="minor">
+              <a:schemeClr val="lt1"/>
+            </a:fontRef>
+          </p:style>
+          <p:txBody>
+            <a:bodyPr rot="0" spcFirstLastPara="0" vert="horz" wrap="square" lIns="91440" tIns="45720" rIns="91440" bIns="45720" numCol="1" spcCol="0" rtlCol="0" fromWordArt="0" anchor="ctr" anchorCtr="0" forceAA="0" compatLnSpc="1">
+              <a:prstTxWarp prst="textNoShape">
+                <a:avLst/>
+              </a:prstTxWarp>
+              <a:noAutofit/>
+            </a:bodyPr>
+            <a:lstStyle>
+              <a:defPPr>
+                <a:defRPr lang="en-US"/>
+              </a:defPPr>
+              <a:lvl1pPr marL="0" algn="l" defTabSz="914400" rtl="0" eaLnBrk="1" latinLnBrk="0" hangingPunct="1">
+                <a:defRPr sz="1800" kern="1200">
+                  <a:solidFill>
+                    <a:schemeClr val="lt1"/>
+                  </a:solidFill>
+                  <a:latin typeface="+mn-lt"/>
+                  <a:ea typeface="+mn-ea"/>
+                  <a:cs typeface="+mn-cs"/>
+                </a:defRPr>
+              </a:lvl1pPr>
+              <a:lvl2pPr marL="457200" algn="l" defTabSz="914400" rtl="0" eaLnBrk="1" latinLnBrk="0" hangingPunct="1">
+                <a:defRPr sz="1800" kern="1200">
+                  <a:solidFill>
+                    <a:schemeClr val="lt1"/>
+                  </a:solidFill>
+                  <a:latin typeface="+mn-lt"/>
+                  <a:ea typeface="+mn-ea"/>
+                  <a:cs typeface="+mn-cs"/>
+                </a:defRPr>
+              </a:lvl2pPr>
+              <a:lvl3pPr marL="914400" algn="l" defTabSz="914400" rtl="0" eaLnBrk="1" latinLnBrk="0" hangingPunct="1">
+                <a:defRPr sz="1800" kern="1200">
+                  <a:solidFill>
+                    <a:schemeClr val="lt1"/>
+                  </a:solidFill>
+                  <a:latin typeface="+mn-lt"/>
+                  <a:ea typeface="+mn-ea"/>
+                  <a:cs typeface="+mn-cs"/>
+                </a:defRPr>
+              </a:lvl3pPr>
+              <a:lvl4pPr marL="1371600" algn="l" defTabSz="914400" rtl="0" eaLnBrk="1" latinLnBrk="0" hangingPunct="1">
+                <a:defRPr sz="1800" kern="1200">
+                  <a:solidFill>
+                    <a:schemeClr val="lt1"/>
+                  </a:solidFill>
+                  <a:latin typeface="+mn-lt"/>
+                  <a:ea typeface="+mn-ea"/>
+                  <a:cs typeface="+mn-cs"/>
+                </a:defRPr>
+              </a:lvl4pPr>
+              <a:lvl5pPr marL="1828800" algn="l" defTabSz="914400" rtl="0" eaLnBrk="1" latinLnBrk="0" hangingPunct="1">
+                <a:defRPr sz="1800" kern="1200">
+                  <a:solidFill>
+                    <a:schemeClr val="lt1"/>
+                  </a:solidFill>
+                  <a:latin typeface="+mn-lt"/>
+                  <a:ea typeface="+mn-ea"/>
+                  <a:cs typeface="+mn-cs"/>
+                </a:defRPr>
+              </a:lvl5pPr>
+              <a:lvl6pPr marL="2286000" algn="l" defTabSz="914400" rtl="0" eaLnBrk="1" latinLnBrk="0" hangingPunct="1">
+                <a:defRPr sz="1800" kern="1200">
+                  <a:solidFill>
+                    <a:schemeClr val="lt1"/>
+                  </a:solidFill>
+                  <a:latin typeface="+mn-lt"/>
+                  <a:ea typeface="+mn-ea"/>
+                  <a:cs typeface="+mn-cs"/>
+                </a:defRPr>
+              </a:lvl6pPr>
+              <a:lvl7pPr marL="2743200" algn="l" defTabSz="914400" rtl="0" eaLnBrk="1" latinLnBrk="0" hangingPunct="1">
+                <a:defRPr sz="1800" kern="1200">
+                  <a:solidFill>
+                    <a:schemeClr val="lt1"/>
+                  </a:solidFill>
+                  <a:latin typeface="+mn-lt"/>
+                  <a:ea typeface="+mn-ea"/>
+                  <a:cs typeface="+mn-cs"/>
+                </a:defRPr>
+              </a:lvl7pPr>
+              <a:lvl8pPr marL="3200400" algn="l" defTabSz="914400" rtl="0" eaLnBrk="1" latinLnBrk="0" hangingPunct="1">
+                <a:defRPr sz="1800" kern="1200">
+                  <a:solidFill>
+                    <a:schemeClr val="lt1"/>
+                  </a:solidFill>
+                  <a:latin typeface="+mn-lt"/>
+                  <a:ea typeface="+mn-ea"/>
+                  <a:cs typeface="+mn-cs"/>
+                </a:defRPr>
+              </a:lvl8pPr>
+              <a:lvl9pPr marL="3657600" algn="l" defTabSz="914400" rtl="0" eaLnBrk="1" latinLnBrk="0" hangingPunct="1">
+                <a:defRPr sz="1800" kern="1200">
+                  <a:solidFill>
+                    <a:schemeClr val="lt1"/>
+                  </a:solidFill>
+                  <a:latin typeface="+mn-lt"/>
+                  <a:ea typeface="+mn-ea"/>
+                  <a:cs typeface="+mn-cs"/>
+                </a:defRPr>
+              </a:lvl9pPr>
+            </a:lstStyle>
+            <a:p>
+              <a:pPr algn="ctr"/>
+              <a:r>
+                <a:rPr lang="en-CA" dirty="0" smtClean="0"/>
+                <a:t>Manager</a:t>
+              </a:r>
+              <a:endParaRPr lang="en-CA" dirty="0"/>
+            </a:p>
+          </p:txBody>
+        </p:sp>
+        <p:sp>
+          <p:nvSpPr>
+            <p:cNvPr id="8" name="Rounded Rectangle 7"/>
+            <p:cNvSpPr/>
+            <p:nvPr/>
+          </p:nvSpPr>
+          <p:spPr>
+            <a:xfrm>
+              <a:off x="4802981" y="800100"/>
+              <a:ext cx="1114425" cy="635000"/>
+            </a:xfrm>
+            <a:prstGeom prst="roundRect">
+              <a:avLst/>
+            </a:prstGeom>
+          </p:spPr>
+          <p:style>
+            <a:lnRef idx="2">
+              <a:schemeClr val="accent1">
+                <a:shade val="50000"/>
+              </a:schemeClr>
+            </a:lnRef>
+            <a:fillRef idx="1">
+              <a:schemeClr val="accent1"/>
+            </a:fillRef>
+            <a:effectRef idx="0">
+              <a:schemeClr val="accent1"/>
+            </a:effectRef>
+            <a:fontRef idx="minor">
+              <a:schemeClr val="lt1"/>
+            </a:fontRef>
+          </p:style>
+          <p:txBody>
+            <a:bodyPr rot="0" spcFirstLastPara="0" vert="horz" wrap="square" lIns="91440" tIns="45720" rIns="91440" bIns="45720" numCol="1" spcCol="0" rtlCol="0" fromWordArt="0" anchor="ctr" anchorCtr="0" forceAA="0" compatLnSpc="1">
+              <a:prstTxWarp prst="textNoShape">
+                <a:avLst/>
+              </a:prstTxWarp>
+              <a:noAutofit/>
+            </a:bodyPr>
+            <a:lstStyle>
+              <a:defPPr>
+                <a:defRPr lang="en-US"/>
+              </a:defPPr>
+              <a:lvl1pPr marL="0" algn="l" defTabSz="914400" rtl="0" eaLnBrk="1" latinLnBrk="0" hangingPunct="1">
+                <a:defRPr sz="1800" kern="1200">
+                  <a:solidFill>
+                    <a:schemeClr val="lt1"/>
+                  </a:solidFill>
+                  <a:latin typeface="+mn-lt"/>
+                  <a:ea typeface="+mn-ea"/>
+                  <a:cs typeface="+mn-cs"/>
+                </a:defRPr>
+              </a:lvl1pPr>
+              <a:lvl2pPr marL="457200" algn="l" defTabSz="914400" rtl="0" eaLnBrk="1" latinLnBrk="0" hangingPunct="1">
+                <a:defRPr sz="1800" kern="1200">
+                  <a:solidFill>
+                    <a:schemeClr val="lt1"/>
+                  </a:solidFill>
+                  <a:latin typeface="+mn-lt"/>
+                  <a:ea typeface="+mn-ea"/>
+                  <a:cs typeface="+mn-cs"/>
+                </a:defRPr>
+              </a:lvl2pPr>
+              <a:lvl3pPr marL="914400" algn="l" defTabSz="914400" rtl="0" eaLnBrk="1" latinLnBrk="0" hangingPunct="1">
+                <a:defRPr sz="1800" kern="1200">
+                  <a:solidFill>
+                    <a:schemeClr val="lt1"/>
+                  </a:solidFill>
+                  <a:latin typeface="+mn-lt"/>
+                  <a:ea typeface="+mn-ea"/>
+                  <a:cs typeface="+mn-cs"/>
+                </a:defRPr>
+              </a:lvl3pPr>
+              <a:lvl4pPr marL="1371600" algn="l" defTabSz="914400" rtl="0" eaLnBrk="1" latinLnBrk="0" hangingPunct="1">
+                <a:defRPr sz="1800" kern="1200">
+                  <a:solidFill>
+                    <a:schemeClr val="lt1"/>
+                  </a:solidFill>
+                  <a:latin typeface="+mn-lt"/>
+                  <a:ea typeface="+mn-ea"/>
+                  <a:cs typeface="+mn-cs"/>
+                </a:defRPr>
+              </a:lvl4pPr>
+              <a:lvl5pPr marL="1828800" algn="l" defTabSz="914400" rtl="0" eaLnBrk="1" latinLnBrk="0" hangingPunct="1">
+                <a:defRPr sz="1800" kern="1200">
+                  <a:solidFill>
+                    <a:schemeClr val="lt1"/>
+                  </a:solidFill>
+                  <a:latin typeface="+mn-lt"/>
+                  <a:ea typeface="+mn-ea"/>
+                  <a:cs typeface="+mn-cs"/>
+                </a:defRPr>
+              </a:lvl5pPr>
+              <a:lvl6pPr marL="2286000" algn="l" defTabSz="914400" rtl="0" eaLnBrk="1" latinLnBrk="0" hangingPunct="1">
+                <a:defRPr sz="1800" kern="1200">
+                  <a:solidFill>
+                    <a:schemeClr val="lt1"/>
+                  </a:solidFill>
+                  <a:latin typeface="+mn-lt"/>
+                  <a:ea typeface="+mn-ea"/>
+                  <a:cs typeface="+mn-cs"/>
+                </a:defRPr>
+              </a:lvl6pPr>
+              <a:lvl7pPr marL="2743200" algn="l" defTabSz="914400" rtl="0" eaLnBrk="1" latinLnBrk="0" hangingPunct="1">
+                <a:defRPr sz="1800" kern="1200">
+                  <a:solidFill>
+                    <a:schemeClr val="lt1"/>
+                  </a:solidFill>
+                  <a:latin typeface="+mn-lt"/>
+                  <a:ea typeface="+mn-ea"/>
+                  <a:cs typeface="+mn-cs"/>
+                </a:defRPr>
+              </a:lvl7pPr>
+              <a:lvl8pPr marL="3200400" algn="l" defTabSz="914400" rtl="0" eaLnBrk="1" latinLnBrk="0" hangingPunct="1">
+                <a:defRPr sz="1800" kern="1200">
+                  <a:solidFill>
+                    <a:schemeClr val="lt1"/>
+                  </a:solidFill>
+                  <a:latin typeface="+mn-lt"/>
+                  <a:ea typeface="+mn-ea"/>
+                  <a:cs typeface="+mn-cs"/>
+                </a:defRPr>
+              </a:lvl8pPr>
+              <a:lvl9pPr marL="3657600" algn="l" defTabSz="914400" rtl="0" eaLnBrk="1" latinLnBrk="0" hangingPunct="1">
+                <a:defRPr sz="1800" kern="1200">
+                  <a:solidFill>
+                    <a:schemeClr val="lt1"/>
+                  </a:solidFill>
+                  <a:latin typeface="+mn-lt"/>
+                  <a:ea typeface="+mn-ea"/>
+                  <a:cs typeface="+mn-cs"/>
+                </a:defRPr>
+              </a:lvl9pPr>
+            </a:lstStyle>
+            <a:p>
+              <a:pPr algn="ctr"/>
+              <a:r>
+                <a:rPr lang="en-CA" dirty="0" smtClean="0"/>
+                <a:t>Shipper</a:t>
+              </a:r>
+              <a:endParaRPr lang="en-CA" dirty="0"/>
+            </a:p>
+          </p:txBody>
+        </p:sp>
+        <p:sp>
+          <p:nvSpPr>
+            <p:cNvPr id="9" name="Rounded Rectangle 8"/>
+            <p:cNvSpPr/>
+            <p:nvPr/>
+          </p:nvSpPr>
+          <p:spPr>
+            <a:xfrm>
+              <a:off x="1564481" y="800100"/>
+              <a:ext cx="1114425" cy="635000"/>
+            </a:xfrm>
+            <a:prstGeom prst="roundRect">
+              <a:avLst/>
+            </a:prstGeom>
+          </p:spPr>
+          <p:style>
+            <a:lnRef idx="2">
+              <a:schemeClr val="accent1">
+                <a:shade val="50000"/>
+              </a:schemeClr>
+            </a:lnRef>
+            <a:fillRef idx="1">
+              <a:schemeClr val="accent1"/>
+            </a:fillRef>
+            <a:effectRef idx="0">
+              <a:schemeClr val="accent1"/>
+            </a:effectRef>
+            <a:fontRef idx="minor">
+              <a:schemeClr val="lt1"/>
+            </a:fontRef>
+          </p:style>
+          <p:txBody>
+            <a:bodyPr rot="0" spcFirstLastPara="0" vert="horz" wrap="square" lIns="91440" tIns="45720" rIns="91440" bIns="45720" numCol="1" spcCol="0" rtlCol="0" fromWordArt="0" anchor="ctr" anchorCtr="0" forceAA="0" compatLnSpc="1">
+              <a:prstTxWarp prst="textNoShape">
+                <a:avLst/>
+              </a:prstTxWarp>
+              <a:noAutofit/>
+            </a:bodyPr>
+            <a:lstStyle>
+              <a:defPPr>
+                <a:defRPr lang="en-US"/>
+              </a:defPPr>
+              <a:lvl1pPr marL="0" algn="l" defTabSz="914400" rtl="0" eaLnBrk="1" latinLnBrk="0" hangingPunct="1">
+                <a:defRPr sz="1800" kern="1200">
+                  <a:solidFill>
+                    <a:schemeClr val="lt1"/>
+                  </a:solidFill>
+                  <a:latin typeface="+mn-lt"/>
+                  <a:ea typeface="+mn-ea"/>
+                  <a:cs typeface="+mn-cs"/>
+                </a:defRPr>
+              </a:lvl1pPr>
+              <a:lvl2pPr marL="457200" algn="l" defTabSz="914400" rtl="0" eaLnBrk="1" latinLnBrk="0" hangingPunct="1">
+                <a:defRPr sz="1800" kern="1200">
+                  <a:solidFill>
+                    <a:schemeClr val="lt1"/>
+                  </a:solidFill>
+                  <a:latin typeface="+mn-lt"/>
+                  <a:ea typeface="+mn-ea"/>
+                  <a:cs typeface="+mn-cs"/>
+                </a:defRPr>
+              </a:lvl2pPr>
+              <a:lvl3pPr marL="914400" algn="l" defTabSz="914400" rtl="0" eaLnBrk="1" latinLnBrk="0" hangingPunct="1">
+                <a:defRPr sz="1800" kern="1200">
+                  <a:solidFill>
+                    <a:schemeClr val="lt1"/>
+                  </a:solidFill>
+                  <a:latin typeface="+mn-lt"/>
+                  <a:ea typeface="+mn-ea"/>
+                  <a:cs typeface="+mn-cs"/>
+                </a:defRPr>
+              </a:lvl3pPr>
+              <a:lvl4pPr marL="1371600" algn="l" defTabSz="914400" rtl="0" eaLnBrk="1" latinLnBrk="0" hangingPunct="1">
+                <a:defRPr sz="1800" kern="1200">
+                  <a:solidFill>
+                    <a:schemeClr val="lt1"/>
+                  </a:solidFill>
+                  <a:latin typeface="+mn-lt"/>
+                  <a:ea typeface="+mn-ea"/>
+                  <a:cs typeface="+mn-cs"/>
+                </a:defRPr>
+              </a:lvl4pPr>
+              <a:lvl5pPr marL="1828800" algn="l" defTabSz="914400" rtl="0" eaLnBrk="1" latinLnBrk="0" hangingPunct="1">
+                <a:defRPr sz="1800" kern="1200">
+                  <a:solidFill>
+                    <a:schemeClr val="lt1"/>
+                  </a:solidFill>
+                  <a:latin typeface="+mn-lt"/>
+                  <a:ea typeface="+mn-ea"/>
+                  <a:cs typeface="+mn-cs"/>
+                </a:defRPr>
+              </a:lvl5pPr>
+              <a:lvl6pPr marL="2286000" algn="l" defTabSz="914400" rtl="0" eaLnBrk="1" latinLnBrk="0" hangingPunct="1">
+                <a:defRPr sz="1800" kern="1200">
+                  <a:solidFill>
+                    <a:schemeClr val="lt1"/>
+                  </a:solidFill>
+                  <a:latin typeface="+mn-lt"/>
+                  <a:ea typeface="+mn-ea"/>
+                  <a:cs typeface="+mn-cs"/>
+                </a:defRPr>
+              </a:lvl6pPr>
+              <a:lvl7pPr marL="2743200" algn="l" defTabSz="914400" rtl="0" eaLnBrk="1" latinLnBrk="0" hangingPunct="1">
+                <a:defRPr sz="1800" kern="1200">
+                  <a:solidFill>
+                    <a:schemeClr val="lt1"/>
+                  </a:solidFill>
+                  <a:latin typeface="+mn-lt"/>
+                  <a:ea typeface="+mn-ea"/>
+                  <a:cs typeface="+mn-cs"/>
+                </a:defRPr>
+              </a:lvl7pPr>
+              <a:lvl8pPr marL="3200400" algn="l" defTabSz="914400" rtl="0" eaLnBrk="1" latinLnBrk="0" hangingPunct="1">
+                <a:defRPr sz="1800" kern="1200">
+                  <a:solidFill>
+                    <a:schemeClr val="lt1"/>
+                  </a:solidFill>
+                  <a:latin typeface="+mn-lt"/>
+                  <a:ea typeface="+mn-ea"/>
+                  <a:cs typeface="+mn-cs"/>
+                </a:defRPr>
+              </a:lvl8pPr>
+              <a:lvl9pPr marL="3657600" algn="l" defTabSz="914400" rtl="0" eaLnBrk="1" latinLnBrk="0" hangingPunct="1">
+                <a:defRPr sz="1800" kern="1200">
+                  <a:solidFill>
+                    <a:schemeClr val="lt1"/>
+                  </a:solidFill>
+                  <a:latin typeface="+mn-lt"/>
+                  <a:ea typeface="+mn-ea"/>
+                  <a:cs typeface="+mn-cs"/>
+                </a:defRPr>
+              </a:lvl9pPr>
+            </a:lstStyle>
+            <a:p>
+              <a:pPr algn="ctr"/>
+              <a:r>
+                <a:rPr lang="en-CA" dirty="0" smtClean="0"/>
+                <a:t>Receiver</a:t>
+              </a:r>
+              <a:endParaRPr lang="en-CA" dirty="0"/>
+            </a:p>
+          </p:txBody>
+        </p:sp>
+        <p:cxnSp>
+          <p:nvCxnSpPr>
+            <p:cNvPr id="24" name="Straight Arrow Connector 23"/>
+            <p:cNvCxnSpPr>
+              <a:stCxn id="7" idx="2"/>
+              <a:endCxn id="4" idx="0"/>
+            </p:cNvCxnSpPr>
+            <p:nvPr/>
+          </p:nvCxnSpPr>
+          <p:spPr>
+            <a:xfrm>
+              <a:off x="3740944" y="2613026"/>
+              <a:ext cx="0" cy="542925"/>
+            </a:xfrm>
+            <a:prstGeom prst="straightConnector1">
+              <a:avLst/>
+            </a:prstGeom>
+            <a:ln w="12700">
+              <a:headEnd type="triangle"/>
+              <a:tailEnd type="triangle"/>
+            </a:ln>
+          </p:spPr>
+          <p:style>
+            <a:lnRef idx="1">
+              <a:schemeClr val="accent1"/>
+            </a:lnRef>
+            <a:fillRef idx="0">
+              <a:schemeClr val="accent1"/>
+            </a:fillRef>
+            <a:effectRef idx="0">
+              <a:schemeClr val="accent1"/>
+            </a:effectRef>
+            <a:fontRef idx="minor">
+              <a:schemeClr val="tx1"/>
+            </a:fontRef>
+          </p:style>
+        </p:cxnSp>
+        <p:cxnSp>
+          <p:nvCxnSpPr>
+            <p:cNvPr id="25" name="Straight Arrow Connector 24"/>
+            <p:cNvCxnSpPr/>
+            <p:nvPr/>
+          </p:nvCxnSpPr>
+          <p:spPr>
+            <a:xfrm>
+              <a:off x="3740944" y="1435101"/>
+              <a:ext cx="0" cy="542925"/>
+            </a:xfrm>
+            <a:prstGeom prst="straightConnector1">
+              <a:avLst/>
+            </a:prstGeom>
+            <a:ln w="12700">
+              <a:headEnd type="triangle"/>
+              <a:tailEnd type="triangle"/>
+            </a:ln>
+          </p:spPr>
+          <p:style>
+            <a:lnRef idx="1">
+              <a:schemeClr val="accent1"/>
+            </a:lnRef>
+            <a:fillRef idx="0">
+              <a:schemeClr val="accent1"/>
+            </a:fillRef>
+            <a:effectRef idx="0">
+              <a:schemeClr val="accent1"/>
+            </a:effectRef>
+            <a:fontRef idx="minor">
+              <a:schemeClr val="tx1"/>
+            </a:fontRef>
+          </p:style>
+        </p:cxnSp>
+        <p:cxnSp>
+          <p:nvCxnSpPr>
+            <p:cNvPr id="27" name="Elbow Connector 26"/>
+            <p:cNvCxnSpPr>
+              <a:stCxn id="9" idx="2"/>
+              <a:endCxn id="4" idx="1"/>
+            </p:cNvCxnSpPr>
+            <p:nvPr/>
+          </p:nvCxnSpPr>
+          <p:spPr>
+            <a:xfrm rot="16200000" flipH="1">
+              <a:off x="1519238" y="2037556"/>
+              <a:ext cx="2133600" cy="928688"/>
+            </a:xfrm>
+            <a:prstGeom prst="bentConnector2">
+              <a:avLst/>
+            </a:prstGeom>
+            <a:ln w="12700">
+              <a:tailEnd type="triangle"/>
+            </a:ln>
+          </p:spPr>
+          <p:style>
+            <a:lnRef idx="1">
+              <a:schemeClr val="accent1"/>
+            </a:lnRef>
+            <a:fillRef idx="0">
+              <a:schemeClr val="accent1"/>
+            </a:fillRef>
+            <a:effectRef idx="0">
+              <a:schemeClr val="accent1"/>
+            </a:effectRef>
+            <a:fontRef idx="minor">
+              <a:schemeClr val="tx1"/>
+            </a:fontRef>
+          </p:style>
+        </p:cxnSp>
+        <p:cxnSp>
+          <p:nvCxnSpPr>
+            <p:cNvPr id="29" name="Elbow Connector 28"/>
+            <p:cNvCxnSpPr>
+              <a:stCxn id="8" idx="2"/>
+              <a:endCxn id="4" idx="3"/>
+            </p:cNvCxnSpPr>
+            <p:nvPr/>
+          </p:nvCxnSpPr>
+          <p:spPr>
+            <a:xfrm rot="5400000">
+              <a:off x="3829050" y="2037556"/>
+              <a:ext cx="2133600" cy="928688"/>
+            </a:xfrm>
+            <a:prstGeom prst="bentConnector2">
+              <a:avLst/>
+            </a:prstGeom>
+            <a:ln w="12700">
+              <a:tailEnd type="triangle"/>
+            </a:ln>
+          </p:spPr>
+          <p:style>
+            <a:lnRef idx="1">
+              <a:schemeClr val="accent1"/>
+            </a:lnRef>
+            <a:fillRef idx="0">
+              <a:schemeClr val="accent1"/>
+            </a:fillRef>
+            <a:effectRef idx="0">
+              <a:schemeClr val="accent1"/>
+            </a:effectRef>
+            <a:fontRef idx="minor">
+              <a:schemeClr val="tx1"/>
+            </a:fontRef>
+          </p:style>
+        </p:cxnSp>
+        <p:cxnSp>
+          <p:nvCxnSpPr>
+            <p:cNvPr id="36" name="Straight Arrow Connector 35"/>
+            <p:cNvCxnSpPr>
+              <a:stCxn id="9" idx="2"/>
+              <a:endCxn id="7" idx="1"/>
+            </p:cNvCxnSpPr>
+            <p:nvPr/>
+          </p:nvCxnSpPr>
+          <p:spPr>
+            <a:xfrm>
+              <a:off x="2121694" y="1435101"/>
+              <a:ext cx="1062038" cy="860425"/>
+            </a:xfrm>
+            <a:prstGeom prst="straightConnector1">
+              <a:avLst/>
+            </a:prstGeom>
+            <a:ln>
+              <a:headEnd type="triangle"/>
+              <a:tailEnd type="triangle"/>
+            </a:ln>
+          </p:spPr>
+          <p:style>
+            <a:lnRef idx="1">
+              <a:schemeClr val="accent1"/>
+            </a:lnRef>
+            <a:fillRef idx="0">
+              <a:schemeClr val="accent1"/>
+            </a:fillRef>
+            <a:effectRef idx="0">
+              <a:schemeClr val="accent1"/>
+            </a:effectRef>
+            <a:fontRef idx="minor">
+              <a:schemeClr val="tx1"/>
+            </a:fontRef>
+          </p:style>
+        </p:cxnSp>
+        <p:cxnSp>
+          <p:nvCxnSpPr>
+            <p:cNvPr id="37" name="Straight Arrow Connector 36"/>
+            <p:cNvCxnSpPr>
+              <a:stCxn id="8" idx="2"/>
+              <a:endCxn id="7" idx="3"/>
+            </p:cNvCxnSpPr>
+            <p:nvPr/>
+          </p:nvCxnSpPr>
+          <p:spPr>
+            <a:xfrm flipH="1">
+              <a:off x="4298156" y="1435101"/>
+              <a:ext cx="1062038" cy="860425"/>
+            </a:xfrm>
+            <a:prstGeom prst="straightConnector1">
+              <a:avLst/>
+            </a:prstGeom>
+            <a:ln>
+              <a:headEnd type="triangle"/>
+              <a:tailEnd type="triangle"/>
+            </a:ln>
+          </p:spPr>
+          <p:style>
+            <a:lnRef idx="1">
+              <a:schemeClr val="accent1"/>
+            </a:lnRef>
+            <a:fillRef idx="0">
+              <a:schemeClr val="accent1"/>
+            </a:fillRef>
+            <a:effectRef idx="0">
+              <a:schemeClr val="accent1"/>
+            </a:effectRef>
+            <a:fontRef idx="minor">
+              <a:schemeClr val="tx1"/>
+            </a:fontRef>
+          </p:style>
+        </p:cxnSp>
+      </p:grpSp>
+      <p:sp>
+        <p:nvSpPr>
+          <p:cNvPr id="40" name="TextBox 39"/>
+          <p:cNvSpPr txBox="1"/>
+          <p:nvPr/>
+        </p:nvSpPr>
+        <p:spPr>
+          <a:xfrm>
+            <a:off x="957262" y="247650"/>
+            <a:ext cx="2014538" cy="369332"/>
+          </a:xfrm>
+          <a:prstGeom prst="rect">
+            <a:avLst/>
+          </a:prstGeom>
+          <a:noFill/>
+        </p:spPr>
+        <p:txBody>
+          <a:bodyPr wrap="square" rtlCol="0">
+            <a:spAutoFit/>
+          </a:bodyPr>
           <a:lstStyle/>
           <a:p>
             <a:r>
-              <a:rPr lang="en-US" altLang="zh-CN" b="1" dirty="0" smtClean="0"/>
-              <a:t>Stock Handler</a:t>
-            </a:r>
-            <a:endParaRPr lang="en-US" dirty="0"/>
-          </a:p>
-        </p:txBody>
-      </p:sp>
-      <p:sp>
-        <p:nvSpPr>
-          <p:cNvPr id="3" name="Content Placeholder 2"/>
-          <p:cNvSpPr>
-            <a:spLocks noGrp="1"/>
-          </p:cNvSpPr>
-          <p:nvPr>
-            <p:ph sz="quarter" idx="1"/>
-          </p:nvPr>
-        </p:nvSpPr>
-        <p:spPr/>
-        <p:txBody>
-          <a:bodyPr/>
-          <a:lstStyle/>
-          <a:p>
-            <a:pPr marL="457200" indent="-457200">
-              <a:buFont typeface="Arial" pitchFamily="34" charset="0"/>
-              <a:buChar char="•"/>
-            </a:pPr>
-            <a:r>
-              <a:rPr lang="en-US" altLang="zh-CN" dirty="0" smtClean="0"/>
-              <a:t>Create daily plans for stock to be gather	</a:t>
-            </a:r>
-          </a:p>
-          <a:p>
-            <a:pPr marL="457200" indent="-457200">
-              <a:buFont typeface="Arial" pitchFamily="34" charset="0"/>
-              <a:buChar char="•"/>
-            </a:pPr>
-            <a:r>
-              <a:rPr lang="en-US" altLang="zh-CN" dirty="0" smtClean="0"/>
-              <a:t>Figure out most efficient routes to take to gather all products for shipment 	</a:t>
-            </a:r>
-          </a:p>
-          <a:p>
-            <a:pPr marL="457200" indent="-457200">
-              <a:buFont typeface="Arial" pitchFamily="34" charset="0"/>
-              <a:buChar char="•"/>
-            </a:pPr>
-            <a:r>
-              <a:rPr lang="en-US" altLang="zh-CN" dirty="0" smtClean="0"/>
-              <a:t>Recording and monitoring of inconsistencies in stock levels 	</a:t>
-            </a:r>
-          </a:p>
-          <a:p>
-            <a:pPr marL="457200" indent="-457200">
-              <a:buFont typeface="Arial" pitchFamily="34" charset="0"/>
-              <a:buChar char="•"/>
-            </a:pPr>
-            <a:r>
-              <a:rPr lang="en-US" altLang="zh-CN" dirty="0" smtClean="0"/>
-              <a:t>Track speed of each of the workers</a:t>
-            </a:r>
-            <a:endParaRPr lang="zh-CN" altLang="en-US" dirty="0" smtClean="0"/>
-          </a:p>
-          <a:p>
-            <a:endParaRPr lang="en-US" dirty="0"/>
+              <a:rPr lang="en-CA" dirty="0" smtClean="0"/>
+              <a:t>Where To Start</a:t>
+            </a:r>
+            <a:endParaRPr lang="en-CA" dirty="0"/>
           </a:p>
         </p:txBody>
       </p:sp>
     </p:spTree>
+    <p:extLst>
+      <p:ext uri="{BB962C8B-B14F-4D97-AF65-F5344CB8AC3E}">
+        <p14:creationId xmlns:p14="http://schemas.microsoft.com/office/powerpoint/2010/main" xmlns="" val="1908525928"/>
+      </p:ext>
+    </p:extLst>
   </p:cSld>
   <p:clrMapOvr>
     <a:masterClrMapping/>
   </p:clrMapOvr>
+  <p:timing>
+    <p:tnLst>
+      <p:par>
+        <p:cTn id="1" dur="indefinite" restart="never" nodeType="tmRoot"/>
+      </p:par>
+    </p:tnLst>
+  </p:timing>
 </p:sld>
 </file>
 
@@ -5075,109 +6224,14 @@
       </p:grpSpPr>
       <p:sp>
         <p:nvSpPr>
-          <p:cNvPr id="2" name="标题 1"/>
-          <p:cNvSpPr>
-            <a:spLocks noGrp="1"/>
-          </p:cNvSpPr>
-          <p:nvPr>
-            <p:ph type="title"/>
-          </p:nvPr>
-        </p:nvSpPr>
-        <p:spPr/>
-        <p:txBody>
-          <a:bodyPr>
-            <a:normAutofit/>
-          </a:bodyPr>
-          <a:lstStyle/>
-          <a:p>
-            <a:r>
-              <a:rPr lang="en-US" altLang="zh-CN" b="1" dirty="0"/>
-              <a:t>Shipper </a:t>
-            </a:r>
-            <a:r>
-              <a:rPr lang="en-US" altLang="zh-CN" b="1" dirty="0" smtClean="0"/>
-              <a:t>&amp; </a:t>
-            </a:r>
-            <a:r>
-              <a:rPr lang="en-US" altLang="zh-CN" b="1" dirty="0"/>
-              <a:t>Receiver 	</a:t>
-            </a:r>
-            <a:endParaRPr lang="zh-CN" altLang="en-US" b="1" dirty="0"/>
-          </a:p>
-        </p:txBody>
-      </p:sp>
-      <p:sp>
-        <p:nvSpPr>
-          <p:cNvPr id="3" name="内容占位符 2"/>
-          <p:cNvSpPr>
-            <a:spLocks noGrp="1"/>
-          </p:cNvSpPr>
-          <p:nvPr>
-            <p:ph idx="1"/>
-          </p:nvPr>
-        </p:nvSpPr>
-        <p:spPr>
-          <a:xfrm>
-            <a:off x="910861" y="1556792"/>
-            <a:ext cx="7618040" cy="2088232"/>
-          </a:xfrm>
-        </p:spPr>
-        <p:txBody>
-          <a:bodyPr/>
-          <a:lstStyle/>
-          <a:p>
-            <a:r>
-              <a:rPr lang="en-US" altLang="zh-CN" dirty="0"/>
-              <a:t>Check and </a:t>
-            </a:r>
-            <a:r>
-              <a:rPr lang="en-US" altLang="zh-CN" dirty="0" smtClean="0"/>
-              <a:t>assign </a:t>
-            </a:r>
-            <a:r>
-              <a:rPr lang="en-US" altLang="zh-CN" dirty="0"/>
-              <a:t>upcoming </a:t>
-            </a:r>
-            <a:r>
-              <a:rPr lang="en-US" altLang="zh-CN" dirty="0" smtClean="0"/>
-              <a:t>shipments	</a:t>
-            </a:r>
-          </a:p>
-          <a:p>
-            <a:r>
-              <a:rPr lang="en-US" altLang="zh-CN" dirty="0" smtClean="0"/>
-              <a:t>Record </a:t>
-            </a:r>
-            <a:r>
-              <a:rPr lang="en-US" altLang="zh-CN" dirty="0"/>
-              <a:t>outgoing shipment </a:t>
-            </a:r>
-            <a:r>
-              <a:rPr lang="en-US" altLang="zh-CN" dirty="0" smtClean="0"/>
-              <a:t>information</a:t>
-            </a:r>
-          </a:p>
-          <a:p>
-            <a:r>
-              <a:rPr lang="en-US" altLang="zh-CN" dirty="0"/>
-              <a:t>Track pallet contents </a:t>
-            </a:r>
-          </a:p>
-          <a:p>
-            <a:endParaRPr lang="en-US" altLang="zh-CN" dirty="0"/>
-          </a:p>
-        </p:txBody>
-      </p:sp>
-      <p:sp>
-        <p:nvSpPr>
           <p:cNvPr id="4" name="TextBox 3"/>
           <p:cNvSpPr txBox="1"/>
           <p:nvPr/>
         </p:nvSpPr>
         <p:spPr>
           <a:xfrm>
-            <a:off x="907615" y="3501008"/>
-            <a:ext cx="7549571" cy="2062103"/>
+            <a:off x="357188" y="200025"/>
+            <a:ext cx="3071811" cy="400110"/>
           </a:xfrm>
           <a:prstGeom prst="rect">
             <a:avLst/>
@@ -5190,56 +6244,4544 @@
           </a:bodyPr>
           <a:lstStyle/>
           <a:p>
-            <a:pPr marL="457200" indent="-457200">
-              <a:buFont typeface="Arial" pitchFamily="34" charset="0"/>
-              <a:buChar char="•"/>
-            </a:pPr>
-            <a:r>
-              <a:rPr lang="en-US" altLang="zh-CN" sz="3200" dirty="0"/>
-              <a:t>Input information for incoming products </a:t>
-            </a:r>
-            <a:endParaRPr lang="en-US" altLang="zh-CN" sz="3200" dirty="0" smtClean="0"/>
-          </a:p>
-          <a:p>
-            <a:pPr marL="457200" indent="-457200">
-              <a:buFont typeface="Arial" pitchFamily="34" charset="0"/>
-              <a:buChar char="•"/>
-            </a:pPr>
-            <a:r>
-              <a:rPr lang="en-US" altLang="zh-CN" sz="3200" dirty="0" smtClean="0"/>
-              <a:t>Check </a:t>
-            </a:r>
-            <a:r>
-              <a:rPr lang="en-US" altLang="zh-CN" sz="3200" dirty="0"/>
-              <a:t>warehouse capacity 	</a:t>
-            </a:r>
-          </a:p>
-          <a:p>
-            <a:pPr marL="457200" indent="-457200">
-              <a:buFont typeface="Arial" pitchFamily="34" charset="0"/>
-              <a:buChar char="•"/>
-            </a:pPr>
-            <a:r>
-              <a:rPr lang="en-US" altLang="zh-CN" sz="3200" dirty="0" smtClean="0"/>
-              <a:t>Check </a:t>
-            </a:r>
-            <a:r>
-              <a:rPr lang="en-US" altLang="zh-CN" sz="3200" dirty="0"/>
-              <a:t>shipments to be shipped to create space 	</a:t>
-            </a:r>
-          </a:p>
-        </p:txBody>
-      </p:sp>
+            <a:r>
+              <a:rPr lang="en-CA" sz="2000" dirty="0" smtClean="0"/>
+              <a:t>Challenges</a:t>
+            </a:r>
+            <a:endParaRPr lang="en-CA" sz="2000" dirty="0"/>
+          </a:p>
+        </p:txBody>
+      </p:sp>
+      <p:sp>
+        <p:nvSpPr>
+          <p:cNvPr id="5" name="TextBox 4"/>
+          <p:cNvSpPr txBox="1"/>
+          <p:nvPr/>
+        </p:nvSpPr>
+        <p:spPr>
+          <a:xfrm>
+            <a:off x="885824" y="800100"/>
+            <a:ext cx="2924175" cy="369332"/>
+          </a:xfrm>
+          <a:prstGeom prst="rect">
+            <a:avLst/>
+          </a:prstGeom>
+          <a:noFill/>
+        </p:spPr>
+        <p:txBody>
+          <a:bodyPr wrap="square" rtlCol="0">
+            <a:spAutoFit/>
+          </a:bodyPr>
+          <a:lstStyle/>
+          <a:p>
+            <a:r>
+              <a:rPr lang="en-CA" dirty="0" smtClean="0"/>
+              <a:t>1.Database</a:t>
+            </a:r>
+            <a:endParaRPr lang="en-CA" dirty="0"/>
+          </a:p>
+        </p:txBody>
+      </p:sp>
+      <p:sp>
+        <p:nvSpPr>
+          <p:cNvPr id="6" name="TextBox 5"/>
+          <p:cNvSpPr txBox="1"/>
+          <p:nvPr/>
+        </p:nvSpPr>
+        <p:spPr>
+          <a:xfrm>
+            <a:off x="885824" y="1514476"/>
+            <a:ext cx="2085975" cy="646331"/>
+          </a:xfrm>
+          <a:prstGeom prst="rect">
+            <a:avLst/>
+          </a:prstGeom>
+          <a:noFill/>
+        </p:spPr>
+        <p:txBody>
+          <a:bodyPr wrap="square" rtlCol="0">
+            <a:spAutoFit/>
+          </a:bodyPr>
+          <a:lstStyle/>
+          <a:p>
+            <a:r>
+              <a:rPr lang="en-CA" dirty="0" smtClean="0"/>
+              <a:t>2.Algorithm</a:t>
+            </a:r>
+          </a:p>
+          <a:p>
+            <a:endParaRPr lang="en-CA" dirty="0"/>
+          </a:p>
+        </p:txBody>
+      </p:sp>
+      <p:sp>
+        <p:nvSpPr>
+          <p:cNvPr id="7" name="TextBox 6"/>
+          <p:cNvSpPr txBox="1"/>
+          <p:nvPr/>
+        </p:nvSpPr>
+        <p:spPr>
+          <a:xfrm>
+            <a:off x="1295400" y="1905000"/>
+            <a:ext cx="5718573" cy="1661993"/>
+          </a:xfrm>
+          <a:prstGeom prst="rect">
+            <a:avLst/>
+          </a:prstGeom>
+          <a:noFill/>
+        </p:spPr>
+        <p:txBody>
+          <a:bodyPr wrap="square" rtlCol="0">
+            <a:spAutoFit/>
+          </a:bodyPr>
+          <a:lstStyle/>
+          <a:p>
+            <a:r>
+              <a:rPr lang="en-CA" sz="1600" dirty="0"/>
+              <a:t>Figure out most efficient </a:t>
+            </a:r>
+            <a:endParaRPr lang="en-CA" sz="1600" dirty="0" smtClean="0"/>
+          </a:p>
+          <a:p>
+            <a:r>
+              <a:rPr lang="en-CA" sz="1600" dirty="0" smtClean="0"/>
+              <a:t>routes </a:t>
+            </a:r>
+            <a:r>
+              <a:rPr lang="en-CA" sz="1600" dirty="0"/>
+              <a:t>to take to gather all </a:t>
+            </a:r>
+            <a:endParaRPr lang="en-CA" sz="1600" dirty="0" smtClean="0"/>
+          </a:p>
+          <a:p>
+            <a:r>
+              <a:rPr lang="en-CA" sz="1600" dirty="0" smtClean="0"/>
+              <a:t>products </a:t>
+            </a:r>
+            <a:r>
+              <a:rPr lang="en-CA" sz="1600" dirty="0"/>
+              <a:t>for shipment</a:t>
+            </a:r>
+            <a:endParaRPr lang="en-CA" sz="1600" dirty="0" smtClean="0"/>
+          </a:p>
+          <a:p>
+            <a:endParaRPr lang="en-CA" dirty="0" smtClean="0"/>
+          </a:p>
+          <a:p>
+            <a:endParaRPr lang="en-CA" dirty="0" smtClean="0"/>
+          </a:p>
+          <a:p>
+            <a:endParaRPr lang="en-CA" dirty="0"/>
+          </a:p>
+        </p:txBody>
+      </p:sp>
+      <p:sp>
+        <p:nvSpPr>
+          <p:cNvPr id="47" name="TextBox 3"/>
+          <p:cNvSpPr txBox="1"/>
+          <p:nvPr/>
+        </p:nvSpPr>
+        <p:spPr>
+          <a:xfrm>
+            <a:off x="1414463" y="2741197"/>
+            <a:ext cx="5432823" cy="1384995"/>
+          </a:xfrm>
+          <a:prstGeom prst="rect">
+            <a:avLst/>
+          </a:prstGeom>
+          <a:noFill/>
+        </p:spPr>
+        <p:txBody>
+          <a:bodyPr wrap="square" rtlCol="0">
+            <a:spAutoFit/>
+          </a:bodyPr>
+          <a:lstStyle>
+            <a:defPPr>
+              <a:defRPr lang="en-US"/>
+            </a:defPPr>
+            <a:lvl1pPr marL="0" algn="l" defTabSz="914400" rtl="0" eaLnBrk="1" latinLnBrk="0" hangingPunct="1">
+              <a:defRPr sz="1800" kern="1200">
+                <a:solidFill>
+                  <a:schemeClr val="tx1"/>
+                </a:solidFill>
+                <a:latin typeface="+mn-lt"/>
+                <a:ea typeface="+mn-ea"/>
+                <a:cs typeface="+mn-cs"/>
+              </a:defRPr>
+            </a:lvl1pPr>
+            <a:lvl2pPr marL="457200" algn="l" defTabSz="914400" rtl="0" eaLnBrk="1" latinLnBrk="0" hangingPunct="1">
+              <a:defRPr sz="1800" kern="1200">
+                <a:solidFill>
+                  <a:schemeClr val="tx1"/>
+                </a:solidFill>
+                <a:latin typeface="+mn-lt"/>
+                <a:ea typeface="+mn-ea"/>
+                <a:cs typeface="+mn-cs"/>
+              </a:defRPr>
+            </a:lvl2pPr>
+            <a:lvl3pPr marL="914400" algn="l" defTabSz="914400" rtl="0" eaLnBrk="1" latinLnBrk="0" hangingPunct="1">
+              <a:defRPr sz="1800" kern="1200">
+                <a:solidFill>
+                  <a:schemeClr val="tx1"/>
+                </a:solidFill>
+                <a:latin typeface="+mn-lt"/>
+                <a:ea typeface="+mn-ea"/>
+                <a:cs typeface="+mn-cs"/>
+              </a:defRPr>
+            </a:lvl3pPr>
+            <a:lvl4pPr marL="1371600" algn="l" defTabSz="914400" rtl="0" eaLnBrk="1" latinLnBrk="0" hangingPunct="1">
+              <a:defRPr sz="1800" kern="1200">
+                <a:solidFill>
+                  <a:schemeClr val="tx1"/>
+                </a:solidFill>
+                <a:latin typeface="+mn-lt"/>
+                <a:ea typeface="+mn-ea"/>
+                <a:cs typeface="+mn-cs"/>
+              </a:defRPr>
+            </a:lvl4pPr>
+            <a:lvl5pPr marL="1828800" algn="l" defTabSz="914400" rtl="0" eaLnBrk="1" latinLnBrk="0" hangingPunct="1">
+              <a:defRPr sz="1800" kern="1200">
+                <a:solidFill>
+                  <a:schemeClr val="tx1"/>
+                </a:solidFill>
+                <a:latin typeface="+mn-lt"/>
+                <a:ea typeface="+mn-ea"/>
+                <a:cs typeface="+mn-cs"/>
+              </a:defRPr>
+            </a:lvl5pPr>
+            <a:lvl6pPr marL="2286000" algn="l" defTabSz="914400" rtl="0" eaLnBrk="1" latinLnBrk="0" hangingPunct="1">
+              <a:defRPr sz="1800" kern="1200">
+                <a:solidFill>
+                  <a:schemeClr val="tx1"/>
+                </a:solidFill>
+                <a:latin typeface="+mn-lt"/>
+                <a:ea typeface="+mn-ea"/>
+                <a:cs typeface="+mn-cs"/>
+              </a:defRPr>
+            </a:lvl6pPr>
+            <a:lvl7pPr marL="2743200" algn="l" defTabSz="914400" rtl="0" eaLnBrk="1" latinLnBrk="0" hangingPunct="1">
+              <a:defRPr sz="1800" kern="1200">
+                <a:solidFill>
+                  <a:schemeClr val="tx1"/>
+                </a:solidFill>
+                <a:latin typeface="+mn-lt"/>
+                <a:ea typeface="+mn-ea"/>
+                <a:cs typeface="+mn-cs"/>
+              </a:defRPr>
+            </a:lvl7pPr>
+            <a:lvl8pPr marL="3200400" algn="l" defTabSz="914400" rtl="0" eaLnBrk="1" latinLnBrk="0" hangingPunct="1">
+              <a:defRPr sz="1800" kern="1200">
+                <a:solidFill>
+                  <a:schemeClr val="tx1"/>
+                </a:solidFill>
+                <a:latin typeface="+mn-lt"/>
+                <a:ea typeface="+mn-ea"/>
+                <a:cs typeface="+mn-cs"/>
+              </a:defRPr>
+            </a:lvl8pPr>
+            <a:lvl9pPr marL="3657600" algn="l" defTabSz="914400" rtl="0" eaLnBrk="1" latinLnBrk="0" hangingPunct="1">
+              <a:defRPr sz="1800" kern="1200">
+                <a:solidFill>
+                  <a:schemeClr val="tx1"/>
+                </a:solidFill>
+                <a:latin typeface="+mn-lt"/>
+                <a:ea typeface="+mn-ea"/>
+                <a:cs typeface="+mn-cs"/>
+              </a:defRPr>
+            </a:lvl9pPr>
+          </a:lstStyle>
+          <a:p>
+            <a:endParaRPr lang="en-CA" sz="1600" dirty="0" smtClean="0"/>
+          </a:p>
+          <a:p>
+            <a:r>
+              <a:rPr lang="en-CA" sz="1600" dirty="0" smtClean="0"/>
+              <a:t>Figure </a:t>
+            </a:r>
+            <a:r>
+              <a:rPr lang="en-CA" sz="1600" dirty="0"/>
+              <a:t>out most </a:t>
+            </a:r>
+            <a:r>
+              <a:rPr lang="en-CA" sz="1600" dirty="0" smtClean="0"/>
+              <a:t>efficient </a:t>
+            </a:r>
+            <a:endParaRPr lang="en-CA" sz="1600" dirty="0" smtClean="0"/>
+          </a:p>
+          <a:p>
+            <a:r>
+              <a:rPr lang="en-CA" sz="1600" dirty="0" smtClean="0"/>
+              <a:t>way </a:t>
+            </a:r>
+            <a:r>
+              <a:rPr lang="en-CA" sz="1600" dirty="0" smtClean="0"/>
+              <a:t>to </a:t>
+            </a:r>
+            <a:r>
+              <a:rPr lang="en-CA" sz="1600" dirty="0"/>
+              <a:t>put as much </a:t>
+            </a:r>
+            <a:r>
+              <a:rPr lang="en-CA" sz="1600" dirty="0" smtClean="0"/>
+              <a:t>stuff</a:t>
+            </a:r>
+          </a:p>
+          <a:p>
+            <a:r>
+              <a:rPr lang="en-CA" sz="1600" dirty="0" smtClean="0"/>
+              <a:t> </a:t>
+            </a:r>
+            <a:r>
+              <a:rPr lang="en-CA" sz="1600" dirty="0"/>
+              <a:t>as possible in bin</a:t>
+            </a:r>
+            <a:r>
+              <a:rPr lang="en-CA" dirty="0"/>
+              <a:t>.</a:t>
+            </a:r>
+            <a:endParaRPr lang="en-CA" dirty="0" smtClean="0"/>
+          </a:p>
+          <a:p>
+            <a:endParaRPr lang="en-CA" dirty="0"/>
+          </a:p>
+        </p:txBody>
+      </p:sp>
+      <p:grpSp>
+        <p:nvGrpSpPr>
+          <p:cNvPr id="91" name="Group 90"/>
+          <p:cNvGrpSpPr/>
+          <p:nvPr/>
+        </p:nvGrpSpPr>
+        <p:grpSpPr>
+          <a:xfrm>
+            <a:off x="3886200" y="1295400"/>
+            <a:ext cx="4882159" cy="4634022"/>
+            <a:chOff x="1975841" y="3600628"/>
+            <a:chExt cx="3043912" cy="2785994"/>
+          </a:xfrm>
+        </p:grpSpPr>
+        <p:sp>
+          <p:nvSpPr>
+            <p:cNvPr id="2" name="Rectangle 1"/>
+            <p:cNvSpPr/>
+            <p:nvPr/>
+          </p:nvSpPr>
+          <p:spPr>
+            <a:xfrm>
+              <a:off x="1990725" y="3605986"/>
+              <a:ext cx="257175" cy="226636"/>
+            </a:xfrm>
+            <a:prstGeom prst="rect">
+              <a:avLst/>
+            </a:prstGeom>
+          </p:spPr>
+          <p:style>
+            <a:lnRef idx="2">
+              <a:schemeClr val="accent1">
+                <a:shade val="50000"/>
+              </a:schemeClr>
+            </a:lnRef>
+            <a:fillRef idx="1">
+              <a:schemeClr val="accent1"/>
+            </a:fillRef>
+            <a:effectRef idx="0">
+              <a:schemeClr val="accent1"/>
+            </a:effectRef>
+            <a:fontRef idx="minor">
+              <a:schemeClr val="lt1"/>
+            </a:fontRef>
+          </p:style>
+          <p:txBody>
+            <a:bodyPr rtlCol="0" anchor="ctr"/>
+            <a:lstStyle/>
+            <a:p>
+              <a:pPr algn="ctr"/>
+              <a:endParaRPr lang="en-CA"/>
+            </a:p>
+          </p:txBody>
+        </p:sp>
+        <p:sp>
+          <p:nvSpPr>
+            <p:cNvPr id="9" name="Rectangle 8"/>
+            <p:cNvSpPr/>
+            <p:nvPr/>
+          </p:nvSpPr>
+          <p:spPr>
+            <a:xfrm>
+              <a:off x="1990725" y="3848874"/>
+              <a:ext cx="257175" cy="226636"/>
+            </a:xfrm>
+            <a:prstGeom prst="rect">
+              <a:avLst/>
+            </a:prstGeom>
+          </p:spPr>
+          <p:style>
+            <a:lnRef idx="2">
+              <a:schemeClr val="accent1">
+                <a:shade val="50000"/>
+              </a:schemeClr>
+            </a:lnRef>
+            <a:fillRef idx="1">
+              <a:schemeClr val="accent1"/>
+            </a:fillRef>
+            <a:effectRef idx="0">
+              <a:schemeClr val="accent1"/>
+            </a:effectRef>
+            <a:fontRef idx="minor">
+              <a:schemeClr val="lt1"/>
+            </a:fontRef>
+          </p:style>
+          <p:txBody>
+            <a:bodyPr rtlCol="0" anchor="ctr"/>
+            <a:lstStyle/>
+            <a:p>
+              <a:pPr algn="ctr"/>
+              <a:endParaRPr lang="en-CA"/>
+            </a:p>
+          </p:txBody>
+        </p:sp>
+        <p:sp>
+          <p:nvSpPr>
+            <p:cNvPr id="10" name="Rectangle 9"/>
+            <p:cNvSpPr/>
+            <p:nvPr/>
+          </p:nvSpPr>
+          <p:spPr>
+            <a:xfrm>
+              <a:off x="1990725" y="4091762"/>
+              <a:ext cx="257175" cy="226636"/>
+            </a:xfrm>
+            <a:prstGeom prst="rect">
+              <a:avLst/>
+            </a:prstGeom>
+          </p:spPr>
+          <p:style>
+            <a:lnRef idx="2">
+              <a:schemeClr val="accent1">
+                <a:shade val="50000"/>
+              </a:schemeClr>
+            </a:lnRef>
+            <a:fillRef idx="1">
+              <a:schemeClr val="accent1"/>
+            </a:fillRef>
+            <a:effectRef idx="0">
+              <a:schemeClr val="accent1"/>
+            </a:effectRef>
+            <a:fontRef idx="minor">
+              <a:schemeClr val="lt1"/>
+            </a:fontRef>
+          </p:style>
+          <p:txBody>
+            <a:bodyPr rot="0" spcFirstLastPara="0" vert="horz" wrap="square" lIns="91440" tIns="45720" rIns="91440" bIns="45720" numCol="1" spcCol="0" rtlCol="0" fromWordArt="0" anchor="ctr" anchorCtr="0" forceAA="0" compatLnSpc="1">
+              <a:prstTxWarp prst="textNoShape">
+                <a:avLst/>
+              </a:prstTxWarp>
+              <a:noAutofit/>
+            </a:bodyPr>
+            <a:lstStyle>
+              <a:defPPr>
+                <a:defRPr lang="en-US"/>
+              </a:defPPr>
+              <a:lvl1pPr marL="0" algn="l" defTabSz="914400" rtl="0" eaLnBrk="1" latinLnBrk="0" hangingPunct="1">
+                <a:defRPr sz="1800" kern="1200">
+                  <a:solidFill>
+                    <a:schemeClr val="lt1"/>
+                  </a:solidFill>
+                  <a:latin typeface="+mn-lt"/>
+                  <a:ea typeface="+mn-ea"/>
+                  <a:cs typeface="+mn-cs"/>
+                </a:defRPr>
+              </a:lvl1pPr>
+              <a:lvl2pPr marL="457200" algn="l" defTabSz="914400" rtl="0" eaLnBrk="1" latinLnBrk="0" hangingPunct="1">
+                <a:defRPr sz="1800" kern="1200">
+                  <a:solidFill>
+                    <a:schemeClr val="lt1"/>
+                  </a:solidFill>
+                  <a:latin typeface="+mn-lt"/>
+                  <a:ea typeface="+mn-ea"/>
+                  <a:cs typeface="+mn-cs"/>
+                </a:defRPr>
+              </a:lvl2pPr>
+              <a:lvl3pPr marL="914400" algn="l" defTabSz="914400" rtl="0" eaLnBrk="1" latinLnBrk="0" hangingPunct="1">
+                <a:defRPr sz="1800" kern="1200">
+                  <a:solidFill>
+                    <a:schemeClr val="lt1"/>
+                  </a:solidFill>
+                  <a:latin typeface="+mn-lt"/>
+                  <a:ea typeface="+mn-ea"/>
+                  <a:cs typeface="+mn-cs"/>
+                </a:defRPr>
+              </a:lvl3pPr>
+              <a:lvl4pPr marL="1371600" algn="l" defTabSz="914400" rtl="0" eaLnBrk="1" latinLnBrk="0" hangingPunct="1">
+                <a:defRPr sz="1800" kern="1200">
+                  <a:solidFill>
+                    <a:schemeClr val="lt1"/>
+                  </a:solidFill>
+                  <a:latin typeface="+mn-lt"/>
+                  <a:ea typeface="+mn-ea"/>
+                  <a:cs typeface="+mn-cs"/>
+                </a:defRPr>
+              </a:lvl4pPr>
+              <a:lvl5pPr marL="1828800" algn="l" defTabSz="914400" rtl="0" eaLnBrk="1" latinLnBrk="0" hangingPunct="1">
+                <a:defRPr sz="1800" kern="1200">
+                  <a:solidFill>
+                    <a:schemeClr val="lt1"/>
+                  </a:solidFill>
+                  <a:latin typeface="+mn-lt"/>
+                  <a:ea typeface="+mn-ea"/>
+                  <a:cs typeface="+mn-cs"/>
+                </a:defRPr>
+              </a:lvl5pPr>
+              <a:lvl6pPr marL="2286000" algn="l" defTabSz="914400" rtl="0" eaLnBrk="1" latinLnBrk="0" hangingPunct="1">
+                <a:defRPr sz="1800" kern="1200">
+                  <a:solidFill>
+                    <a:schemeClr val="lt1"/>
+                  </a:solidFill>
+                  <a:latin typeface="+mn-lt"/>
+                  <a:ea typeface="+mn-ea"/>
+                  <a:cs typeface="+mn-cs"/>
+                </a:defRPr>
+              </a:lvl6pPr>
+              <a:lvl7pPr marL="2743200" algn="l" defTabSz="914400" rtl="0" eaLnBrk="1" latinLnBrk="0" hangingPunct="1">
+                <a:defRPr sz="1800" kern="1200">
+                  <a:solidFill>
+                    <a:schemeClr val="lt1"/>
+                  </a:solidFill>
+                  <a:latin typeface="+mn-lt"/>
+                  <a:ea typeface="+mn-ea"/>
+                  <a:cs typeface="+mn-cs"/>
+                </a:defRPr>
+              </a:lvl7pPr>
+              <a:lvl8pPr marL="3200400" algn="l" defTabSz="914400" rtl="0" eaLnBrk="1" latinLnBrk="0" hangingPunct="1">
+                <a:defRPr sz="1800" kern="1200">
+                  <a:solidFill>
+                    <a:schemeClr val="lt1"/>
+                  </a:solidFill>
+                  <a:latin typeface="+mn-lt"/>
+                  <a:ea typeface="+mn-ea"/>
+                  <a:cs typeface="+mn-cs"/>
+                </a:defRPr>
+              </a:lvl8pPr>
+              <a:lvl9pPr marL="3657600" algn="l" defTabSz="914400" rtl="0" eaLnBrk="1" latinLnBrk="0" hangingPunct="1">
+                <a:defRPr sz="1800" kern="1200">
+                  <a:solidFill>
+                    <a:schemeClr val="lt1"/>
+                  </a:solidFill>
+                  <a:latin typeface="+mn-lt"/>
+                  <a:ea typeface="+mn-ea"/>
+                  <a:cs typeface="+mn-cs"/>
+                </a:defRPr>
+              </a:lvl9pPr>
+            </a:lstStyle>
+            <a:p>
+              <a:pPr algn="ctr"/>
+              <a:endParaRPr lang="en-CA"/>
+            </a:p>
+          </p:txBody>
+        </p:sp>
+        <p:sp>
+          <p:nvSpPr>
+            <p:cNvPr id="3" name="Rectangle 2"/>
+            <p:cNvSpPr/>
+            <p:nvPr/>
+          </p:nvSpPr>
+          <p:spPr>
+            <a:xfrm>
+              <a:off x="1990725" y="4344188"/>
+              <a:ext cx="178594" cy="152400"/>
+            </a:xfrm>
+            <a:prstGeom prst="rect">
+              <a:avLst/>
+            </a:prstGeom>
+          </p:spPr>
+          <p:style>
+            <a:lnRef idx="2">
+              <a:schemeClr val="accent2">
+                <a:shade val="50000"/>
+              </a:schemeClr>
+            </a:lnRef>
+            <a:fillRef idx="1">
+              <a:schemeClr val="accent2"/>
+            </a:fillRef>
+            <a:effectRef idx="0">
+              <a:schemeClr val="accent2"/>
+            </a:effectRef>
+            <a:fontRef idx="minor">
+              <a:schemeClr val="lt1"/>
+            </a:fontRef>
+          </p:style>
+          <p:txBody>
+            <a:bodyPr rtlCol="0" anchor="ctr"/>
+            <a:lstStyle/>
+            <a:p>
+              <a:pPr algn="ctr"/>
+              <a:endParaRPr lang="en-CA">
+                <a:solidFill>
+                  <a:srgbClr val="FF0000"/>
+                </a:solidFill>
+              </a:endParaRPr>
+            </a:p>
+          </p:txBody>
+        </p:sp>
+        <p:sp>
+          <p:nvSpPr>
+            <p:cNvPr id="12" name="Rectangle 11"/>
+            <p:cNvSpPr/>
+            <p:nvPr/>
+          </p:nvSpPr>
+          <p:spPr>
+            <a:xfrm>
+              <a:off x="2990774" y="5800073"/>
+              <a:ext cx="50160" cy="151620"/>
+            </a:xfrm>
+            <a:prstGeom prst="rect">
+              <a:avLst/>
+            </a:prstGeom>
+          </p:spPr>
+          <p:style>
+            <a:lnRef idx="2">
+              <a:schemeClr val="accent1">
+                <a:shade val="50000"/>
+              </a:schemeClr>
+            </a:lnRef>
+            <a:fillRef idx="1">
+              <a:schemeClr val="accent1"/>
+            </a:fillRef>
+            <a:effectRef idx="0">
+              <a:schemeClr val="accent1"/>
+            </a:effectRef>
+            <a:fontRef idx="minor">
+              <a:schemeClr val="lt1"/>
+            </a:fontRef>
+          </p:style>
+          <p:txBody>
+            <a:bodyPr rtlCol="0" anchor="ctr"/>
+            <a:lstStyle/>
+            <a:p>
+              <a:pPr algn="ctr"/>
+              <a:endParaRPr lang="en-CA"/>
+            </a:p>
+          </p:txBody>
+        </p:sp>
+        <p:sp>
+          <p:nvSpPr>
+            <p:cNvPr id="13" name="Rectangle 12"/>
+            <p:cNvSpPr/>
+            <p:nvPr/>
+          </p:nvSpPr>
+          <p:spPr>
+            <a:xfrm>
+              <a:off x="2401490" y="3605986"/>
+              <a:ext cx="257175" cy="226636"/>
+            </a:xfrm>
+            <a:prstGeom prst="rect">
+              <a:avLst/>
+            </a:prstGeom>
+          </p:spPr>
+          <p:style>
+            <a:lnRef idx="2">
+              <a:schemeClr val="accent1">
+                <a:shade val="50000"/>
+              </a:schemeClr>
+            </a:lnRef>
+            <a:fillRef idx="1">
+              <a:schemeClr val="accent1"/>
+            </a:fillRef>
+            <a:effectRef idx="0">
+              <a:schemeClr val="accent1"/>
+            </a:effectRef>
+            <a:fontRef idx="minor">
+              <a:schemeClr val="lt1"/>
+            </a:fontRef>
+          </p:style>
+          <p:txBody>
+            <a:bodyPr rtlCol="0" anchor="ctr"/>
+            <a:lstStyle/>
+            <a:p>
+              <a:pPr algn="ctr"/>
+              <a:endParaRPr lang="en-CA"/>
+            </a:p>
+          </p:txBody>
+        </p:sp>
+        <p:sp>
+          <p:nvSpPr>
+            <p:cNvPr id="14" name="Rectangle 13"/>
+            <p:cNvSpPr/>
+            <p:nvPr/>
+          </p:nvSpPr>
+          <p:spPr>
+            <a:xfrm>
+              <a:off x="2401490" y="3848874"/>
+              <a:ext cx="257175" cy="226636"/>
+            </a:xfrm>
+            <a:prstGeom prst="rect">
+              <a:avLst/>
+            </a:prstGeom>
+          </p:spPr>
+          <p:style>
+            <a:lnRef idx="3">
+              <a:schemeClr val="lt1"/>
+            </a:lnRef>
+            <a:fillRef idx="1">
+              <a:schemeClr val="accent2"/>
+            </a:fillRef>
+            <a:effectRef idx="1">
+              <a:schemeClr val="accent2"/>
+            </a:effectRef>
+            <a:fontRef idx="minor">
+              <a:schemeClr val="lt1"/>
+            </a:fontRef>
+          </p:style>
+          <p:txBody>
+            <a:bodyPr rtlCol="0" anchor="ctr"/>
+            <a:lstStyle/>
+            <a:p>
+              <a:pPr algn="ctr"/>
+              <a:endParaRPr lang="en-CA"/>
+            </a:p>
+          </p:txBody>
+        </p:sp>
+        <p:sp>
+          <p:nvSpPr>
+            <p:cNvPr id="15" name="Rectangle 14"/>
+            <p:cNvSpPr/>
+            <p:nvPr/>
+          </p:nvSpPr>
+          <p:spPr>
+            <a:xfrm>
+              <a:off x="2401490" y="4091762"/>
+              <a:ext cx="257175" cy="226636"/>
+            </a:xfrm>
+            <a:prstGeom prst="rect">
+              <a:avLst/>
+            </a:prstGeom>
+          </p:spPr>
+          <p:style>
+            <a:lnRef idx="2">
+              <a:schemeClr val="accent1">
+                <a:shade val="50000"/>
+              </a:schemeClr>
+            </a:lnRef>
+            <a:fillRef idx="1">
+              <a:schemeClr val="accent1"/>
+            </a:fillRef>
+            <a:effectRef idx="0">
+              <a:schemeClr val="accent1"/>
+            </a:effectRef>
+            <a:fontRef idx="minor">
+              <a:schemeClr val="lt1"/>
+            </a:fontRef>
+          </p:style>
+          <p:txBody>
+            <a:bodyPr rot="0" spcFirstLastPara="0" vert="horz" wrap="square" lIns="91440" tIns="45720" rIns="91440" bIns="45720" numCol="1" spcCol="0" rtlCol="0" fromWordArt="0" anchor="ctr" anchorCtr="0" forceAA="0" compatLnSpc="1">
+              <a:prstTxWarp prst="textNoShape">
+                <a:avLst/>
+              </a:prstTxWarp>
+              <a:noAutofit/>
+            </a:bodyPr>
+            <a:lstStyle>
+              <a:defPPr>
+                <a:defRPr lang="en-US"/>
+              </a:defPPr>
+              <a:lvl1pPr marL="0" algn="l" defTabSz="914400" rtl="0" eaLnBrk="1" latinLnBrk="0" hangingPunct="1">
+                <a:defRPr sz="1800" kern="1200">
+                  <a:solidFill>
+                    <a:schemeClr val="lt1"/>
+                  </a:solidFill>
+                  <a:latin typeface="+mn-lt"/>
+                  <a:ea typeface="+mn-ea"/>
+                  <a:cs typeface="+mn-cs"/>
+                </a:defRPr>
+              </a:lvl1pPr>
+              <a:lvl2pPr marL="457200" algn="l" defTabSz="914400" rtl="0" eaLnBrk="1" latinLnBrk="0" hangingPunct="1">
+                <a:defRPr sz="1800" kern="1200">
+                  <a:solidFill>
+                    <a:schemeClr val="lt1"/>
+                  </a:solidFill>
+                  <a:latin typeface="+mn-lt"/>
+                  <a:ea typeface="+mn-ea"/>
+                  <a:cs typeface="+mn-cs"/>
+                </a:defRPr>
+              </a:lvl2pPr>
+              <a:lvl3pPr marL="914400" algn="l" defTabSz="914400" rtl="0" eaLnBrk="1" latinLnBrk="0" hangingPunct="1">
+                <a:defRPr sz="1800" kern="1200">
+                  <a:solidFill>
+                    <a:schemeClr val="lt1"/>
+                  </a:solidFill>
+                  <a:latin typeface="+mn-lt"/>
+                  <a:ea typeface="+mn-ea"/>
+                  <a:cs typeface="+mn-cs"/>
+                </a:defRPr>
+              </a:lvl3pPr>
+              <a:lvl4pPr marL="1371600" algn="l" defTabSz="914400" rtl="0" eaLnBrk="1" latinLnBrk="0" hangingPunct="1">
+                <a:defRPr sz="1800" kern="1200">
+                  <a:solidFill>
+                    <a:schemeClr val="lt1"/>
+                  </a:solidFill>
+                  <a:latin typeface="+mn-lt"/>
+                  <a:ea typeface="+mn-ea"/>
+                  <a:cs typeface="+mn-cs"/>
+                </a:defRPr>
+              </a:lvl4pPr>
+              <a:lvl5pPr marL="1828800" algn="l" defTabSz="914400" rtl="0" eaLnBrk="1" latinLnBrk="0" hangingPunct="1">
+                <a:defRPr sz="1800" kern="1200">
+                  <a:solidFill>
+                    <a:schemeClr val="lt1"/>
+                  </a:solidFill>
+                  <a:latin typeface="+mn-lt"/>
+                  <a:ea typeface="+mn-ea"/>
+                  <a:cs typeface="+mn-cs"/>
+                </a:defRPr>
+              </a:lvl5pPr>
+              <a:lvl6pPr marL="2286000" algn="l" defTabSz="914400" rtl="0" eaLnBrk="1" latinLnBrk="0" hangingPunct="1">
+                <a:defRPr sz="1800" kern="1200">
+                  <a:solidFill>
+                    <a:schemeClr val="lt1"/>
+                  </a:solidFill>
+                  <a:latin typeface="+mn-lt"/>
+                  <a:ea typeface="+mn-ea"/>
+                  <a:cs typeface="+mn-cs"/>
+                </a:defRPr>
+              </a:lvl6pPr>
+              <a:lvl7pPr marL="2743200" algn="l" defTabSz="914400" rtl="0" eaLnBrk="1" latinLnBrk="0" hangingPunct="1">
+                <a:defRPr sz="1800" kern="1200">
+                  <a:solidFill>
+                    <a:schemeClr val="lt1"/>
+                  </a:solidFill>
+                  <a:latin typeface="+mn-lt"/>
+                  <a:ea typeface="+mn-ea"/>
+                  <a:cs typeface="+mn-cs"/>
+                </a:defRPr>
+              </a:lvl7pPr>
+              <a:lvl8pPr marL="3200400" algn="l" defTabSz="914400" rtl="0" eaLnBrk="1" latinLnBrk="0" hangingPunct="1">
+                <a:defRPr sz="1800" kern="1200">
+                  <a:solidFill>
+                    <a:schemeClr val="lt1"/>
+                  </a:solidFill>
+                  <a:latin typeface="+mn-lt"/>
+                  <a:ea typeface="+mn-ea"/>
+                  <a:cs typeface="+mn-cs"/>
+                </a:defRPr>
+              </a:lvl8pPr>
+              <a:lvl9pPr marL="3657600" algn="l" defTabSz="914400" rtl="0" eaLnBrk="1" latinLnBrk="0" hangingPunct="1">
+                <a:defRPr sz="1800" kern="1200">
+                  <a:solidFill>
+                    <a:schemeClr val="lt1"/>
+                  </a:solidFill>
+                  <a:latin typeface="+mn-lt"/>
+                  <a:ea typeface="+mn-ea"/>
+                  <a:cs typeface="+mn-cs"/>
+                </a:defRPr>
+              </a:lvl9pPr>
+            </a:lstStyle>
+            <a:p>
+              <a:pPr algn="ctr"/>
+              <a:endParaRPr lang="en-CA"/>
+            </a:p>
+          </p:txBody>
+        </p:sp>
+        <p:sp>
+          <p:nvSpPr>
+            <p:cNvPr id="16" name="Rectangle 15"/>
+            <p:cNvSpPr/>
+            <p:nvPr/>
+          </p:nvSpPr>
+          <p:spPr>
+            <a:xfrm>
+              <a:off x="2401491" y="4340593"/>
+              <a:ext cx="178594" cy="152400"/>
+            </a:xfrm>
+            <a:prstGeom prst="rect">
+              <a:avLst/>
+            </a:prstGeom>
+          </p:spPr>
+          <p:style>
+            <a:lnRef idx="2">
+              <a:schemeClr val="accent1">
+                <a:shade val="50000"/>
+              </a:schemeClr>
+            </a:lnRef>
+            <a:fillRef idx="1">
+              <a:schemeClr val="accent1"/>
+            </a:fillRef>
+            <a:effectRef idx="0">
+              <a:schemeClr val="accent1"/>
+            </a:effectRef>
+            <a:fontRef idx="minor">
+              <a:schemeClr val="lt1"/>
+            </a:fontRef>
+          </p:style>
+          <p:txBody>
+            <a:bodyPr rtlCol="0" anchor="ctr"/>
+            <a:lstStyle/>
+            <a:p>
+              <a:pPr algn="ctr"/>
+              <a:endParaRPr lang="en-CA"/>
+            </a:p>
+          </p:txBody>
+        </p:sp>
+        <p:sp>
+          <p:nvSpPr>
+            <p:cNvPr id="17" name="Rectangle 16"/>
+            <p:cNvSpPr/>
+            <p:nvPr/>
+          </p:nvSpPr>
+          <p:spPr>
+            <a:xfrm>
+              <a:off x="2497893" y="4518598"/>
+              <a:ext cx="146563" cy="191099"/>
+            </a:xfrm>
+            <a:prstGeom prst="rect">
+              <a:avLst/>
+            </a:prstGeom>
+          </p:spPr>
+          <p:style>
+            <a:lnRef idx="2">
+              <a:schemeClr val="accent1">
+                <a:shade val="50000"/>
+              </a:schemeClr>
+            </a:lnRef>
+            <a:fillRef idx="1">
+              <a:schemeClr val="accent1"/>
+            </a:fillRef>
+            <a:effectRef idx="0">
+              <a:schemeClr val="accent1"/>
+            </a:effectRef>
+            <a:fontRef idx="minor">
+              <a:schemeClr val="lt1"/>
+            </a:fontRef>
+          </p:style>
+          <p:txBody>
+            <a:bodyPr rtlCol="0" anchor="ctr"/>
+            <a:lstStyle/>
+            <a:p>
+              <a:pPr algn="ctr"/>
+              <a:endParaRPr lang="en-CA"/>
+            </a:p>
+          </p:txBody>
+        </p:sp>
+        <p:sp>
+          <p:nvSpPr>
+            <p:cNvPr id="19" name="TextBox 18"/>
+            <p:cNvSpPr txBox="1"/>
+            <p:nvPr/>
+          </p:nvSpPr>
+          <p:spPr>
+            <a:xfrm>
+              <a:off x="2113100" y="3738147"/>
+              <a:ext cx="338554" cy="1247774"/>
+            </a:xfrm>
+            <a:prstGeom prst="rect">
+              <a:avLst/>
+            </a:prstGeom>
+            <a:noFill/>
+          </p:spPr>
+          <p:txBody>
+            <a:bodyPr vert="eaVert" wrap="square" rtlCol="0">
+              <a:spAutoFit/>
+            </a:bodyPr>
+            <a:lstStyle/>
+            <a:p>
+              <a:r>
+                <a:rPr lang="en-CA" sz="1000" dirty="0"/>
+                <a:t>passageway</a:t>
+              </a:r>
+            </a:p>
+          </p:txBody>
+        </p:sp>
+        <p:sp>
+          <p:nvSpPr>
+            <p:cNvPr id="20" name="Rectangle 19"/>
+            <p:cNvSpPr/>
+            <p:nvPr/>
+          </p:nvSpPr>
+          <p:spPr>
+            <a:xfrm>
+              <a:off x="2798047" y="3600628"/>
+              <a:ext cx="257175" cy="226636"/>
+            </a:xfrm>
+            <a:prstGeom prst="rect">
+              <a:avLst/>
+            </a:prstGeom>
+          </p:spPr>
+          <p:style>
+            <a:lnRef idx="2">
+              <a:schemeClr val="accent1">
+                <a:shade val="50000"/>
+              </a:schemeClr>
+            </a:lnRef>
+            <a:fillRef idx="1">
+              <a:schemeClr val="accent1"/>
+            </a:fillRef>
+            <a:effectRef idx="0">
+              <a:schemeClr val="accent1"/>
+            </a:effectRef>
+            <a:fontRef idx="minor">
+              <a:schemeClr val="lt1"/>
+            </a:fontRef>
+          </p:style>
+          <p:txBody>
+            <a:bodyPr rtlCol="0" anchor="ctr"/>
+            <a:lstStyle/>
+            <a:p>
+              <a:pPr algn="ctr"/>
+              <a:endParaRPr lang="en-CA"/>
+            </a:p>
+          </p:txBody>
+        </p:sp>
+        <p:sp>
+          <p:nvSpPr>
+            <p:cNvPr id="21" name="Rectangle 20"/>
+            <p:cNvSpPr/>
+            <p:nvPr/>
+          </p:nvSpPr>
+          <p:spPr>
+            <a:xfrm>
+              <a:off x="2798047" y="3843516"/>
+              <a:ext cx="257175" cy="226636"/>
+            </a:xfrm>
+            <a:prstGeom prst="rect">
+              <a:avLst/>
+            </a:prstGeom>
+          </p:spPr>
+          <p:style>
+            <a:lnRef idx="2">
+              <a:schemeClr val="accent1">
+                <a:shade val="50000"/>
+              </a:schemeClr>
+            </a:lnRef>
+            <a:fillRef idx="1">
+              <a:schemeClr val="accent1"/>
+            </a:fillRef>
+            <a:effectRef idx="0">
+              <a:schemeClr val="accent1"/>
+            </a:effectRef>
+            <a:fontRef idx="minor">
+              <a:schemeClr val="lt1"/>
+            </a:fontRef>
+          </p:style>
+          <p:txBody>
+            <a:bodyPr rtlCol="0" anchor="ctr"/>
+            <a:lstStyle/>
+            <a:p>
+              <a:pPr algn="ctr"/>
+              <a:endParaRPr lang="en-CA"/>
+            </a:p>
+          </p:txBody>
+        </p:sp>
+        <p:sp>
+          <p:nvSpPr>
+            <p:cNvPr id="22" name="Rectangle 21"/>
+            <p:cNvSpPr/>
+            <p:nvPr/>
+          </p:nvSpPr>
+          <p:spPr>
+            <a:xfrm>
+              <a:off x="2798047" y="4086404"/>
+              <a:ext cx="257175" cy="226636"/>
+            </a:xfrm>
+            <a:prstGeom prst="rect">
+              <a:avLst/>
+            </a:prstGeom>
+          </p:spPr>
+          <p:style>
+            <a:lnRef idx="2">
+              <a:schemeClr val="accent1">
+                <a:shade val="50000"/>
+              </a:schemeClr>
+            </a:lnRef>
+            <a:fillRef idx="1">
+              <a:schemeClr val="accent1"/>
+            </a:fillRef>
+            <a:effectRef idx="0">
+              <a:schemeClr val="accent1"/>
+            </a:effectRef>
+            <a:fontRef idx="minor">
+              <a:schemeClr val="lt1"/>
+            </a:fontRef>
+          </p:style>
+          <p:txBody>
+            <a:bodyPr rot="0" spcFirstLastPara="0" vert="horz" wrap="square" lIns="91440" tIns="45720" rIns="91440" bIns="45720" numCol="1" spcCol="0" rtlCol="0" fromWordArt="0" anchor="ctr" anchorCtr="0" forceAA="0" compatLnSpc="1">
+              <a:prstTxWarp prst="textNoShape">
+                <a:avLst/>
+              </a:prstTxWarp>
+              <a:noAutofit/>
+            </a:bodyPr>
+            <a:lstStyle>
+              <a:defPPr>
+                <a:defRPr lang="en-US"/>
+              </a:defPPr>
+              <a:lvl1pPr marL="0" algn="l" defTabSz="914400" rtl="0" eaLnBrk="1" latinLnBrk="0" hangingPunct="1">
+                <a:defRPr sz="1800" kern="1200">
+                  <a:solidFill>
+                    <a:schemeClr val="lt1"/>
+                  </a:solidFill>
+                  <a:latin typeface="+mn-lt"/>
+                  <a:ea typeface="+mn-ea"/>
+                  <a:cs typeface="+mn-cs"/>
+                </a:defRPr>
+              </a:lvl1pPr>
+              <a:lvl2pPr marL="457200" algn="l" defTabSz="914400" rtl="0" eaLnBrk="1" latinLnBrk="0" hangingPunct="1">
+                <a:defRPr sz="1800" kern="1200">
+                  <a:solidFill>
+                    <a:schemeClr val="lt1"/>
+                  </a:solidFill>
+                  <a:latin typeface="+mn-lt"/>
+                  <a:ea typeface="+mn-ea"/>
+                  <a:cs typeface="+mn-cs"/>
+                </a:defRPr>
+              </a:lvl2pPr>
+              <a:lvl3pPr marL="914400" algn="l" defTabSz="914400" rtl="0" eaLnBrk="1" latinLnBrk="0" hangingPunct="1">
+                <a:defRPr sz="1800" kern="1200">
+                  <a:solidFill>
+                    <a:schemeClr val="lt1"/>
+                  </a:solidFill>
+                  <a:latin typeface="+mn-lt"/>
+                  <a:ea typeface="+mn-ea"/>
+                  <a:cs typeface="+mn-cs"/>
+                </a:defRPr>
+              </a:lvl3pPr>
+              <a:lvl4pPr marL="1371600" algn="l" defTabSz="914400" rtl="0" eaLnBrk="1" latinLnBrk="0" hangingPunct="1">
+                <a:defRPr sz="1800" kern="1200">
+                  <a:solidFill>
+                    <a:schemeClr val="lt1"/>
+                  </a:solidFill>
+                  <a:latin typeface="+mn-lt"/>
+                  <a:ea typeface="+mn-ea"/>
+                  <a:cs typeface="+mn-cs"/>
+                </a:defRPr>
+              </a:lvl4pPr>
+              <a:lvl5pPr marL="1828800" algn="l" defTabSz="914400" rtl="0" eaLnBrk="1" latinLnBrk="0" hangingPunct="1">
+                <a:defRPr sz="1800" kern="1200">
+                  <a:solidFill>
+                    <a:schemeClr val="lt1"/>
+                  </a:solidFill>
+                  <a:latin typeface="+mn-lt"/>
+                  <a:ea typeface="+mn-ea"/>
+                  <a:cs typeface="+mn-cs"/>
+                </a:defRPr>
+              </a:lvl5pPr>
+              <a:lvl6pPr marL="2286000" algn="l" defTabSz="914400" rtl="0" eaLnBrk="1" latinLnBrk="0" hangingPunct="1">
+                <a:defRPr sz="1800" kern="1200">
+                  <a:solidFill>
+                    <a:schemeClr val="lt1"/>
+                  </a:solidFill>
+                  <a:latin typeface="+mn-lt"/>
+                  <a:ea typeface="+mn-ea"/>
+                  <a:cs typeface="+mn-cs"/>
+                </a:defRPr>
+              </a:lvl6pPr>
+              <a:lvl7pPr marL="2743200" algn="l" defTabSz="914400" rtl="0" eaLnBrk="1" latinLnBrk="0" hangingPunct="1">
+                <a:defRPr sz="1800" kern="1200">
+                  <a:solidFill>
+                    <a:schemeClr val="lt1"/>
+                  </a:solidFill>
+                  <a:latin typeface="+mn-lt"/>
+                  <a:ea typeface="+mn-ea"/>
+                  <a:cs typeface="+mn-cs"/>
+                </a:defRPr>
+              </a:lvl7pPr>
+              <a:lvl8pPr marL="3200400" algn="l" defTabSz="914400" rtl="0" eaLnBrk="1" latinLnBrk="0" hangingPunct="1">
+                <a:defRPr sz="1800" kern="1200">
+                  <a:solidFill>
+                    <a:schemeClr val="lt1"/>
+                  </a:solidFill>
+                  <a:latin typeface="+mn-lt"/>
+                  <a:ea typeface="+mn-ea"/>
+                  <a:cs typeface="+mn-cs"/>
+                </a:defRPr>
+              </a:lvl8pPr>
+              <a:lvl9pPr marL="3657600" algn="l" defTabSz="914400" rtl="0" eaLnBrk="1" latinLnBrk="0" hangingPunct="1">
+                <a:defRPr sz="1800" kern="1200">
+                  <a:solidFill>
+                    <a:schemeClr val="lt1"/>
+                  </a:solidFill>
+                  <a:latin typeface="+mn-lt"/>
+                  <a:ea typeface="+mn-ea"/>
+                  <a:cs typeface="+mn-cs"/>
+                </a:defRPr>
+              </a:lvl9pPr>
+            </a:lstStyle>
+            <a:p>
+              <a:pPr algn="ctr"/>
+              <a:endParaRPr lang="en-CA"/>
+            </a:p>
+          </p:txBody>
+        </p:sp>
+        <p:sp>
+          <p:nvSpPr>
+            <p:cNvPr id="23" name="Rectangle 22"/>
+            <p:cNvSpPr/>
+            <p:nvPr/>
+          </p:nvSpPr>
+          <p:spPr>
+            <a:xfrm>
+              <a:off x="2798047" y="4340550"/>
+              <a:ext cx="235277" cy="152400"/>
+            </a:xfrm>
+            <a:prstGeom prst="rect">
+              <a:avLst/>
+            </a:prstGeom>
+          </p:spPr>
+          <p:style>
+            <a:lnRef idx="2">
+              <a:schemeClr val="accent1">
+                <a:shade val="50000"/>
+              </a:schemeClr>
+            </a:lnRef>
+            <a:fillRef idx="1">
+              <a:schemeClr val="accent1"/>
+            </a:fillRef>
+            <a:effectRef idx="0">
+              <a:schemeClr val="accent1"/>
+            </a:effectRef>
+            <a:fontRef idx="minor">
+              <a:schemeClr val="lt1"/>
+            </a:fontRef>
+          </p:style>
+          <p:txBody>
+            <a:bodyPr rtlCol="0" anchor="ctr"/>
+            <a:lstStyle/>
+            <a:p>
+              <a:pPr algn="ctr"/>
+              <a:endParaRPr lang="en-CA"/>
+            </a:p>
+          </p:txBody>
+        </p:sp>
+        <p:sp>
+          <p:nvSpPr>
+            <p:cNvPr id="24" name="Rectangle 23"/>
+            <p:cNvSpPr/>
+            <p:nvPr/>
+          </p:nvSpPr>
+          <p:spPr>
+            <a:xfrm>
+              <a:off x="2797893" y="4517600"/>
+              <a:ext cx="257175" cy="172642"/>
+            </a:xfrm>
+            <a:prstGeom prst="rect">
+              <a:avLst/>
+            </a:prstGeom>
+          </p:spPr>
+          <p:style>
+            <a:lnRef idx="2">
+              <a:schemeClr val="accent1">
+                <a:shade val="50000"/>
+              </a:schemeClr>
+            </a:lnRef>
+            <a:fillRef idx="1">
+              <a:schemeClr val="accent1"/>
+            </a:fillRef>
+            <a:effectRef idx="0">
+              <a:schemeClr val="accent1"/>
+            </a:effectRef>
+            <a:fontRef idx="minor">
+              <a:schemeClr val="lt1"/>
+            </a:fontRef>
+          </p:style>
+          <p:txBody>
+            <a:bodyPr rtlCol="0" anchor="ctr"/>
+            <a:lstStyle/>
+            <a:p>
+              <a:pPr algn="ctr"/>
+              <a:endParaRPr lang="en-CA"/>
+            </a:p>
+          </p:txBody>
+        </p:sp>
+        <p:sp>
+          <p:nvSpPr>
+            <p:cNvPr id="25" name="TextBox 24"/>
+            <p:cNvSpPr txBox="1"/>
+            <p:nvPr/>
+          </p:nvSpPr>
+          <p:spPr>
+            <a:xfrm>
+              <a:off x="2541686" y="3743504"/>
+              <a:ext cx="338554" cy="1247774"/>
+            </a:xfrm>
+            <a:prstGeom prst="rect">
+              <a:avLst/>
+            </a:prstGeom>
+            <a:noFill/>
+          </p:spPr>
+          <p:txBody>
+            <a:bodyPr vert="eaVert" wrap="square" rtlCol="0">
+              <a:spAutoFit/>
+            </a:bodyPr>
+            <a:lstStyle/>
+            <a:p>
+              <a:r>
+                <a:rPr lang="en-CA" sz="1000" dirty="0"/>
+                <a:t>passageway</a:t>
+              </a:r>
+            </a:p>
+          </p:txBody>
+        </p:sp>
+        <p:sp>
+          <p:nvSpPr>
+            <p:cNvPr id="26" name="Rectangle 25"/>
+            <p:cNvSpPr/>
+            <p:nvPr/>
+          </p:nvSpPr>
+          <p:spPr>
+            <a:xfrm>
+              <a:off x="1977628" y="5043706"/>
+              <a:ext cx="257175" cy="226636"/>
+            </a:xfrm>
+            <a:prstGeom prst="rect">
+              <a:avLst/>
+            </a:prstGeom>
+          </p:spPr>
+          <p:style>
+            <a:lnRef idx="2">
+              <a:schemeClr val="accent2">
+                <a:shade val="50000"/>
+              </a:schemeClr>
+            </a:lnRef>
+            <a:fillRef idx="1">
+              <a:schemeClr val="accent2"/>
+            </a:fillRef>
+            <a:effectRef idx="0">
+              <a:schemeClr val="accent2"/>
+            </a:effectRef>
+            <a:fontRef idx="minor">
+              <a:schemeClr val="lt1"/>
+            </a:fontRef>
+          </p:style>
+          <p:txBody>
+            <a:bodyPr rtlCol="0" anchor="ctr"/>
+            <a:lstStyle/>
+            <a:p>
+              <a:pPr algn="ctr"/>
+              <a:endParaRPr lang="en-CA"/>
+            </a:p>
+          </p:txBody>
+        </p:sp>
+        <p:sp>
+          <p:nvSpPr>
+            <p:cNvPr id="27" name="Rectangle 26"/>
+            <p:cNvSpPr/>
+            <p:nvPr/>
+          </p:nvSpPr>
+          <p:spPr>
+            <a:xfrm>
+              <a:off x="1976438" y="5305024"/>
+              <a:ext cx="257175" cy="226636"/>
+            </a:xfrm>
+            <a:prstGeom prst="rect">
+              <a:avLst/>
+            </a:prstGeom>
+          </p:spPr>
+          <p:style>
+            <a:lnRef idx="2">
+              <a:schemeClr val="accent1">
+                <a:shade val="50000"/>
+              </a:schemeClr>
+            </a:lnRef>
+            <a:fillRef idx="1">
+              <a:schemeClr val="accent1"/>
+            </a:fillRef>
+            <a:effectRef idx="0">
+              <a:schemeClr val="accent1"/>
+            </a:effectRef>
+            <a:fontRef idx="minor">
+              <a:schemeClr val="lt1"/>
+            </a:fontRef>
+          </p:style>
+          <p:txBody>
+            <a:bodyPr rtlCol="0" anchor="ctr"/>
+            <a:lstStyle/>
+            <a:p>
+              <a:pPr algn="ctr"/>
+              <a:endParaRPr lang="en-CA"/>
+            </a:p>
+          </p:txBody>
+        </p:sp>
+        <p:sp>
+          <p:nvSpPr>
+            <p:cNvPr id="28" name="Rectangle 27"/>
+            <p:cNvSpPr/>
+            <p:nvPr/>
+          </p:nvSpPr>
+          <p:spPr>
+            <a:xfrm>
+              <a:off x="1975841" y="5564553"/>
+              <a:ext cx="257175" cy="226636"/>
+            </a:xfrm>
+            <a:prstGeom prst="rect">
+              <a:avLst/>
+            </a:prstGeom>
+          </p:spPr>
+          <p:style>
+            <a:lnRef idx="2">
+              <a:schemeClr val="accent1">
+                <a:shade val="50000"/>
+              </a:schemeClr>
+            </a:lnRef>
+            <a:fillRef idx="1">
+              <a:schemeClr val="accent1"/>
+            </a:fillRef>
+            <a:effectRef idx="0">
+              <a:schemeClr val="accent1"/>
+            </a:effectRef>
+            <a:fontRef idx="minor">
+              <a:schemeClr val="lt1"/>
+            </a:fontRef>
+          </p:style>
+          <p:txBody>
+            <a:bodyPr rot="0" spcFirstLastPara="0" vert="horz" wrap="square" lIns="91440" tIns="45720" rIns="91440" bIns="45720" numCol="1" spcCol="0" rtlCol="0" fromWordArt="0" anchor="ctr" anchorCtr="0" forceAA="0" compatLnSpc="1">
+              <a:prstTxWarp prst="textNoShape">
+                <a:avLst/>
+              </a:prstTxWarp>
+              <a:noAutofit/>
+            </a:bodyPr>
+            <a:lstStyle>
+              <a:defPPr>
+                <a:defRPr lang="en-US"/>
+              </a:defPPr>
+              <a:lvl1pPr marL="0" algn="l" defTabSz="914400" rtl="0" eaLnBrk="1" latinLnBrk="0" hangingPunct="1">
+                <a:defRPr sz="1800" kern="1200">
+                  <a:solidFill>
+                    <a:schemeClr val="lt1"/>
+                  </a:solidFill>
+                  <a:latin typeface="+mn-lt"/>
+                  <a:ea typeface="+mn-ea"/>
+                  <a:cs typeface="+mn-cs"/>
+                </a:defRPr>
+              </a:lvl1pPr>
+              <a:lvl2pPr marL="457200" algn="l" defTabSz="914400" rtl="0" eaLnBrk="1" latinLnBrk="0" hangingPunct="1">
+                <a:defRPr sz="1800" kern="1200">
+                  <a:solidFill>
+                    <a:schemeClr val="lt1"/>
+                  </a:solidFill>
+                  <a:latin typeface="+mn-lt"/>
+                  <a:ea typeface="+mn-ea"/>
+                  <a:cs typeface="+mn-cs"/>
+                </a:defRPr>
+              </a:lvl2pPr>
+              <a:lvl3pPr marL="914400" algn="l" defTabSz="914400" rtl="0" eaLnBrk="1" latinLnBrk="0" hangingPunct="1">
+                <a:defRPr sz="1800" kern="1200">
+                  <a:solidFill>
+                    <a:schemeClr val="lt1"/>
+                  </a:solidFill>
+                  <a:latin typeface="+mn-lt"/>
+                  <a:ea typeface="+mn-ea"/>
+                  <a:cs typeface="+mn-cs"/>
+                </a:defRPr>
+              </a:lvl3pPr>
+              <a:lvl4pPr marL="1371600" algn="l" defTabSz="914400" rtl="0" eaLnBrk="1" latinLnBrk="0" hangingPunct="1">
+                <a:defRPr sz="1800" kern="1200">
+                  <a:solidFill>
+                    <a:schemeClr val="lt1"/>
+                  </a:solidFill>
+                  <a:latin typeface="+mn-lt"/>
+                  <a:ea typeface="+mn-ea"/>
+                  <a:cs typeface="+mn-cs"/>
+                </a:defRPr>
+              </a:lvl4pPr>
+              <a:lvl5pPr marL="1828800" algn="l" defTabSz="914400" rtl="0" eaLnBrk="1" latinLnBrk="0" hangingPunct="1">
+                <a:defRPr sz="1800" kern="1200">
+                  <a:solidFill>
+                    <a:schemeClr val="lt1"/>
+                  </a:solidFill>
+                  <a:latin typeface="+mn-lt"/>
+                  <a:ea typeface="+mn-ea"/>
+                  <a:cs typeface="+mn-cs"/>
+                </a:defRPr>
+              </a:lvl5pPr>
+              <a:lvl6pPr marL="2286000" algn="l" defTabSz="914400" rtl="0" eaLnBrk="1" latinLnBrk="0" hangingPunct="1">
+                <a:defRPr sz="1800" kern="1200">
+                  <a:solidFill>
+                    <a:schemeClr val="lt1"/>
+                  </a:solidFill>
+                  <a:latin typeface="+mn-lt"/>
+                  <a:ea typeface="+mn-ea"/>
+                  <a:cs typeface="+mn-cs"/>
+                </a:defRPr>
+              </a:lvl6pPr>
+              <a:lvl7pPr marL="2743200" algn="l" defTabSz="914400" rtl="0" eaLnBrk="1" latinLnBrk="0" hangingPunct="1">
+                <a:defRPr sz="1800" kern="1200">
+                  <a:solidFill>
+                    <a:schemeClr val="lt1"/>
+                  </a:solidFill>
+                  <a:latin typeface="+mn-lt"/>
+                  <a:ea typeface="+mn-ea"/>
+                  <a:cs typeface="+mn-cs"/>
+                </a:defRPr>
+              </a:lvl7pPr>
+              <a:lvl8pPr marL="3200400" algn="l" defTabSz="914400" rtl="0" eaLnBrk="1" latinLnBrk="0" hangingPunct="1">
+                <a:defRPr sz="1800" kern="1200">
+                  <a:solidFill>
+                    <a:schemeClr val="lt1"/>
+                  </a:solidFill>
+                  <a:latin typeface="+mn-lt"/>
+                  <a:ea typeface="+mn-ea"/>
+                  <a:cs typeface="+mn-cs"/>
+                </a:defRPr>
+              </a:lvl8pPr>
+              <a:lvl9pPr marL="3657600" algn="l" defTabSz="914400" rtl="0" eaLnBrk="1" latinLnBrk="0" hangingPunct="1">
+                <a:defRPr sz="1800" kern="1200">
+                  <a:solidFill>
+                    <a:schemeClr val="lt1"/>
+                  </a:solidFill>
+                  <a:latin typeface="+mn-lt"/>
+                  <a:ea typeface="+mn-ea"/>
+                  <a:cs typeface="+mn-cs"/>
+                </a:defRPr>
+              </a:lvl9pPr>
+            </a:lstStyle>
+            <a:p>
+              <a:pPr algn="ctr"/>
+              <a:endParaRPr lang="en-CA"/>
+            </a:p>
+          </p:txBody>
+        </p:sp>
+        <p:sp>
+          <p:nvSpPr>
+            <p:cNvPr id="29" name="Rectangle 28"/>
+            <p:cNvSpPr/>
+            <p:nvPr/>
+          </p:nvSpPr>
+          <p:spPr>
+            <a:xfrm>
+              <a:off x="1976438" y="5810573"/>
+              <a:ext cx="178594" cy="152400"/>
+            </a:xfrm>
+            <a:prstGeom prst="rect">
+              <a:avLst/>
+            </a:prstGeom>
+          </p:spPr>
+          <p:style>
+            <a:lnRef idx="2">
+              <a:schemeClr val="accent1">
+                <a:shade val="50000"/>
+              </a:schemeClr>
+            </a:lnRef>
+            <a:fillRef idx="1">
+              <a:schemeClr val="accent1"/>
+            </a:fillRef>
+            <a:effectRef idx="0">
+              <a:schemeClr val="accent1"/>
+            </a:effectRef>
+            <a:fontRef idx="minor">
+              <a:schemeClr val="lt1"/>
+            </a:fontRef>
+          </p:style>
+          <p:txBody>
+            <a:bodyPr rtlCol="0" anchor="ctr"/>
+            <a:lstStyle/>
+            <a:p>
+              <a:pPr algn="ctr"/>
+              <a:endParaRPr lang="en-CA"/>
+            </a:p>
+          </p:txBody>
+        </p:sp>
+        <p:sp>
+          <p:nvSpPr>
+            <p:cNvPr id="30" name="Rectangle 29"/>
+            <p:cNvSpPr/>
+            <p:nvPr/>
+          </p:nvSpPr>
+          <p:spPr>
+            <a:xfrm>
+              <a:off x="1975841" y="5980586"/>
+              <a:ext cx="96441" cy="95249"/>
+            </a:xfrm>
+            <a:prstGeom prst="rect">
+              <a:avLst/>
+            </a:prstGeom>
+          </p:spPr>
+          <p:style>
+            <a:lnRef idx="2">
+              <a:schemeClr val="accent1">
+                <a:shade val="50000"/>
+              </a:schemeClr>
+            </a:lnRef>
+            <a:fillRef idx="1">
+              <a:schemeClr val="accent1"/>
+            </a:fillRef>
+            <a:effectRef idx="0">
+              <a:schemeClr val="accent1"/>
+            </a:effectRef>
+            <a:fontRef idx="minor">
+              <a:schemeClr val="lt1"/>
+            </a:fontRef>
+          </p:style>
+          <p:txBody>
+            <a:bodyPr rtlCol="0" anchor="ctr"/>
+            <a:lstStyle/>
+            <a:p>
+              <a:pPr algn="ctr"/>
+              <a:endParaRPr lang="en-CA"/>
+            </a:p>
+          </p:txBody>
+        </p:sp>
+        <p:sp>
+          <p:nvSpPr>
+            <p:cNvPr id="31" name="Rectangle 30"/>
+            <p:cNvSpPr/>
+            <p:nvPr/>
+          </p:nvSpPr>
+          <p:spPr>
+            <a:xfrm>
+              <a:off x="2087089" y="5980585"/>
+              <a:ext cx="128588" cy="172642"/>
+            </a:xfrm>
+            <a:prstGeom prst="rect">
+              <a:avLst/>
+            </a:prstGeom>
+          </p:spPr>
+          <p:style>
+            <a:lnRef idx="2">
+              <a:schemeClr val="accent1">
+                <a:shade val="50000"/>
+              </a:schemeClr>
+            </a:lnRef>
+            <a:fillRef idx="1">
+              <a:schemeClr val="accent1"/>
+            </a:fillRef>
+            <a:effectRef idx="0">
+              <a:schemeClr val="accent1"/>
+            </a:effectRef>
+            <a:fontRef idx="minor">
+              <a:schemeClr val="lt1"/>
+            </a:fontRef>
+          </p:style>
+          <p:txBody>
+            <a:bodyPr rtlCol="0" anchor="ctr"/>
+            <a:lstStyle/>
+            <a:p>
+              <a:pPr algn="ctr"/>
+              <a:endParaRPr lang="en-CA"/>
+            </a:p>
+          </p:txBody>
+        </p:sp>
+        <p:sp>
+          <p:nvSpPr>
+            <p:cNvPr id="32" name="Rectangle 31"/>
+            <p:cNvSpPr/>
+            <p:nvPr/>
+          </p:nvSpPr>
+          <p:spPr>
+            <a:xfrm>
+              <a:off x="2387203" y="5044566"/>
+              <a:ext cx="257175" cy="226636"/>
+            </a:xfrm>
+            <a:prstGeom prst="rect">
+              <a:avLst/>
+            </a:prstGeom>
+          </p:spPr>
+          <p:style>
+            <a:lnRef idx="2">
+              <a:schemeClr val="accent1">
+                <a:shade val="50000"/>
+              </a:schemeClr>
+            </a:lnRef>
+            <a:fillRef idx="1">
+              <a:schemeClr val="accent1"/>
+            </a:fillRef>
+            <a:effectRef idx="0">
+              <a:schemeClr val="accent1"/>
+            </a:effectRef>
+            <a:fontRef idx="minor">
+              <a:schemeClr val="lt1"/>
+            </a:fontRef>
+          </p:style>
+          <p:txBody>
+            <a:bodyPr rtlCol="0" anchor="ctr"/>
+            <a:lstStyle/>
+            <a:p>
+              <a:pPr algn="ctr"/>
+              <a:endParaRPr lang="en-CA"/>
+            </a:p>
+          </p:txBody>
+        </p:sp>
+        <p:sp>
+          <p:nvSpPr>
+            <p:cNvPr id="33" name="Rectangle 32"/>
+            <p:cNvSpPr/>
+            <p:nvPr/>
+          </p:nvSpPr>
+          <p:spPr>
+            <a:xfrm>
+              <a:off x="2387203" y="5301435"/>
+              <a:ext cx="257175" cy="226636"/>
+            </a:xfrm>
+            <a:prstGeom prst="rect">
+              <a:avLst/>
+            </a:prstGeom>
+          </p:spPr>
+          <p:style>
+            <a:lnRef idx="2">
+              <a:schemeClr val="accent1">
+                <a:shade val="50000"/>
+              </a:schemeClr>
+            </a:lnRef>
+            <a:fillRef idx="1">
+              <a:schemeClr val="accent1"/>
+            </a:fillRef>
+            <a:effectRef idx="0">
+              <a:schemeClr val="accent1"/>
+            </a:effectRef>
+            <a:fontRef idx="minor">
+              <a:schemeClr val="lt1"/>
+            </a:fontRef>
+          </p:style>
+          <p:txBody>
+            <a:bodyPr rtlCol="0" anchor="ctr"/>
+            <a:lstStyle/>
+            <a:p>
+              <a:pPr algn="ctr"/>
+              <a:endParaRPr lang="en-CA"/>
+            </a:p>
+          </p:txBody>
+        </p:sp>
+        <p:sp>
+          <p:nvSpPr>
+            <p:cNvPr id="34" name="Rectangle 33"/>
+            <p:cNvSpPr/>
+            <p:nvPr/>
+          </p:nvSpPr>
+          <p:spPr>
+            <a:xfrm>
+              <a:off x="2387203" y="5558579"/>
+              <a:ext cx="257175" cy="226636"/>
+            </a:xfrm>
+            <a:prstGeom prst="rect">
+              <a:avLst/>
+            </a:prstGeom>
+          </p:spPr>
+          <p:style>
+            <a:lnRef idx="2">
+              <a:schemeClr val="accent1">
+                <a:shade val="50000"/>
+              </a:schemeClr>
+            </a:lnRef>
+            <a:fillRef idx="1">
+              <a:schemeClr val="accent1"/>
+            </a:fillRef>
+            <a:effectRef idx="0">
+              <a:schemeClr val="accent1"/>
+            </a:effectRef>
+            <a:fontRef idx="minor">
+              <a:schemeClr val="lt1"/>
+            </a:fontRef>
+          </p:style>
+          <p:txBody>
+            <a:bodyPr rot="0" spcFirstLastPara="0" vert="horz" wrap="square" lIns="91440" tIns="45720" rIns="91440" bIns="45720" numCol="1" spcCol="0" rtlCol="0" fromWordArt="0" anchor="ctr" anchorCtr="0" forceAA="0" compatLnSpc="1">
+              <a:prstTxWarp prst="textNoShape">
+                <a:avLst/>
+              </a:prstTxWarp>
+              <a:noAutofit/>
+            </a:bodyPr>
+            <a:lstStyle>
+              <a:defPPr>
+                <a:defRPr lang="en-US"/>
+              </a:defPPr>
+              <a:lvl1pPr marL="0" algn="l" defTabSz="914400" rtl="0" eaLnBrk="1" latinLnBrk="0" hangingPunct="1">
+                <a:defRPr sz="1800" kern="1200">
+                  <a:solidFill>
+                    <a:schemeClr val="lt1"/>
+                  </a:solidFill>
+                  <a:latin typeface="+mn-lt"/>
+                  <a:ea typeface="+mn-ea"/>
+                  <a:cs typeface="+mn-cs"/>
+                </a:defRPr>
+              </a:lvl1pPr>
+              <a:lvl2pPr marL="457200" algn="l" defTabSz="914400" rtl="0" eaLnBrk="1" latinLnBrk="0" hangingPunct="1">
+                <a:defRPr sz="1800" kern="1200">
+                  <a:solidFill>
+                    <a:schemeClr val="lt1"/>
+                  </a:solidFill>
+                  <a:latin typeface="+mn-lt"/>
+                  <a:ea typeface="+mn-ea"/>
+                  <a:cs typeface="+mn-cs"/>
+                </a:defRPr>
+              </a:lvl2pPr>
+              <a:lvl3pPr marL="914400" algn="l" defTabSz="914400" rtl="0" eaLnBrk="1" latinLnBrk="0" hangingPunct="1">
+                <a:defRPr sz="1800" kern="1200">
+                  <a:solidFill>
+                    <a:schemeClr val="lt1"/>
+                  </a:solidFill>
+                  <a:latin typeface="+mn-lt"/>
+                  <a:ea typeface="+mn-ea"/>
+                  <a:cs typeface="+mn-cs"/>
+                </a:defRPr>
+              </a:lvl3pPr>
+              <a:lvl4pPr marL="1371600" algn="l" defTabSz="914400" rtl="0" eaLnBrk="1" latinLnBrk="0" hangingPunct="1">
+                <a:defRPr sz="1800" kern="1200">
+                  <a:solidFill>
+                    <a:schemeClr val="lt1"/>
+                  </a:solidFill>
+                  <a:latin typeface="+mn-lt"/>
+                  <a:ea typeface="+mn-ea"/>
+                  <a:cs typeface="+mn-cs"/>
+                </a:defRPr>
+              </a:lvl4pPr>
+              <a:lvl5pPr marL="1828800" algn="l" defTabSz="914400" rtl="0" eaLnBrk="1" latinLnBrk="0" hangingPunct="1">
+                <a:defRPr sz="1800" kern="1200">
+                  <a:solidFill>
+                    <a:schemeClr val="lt1"/>
+                  </a:solidFill>
+                  <a:latin typeface="+mn-lt"/>
+                  <a:ea typeface="+mn-ea"/>
+                  <a:cs typeface="+mn-cs"/>
+                </a:defRPr>
+              </a:lvl5pPr>
+              <a:lvl6pPr marL="2286000" algn="l" defTabSz="914400" rtl="0" eaLnBrk="1" latinLnBrk="0" hangingPunct="1">
+                <a:defRPr sz="1800" kern="1200">
+                  <a:solidFill>
+                    <a:schemeClr val="lt1"/>
+                  </a:solidFill>
+                  <a:latin typeface="+mn-lt"/>
+                  <a:ea typeface="+mn-ea"/>
+                  <a:cs typeface="+mn-cs"/>
+                </a:defRPr>
+              </a:lvl6pPr>
+              <a:lvl7pPr marL="2743200" algn="l" defTabSz="914400" rtl="0" eaLnBrk="1" latinLnBrk="0" hangingPunct="1">
+                <a:defRPr sz="1800" kern="1200">
+                  <a:solidFill>
+                    <a:schemeClr val="lt1"/>
+                  </a:solidFill>
+                  <a:latin typeface="+mn-lt"/>
+                  <a:ea typeface="+mn-ea"/>
+                  <a:cs typeface="+mn-cs"/>
+                </a:defRPr>
+              </a:lvl7pPr>
+              <a:lvl8pPr marL="3200400" algn="l" defTabSz="914400" rtl="0" eaLnBrk="1" latinLnBrk="0" hangingPunct="1">
+                <a:defRPr sz="1800" kern="1200">
+                  <a:solidFill>
+                    <a:schemeClr val="lt1"/>
+                  </a:solidFill>
+                  <a:latin typeface="+mn-lt"/>
+                  <a:ea typeface="+mn-ea"/>
+                  <a:cs typeface="+mn-cs"/>
+                </a:defRPr>
+              </a:lvl8pPr>
+              <a:lvl9pPr marL="3657600" algn="l" defTabSz="914400" rtl="0" eaLnBrk="1" latinLnBrk="0" hangingPunct="1">
+                <a:defRPr sz="1800" kern="1200">
+                  <a:solidFill>
+                    <a:schemeClr val="lt1"/>
+                  </a:solidFill>
+                  <a:latin typeface="+mn-lt"/>
+                  <a:ea typeface="+mn-ea"/>
+                  <a:cs typeface="+mn-cs"/>
+                </a:defRPr>
+              </a:lvl9pPr>
+            </a:lstStyle>
+            <a:p>
+              <a:pPr algn="ctr"/>
+              <a:endParaRPr lang="en-CA"/>
+            </a:p>
+          </p:txBody>
+        </p:sp>
+        <p:sp>
+          <p:nvSpPr>
+            <p:cNvPr id="35" name="Rectangle 34"/>
+            <p:cNvSpPr/>
+            <p:nvPr/>
+          </p:nvSpPr>
+          <p:spPr>
+            <a:xfrm>
+              <a:off x="2389443" y="5806700"/>
+              <a:ext cx="178594" cy="152400"/>
+            </a:xfrm>
+            <a:prstGeom prst="rect">
+              <a:avLst/>
+            </a:prstGeom>
+          </p:spPr>
+          <p:style>
+            <a:lnRef idx="2">
+              <a:schemeClr val="accent1">
+                <a:shade val="50000"/>
+              </a:schemeClr>
+            </a:lnRef>
+            <a:fillRef idx="1">
+              <a:schemeClr val="accent1"/>
+            </a:fillRef>
+            <a:effectRef idx="0">
+              <a:schemeClr val="accent1"/>
+            </a:effectRef>
+            <a:fontRef idx="minor">
+              <a:schemeClr val="lt1"/>
+            </a:fontRef>
+          </p:style>
+          <p:txBody>
+            <a:bodyPr rtlCol="0" anchor="ctr"/>
+            <a:lstStyle/>
+            <a:p>
+              <a:pPr algn="ctr"/>
+              <a:endParaRPr lang="en-CA"/>
+            </a:p>
+          </p:txBody>
+        </p:sp>
+        <p:sp>
+          <p:nvSpPr>
+            <p:cNvPr id="36" name="Rectangle 35"/>
+            <p:cNvSpPr/>
+            <p:nvPr/>
+          </p:nvSpPr>
+          <p:spPr>
+            <a:xfrm>
+              <a:off x="2388355" y="5980585"/>
+              <a:ext cx="257175" cy="172642"/>
+            </a:xfrm>
+            <a:prstGeom prst="rect">
+              <a:avLst/>
+            </a:prstGeom>
+          </p:spPr>
+          <p:style>
+            <a:lnRef idx="2">
+              <a:schemeClr val="accent1">
+                <a:shade val="50000"/>
+              </a:schemeClr>
+            </a:lnRef>
+            <a:fillRef idx="1">
+              <a:schemeClr val="accent1"/>
+            </a:fillRef>
+            <a:effectRef idx="0">
+              <a:schemeClr val="accent1"/>
+            </a:effectRef>
+            <a:fontRef idx="minor">
+              <a:schemeClr val="lt1"/>
+            </a:fontRef>
+          </p:style>
+          <p:txBody>
+            <a:bodyPr rtlCol="0" anchor="ctr"/>
+            <a:lstStyle/>
+            <a:p>
+              <a:pPr algn="ctr"/>
+              <a:endParaRPr lang="en-CA"/>
+            </a:p>
+          </p:txBody>
+        </p:sp>
+        <p:sp>
+          <p:nvSpPr>
+            <p:cNvPr id="37" name="Rectangle 36"/>
+            <p:cNvSpPr/>
+            <p:nvPr/>
+          </p:nvSpPr>
+          <p:spPr>
+            <a:xfrm>
+              <a:off x="2783759" y="5067445"/>
+              <a:ext cx="257175" cy="226636"/>
+            </a:xfrm>
+            <a:prstGeom prst="rect">
+              <a:avLst/>
+            </a:prstGeom>
+          </p:spPr>
+          <p:style>
+            <a:lnRef idx="2">
+              <a:schemeClr val="accent1">
+                <a:shade val="50000"/>
+              </a:schemeClr>
+            </a:lnRef>
+            <a:fillRef idx="1">
+              <a:schemeClr val="accent1"/>
+            </a:fillRef>
+            <a:effectRef idx="0">
+              <a:schemeClr val="accent1"/>
+            </a:effectRef>
+            <a:fontRef idx="minor">
+              <a:schemeClr val="lt1"/>
+            </a:fontRef>
+          </p:style>
+          <p:txBody>
+            <a:bodyPr rtlCol="0" anchor="ctr"/>
+            <a:lstStyle/>
+            <a:p>
+              <a:pPr algn="ctr"/>
+              <a:endParaRPr lang="en-CA"/>
+            </a:p>
+          </p:txBody>
+        </p:sp>
+        <p:sp>
+          <p:nvSpPr>
+            <p:cNvPr id="39" name="Rectangle 38"/>
+            <p:cNvSpPr/>
+            <p:nvPr/>
+          </p:nvSpPr>
+          <p:spPr>
+            <a:xfrm>
+              <a:off x="2783759" y="5553221"/>
+              <a:ext cx="257175" cy="226636"/>
+            </a:xfrm>
+            <a:prstGeom prst="rect">
+              <a:avLst/>
+            </a:prstGeom>
+          </p:spPr>
+          <p:style>
+            <a:lnRef idx="2">
+              <a:schemeClr val="accent1">
+                <a:shade val="50000"/>
+              </a:schemeClr>
+            </a:lnRef>
+            <a:fillRef idx="1">
+              <a:schemeClr val="accent1"/>
+            </a:fillRef>
+            <a:effectRef idx="0">
+              <a:schemeClr val="accent1"/>
+            </a:effectRef>
+            <a:fontRef idx="minor">
+              <a:schemeClr val="lt1"/>
+            </a:fontRef>
+          </p:style>
+          <p:txBody>
+            <a:bodyPr rot="0" spcFirstLastPara="0" vert="horz" wrap="square" lIns="91440" tIns="45720" rIns="91440" bIns="45720" numCol="1" spcCol="0" rtlCol="0" fromWordArt="0" anchor="ctr" anchorCtr="0" forceAA="0" compatLnSpc="1">
+              <a:prstTxWarp prst="textNoShape">
+                <a:avLst/>
+              </a:prstTxWarp>
+              <a:noAutofit/>
+            </a:bodyPr>
+            <a:lstStyle>
+              <a:defPPr>
+                <a:defRPr lang="en-US"/>
+              </a:defPPr>
+              <a:lvl1pPr marL="0" algn="l" defTabSz="914400" rtl="0" eaLnBrk="1" latinLnBrk="0" hangingPunct="1">
+                <a:defRPr sz="1800" kern="1200">
+                  <a:solidFill>
+                    <a:schemeClr val="lt1"/>
+                  </a:solidFill>
+                  <a:latin typeface="+mn-lt"/>
+                  <a:ea typeface="+mn-ea"/>
+                  <a:cs typeface="+mn-cs"/>
+                </a:defRPr>
+              </a:lvl1pPr>
+              <a:lvl2pPr marL="457200" algn="l" defTabSz="914400" rtl="0" eaLnBrk="1" latinLnBrk="0" hangingPunct="1">
+                <a:defRPr sz="1800" kern="1200">
+                  <a:solidFill>
+                    <a:schemeClr val="lt1"/>
+                  </a:solidFill>
+                  <a:latin typeface="+mn-lt"/>
+                  <a:ea typeface="+mn-ea"/>
+                  <a:cs typeface="+mn-cs"/>
+                </a:defRPr>
+              </a:lvl2pPr>
+              <a:lvl3pPr marL="914400" algn="l" defTabSz="914400" rtl="0" eaLnBrk="1" latinLnBrk="0" hangingPunct="1">
+                <a:defRPr sz="1800" kern="1200">
+                  <a:solidFill>
+                    <a:schemeClr val="lt1"/>
+                  </a:solidFill>
+                  <a:latin typeface="+mn-lt"/>
+                  <a:ea typeface="+mn-ea"/>
+                  <a:cs typeface="+mn-cs"/>
+                </a:defRPr>
+              </a:lvl3pPr>
+              <a:lvl4pPr marL="1371600" algn="l" defTabSz="914400" rtl="0" eaLnBrk="1" latinLnBrk="0" hangingPunct="1">
+                <a:defRPr sz="1800" kern="1200">
+                  <a:solidFill>
+                    <a:schemeClr val="lt1"/>
+                  </a:solidFill>
+                  <a:latin typeface="+mn-lt"/>
+                  <a:ea typeface="+mn-ea"/>
+                  <a:cs typeface="+mn-cs"/>
+                </a:defRPr>
+              </a:lvl4pPr>
+              <a:lvl5pPr marL="1828800" algn="l" defTabSz="914400" rtl="0" eaLnBrk="1" latinLnBrk="0" hangingPunct="1">
+                <a:defRPr sz="1800" kern="1200">
+                  <a:solidFill>
+                    <a:schemeClr val="lt1"/>
+                  </a:solidFill>
+                  <a:latin typeface="+mn-lt"/>
+                  <a:ea typeface="+mn-ea"/>
+                  <a:cs typeface="+mn-cs"/>
+                </a:defRPr>
+              </a:lvl5pPr>
+              <a:lvl6pPr marL="2286000" algn="l" defTabSz="914400" rtl="0" eaLnBrk="1" latinLnBrk="0" hangingPunct="1">
+                <a:defRPr sz="1800" kern="1200">
+                  <a:solidFill>
+                    <a:schemeClr val="lt1"/>
+                  </a:solidFill>
+                  <a:latin typeface="+mn-lt"/>
+                  <a:ea typeface="+mn-ea"/>
+                  <a:cs typeface="+mn-cs"/>
+                </a:defRPr>
+              </a:lvl6pPr>
+              <a:lvl7pPr marL="2743200" algn="l" defTabSz="914400" rtl="0" eaLnBrk="1" latinLnBrk="0" hangingPunct="1">
+                <a:defRPr sz="1800" kern="1200">
+                  <a:solidFill>
+                    <a:schemeClr val="lt1"/>
+                  </a:solidFill>
+                  <a:latin typeface="+mn-lt"/>
+                  <a:ea typeface="+mn-ea"/>
+                  <a:cs typeface="+mn-cs"/>
+                </a:defRPr>
+              </a:lvl7pPr>
+              <a:lvl8pPr marL="3200400" algn="l" defTabSz="914400" rtl="0" eaLnBrk="1" latinLnBrk="0" hangingPunct="1">
+                <a:defRPr sz="1800" kern="1200">
+                  <a:solidFill>
+                    <a:schemeClr val="lt1"/>
+                  </a:solidFill>
+                  <a:latin typeface="+mn-lt"/>
+                  <a:ea typeface="+mn-ea"/>
+                  <a:cs typeface="+mn-cs"/>
+                </a:defRPr>
+              </a:lvl8pPr>
+              <a:lvl9pPr marL="3657600" algn="l" defTabSz="914400" rtl="0" eaLnBrk="1" latinLnBrk="0" hangingPunct="1">
+                <a:defRPr sz="1800" kern="1200">
+                  <a:solidFill>
+                    <a:schemeClr val="lt1"/>
+                  </a:solidFill>
+                  <a:latin typeface="+mn-lt"/>
+                  <a:ea typeface="+mn-ea"/>
+                  <a:cs typeface="+mn-cs"/>
+                </a:defRPr>
+              </a:lvl9pPr>
+            </a:lstStyle>
+            <a:p>
+              <a:pPr algn="ctr"/>
+              <a:endParaRPr lang="en-CA"/>
+            </a:p>
+          </p:txBody>
+        </p:sp>
+        <p:sp>
+          <p:nvSpPr>
+            <p:cNvPr id="40" name="Rectangle 39"/>
+            <p:cNvSpPr/>
+            <p:nvPr/>
+          </p:nvSpPr>
+          <p:spPr>
+            <a:xfrm>
+              <a:off x="2783760" y="5799293"/>
+              <a:ext cx="178594" cy="152400"/>
+            </a:xfrm>
+            <a:prstGeom prst="rect">
+              <a:avLst/>
+            </a:prstGeom>
+          </p:spPr>
+          <p:style>
+            <a:lnRef idx="2">
+              <a:schemeClr val="accent1">
+                <a:shade val="50000"/>
+              </a:schemeClr>
+            </a:lnRef>
+            <a:fillRef idx="1">
+              <a:schemeClr val="accent1"/>
+            </a:fillRef>
+            <a:effectRef idx="0">
+              <a:schemeClr val="accent1"/>
+            </a:effectRef>
+            <a:fontRef idx="minor">
+              <a:schemeClr val="lt1"/>
+            </a:fontRef>
+          </p:style>
+          <p:txBody>
+            <a:bodyPr rtlCol="0" anchor="ctr"/>
+            <a:lstStyle/>
+            <a:p>
+              <a:pPr algn="ctr"/>
+              <a:endParaRPr lang="en-CA"/>
+            </a:p>
+          </p:txBody>
+        </p:sp>
+        <p:sp>
+          <p:nvSpPr>
+            <p:cNvPr id="41" name="Rectangle 40"/>
+            <p:cNvSpPr/>
+            <p:nvPr/>
+          </p:nvSpPr>
+          <p:spPr>
+            <a:xfrm>
+              <a:off x="2783759" y="5971129"/>
+              <a:ext cx="257175" cy="172642"/>
+            </a:xfrm>
+            <a:prstGeom prst="rect">
+              <a:avLst/>
+            </a:prstGeom>
+          </p:spPr>
+          <p:style>
+            <a:lnRef idx="2">
+              <a:schemeClr val="accent1">
+                <a:shade val="50000"/>
+              </a:schemeClr>
+            </a:lnRef>
+            <a:fillRef idx="1">
+              <a:schemeClr val="accent1"/>
+            </a:fillRef>
+            <a:effectRef idx="0">
+              <a:schemeClr val="accent1"/>
+            </a:effectRef>
+            <a:fontRef idx="minor">
+              <a:schemeClr val="lt1"/>
+            </a:fontRef>
+          </p:style>
+          <p:txBody>
+            <a:bodyPr rtlCol="0" anchor="ctr"/>
+            <a:lstStyle/>
+            <a:p>
+              <a:pPr algn="ctr"/>
+              <a:endParaRPr lang="en-CA"/>
+            </a:p>
+          </p:txBody>
+        </p:sp>
+        <p:sp>
+          <p:nvSpPr>
+            <p:cNvPr id="42" name="TextBox 41"/>
+            <p:cNvSpPr txBox="1"/>
+            <p:nvPr/>
+          </p:nvSpPr>
+          <p:spPr>
+            <a:xfrm>
+              <a:off x="2098734" y="5138078"/>
+              <a:ext cx="338554" cy="1247774"/>
+            </a:xfrm>
+            <a:prstGeom prst="rect">
+              <a:avLst/>
+            </a:prstGeom>
+            <a:noFill/>
+          </p:spPr>
+          <p:txBody>
+            <a:bodyPr vert="eaVert" wrap="square" rtlCol="0">
+              <a:spAutoFit/>
+            </a:bodyPr>
+            <a:lstStyle/>
+            <a:p>
+              <a:r>
+                <a:rPr lang="en-CA" sz="1000" dirty="0"/>
+                <a:t>passageway</a:t>
+              </a:r>
+            </a:p>
+          </p:txBody>
+        </p:sp>
+        <p:sp>
+          <p:nvSpPr>
+            <p:cNvPr id="43" name="TextBox 42"/>
+            <p:cNvSpPr txBox="1"/>
+            <p:nvPr/>
+          </p:nvSpPr>
+          <p:spPr>
+            <a:xfrm>
+              <a:off x="2527516" y="5138848"/>
+              <a:ext cx="338554" cy="1247774"/>
+            </a:xfrm>
+            <a:prstGeom prst="rect">
+              <a:avLst/>
+            </a:prstGeom>
+            <a:noFill/>
+          </p:spPr>
+          <p:txBody>
+            <a:bodyPr vert="eaVert" wrap="square" rtlCol="0">
+              <a:spAutoFit/>
+            </a:bodyPr>
+            <a:lstStyle/>
+            <a:p>
+              <a:r>
+                <a:rPr lang="en-CA" sz="1000" dirty="0"/>
+                <a:t>passageway</a:t>
+              </a:r>
+            </a:p>
+          </p:txBody>
+        </p:sp>
+        <p:sp>
+          <p:nvSpPr>
+            <p:cNvPr id="44" name="Rectangle 43"/>
+            <p:cNvSpPr/>
+            <p:nvPr/>
+          </p:nvSpPr>
+          <p:spPr>
+            <a:xfrm>
+              <a:off x="2401490" y="4518596"/>
+              <a:ext cx="71751" cy="191100"/>
+            </a:xfrm>
+            <a:prstGeom prst="rect">
+              <a:avLst/>
+            </a:prstGeom>
+          </p:spPr>
+          <p:style>
+            <a:lnRef idx="2">
+              <a:schemeClr val="accent1">
+                <a:shade val="50000"/>
+              </a:schemeClr>
+            </a:lnRef>
+            <a:fillRef idx="1">
+              <a:schemeClr val="accent1"/>
+            </a:fillRef>
+            <a:effectRef idx="0">
+              <a:schemeClr val="accent1"/>
+            </a:effectRef>
+            <a:fontRef idx="minor">
+              <a:schemeClr val="lt1"/>
+            </a:fontRef>
+          </p:style>
+          <p:txBody>
+            <a:bodyPr rtlCol="0" anchor="ctr"/>
+            <a:lstStyle/>
+            <a:p>
+              <a:pPr algn="ctr"/>
+              <a:endParaRPr lang="en-CA"/>
+            </a:p>
+          </p:txBody>
+        </p:sp>
+        <p:sp>
+          <p:nvSpPr>
+            <p:cNvPr id="45" name="Rectangle 44"/>
+            <p:cNvSpPr/>
+            <p:nvPr/>
+          </p:nvSpPr>
+          <p:spPr>
+            <a:xfrm>
+              <a:off x="2865953" y="5322771"/>
+              <a:ext cx="174982" cy="205300"/>
+            </a:xfrm>
+            <a:prstGeom prst="rect">
+              <a:avLst/>
+            </a:prstGeom>
+          </p:spPr>
+          <p:style>
+            <a:lnRef idx="2">
+              <a:schemeClr val="accent2">
+                <a:shade val="50000"/>
+              </a:schemeClr>
+            </a:lnRef>
+            <a:fillRef idx="1">
+              <a:schemeClr val="accent2"/>
+            </a:fillRef>
+            <a:effectRef idx="0">
+              <a:schemeClr val="accent2"/>
+            </a:effectRef>
+            <a:fontRef idx="minor">
+              <a:schemeClr val="lt1"/>
+            </a:fontRef>
+          </p:style>
+          <p:txBody>
+            <a:bodyPr rtlCol="0" anchor="ctr"/>
+            <a:lstStyle/>
+            <a:p>
+              <a:pPr algn="ctr"/>
+              <a:endParaRPr lang="en-CA"/>
+            </a:p>
+          </p:txBody>
+        </p:sp>
+        <p:sp>
+          <p:nvSpPr>
+            <p:cNvPr id="46" name="TextBox 45"/>
+            <p:cNvSpPr txBox="1"/>
+            <p:nvPr/>
+          </p:nvSpPr>
+          <p:spPr>
+            <a:xfrm>
+              <a:off x="2183373" y="4725544"/>
+              <a:ext cx="776175" cy="246221"/>
+            </a:xfrm>
+            <a:prstGeom prst="rect">
+              <a:avLst/>
+            </a:prstGeom>
+            <a:noFill/>
+          </p:spPr>
+          <p:txBody>
+            <a:bodyPr wrap="none" rtlCol="0">
+              <a:spAutoFit/>
+            </a:bodyPr>
+            <a:lstStyle/>
+            <a:p>
+              <a:r>
+                <a:rPr lang="en-CA" sz="1000" dirty="0" smtClean="0"/>
+                <a:t>passageway</a:t>
+              </a:r>
+              <a:endParaRPr lang="en-CA" sz="1000" dirty="0"/>
+            </a:p>
+          </p:txBody>
+        </p:sp>
+        <p:sp>
+          <p:nvSpPr>
+            <p:cNvPr id="48" name="Rectangle 47"/>
+            <p:cNvSpPr/>
+            <p:nvPr/>
+          </p:nvSpPr>
+          <p:spPr>
+            <a:xfrm>
+              <a:off x="2115585" y="4534364"/>
+              <a:ext cx="50160" cy="151620"/>
+            </a:xfrm>
+            <a:prstGeom prst="rect">
+              <a:avLst/>
+            </a:prstGeom>
+          </p:spPr>
+          <p:style>
+            <a:lnRef idx="2">
+              <a:schemeClr val="accent1">
+                <a:shade val="50000"/>
+              </a:schemeClr>
+            </a:lnRef>
+            <a:fillRef idx="1">
+              <a:schemeClr val="accent1"/>
+            </a:fillRef>
+            <a:effectRef idx="0">
+              <a:schemeClr val="accent1"/>
+            </a:effectRef>
+            <a:fontRef idx="minor">
+              <a:schemeClr val="lt1"/>
+            </a:fontRef>
+          </p:style>
+          <p:txBody>
+            <a:bodyPr rtlCol="0" anchor="ctr"/>
+            <a:lstStyle/>
+            <a:p>
+              <a:pPr algn="ctr"/>
+              <a:endParaRPr lang="en-CA"/>
+            </a:p>
+          </p:txBody>
+        </p:sp>
+        <p:sp>
+          <p:nvSpPr>
+            <p:cNvPr id="49" name="Rectangle 48"/>
+            <p:cNvSpPr/>
+            <p:nvPr/>
+          </p:nvSpPr>
+          <p:spPr>
+            <a:xfrm>
+              <a:off x="3955256" y="3605986"/>
+              <a:ext cx="257175" cy="226636"/>
+            </a:xfrm>
+            <a:prstGeom prst="rect">
+              <a:avLst/>
+            </a:prstGeom>
+          </p:spPr>
+          <p:style>
+            <a:lnRef idx="2">
+              <a:schemeClr val="accent1">
+                <a:shade val="50000"/>
+              </a:schemeClr>
+            </a:lnRef>
+            <a:fillRef idx="1">
+              <a:schemeClr val="accent1"/>
+            </a:fillRef>
+            <a:effectRef idx="0">
+              <a:schemeClr val="accent1"/>
+            </a:effectRef>
+            <a:fontRef idx="minor">
+              <a:schemeClr val="lt1"/>
+            </a:fontRef>
+          </p:style>
+          <p:txBody>
+            <a:bodyPr rtlCol="0" anchor="ctr"/>
+            <a:lstStyle/>
+            <a:p>
+              <a:pPr algn="ctr"/>
+              <a:endParaRPr lang="en-CA"/>
+            </a:p>
+          </p:txBody>
+        </p:sp>
+        <p:sp>
+          <p:nvSpPr>
+            <p:cNvPr id="50" name="Rectangle 49"/>
+            <p:cNvSpPr/>
+            <p:nvPr/>
+          </p:nvSpPr>
+          <p:spPr>
+            <a:xfrm>
+              <a:off x="3955256" y="3848874"/>
+              <a:ext cx="257175" cy="226636"/>
+            </a:xfrm>
+            <a:prstGeom prst="rect">
+              <a:avLst/>
+            </a:prstGeom>
+          </p:spPr>
+          <p:style>
+            <a:lnRef idx="2">
+              <a:schemeClr val="accent1">
+                <a:shade val="50000"/>
+              </a:schemeClr>
+            </a:lnRef>
+            <a:fillRef idx="1">
+              <a:schemeClr val="accent1"/>
+            </a:fillRef>
+            <a:effectRef idx="0">
+              <a:schemeClr val="accent1"/>
+            </a:effectRef>
+            <a:fontRef idx="minor">
+              <a:schemeClr val="lt1"/>
+            </a:fontRef>
+          </p:style>
+          <p:txBody>
+            <a:bodyPr rtlCol="0" anchor="ctr"/>
+            <a:lstStyle/>
+            <a:p>
+              <a:pPr algn="ctr"/>
+              <a:endParaRPr lang="en-CA"/>
+            </a:p>
+          </p:txBody>
+        </p:sp>
+        <p:sp>
+          <p:nvSpPr>
+            <p:cNvPr id="51" name="Rectangle 50"/>
+            <p:cNvSpPr/>
+            <p:nvPr/>
+          </p:nvSpPr>
+          <p:spPr>
+            <a:xfrm>
+              <a:off x="3955256" y="4091762"/>
+              <a:ext cx="257175" cy="226636"/>
+            </a:xfrm>
+            <a:prstGeom prst="rect">
+              <a:avLst/>
+            </a:prstGeom>
+          </p:spPr>
+          <p:style>
+            <a:lnRef idx="2">
+              <a:schemeClr val="accent1">
+                <a:shade val="50000"/>
+              </a:schemeClr>
+            </a:lnRef>
+            <a:fillRef idx="1">
+              <a:schemeClr val="accent1"/>
+            </a:fillRef>
+            <a:effectRef idx="0">
+              <a:schemeClr val="accent1"/>
+            </a:effectRef>
+            <a:fontRef idx="minor">
+              <a:schemeClr val="lt1"/>
+            </a:fontRef>
+          </p:style>
+          <p:txBody>
+            <a:bodyPr rot="0" spcFirstLastPara="0" vert="horz" wrap="square" lIns="91440" tIns="45720" rIns="91440" bIns="45720" numCol="1" spcCol="0" rtlCol="0" fromWordArt="0" anchor="ctr" anchorCtr="0" forceAA="0" compatLnSpc="1">
+              <a:prstTxWarp prst="textNoShape">
+                <a:avLst/>
+              </a:prstTxWarp>
+              <a:noAutofit/>
+            </a:bodyPr>
+            <a:lstStyle>
+              <a:defPPr>
+                <a:defRPr lang="en-US"/>
+              </a:defPPr>
+              <a:lvl1pPr marL="0" algn="l" defTabSz="914400" rtl="0" eaLnBrk="1" latinLnBrk="0" hangingPunct="1">
+                <a:defRPr sz="1800" kern="1200">
+                  <a:solidFill>
+                    <a:schemeClr val="lt1"/>
+                  </a:solidFill>
+                  <a:latin typeface="+mn-lt"/>
+                  <a:ea typeface="+mn-ea"/>
+                  <a:cs typeface="+mn-cs"/>
+                </a:defRPr>
+              </a:lvl1pPr>
+              <a:lvl2pPr marL="457200" algn="l" defTabSz="914400" rtl="0" eaLnBrk="1" latinLnBrk="0" hangingPunct="1">
+                <a:defRPr sz="1800" kern="1200">
+                  <a:solidFill>
+                    <a:schemeClr val="lt1"/>
+                  </a:solidFill>
+                  <a:latin typeface="+mn-lt"/>
+                  <a:ea typeface="+mn-ea"/>
+                  <a:cs typeface="+mn-cs"/>
+                </a:defRPr>
+              </a:lvl2pPr>
+              <a:lvl3pPr marL="914400" algn="l" defTabSz="914400" rtl="0" eaLnBrk="1" latinLnBrk="0" hangingPunct="1">
+                <a:defRPr sz="1800" kern="1200">
+                  <a:solidFill>
+                    <a:schemeClr val="lt1"/>
+                  </a:solidFill>
+                  <a:latin typeface="+mn-lt"/>
+                  <a:ea typeface="+mn-ea"/>
+                  <a:cs typeface="+mn-cs"/>
+                </a:defRPr>
+              </a:lvl3pPr>
+              <a:lvl4pPr marL="1371600" algn="l" defTabSz="914400" rtl="0" eaLnBrk="1" latinLnBrk="0" hangingPunct="1">
+                <a:defRPr sz="1800" kern="1200">
+                  <a:solidFill>
+                    <a:schemeClr val="lt1"/>
+                  </a:solidFill>
+                  <a:latin typeface="+mn-lt"/>
+                  <a:ea typeface="+mn-ea"/>
+                  <a:cs typeface="+mn-cs"/>
+                </a:defRPr>
+              </a:lvl4pPr>
+              <a:lvl5pPr marL="1828800" algn="l" defTabSz="914400" rtl="0" eaLnBrk="1" latinLnBrk="0" hangingPunct="1">
+                <a:defRPr sz="1800" kern="1200">
+                  <a:solidFill>
+                    <a:schemeClr val="lt1"/>
+                  </a:solidFill>
+                  <a:latin typeface="+mn-lt"/>
+                  <a:ea typeface="+mn-ea"/>
+                  <a:cs typeface="+mn-cs"/>
+                </a:defRPr>
+              </a:lvl5pPr>
+              <a:lvl6pPr marL="2286000" algn="l" defTabSz="914400" rtl="0" eaLnBrk="1" latinLnBrk="0" hangingPunct="1">
+                <a:defRPr sz="1800" kern="1200">
+                  <a:solidFill>
+                    <a:schemeClr val="lt1"/>
+                  </a:solidFill>
+                  <a:latin typeface="+mn-lt"/>
+                  <a:ea typeface="+mn-ea"/>
+                  <a:cs typeface="+mn-cs"/>
+                </a:defRPr>
+              </a:lvl6pPr>
+              <a:lvl7pPr marL="2743200" algn="l" defTabSz="914400" rtl="0" eaLnBrk="1" latinLnBrk="0" hangingPunct="1">
+                <a:defRPr sz="1800" kern="1200">
+                  <a:solidFill>
+                    <a:schemeClr val="lt1"/>
+                  </a:solidFill>
+                  <a:latin typeface="+mn-lt"/>
+                  <a:ea typeface="+mn-ea"/>
+                  <a:cs typeface="+mn-cs"/>
+                </a:defRPr>
+              </a:lvl7pPr>
+              <a:lvl8pPr marL="3200400" algn="l" defTabSz="914400" rtl="0" eaLnBrk="1" latinLnBrk="0" hangingPunct="1">
+                <a:defRPr sz="1800" kern="1200">
+                  <a:solidFill>
+                    <a:schemeClr val="lt1"/>
+                  </a:solidFill>
+                  <a:latin typeface="+mn-lt"/>
+                  <a:ea typeface="+mn-ea"/>
+                  <a:cs typeface="+mn-cs"/>
+                </a:defRPr>
+              </a:lvl8pPr>
+              <a:lvl9pPr marL="3657600" algn="l" defTabSz="914400" rtl="0" eaLnBrk="1" latinLnBrk="0" hangingPunct="1">
+                <a:defRPr sz="1800" kern="1200">
+                  <a:solidFill>
+                    <a:schemeClr val="lt1"/>
+                  </a:solidFill>
+                  <a:latin typeface="+mn-lt"/>
+                  <a:ea typeface="+mn-ea"/>
+                  <a:cs typeface="+mn-cs"/>
+                </a:defRPr>
+              </a:lvl9pPr>
+            </a:lstStyle>
+            <a:p>
+              <a:pPr algn="ctr"/>
+              <a:endParaRPr lang="en-CA"/>
+            </a:p>
+          </p:txBody>
+        </p:sp>
+        <p:sp>
+          <p:nvSpPr>
+            <p:cNvPr id="52" name="Rectangle 51"/>
+            <p:cNvSpPr/>
+            <p:nvPr/>
+          </p:nvSpPr>
+          <p:spPr>
+            <a:xfrm>
+              <a:off x="3955257" y="4344188"/>
+              <a:ext cx="178594" cy="152400"/>
+            </a:xfrm>
+            <a:prstGeom prst="rect">
+              <a:avLst/>
+            </a:prstGeom>
+          </p:spPr>
+          <p:style>
+            <a:lnRef idx="2">
+              <a:schemeClr val="accent2">
+                <a:shade val="50000"/>
+              </a:schemeClr>
+            </a:lnRef>
+            <a:fillRef idx="1">
+              <a:schemeClr val="accent2"/>
+            </a:fillRef>
+            <a:effectRef idx="0">
+              <a:schemeClr val="accent2"/>
+            </a:effectRef>
+            <a:fontRef idx="minor">
+              <a:schemeClr val="lt1"/>
+            </a:fontRef>
+          </p:style>
+          <p:txBody>
+            <a:bodyPr rtlCol="0" anchor="ctr"/>
+            <a:lstStyle/>
+            <a:p>
+              <a:pPr algn="ctr"/>
+              <a:endParaRPr lang="en-CA">
+                <a:solidFill>
+                  <a:srgbClr val="FF0000"/>
+                </a:solidFill>
+              </a:endParaRPr>
+            </a:p>
+          </p:txBody>
+        </p:sp>
+        <p:sp>
+          <p:nvSpPr>
+            <p:cNvPr id="53" name="Rectangle 52"/>
+            <p:cNvSpPr/>
+            <p:nvPr/>
+          </p:nvSpPr>
+          <p:spPr>
+            <a:xfrm>
+              <a:off x="3940372" y="6099467"/>
+              <a:ext cx="111248" cy="52903"/>
+            </a:xfrm>
+            <a:prstGeom prst="rect">
+              <a:avLst/>
+            </a:prstGeom>
+          </p:spPr>
+          <p:style>
+            <a:lnRef idx="2">
+              <a:schemeClr val="accent6">
+                <a:shade val="50000"/>
+              </a:schemeClr>
+            </a:lnRef>
+            <a:fillRef idx="1">
+              <a:schemeClr val="accent6"/>
+            </a:fillRef>
+            <a:effectRef idx="0">
+              <a:schemeClr val="accent6"/>
+            </a:effectRef>
+            <a:fontRef idx="minor">
+              <a:schemeClr val="lt1"/>
+            </a:fontRef>
+          </p:style>
+          <p:txBody>
+            <a:bodyPr rtlCol="0" anchor="ctr"/>
+            <a:lstStyle/>
+            <a:p>
+              <a:pPr algn="ctr"/>
+              <a:endParaRPr lang="en-CA"/>
+            </a:p>
+          </p:txBody>
+        </p:sp>
+        <p:sp>
+          <p:nvSpPr>
+            <p:cNvPr id="54" name="Rectangle 53"/>
+            <p:cNvSpPr/>
+            <p:nvPr/>
+          </p:nvSpPr>
+          <p:spPr>
+            <a:xfrm>
+              <a:off x="4955306" y="5800073"/>
+              <a:ext cx="50160" cy="151620"/>
+            </a:xfrm>
+            <a:prstGeom prst="rect">
+              <a:avLst/>
+            </a:prstGeom>
+          </p:spPr>
+          <p:style>
+            <a:lnRef idx="2">
+              <a:schemeClr val="accent1">
+                <a:shade val="50000"/>
+              </a:schemeClr>
+            </a:lnRef>
+            <a:fillRef idx="1">
+              <a:schemeClr val="accent1"/>
+            </a:fillRef>
+            <a:effectRef idx="0">
+              <a:schemeClr val="accent1"/>
+            </a:effectRef>
+            <a:fontRef idx="minor">
+              <a:schemeClr val="lt1"/>
+            </a:fontRef>
+          </p:style>
+          <p:txBody>
+            <a:bodyPr rtlCol="0" anchor="ctr"/>
+            <a:lstStyle/>
+            <a:p>
+              <a:pPr algn="ctr"/>
+              <a:endParaRPr lang="en-CA"/>
+            </a:p>
+          </p:txBody>
+        </p:sp>
+        <p:sp>
+          <p:nvSpPr>
+            <p:cNvPr id="55" name="Rectangle 54"/>
+            <p:cNvSpPr/>
+            <p:nvPr/>
+          </p:nvSpPr>
+          <p:spPr>
+            <a:xfrm>
+              <a:off x="4366022" y="3605986"/>
+              <a:ext cx="257175" cy="226636"/>
+            </a:xfrm>
+            <a:prstGeom prst="rect">
+              <a:avLst/>
+            </a:prstGeom>
+          </p:spPr>
+          <p:style>
+            <a:lnRef idx="2">
+              <a:schemeClr val="accent1">
+                <a:shade val="50000"/>
+              </a:schemeClr>
+            </a:lnRef>
+            <a:fillRef idx="1">
+              <a:schemeClr val="accent1"/>
+            </a:fillRef>
+            <a:effectRef idx="0">
+              <a:schemeClr val="accent1"/>
+            </a:effectRef>
+            <a:fontRef idx="minor">
+              <a:schemeClr val="lt1"/>
+            </a:fontRef>
+          </p:style>
+          <p:txBody>
+            <a:bodyPr rtlCol="0" anchor="ctr"/>
+            <a:lstStyle/>
+            <a:p>
+              <a:pPr algn="ctr"/>
+              <a:endParaRPr lang="en-CA"/>
+            </a:p>
+          </p:txBody>
+        </p:sp>
+        <p:sp>
+          <p:nvSpPr>
+            <p:cNvPr id="56" name="Rectangle 55"/>
+            <p:cNvSpPr/>
+            <p:nvPr/>
+          </p:nvSpPr>
+          <p:spPr>
+            <a:xfrm>
+              <a:off x="4366022" y="3848874"/>
+              <a:ext cx="257175" cy="226636"/>
+            </a:xfrm>
+            <a:prstGeom prst="rect">
+              <a:avLst/>
+            </a:prstGeom>
+          </p:spPr>
+          <p:style>
+            <a:lnRef idx="3">
+              <a:schemeClr val="lt1"/>
+            </a:lnRef>
+            <a:fillRef idx="1">
+              <a:schemeClr val="accent2"/>
+            </a:fillRef>
+            <a:effectRef idx="1">
+              <a:schemeClr val="accent2"/>
+            </a:effectRef>
+            <a:fontRef idx="minor">
+              <a:schemeClr val="lt1"/>
+            </a:fontRef>
+          </p:style>
+          <p:txBody>
+            <a:bodyPr rtlCol="0" anchor="ctr"/>
+            <a:lstStyle/>
+            <a:p>
+              <a:pPr algn="ctr"/>
+              <a:endParaRPr lang="en-CA"/>
+            </a:p>
+          </p:txBody>
+        </p:sp>
+        <p:sp>
+          <p:nvSpPr>
+            <p:cNvPr id="57" name="Rectangle 56"/>
+            <p:cNvSpPr/>
+            <p:nvPr/>
+          </p:nvSpPr>
+          <p:spPr>
+            <a:xfrm>
+              <a:off x="4366022" y="4091762"/>
+              <a:ext cx="257175" cy="226636"/>
+            </a:xfrm>
+            <a:prstGeom prst="rect">
+              <a:avLst/>
+            </a:prstGeom>
+          </p:spPr>
+          <p:style>
+            <a:lnRef idx="2">
+              <a:schemeClr val="accent1">
+                <a:shade val="50000"/>
+              </a:schemeClr>
+            </a:lnRef>
+            <a:fillRef idx="1">
+              <a:schemeClr val="accent1"/>
+            </a:fillRef>
+            <a:effectRef idx="0">
+              <a:schemeClr val="accent1"/>
+            </a:effectRef>
+            <a:fontRef idx="minor">
+              <a:schemeClr val="lt1"/>
+            </a:fontRef>
+          </p:style>
+          <p:txBody>
+            <a:bodyPr rot="0" spcFirstLastPara="0" vert="horz" wrap="square" lIns="91440" tIns="45720" rIns="91440" bIns="45720" numCol="1" spcCol="0" rtlCol="0" fromWordArt="0" anchor="ctr" anchorCtr="0" forceAA="0" compatLnSpc="1">
+              <a:prstTxWarp prst="textNoShape">
+                <a:avLst/>
+              </a:prstTxWarp>
+              <a:noAutofit/>
+            </a:bodyPr>
+            <a:lstStyle>
+              <a:defPPr>
+                <a:defRPr lang="en-US"/>
+              </a:defPPr>
+              <a:lvl1pPr marL="0" algn="l" defTabSz="914400" rtl="0" eaLnBrk="1" latinLnBrk="0" hangingPunct="1">
+                <a:defRPr sz="1800" kern="1200">
+                  <a:solidFill>
+                    <a:schemeClr val="lt1"/>
+                  </a:solidFill>
+                  <a:latin typeface="+mn-lt"/>
+                  <a:ea typeface="+mn-ea"/>
+                  <a:cs typeface="+mn-cs"/>
+                </a:defRPr>
+              </a:lvl1pPr>
+              <a:lvl2pPr marL="457200" algn="l" defTabSz="914400" rtl="0" eaLnBrk="1" latinLnBrk="0" hangingPunct="1">
+                <a:defRPr sz="1800" kern="1200">
+                  <a:solidFill>
+                    <a:schemeClr val="lt1"/>
+                  </a:solidFill>
+                  <a:latin typeface="+mn-lt"/>
+                  <a:ea typeface="+mn-ea"/>
+                  <a:cs typeface="+mn-cs"/>
+                </a:defRPr>
+              </a:lvl2pPr>
+              <a:lvl3pPr marL="914400" algn="l" defTabSz="914400" rtl="0" eaLnBrk="1" latinLnBrk="0" hangingPunct="1">
+                <a:defRPr sz="1800" kern="1200">
+                  <a:solidFill>
+                    <a:schemeClr val="lt1"/>
+                  </a:solidFill>
+                  <a:latin typeface="+mn-lt"/>
+                  <a:ea typeface="+mn-ea"/>
+                  <a:cs typeface="+mn-cs"/>
+                </a:defRPr>
+              </a:lvl3pPr>
+              <a:lvl4pPr marL="1371600" algn="l" defTabSz="914400" rtl="0" eaLnBrk="1" latinLnBrk="0" hangingPunct="1">
+                <a:defRPr sz="1800" kern="1200">
+                  <a:solidFill>
+                    <a:schemeClr val="lt1"/>
+                  </a:solidFill>
+                  <a:latin typeface="+mn-lt"/>
+                  <a:ea typeface="+mn-ea"/>
+                  <a:cs typeface="+mn-cs"/>
+                </a:defRPr>
+              </a:lvl4pPr>
+              <a:lvl5pPr marL="1828800" algn="l" defTabSz="914400" rtl="0" eaLnBrk="1" latinLnBrk="0" hangingPunct="1">
+                <a:defRPr sz="1800" kern="1200">
+                  <a:solidFill>
+                    <a:schemeClr val="lt1"/>
+                  </a:solidFill>
+                  <a:latin typeface="+mn-lt"/>
+                  <a:ea typeface="+mn-ea"/>
+                  <a:cs typeface="+mn-cs"/>
+                </a:defRPr>
+              </a:lvl5pPr>
+              <a:lvl6pPr marL="2286000" algn="l" defTabSz="914400" rtl="0" eaLnBrk="1" latinLnBrk="0" hangingPunct="1">
+                <a:defRPr sz="1800" kern="1200">
+                  <a:solidFill>
+                    <a:schemeClr val="lt1"/>
+                  </a:solidFill>
+                  <a:latin typeface="+mn-lt"/>
+                  <a:ea typeface="+mn-ea"/>
+                  <a:cs typeface="+mn-cs"/>
+                </a:defRPr>
+              </a:lvl6pPr>
+              <a:lvl7pPr marL="2743200" algn="l" defTabSz="914400" rtl="0" eaLnBrk="1" latinLnBrk="0" hangingPunct="1">
+                <a:defRPr sz="1800" kern="1200">
+                  <a:solidFill>
+                    <a:schemeClr val="lt1"/>
+                  </a:solidFill>
+                  <a:latin typeface="+mn-lt"/>
+                  <a:ea typeface="+mn-ea"/>
+                  <a:cs typeface="+mn-cs"/>
+                </a:defRPr>
+              </a:lvl7pPr>
+              <a:lvl8pPr marL="3200400" algn="l" defTabSz="914400" rtl="0" eaLnBrk="1" latinLnBrk="0" hangingPunct="1">
+                <a:defRPr sz="1800" kern="1200">
+                  <a:solidFill>
+                    <a:schemeClr val="lt1"/>
+                  </a:solidFill>
+                  <a:latin typeface="+mn-lt"/>
+                  <a:ea typeface="+mn-ea"/>
+                  <a:cs typeface="+mn-cs"/>
+                </a:defRPr>
+              </a:lvl8pPr>
+              <a:lvl9pPr marL="3657600" algn="l" defTabSz="914400" rtl="0" eaLnBrk="1" latinLnBrk="0" hangingPunct="1">
+                <a:defRPr sz="1800" kern="1200">
+                  <a:solidFill>
+                    <a:schemeClr val="lt1"/>
+                  </a:solidFill>
+                  <a:latin typeface="+mn-lt"/>
+                  <a:ea typeface="+mn-ea"/>
+                  <a:cs typeface="+mn-cs"/>
+                </a:defRPr>
+              </a:lvl9pPr>
+            </a:lstStyle>
+            <a:p>
+              <a:pPr algn="ctr"/>
+              <a:endParaRPr lang="en-CA"/>
+            </a:p>
+          </p:txBody>
+        </p:sp>
+        <p:sp>
+          <p:nvSpPr>
+            <p:cNvPr id="58" name="Rectangle 57"/>
+            <p:cNvSpPr/>
+            <p:nvPr/>
+          </p:nvSpPr>
+          <p:spPr>
+            <a:xfrm>
+              <a:off x="4366022" y="4340593"/>
+              <a:ext cx="178594" cy="152400"/>
+            </a:xfrm>
+            <a:prstGeom prst="rect">
+              <a:avLst/>
+            </a:prstGeom>
+          </p:spPr>
+          <p:style>
+            <a:lnRef idx="2">
+              <a:schemeClr val="accent1">
+                <a:shade val="50000"/>
+              </a:schemeClr>
+            </a:lnRef>
+            <a:fillRef idx="1">
+              <a:schemeClr val="accent1"/>
+            </a:fillRef>
+            <a:effectRef idx="0">
+              <a:schemeClr val="accent1"/>
+            </a:effectRef>
+            <a:fontRef idx="minor">
+              <a:schemeClr val="lt1"/>
+            </a:fontRef>
+          </p:style>
+          <p:txBody>
+            <a:bodyPr rtlCol="0" anchor="ctr"/>
+            <a:lstStyle/>
+            <a:p>
+              <a:pPr algn="ctr"/>
+              <a:endParaRPr lang="en-CA"/>
+            </a:p>
+          </p:txBody>
+        </p:sp>
+        <p:sp>
+          <p:nvSpPr>
+            <p:cNvPr id="59" name="Rectangle 58"/>
+            <p:cNvSpPr/>
+            <p:nvPr/>
+          </p:nvSpPr>
+          <p:spPr>
+            <a:xfrm>
+              <a:off x="4462425" y="4518598"/>
+              <a:ext cx="146563" cy="191099"/>
+            </a:xfrm>
+            <a:prstGeom prst="rect">
+              <a:avLst/>
+            </a:prstGeom>
+          </p:spPr>
+          <p:style>
+            <a:lnRef idx="2">
+              <a:schemeClr val="accent1">
+                <a:shade val="50000"/>
+              </a:schemeClr>
+            </a:lnRef>
+            <a:fillRef idx="1">
+              <a:schemeClr val="accent1"/>
+            </a:fillRef>
+            <a:effectRef idx="0">
+              <a:schemeClr val="accent1"/>
+            </a:effectRef>
+            <a:fontRef idx="minor">
+              <a:schemeClr val="lt1"/>
+            </a:fontRef>
+          </p:style>
+          <p:txBody>
+            <a:bodyPr rtlCol="0" anchor="ctr"/>
+            <a:lstStyle/>
+            <a:p>
+              <a:pPr algn="ctr"/>
+              <a:endParaRPr lang="en-CA"/>
+            </a:p>
+          </p:txBody>
+        </p:sp>
+        <p:sp>
+          <p:nvSpPr>
+            <p:cNvPr id="60" name="TextBox 59"/>
+            <p:cNvSpPr txBox="1"/>
+            <p:nvPr/>
+          </p:nvSpPr>
+          <p:spPr>
+            <a:xfrm>
+              <a:off x="4077631" y="3738147"/>
+              <a:ext cx="338554" cy="1247774"/>
+            </a:xfrm>
+            <a:prstGeom prst="rect">
+              <a:avLst/>
+            </a:prstGeom>
+            <a:noFill/>
+          </p:spPr>
+          <p:txBody>
+            <a:bodyPr vert="eaVert" wrap="square" rtlCol="0">
+              <a:spAutoFit/>
+            </a:bodyPr>
+            <a:lstStyle/>
+            <a:p>
+              <a:r>
+                <a:rPr lang="en-CA" sz="1000" dirty="0"/>
+                <a:t>passageway</a:t>
+              </a:r>
+            </a:p>
+          </p:txBody>
+        </p:sp>
+        <p:sp>
+          <p:nvSpPr>
+            <p:cNvPr id="61" name="Rectangle 60"/>
+            <p:cNvSpPr/>
+            <p:nvPr/>
+          </p:nvSpPr>
+          <p:spPr>
+            <a:xfrm>
+              <a:off x="4762578" y="3600628"/>
+              <a:ext cx="257175" cy="226636"/>
+            </a:xfrm>
+            <a:prstGeom prst="rect">
+              <a:avLst/>
+            </a:prstGeom>
+          </p:spPr>
+          <p:style>
+            <a:lnRef idx="2">
+              <a:schemeClr val="accent1">
+                <a:shade val="50000"/>
+              </a:schemeClr>
+            </a:lnRef>
+            <a:fillRef idx="1">
+              <a:schemeClr val="accent1"/>
+            </a:fillRef>
+            <a:effectRef idx="0">
+              <a:schemeClr val="accent1"/>
+            </a:effectRef>
+            <a:fontRef idx="minor">
+              <a:schemeClr val="lt1"/>
+            </a:fontRef>
+          </p:style>
+          <p:txBody>
+            <a:bodyPr rtlCol="0" anchor="ctr"/>
+            <a:lstStyle/>
+            <a:p>
+              <a:pPr algn="ctr"/>
+              <a:endParaRPr lang="en-CA"/>
+            </a:p>
+          </p:txBody>
+        </p:sp>
+        <p:sp>
+          <p:nvSpPr>
+            <p:cNvPr id="62" name="Rectangle 61"/>
+            <p:cNvSpPr/>
+            <p:nvPr/>
+          </p:nvSpPr>
+          <p:spPr>
+            <a:xfrm>
+              <a:off x="4762578" y="3843516"/>
+              <a:ext cx="257175" cy="226636"/>
+            </a:xfrm>
+            <a:prstGeom prst="rect">
+              <a:avLst/>
+            </a:prstGeom>
+          </p:spPr>
+          <p:style>
+            <a:lnRef idx="2">
+              <a:schemeClr val="accent1">
+                <a:shade val="50000"/>
+              </a:schemeClr>
+            </a:lnRef>
+            <a:fillRef idx="1">
+              <a:schemeClr val="accent1"/>
+            </a:fillRef>
+            <a:effectRef idx="0">
+              <a:schemeClr val="accent1"/>
+            </a:effectRef>
+            <a:fontRef idx="minor">
+              <a:schemeClr val="lt1"/>
+            </a:fontRef>
+          </p:style>
+          <p:txBody>
+            <a:bodyPr rtlCol="0" anchor="ctr"/>
+            <a:lstStyle/>
+            <a:p>
+              <a:pPr algn="ctr"/>
+              <a:endParaRPr lang="en-CA"/>
+            </a:p>
+          </p:txBody>
+        </p:sp>
+        <p:sp>
+          <p:nvSpPr>
+            <p:cNvPr id="63" name="Rectangle 62"/>
+            <p:cNvSpPr/>
+            <p:nvPr/>
+          </p:nvSpPr>
+          <p:spPr>
+            <a:xfrm>
+              <a:off x="4762578" y="4086404"/>
+              <a:ext cx="257175" cy="226636"/>
+            </a:xfrm>
+            <a:prstGeom prst="rect">
+              <a:avLst/>
+            </a:prstGeom>
+          </p:spPr>
+          <p:style>
+            <a:lnRef idx="2">
+              <a:schemeClr val="accent1">
+                <a:shade val="50000"/>
+              </a:schemeClr>
+            </a:lnRef>
+            <a:fillRef idx="1">
+              <a:schemeClr val="accent1"/>
+            </a:fillRef>
+            <a:effectRef idx="0">
+              <a:schemeClr val="accent1"/>
+            </a:effectRef>
+            <a:fontRef idx="minor">
+              <a:schemeClr val="lt1"/>
+            </a:fontRef>
+          </p:style>
+          <p:txBody>
+            <a:bodyPr rot="0" spcFirstLastPara="0" vert="horz" wrap="square" lIns="91440" tIns="45720" rIns="91440" bIns="45720" numCol="1" spcCol="0" rtlCol="0" fromWordArt="0" anchor="ctr" anchorCtr="0" forceAA="0" compatLnSpc="1">
+              <a:prstTxWarp prst="textNoShape">
+                <a:avLst/>
+              </a:prstTxWarp>
+              <a:noAutofit/>
+            </a:bodyPr>
+            <a:lstStyle>
+              <a:defPPr>
+                <a:defRPr lang="en-US"/>
+              </a:defPPr>
+              <a:lvl1pPr marL="0" algn="l" defTabSz="914400" rtl="0" eaLnBrk="1" latinLnBrk="0" hangingPunct="1">
+                <a:defRPr sz="1800" kern="1200">
+                  <a:solidFill>
+                    <a:schemeClr val="lt1"/>
+                  </a:solidFill>
+                  <a:latin typeface="+mn-lt"/>
+                  <a:ea typeface="+mn-ea"/>
+                  <a:cs typeface="+mn-cs"/>
+                </a:defRPr>
+              </a:lvl1pPr>
+              <a:lvl2pPr marL="457200" algn="l" defTabSz="914400" rtl="0" eaLnBrk="1" latinLnBrk="0" hangingPunct="1">
+                <a:defRPr sz="1800" kern="1200">
+                  <a:solidFill>
+                    <a:schemeClr val="lt1"/>
+                  </a:solidFill>
+                  <a:latin typeface="+mn-lt"/>
+                  <a:ea typeface="+mn-ea"/>
+                  <a:cs typeface="+mn-cs"/>
+                </a:defRPr>
+              </a:lvl2pPr>
+              <a:lvl3pPr marL="914400" algn="l" defTabSz="914400" rtl="0" eaLnBrk="1" latinLnBrk="0" hangingPunct="1">
+                <a:defRPr sz="1800" kern="1200">
+                  <a:solidFill>
+                    <a:schemeClr val="lt1"/>
+                  </a:solidFill>
+                  <a:latin typeface="+mn-lt"/>
+                  <a:ea typeface="+mn-ea"/>
+                  <a:cs typeface="+mn-cs"/>
+                </a:defRPr>
+              </a:lvl3pPr>
+              <a:lvl4pPr marL="1371600" algn="l" defTabSz="914400" rtl="0" eaLnBrk="1" latinLnBrk="0" hangingPunct="1">
+                <a:defRPr sz="1800" kern="1200">
+                  <a:solidFill>
+                    <a:schemeClr val="lt1"/>
+                  </a:solidFill>
+                  <a:latin typeface="+mn-lt"/>
+                  <a:ea typeface="+mn-ea"/>
+                  <a:cs typeface="+mn-cs"/>
+                </a:defRPr>
+              </a:lvl4pPr>
+              <a:lvl5pPr marL="1828800" algn="l" defTabSz="914400" rtl="0" eaLnBrk="1" latinLnBrk="0" hangingPunct="1">
+                <a:defRPr sz="1800" kern="1200">
+                  <a:solidFill>
+                    <a:schemeClr val="lt1"/>
+                  </a:solidFill>
+                  <a:latin typeface="+mn-lt"/>
+                  <a:ea typeface="+mn-ea"/>
+                  <a:cs typeface="+mn-cs"/>
+                </a:defRPr>
+              </a:lvl5pPr>
+              <a:lvl6pPr marL="2286000" algn="l" defTabSz="914400" rtl="0" eaLnBrk="1" latinLnBrk="0" hangingPunct="1">
+                <a:defRPr sz="1800" kern="1200">
+                  <a:solidFill>
+                    <a:schemeClr val="lt1"/>
+                  </a:solidFill>
+                  <a:latin typeface="+mn-lt"/>
+                  <a:ea typeface="+mn-ea"/>
+                  <a:cs typeface="+mn-cs"/>
+                </a:defRPr>
+              </a:lvl6pPr>
+              <a:lvl7pPr marL="2743200" algn="l" defTabSz="914400" rtl="0" eaLnBrk="1" latinLnBrk="0" hangingPunct="1">
+                <a:defRPr sz="1800" kern="1200">
+                  <a:solidFill>
+                    <a:schemeClr val="lt1"/>
+                  </a:solidFill>
+                  <a:latin typeface="+mn-lt"/>
+                  <a:ea typeface="+mn-ea"/>
+                  <a:cs typeface="+mn-cs"/>
+                </a:defRPr>
+              </a:lvl7pPr>
+              <a:lvl8pPr marL="3200400" algn="l" defTabSz="914400" rtl="0" eaLnBrk="1" latinLnBrk="0" hangingPunct="1">
+                <a:defRPr sz="1800" kern="1200">
+                  <a:solidFill>
+                    <a:schemeClr val="lt1"/>
+                  </a:solidFill>
+                  <a:latin typeface="+mn-lt"/>
+                  <a:ea typeface="+mn-ea"/>
+                  <a:cs typeface="+mn-cs"/>
+                </a:defRPr>
+              </a:lvl8pPr>
+              <a:lvl9pPr marL="3657600" algn="l" defTabSz="914400" rtl="0" eaLnBrk="1" latinLnBrk="0" hangingPunct="1">
+                <a:defRPr sz="1800" kern="1200">
+                  <a:solidFill>
+                    <a:schemeClr val="lt1"/>
+                  </a:solidFill>
+                  <a:latin typeface="+mn-lt"/>
+                  <a:ea typeface="+mn-ea"/>
+                  <a:cs typeface="+mn-cs"/>
+                </a:defRPr>
+              </a:lvl9pPr>
+            </a:lstStyle>
+            <a:p>
+              <a:pPr algn="ctr"/>
+              <a:endParaRPr lang="en-CA"/>
+            </a:p>
+          </p:txBody>
+        </p:sp>
+        <p:sp>
+          <p:nvSpPr>
+            <p:cNvPr id="64" name="Rectangle 63"/>
+            <p:cNvSpPr/>
+            <p:nvPr/>
+          </p:nvSpPr>
+          <p:spPr>
+            <a:xfrm>
+              <a:off x="4762578" y="4340550"/>
+              <a:ext cx="235277" cy="152400"/>
+            </a:xfrm>
+            <a:prstGeom prst="rect">
+              <a:avLst/>
+            </a:prstGeom>
+          </p:spPr>
+          <p:style>
+            <a:lnRef idx="2">
+              <a:schemeClr val="accent1">
+                <a:shade val="50000"/>
+              </a:schemeClr>
+            </a:lnRef>
+            <a:fillRef idx="1">
+              <a:schemeClr val="accent1"/>
+            </a:fillRef>
+            <a:effectRef idx="0">
+              <a:schemeClr val="accent1"/>
+            </a:effectRef>
+            <a:fontRef idx="minor">
+              <a:schemeClr val="lt1"/>
+            </a:fontRef>
+          </p:style>
+          <p:txBody>
+            <a:bodyPr rtlCol="0" anchor="ctr"/>
+            <a:lstStyle/>
+            <a:p>
+              <a:pPr algn="ctr"/>
+              <a:endParaRPr lang="en-CA"/>
+            </a:p>
+          </p:txBody>
+        </p:sp>
+        <p:sp>
+          <p:nvSpPr>
+            <p:cNvPr id="65" name="Rectangle 64"/>
+            <p:cNvSpPr/>
+            <p:nvPr/>
+          </p:nvSpPr>
+          <p:spPr>
+            <a:xfrm>
+              <a:off x="4762424" y="4517600"/>
+              <a:ext cx="257175" cy="172642"/>
+            </a:xfrm>
+            <a:prstGeom prst="rect">
+              <a:avLst/>
+            </a:prstGeom>
+          </p:spPr>
+          <p:style>
+            <a:lnRef idx="2">
+              <a:schemeClr val="accent1">
+                <a:shade val="50000"/>
+              </a:schemeClr>
+            </a:lnRef>
+            <a:fillRef idx="1">
+              <a:schemeClr val="accent1"/>
+            </a:fillRef>
+            <a:effectRef idx="0">
+              <a:schemeClr val="accent1"/>
+            </a:effectRef>
+            <a:fontRef idx="minor">
+              <a:schemeClr val="lt1"/>
+            </a:fontRef>
+          </p:style>
+          <p:txBody>
+            <a:bodyPr rtlCol="0" anchor="ctr"/>
+            <a:lstStyle/>
+            <a:p>
+              <a:pPr algn="ctr"/>
+              <a:endParaRPr lang="en-CA"/>
+            </a:p>
+          </p:txBody>
+        </p:sp>
+        <p:sp>
+          <p:nvSpPr>
+            <p:cNvPr id="66" name="TextBox 65"/>
+            <p:cNvSpPr txBox="1"/>
+            <p:nvPr/>
+          </p:nvSpPr>
+          <p:spPr>
+            <a:xfrm>
+              <a:off x="4506218" y="3743504"/>
+              <a:ext cx="338554" cy="1247774"/>
+            </a:xfrm>
+            <a:prstGeom prst="rect">
+              <a:avLst/>
+            </a:prstGeom>
+            <a:noFill/>
+          </p:spPr>
+          <p:txBody>
+            <a:bodyPr vert="eaVert" wrap="square" rtlCol="0">
+              <a:spAutoFit/>
+            </a:bodyPr>
+            <a:lstStyle/>
+            <a:p>
+              <a:r>
+                <a:rPr lang="en-CA" sz="1000" dirty="0"/>
+                <a:t>passageway</a:t>
+              </a:r>
+            </a:p>
+          </p:txBody>
+        </p:sp>
+        <p:sp>
+          <p:nvSpPr>
+            <p:cNvPr id="67" name="Rectangle 66"/>
+            <p:cNvSpPr/>
+            <p:nvPr/>
+          </p:nvSpPr>
+          <p:spPr>
+            <a:xfrm>
+              <a:off x="3942159" y="5043706"/>
+              <a:ext cx="257175" cy="226636"/>
+            </a:xfrm>
+            <a:prstGeom prst="rect">
+              <a:avLst/>
+            </a:prstGeom>
+          </p:spPr>
+          <p:style>
+            <a:lnRef idx="2">
+              <a:schemeClr val="accent2">
+                <a:shade val="50000"/>
+              </a:schemeClr>
+            </a:lnRef>
+            <a:fillRef idx="1">
+              <a:schemeClr val="accent2"/>
+            </a:fillRef>
+            <a:effectRef idx="0">
+              <a:schemeClr val="accent2"/>
+            </a:effectRef>
+            <a:fontRef idx="minor">
+              <a:schemeClr val="lt1"/>
+            </a:fontRef>
+          </p:style>
+          <p:txBody>
+            <a:bodyPr rtlCol="0" anchor="ctr"/>
+            <a:lstStyle/>
+            <a:p>
+              <a:pPr algn="ctr"/>
+              <a:endParaRPr lang="en-CA"/>
+            </a:p>
+          </p:txBody>
+        </p:sp>
+        <p:sp>
+          <p:nvSpPr>
+            <p:cNvPr id="68" name="Rectangle 67"/>
+            <p:cNvSpPr/>
+            <p:nvPr/>
+          </p:nvSpPr>
+          <p:spPr>
+            <a:xfrm>
+              <a:off x="3940969" y="5305024"/>
+              <a:ext cx="257175" cy="226636"/>
+            </a:xfrm>
+            <a:prstGeom prst="rect">
+              <a:avLst/>
+            </a:prstGeom>
+          </p:spPr>
+          <p:style>
+            <a:lnRef idx="2">
+              <a:schemeClr val="accent1">
+                <a:shade val="50000"/>
+              </a:schemeClr>
+            </a:lnRef>
+            <a:fillRef idx="1">
+              <a:schemeClr val="accent1"/>
+            </a:fillRef>
+            <a:effectRef idx="0">
+              <a:schemeClr val="accent1"/>
+            </a:effectRef>
+            <a:fontRef idx="minor">
+              <a:schemeClr val="lt1"/>
+            </a:fontRef>
+          </p:style>
+          <p:txBody>
+            <a:bodyPr rtlCol="0" anchor="ctr"/>
+            <a:lstStyle/>
+            <a:p>
+              <a:pPr algn="ctr"/>
+              <a:endParaRPr lang="en-CA"/>
+            </a:p>
+          </p:txBody>
+        </p:sp>
+        <p:sp>
+          <p:nvSpPr>
+            <p:cNvPr id="69" name="Rectangle 68"/>
+            <p:cNvSpPr/>
+            <p:nvPr/>
+          </p:nvSpPr>
+          <p:spPr>
+            <a:xfrm>
+              <a:off x="3940373" y="5564553"/>
+              <a:ext cx="257175" cy="226636"/>
+            </a:xfrm>
+            <a:prstGeom prst="rect">
+              <a:avLst/>
+            </a:prstGeom>
+          </p:spPr>
+          <p:style>
+            <a:lnRef idx="2">
+              <a:schemeClr val="accent1">
+                <a:shade val="50000"/>
+              </a:schemeClr>
+            </a:lnRef>
+            <a:fillRef idx="1">
+              <a:schemeClr val="accent1"/>
+            </a:fillRef>
+            <a:effectRef idx="0">
+              <a:schemeClr val="accent1"/>
+            </a:effectRef>
+            <a:fontRef idx="minor">
+              <a:schemeClr val="lt1"/>
+            </a:fontRef>
+          </p:style>
+          <p:txBody>
+            <a:bodyPr rot="0" spcFirstLastPara="0" vert="horz" wrap="square" lIns="91440" tIns="45720" rIns="91440" bIns="45720" numCol="1" spcCol="0" rtlCol="0" fromWordArt="0" anchor="ctr" anchorCtr="0" forceAA="0" compatLnSpc="1">
+              <a:prstTxWarp prst="textNoShape">
+                <a:avLst/>
+              </a:prstTxWarp>
+              <a:noAutofit/>
+            </a:bodyPr>
+            <a:lstStyle>
+              <a:defPPr>
+                <a:defRPr lang="en-US"/>
+              </a:defPPr>
+              <a:lvl1pPr marL="0" algn="l" defTabSz="914400" rtl="0" eaLnBrk="1" latinLnBrk="0" hangingPunct="1">
+                <a:defRPr sz="1800" kern="1200">
+                  <a:solidFill>
+                    <a:schemeClr val="lt1"/>
+                  </a:solidFill>
+                  <a:latin typeface="+mn-lt"/>
+                  <a:ea typeface="+mn-ea"/>
+                  <a:cs typeface="+mn-cs"/>
+                </a:defRPr>
+              </a:lvl1pPr>
+              <a:lvl2pPr marL="457200" algn="l" defTabSz="914400" rtl="0" eaLnBrk="1" latinLnBrk="0" hangingPunct="1">
+                <a:defRPr sz="1800" kern="1200">
+                  <a:solidFill>
+                    <a:schemeClr val="lt1"/>
+                  </a:solidFill>
+                  <a:latin typeface="+mn-lt"/>
+                  <a:ea typeface="+mn-ea"/>
+                  <a:cs typeface="+mn-cs"/>
+                </a:defRPr>
+              </a:lvl2pPr>
+              <a:lvl3pPr marL="914400" algn="l" defTabSz="914400" rtl="0" eaLnBrk="1" latinLnBrk="0" hangingPunct="1">
+                <a:defRPr sz="1800" kern="1200">
+                  <a:solidFill>
+                    <a:schemeClr val="lt1"/>
+                  </a:solidFill>
+                  <a:latin typeface="+mn-lt"/>
+                  <a:ea typeface="+mn-ea"/>
+                  <a:cs typeface="+mn-cs"/>
+                </a:defRPr>
+              </a:lvl3pPr>
+              <a:lvl4pPr marL="1371600" algn="l" defTabSz="914400" rtl="0" eaLnBrk="1" latinLnBrk="0" hangingPunct="1">
+                <a:defRPr sz="1800" kern="1200">
+                  <a:solidFill>
+                    <a:schemeClr val="lt1"/>
+                  </a:solidFill>
+                  <a:latin typeface="+mn-lt"/>
+                  <a:ea typeface="+mn-ea"/>
+                  <a:cs typeface="+mn-cs"/>
+                </a:defRPr>
+              </a:lvl4pPr>
+              <a:lvl5pPr marL="1828800" algn="l" defTabSz="914400" rtl="0" eaLnBrk="1" latinLnBrk="0" hangingPunct="1">
+                <a:defRPr sz="1800" kern="1200">
+                  <a:solidFill>
+                    <a:schemeClr val="lt1"/>
+                  </a:solidFill>
+                  <a:latin typeface="+mn-lt"/>
+                  <a:ea typeface="+mn-ea"/>
+                  <a:cs typeface="+mn-cs"/>
+                </a:defRPr>
+              </a:lvl5pPr>
+              <a:lvl6pPr marL="2286000" algn="l" defTabSz="914400" rtl="0" eaLnBrk="1" latinLnBrk="0" hangingPunct="1">
+                <a:defRPr sz="1800" kern="1200">
+                  <a:solidFill>
+                    <a:schemeClr val="lt1"/>
+                  </a:solidFill>
+                  <a:latin typeface="+mn-lt"/>
+                  <a:ea typeface="+mn-ea"/>
+                  <a:cs typeface="+mn-cs"/>
+                </a:defRPr>
+              </a:lvl6pPr>
+              <a:lvl7pPr marL="2743200" algn="l" defTabSz="914400" rtl="0" eaLnBrk="1" latinLnBrk="0" hangingPunct="1">
+                <a:defRPr sz="1800" kern="1200">
+                  <a:solidFill>
+                    <a:schemeClr val="lt1"/>
+                  </a:solidFill>
+                  <a:latin typeface="+mn-lt"/>
+                  <a:ea typeface="+mn-ea"/>
+                  <a:cs typeface="+mn-cs"/>
+                </a:defRPr>
+              </a:lvl7pPr>
+              <a:lvl8pPr marL="3200400" algn="l" defTabSz="914400" rtl="0" eaLnBrk="1" latinLnBrk="0" hangingPunct="1">
+                <a:defRPr sz="1800" kern="1200">
+                  <a:solidFill>
+                    <a:schemeClr val="lt1"/>
+                  </a:solidFill>
+                  <a:latin typeface="+mn-lt"/>
+                  <a:ea typeface="+mn-ea"/>
+                  <a:cs typeface="+mn-cs"/>
+                </a:defRPr>
+              </a:lvl8pPr>
+              <a:lvl9pPr marL="3657600" algn="l" defTabSz="914400" rtl="0" eaLnBrk="1" latinLnBrk="0" hangingPunct="1">
+                <a:defRPr sz="1800" kern="1200">
+                  <a:solidFill>
+                    <a:schemeClr val="lt1"/>
+                  </a:solidFill>
+                  <a:latin typeface="+mn-lt"/>
+                  <a:ea typeface="+mn-ea"/>
+                  <a:cs typeface="+mn-cs"/>
+                </a:defRPr>
+              </a:lvl9pPr>
+            </a:lstStyle>
+            <a:p>
+              <a:pPr algn="ctr"/>
+              <a:endParaRPr lang="en-CA"/>
+            </a:p>
+          </p:txBody>
+        </p:sp>
+        <p:sp>
+          <p:nvSpPr>
+            <p:cNvPr id="70" name="Rectangle 69"/>
+            <p:cNvSpPr/>
+            <p:nvPr/>
+          </p:nvSpPr>
+          <p:spPr>
+            <a:xfrm>
+              <a:off x="3940969" y="5810573"/>
+              <a:ext cx="178594" cy="152400"/>
+            </a:xfrm>
+            <a:prstGeom prst="rect">
+              <a:avLst/>
+            </a:prstGeom>
+          </p:spPr>
+          <p:style>
+            <a:lnRef idx="2">
+              <a:schemeClr val="accent1">
+                <a:shade val="50000"/>
+              </a:schemeClr>
+            </a:lnRef>
+            <a:fillRef idx="1">
+              <a:schemeClr val="accent1"/>
+            </a:fillRef>
+            <a:effectRef idx="0">
+              <a:schemeClr val="accent1"/>
+            </a:effectRef>
+            <a:fontRef idx="minor">
+              <a:schemeClr val="lt1"/>
+            </a:fontRef>
+          </p:style>
+          <p:txBody>
+            <a:bodyPr rtlCol="0" anchor="ctr"/>
+            <a:lstStyle/>
+            <a:p>
+              <a:pPr algn="ctr"/>
+              <a:endParaRPr lang="en-CA"/>
+            </a:p>
+          </p:txBody>
+        </p:sp>
+        <p:sp>
+          <p:nvSpPr>
+            <p:cNvPr id="71" name="Rectangle 70"/>
+            <p:cNvSpPr/>
+            <p:nvPr/>
+          </p:nvSpPr>
+          <p:spPr>
+            <a:xfrm>
+              <a:off x="3940373" y="5980586"/>
+              <a:ext cx="96441" cy="95249"/>
+            </a:xfrm>
+            <a:prstGeom prst="rect">
+              <a:avLst/>
+            </a:prstGeom>
+          </p:spPr>
+          <p:style>
+            <a:lnRef idx="2">
+              <a:schemeClr val="accent1">
+                <a:shade val="50000"/>
+              </a:schemeClr>
+            </a:lnRef>
+            <a:fillRef idx="1">
+              <a:schemeClr val="accent1"/>
+            </a:fillRef>
+            <a:effectRef idx="0">
+              <a:schemeClr val="accent1"/>
+            </a:effectRef>
+            <a:fontRef idx="minor">
+              <a:schemeClr val="lt1"/>
+            </a:fontRef>
+          </p:style>
+          <p:txBody>
+            <a:bodyPr rtlCol="0" anchor="ctr"/>
+            <a:lstStyle/>
+            <a:p>
+              <a:pPr algn="ctr"/>
+              <a:endParaRPr lang="en-CA"/>
+            </a:p>
+          </p:txBody>
+        </p:sp>
+        <p:sp>
+          <p:nvSpPr>
+            <p:cNvPr id="72" name="Rectangle 71"/>
+            <p:cNvSpPr/>
+            <p:nvPr/>
+          </p:nvSpPr>
+          <p:spPr>
+            <a:xfrm>
+              <a:off x="4051620" y="5980585"/>
+              <a:ext cx="128588" cy="172642"/>
+            </a:xfrm>
+            <a:prstGeom prst="rect">
+              <a:avLst/>
+            </a:prstGeom>
+          </p:spPr>
+          <p:style>
+            <a:lnRef idx="2">
+              <a:schemeClr val="accent1">
+                <a:shade val="50000"/>
+              </a:schemeClr>
+            </a:lnRef>
+            <a:fillRef idx="1">
+              <a:schemeClr val="accent1"/>
+            </a:fillRef>
+            <a:effectRef idx="0">
+              <a:schemeClr val="accent1"/>
+            </a:effectRef>
+            <a:fontRef idx="minor">
+              <a:schemeClr val="lt1"/>
+            </a:fontRef>
+          </p:style>
+          <p:txBody>
+            <a:bodyPr rtlCol="0" anchor="ctr"/>
+            <a:lstStyle/>
+            <a:p>
+              <a:pPr algn="ctr"/>
+              <a:endParaRPr lang="en-CA"/>
+            </a:p>
+          </p:txBody>
+        </p:sp>
+        <p:sp>
+          <p:nvSpPr>
+            <p:cNvPr id="73" name="Rectangle 72"/>
+            <p:cNvSpPr/>
+            <p:nvPr/>
+          </p:nvSpPr>
+          <p:spPr>
+            <a:xfrm>
+              <a:off x="4351734" y="5044566"/>
+              <a:ext cx="257175" cy="226636"/>
+            </a:xfrm>
+            <a:prstGeom prst="rect">
+              <a:avLst/>
+            </a:prstGeom>
+          </p:spPr>
+          <p:style>
+            <a:lnRef idx="2">
+              <a:schemeClr val="accent1">
+                <a:shade val="50000"/>
+              </a:schemeClr>
+            </a:lnRef>
+            <a:fillRef idx="1">
+              <a:schemeClr val="accent1"/>
+            </a:fillRef>
+            <a:effectRef idx="0">
+              <a:schemeClr val="accent1"/>
+            </a:effectRef>
+            <a:fontRef idx="minor">
+              <a:schemeClr val="lt1"/>
+            </a:fontRef>
+          </p:style>
+          <p:txBody>
+            <a:bodyPr rtlCol="0" anchor="ctr"/>
+            <a:lstStyle/>
+            <a:p>
+              <a:pPr algn="ctr"/>
+              <a:endParaRPr lang="en-CA"/>
+            </a:p>
+          </p:txBody>
+        </p:sp>
+        <p:sp>
+          <p:nvSpPr>
+            <p:cNvPr id="74" name="Rectangle 73"/>
+            <p:cNvSpPr/>
+            <p:nvPr/>
+          </p:nvSpPr>
+          <p:spPr>
+            <a:xfrm>
+              <a:off x="4351734" y="5301435"/>
+              <a:ext cx="257175" cy="226636"/>
+            </a:xfrm>
+            <a:prstGeom prst="rect">
+              <a:avLst/>
+            </a:prstGeom>
+          </p:spPr>
+          <p:style>
+            <a:lnRef idx="2">
+              <a:schemeClr val="accent1">
+                <a:shade val="50000"/>
+              </a:schemeClr>
+            </a:lnRef>
+            <a:fillRef idx="1">
+              <a:schemeClr val="accent1"/>
+            </a:fillRef>
+            <a:effectRef idx="0">
+              <a:schemeClr val="accent1"/>
+            </a:effectRef>
+            <a:fontRef idx="minor">
+              <a:schemeClr val="lt1"/>
+            </a:fontRef>
+          </p:style>
+          <p:txBody>
+            <a:bodyPr rtlCol="0" anchor="ctr"/>
+            <a:lstStyle/>
+            <a:p>
+              <a:pPr algn="ctr"/>
+              <a:endParaRPr lang="en-CA"/>
+            </a:p>
+          </p:txBody>
+        </p:sp>
+        <p:sp>
+          <p:nvSpPr>
+            <p:cNvPr id="75" name="Rectangle 74"/>
+            <p:cNvSpPr/>
+            <p:nvPr/>
+          </p:nvSpPr>
+          <p:spPr>
+            <a:xfrm>
+              <a:off x="4351734" y="5558579"/>
+              <a:ext cx="257175" cy="226636"/>
+            </a:xfrm>
+            <a:prstGeom prst="rect">
+              <a:avLst/>
+            </a:prstGeom>
+          </p:spPr>
+          <p:style>
+            <a:lnRef idx="2">
+              <a:schemeClr val="accent1">
+                <a:shade val="50000"/>
+              </a:schemeClr>
+            </a:lnRef>
+            <a:fillRef idx="1">
+              <a:schemeClr val="accent1"/>
+            </a:fillRef>
+            <a:effectRef idx="0">
+              <a:schemeClr val="accent1"/>
+            </a:effectRef>
+            <a:fontRef idx="minor">
+              <a:schemeClr val="lt1"/>
+            </a:fontRef>
+          </p:style>
+          <p:txBody>
+            <a:bodyPr rot="0" spcFirstLastPara="0" vert="horz" wrap="square" lIns="91440" tIns="45720" rIns="91440" bIns="45720" numCol="1" spcCol="0" rtlCol="0" fromWordArt="0" anchor="ctr" anchorCtr="0" forceAA="0" compatLnSpc="1">
+              <a:prstTxWarp prst="textNoShape">
+                <a:avLst/>
+              </a:prstTxWarp>
+              <a:noAutofit/>
+            </a:bodyPr>
+            <a:lstStyle>
+              <a:defPPr>
+                <a:defRPr lang="en-US"/>
+              </a:defPPr>
+              <a:lvl1pPr marL="0" algn="l" defTabSz="914400" rtl="0" eaLnBrk="1" latinLnBrk="0" hangingPunct="1">
+                <a:defRPr sz="1800" kern="1200">
+                  <a:solidFill>
+                    <a:schemeClr val="lt1"/>
+                  </a:solidFill>
+                  <a:latin typeface="+mn-lt"/>
+                  <a:ea typeface="+mn-ea"/>
+                  <a:cs typeface="+mn-cs"/>
+                </a:defRPr>
+              </a:lvl1pPr>
+              <a:lvl2pPr marL="457200" algn="l" defTabSz="914400" rtl="0" eaLnBrk="1" latinLnBrk="0" hangingPunct="1">
+                <a:defRPr sz="1800" kern="1200">
+                  <a:solidFill>
+                    <a:schemeClr val="lt1"/>
+                  </a:solidFill>
+                  <a:latin typeface="+mn-lt"/>
+                  <a:ea typeface="+mn-ea"/>
+                  <a:cs typeface="+mn-cs"/>
+                </a:defRPr>
+              </a:lvl2pPr>
+              <a:lvl3pPr marL="914400" algn="l" defTabSz="914400" rtl="0" eaLnBrk="1" latinLnBrk="0" hangingPunct="1">
+                <a:defRPr sz="1800" kern="1200">
+                  <a:solidFill>
+                    <a:schemeClr val="lt1"/>
+                  </a:solidFill>
+                  <a:latin typeface="+mn-lt"/>
+                  <a:ea typeface="+mn-ea"/>
+                  <a:cs typeface="+mn-cs"/>
+                </a:defRPr>
+              </a:lvl3pPr>
+              <a:lvl4pPr marL="1371600" algn="l" defTabSz="914400" rtl="0" eaLnBrk="1" latinLnBrk="0" hangingPunct="1">
+                <a:defRPr sz="1800" kern="1200">
+                  <a:solidFill>
+                    <a:schemeClr val="lt1"/>
+                  </a:solidFill>
+                  <a:latin typeface="+mn-lt"/>
+                  <a:ea typeface="+mn-ea"/>
+                  <a:cs typeface="+mn-cs"/>
+                </a:defRPr>
+              </a:lvl4pPr>
+              <a:lvl5pPr marL="1828800" algn="l" defTabSz="914400" rtl="0" eaLnBrk="1" latinLnBrk="0" hangingPunct="1">
+                <a:defRPr sz="1800" kern="1200">
+                  <a:solidFill>
+                    <a:schemeClr val="lt1"/>
+                  </a:solidFill>
+                  <a:latin typeface="+mn-lt"/>
+                  <a:ea typeface="+mn-ea"/>
+                  <a:cs typeface="+mn-cs"/>
+                </a:defRPr>
+              </a:lvl5pPr>
+              <a:lvl6pPr marL="2286000" algn="l" defTabSz="914400" rtl="0" eaLnBrk="1" latinLnBrk="0" hangingPunct="1">
+                <a:defRPr sz="1800" kern="1200">
+                  <a:solidFill>
+                    <a:schemeClr val="lt1"/>
+                  </a:solidFill>
+                  <a:latin typeface="+mn-lt"/>
+                  <a:ea typeface="+mn-ea"/>
+                  <a:cs typeface="+mn-cs"/>
+                </a:defRPr>
+              </a:lvl6pPr>
+              <a:lvl7pPr marL="2743200" algn="l" defTabSz="914400" rtl="0" eaLnBrk="1" latinLnBrk="0" hangingPunct="1">
+                <a:defRPr sz="1800" kern="1200">
+                  <a:solidFill>
+                    <a:schemeClr val="lt1"/>
+                  </a:solidFill>
+                  <a:latin typeface="+mn-lt"/>
+                  <a:ea typeface="+mn-ea"/>
+                  <a:cs typeface="+mn-cs"/>
+                </a:defRPr>
+              </a:lvl7pPr>
+              <a:lvl8pPr marL="3200400" algn="l" defTabSz="914400" rtl="0" eaLnBrk="1" latinLnBrk="0" hangingPunct="1">
+                <a:defRPr sz="1800" kern="1200">
+                  <a:solidFill>
+                    <a:schemeClr val="lt1"/>
+                  </a:solidFill>
+                  <a:latin typeface="+mn-lt"/>
+                  <a:ea typeface="+mn-ea"/>
+                  <a:cs typeface="+mn-cs"/>
+                </a:defRPr>
+              </a:lvl8pPr>
+              <a:lvl9pPr marL="3657600" algn="l" defTabSz="914400" rtl="0" eaLnBrk="1" latinLnBrk="0" hangingPunct="1">
+                <a:defRPr sz="1800" kern="1200">
+                  <a:solidFill>
+                    <a:schemeClr val="lt1"/>
+                  </a:solidFill>
+                  <a:latin typeface="+mn-lt"/>
+                  <a:ea typeface="+mn-ea"/>
+                  <a:cs typeface="+mn-cs"/>
+                </a:defRPr>
+              </a:lvl9pPr>
+            </a:lstStyle>
+            <a:p>
+              <a:pPr algn="ctr"/>
+              <a:endParaRPr lang="en-CA"/>
+            </a:p>
+          </p:txBody>
+        </p:sp>
+        <p:sp>
+          <p:nvSpPr>
+            <p:cNvPr id="76" name="Rectangle 75"/>
+            <p:cNvSpPr/>
+            <p:nvPr/>
+          </p:nvSpPr>
+          <p:spPr>
+            <a:xfrm>
+              <a:off x="4353975" y="5806700"/>
+              <a:ext cx="178594" cy="152400"/>
+            </a:xfrm>
+            <a:prstGeom prst="rect">
+              <a:avLst/>
+            </a:prstGeom>
+          </p:spPr>
+          <p:style>
+            <a:lnRef idx="2">
+              <a:schemeClr val="accent1">
+                <a:shade val="50000"/>
+              </a:schemeClr>
+            </a:lnRef>
+            <a:fillRef idx="1">
+              <a:schemeClr val="accent1"/>
+            </a:fillRef>
+            <a:effectRef idx="0">
+              <a:schemeClr val="accent1"/>
+            </a:effectRef>
+            <a:fontRef idx="minor">
+              <a:schemeClr val="lt1"/>
+            </a:fontRef>
+          </p:style>
+          <p:txBody>
+            <a:bodyPr rtlCol="0" anchor="ctr"/>
+            <a:lstStyle/>
+            <a:p>
+              <a:pPr algn="ctr"/>
+              <a:endParaRPr lang="en-CA"/>
+            </a:p>
+          </p:txBody>
+        </p:sp>
+        <p:sp>
+          <p:nvSpPr>
+            <p:cNvPr id="77" name="Rectangle 76"/>
+            <p:cNvSpPr/>
+            <p:nvPr/>
+          </p:nvSpPr>
+          <p:spPr>
+            <a:xfrm>
+              <a:off x="4352886" y="5980585"/>
+              <a:ext cx="257175" cy="172642"/>
+            </a:xfrm>
+            <a:prstGeom prst="rect">
+              <a:avLst/>
+            </a:prstGeom>
+          </p:spPr>
+          <p:style>
+            <a:lnRef idx="2">
+              <a:schemeClr val="accent1">
+                <a:shade val="50000"/>
+              </a:schemeClr>
+            </a:lnRef>
+            <a:fillRef idx="1">
+              <a:schemeClr val="accent1"/>
+            </a:fillRef>
+            <a:effectRef idx="0">
+              <a:schemeClr val="accent1"/>
+            </a:effectRef>
+            <a:fontRef idx="minor">
+              <a:schemeClr val="lt1"/>
+            </a:fontRef>
+          </p:style>
+          <p:txBody>
+            <a:bodyPr rtlCol="0" anchor="ctr"/>
+            <a:lstStyle/>
+            <a:p>
+              <a:pPr algn="ctr"/>
+              <a:endParaRPr lang="en-CA"/>
+            </a:p>
+          </p:txBody>
+        </p:sp>
+        <p:sp>
+          <p:nvSpPr>
+            <p:cNvPr id="78" name="Rectangle 77"/>
+            <p:cNvSpPr/>
+            <p:nvPr/>
+          </p:nvSpPr>
+          <p:spPr>
+            <a:xfrm>
+              <a:off x="4748291" y="5067445"/>
+              <a:ext cx="257175" cy="226636"/>
+            </a:xfrm>
+            <a:prstGeom prst="rect">
+              <a:avLst/>
+            </a:prstGeom>
+          </p:spPr>
+          <p:style>
+            <a:lnRef idx="2">
+              <a:schemeClr val="accent1">
+                <a:shade val="50000"/>
+              </a:schemeClr>
+            </a:lnRef>
+            <a:fillRef idx="1">
+              <a:schemeClr val="accent1"/>
+            </a:fillRef>
+            <a:effectRef idx="0">
+              <a:schemeClr val="accent1"/>
+            </a:effectRef>
+            <a:fontRef idx="minor">
+              <a:schemeClr val="lt1"/>
+            </a:fontRef>
+          </p:style>
+          <p:txBody>
+            <a:bodyPr rtlCol="0" anchor="ctr"/>
+            <a:lstStyle/>
+            <a:p>
+              <a:pPr algn="ctr"/>
+              <a:endParaRPr lang="en-CA"/>
+            </a:p>
+          </p:txBody>
+        </p:sp>
+        <p:sp>
+          <p:nvSpPr>
+            <p:cNvPr id="79" name="Rectangle 78"/>
+            <p:cNvSpPr/>
+            <p:nvPr/>
+          </p:nvSpPr>
+          <p:spPr>
+            <a:xfrm>
+              <a:off x="4748291" y="5553221"/>
+              <a:ext cx="257175" cy="226636"/>
+            </a:xfrm>
+            <a:prstGeom prst="rect">
+              <a:avLst/>
+            </a:prstGeom>
+          </p:spPr>
+          <p:style>
+            <a:lnRef idx="2">
+              <a:schemeClr val="accent1">
+                <a:shade val="50000"/>
+              </a:schemeClr>
+            </a:lnRef>
+            <a:fillRef idx="1">
+              <a:schemeClr val="accent1"/>
+            </a:fillRef>
+            <a:effectRef idx="0">
+              <a:schemeClr val="accent1"/>
+            </a:effectRef>
+            <a:fontRef idx="minor">
+              <a:schemeClr val="lt1"/>
+            </a:fontRef>
+          </p:style>
+          <p:txBody>
+            <a:bodyPr rot="0" spcFirstLastPara="0" vert="horz" wrap="square" lIns="91440" tIns="45720" rIns="91440" bIns="45720" numCol="1" spcCol="0" rtlCol="0" fromWordArt="0" anchor="ctr" anchorCtr="0" forceAA="0" compatLnSpc="1">
+              <a:prstTxWarp prst="textNoShape">
+                <a:avLst/>
+              </a:prstTxWarp>
+              <a:noAutofit/>
+            </a:bodyPr>
+            <a:lstStyle>
+              <a:defPPr>
+                <a:defRPr lang="en-US"/>
+              </a:defPPr>
+              <a:lvl1pPr marL="0" algn="l" defTabSz="914400" rtl="0" eaLnBrk="1" latinLnBrk="0" hangingPunct="1">
+                <a:defRPr sz="1800" kern="1200">
+                  <a:solidFill>
+                    <a:schemeClr val="lt1"/>
+                  </a:solidFill>
+                  <a:latin typeface="+mn-lt"/>
+                  <a:ea typeface="+mn-ea"/>
+                  <a:cs typeface="+mn-cs"/>
+                </a:defRPr>
+              </a:lvl1pPr>
+              <a:lvl2pPr marL="457200" algn="l" defTabSz="914400" rtl="0" eaLnBrk="1" latinLnBrk="0" hangingPunct="1">
+                <a:defRPr sz="1800" kern="1200">
+                  <a:solidFill>
+                    <a:schemeClr val="lt1"/>
+                  </a:solidFill>
+                  <a:latin typeface="+mn-lt"/>
+                  <a:ea typeface="+mn-ea"/>
+                  <a:cs typeface="+mn-cs"/>
+                </a:defRPr>
+              </a:lvl2pPr>
+              <a:lvl3pPr marL="914400" algn="l" defTabSz="914400" rtl="0" eaLnBrk="1" latinLnBrk="0" hangingPunct="1">
+                <a:defRPr sz="1800" kern="1200">
+                  <a:solidFill>
+                    <a:schemeClr val="lt1"/>
+                  </a:solidFill>
+                  <a:latin typeface="+mn-lt"/>
+                  <a:ea typeface="+mn-ea"/>
+                  <a:cs typeface="+mn-cs"/>
+                </a:defRPr>
+              </a:lvl3pPr>
+              <a:lvl4pPr marL="1371600" algn="l" defTabSz="914400" rtl="0" eaLnBrk="1" latinLnBrk="0" hangingPunct="1">
+                <a:defRPr sz="1800" kern="1200">
+                  <a:solidFill>
+                    <a:schemeClr val="lt1"/>
+                  </a:solidFill>
+                  <a:latin typeface="+mn-lt"/>
+                  <a:ea typeface="+mn-ea"/>
+                  <a:cs typeface="+mn-cs"/>
+                </a:defRPr>
+              </a:lvl4pPr>
+              <a:lvl5pPr marL="1828800" algn="l" defTabSz="914400" rtl="0" eaLnBrk="1" latinLnBrk="0" hangingPunct="1">
+                <a:defRPr sz="1800" kern="1200">
+                  <a:solidFill>
+                    <a:schemeClr val="lt1"/>
+                  </a:solidFill>
+                  <a:latin typeface="+mn-lt"/>
+                  <a:ea typeface="+mn-ea"/>
+                  <a:cs typeface="+mn-cs"/>
+                </a:defRPr>
+              </a:lvl5pPr>
+              <a:lvl6pPr marL="2286000" algn="l" defTabSz="914400" rtl="0" eaLnBrk="1" latinLnBrk="0" hangingPunct="1">
+                <a:defRPr sz="1800" kern="1200">
+                  <a:solidFill>
+                    <a:schemeClr val="lt1"/>
+                  </a:solidFill>
+                  <a:latin typeface="+mn-lt"/>
+                  <a:ea typeface="+mn-ea"/>
+                  <a:cs typeface="+mn-cs"/>
+                </a:defRPr>
+              </a:lvl6pPr>
+              <a:lvl7pPr marL="2743200" algn="l" defTabSz="914400" rtl="0" eaLnBrk="1" latinLnBrk="0" hangingPunct="1">
+                <a:defRPr sz="1800" kern="1200">
+                  <a:solidFill>
+                    <a:schemeClr val="lt1"/>
+                  </a:solidFill>
+                  <a:latin typeface="+mn-lt"/>
+                  <a:ea typeface="+mn-ea"/>
+                  <a:cs typeface="+mn-cs"/>
+                </a:defRPr>
+              </a:lvl7pPr>
+              <a:lvl8pPr marL="3200400" algn="l" defTabSz="914400" rtl="0" eaLnBrk="1" latinLnBrk="0" hangingPunct="1">
+                <a:defRPr sz="1800" kern="1200">
+                  <a:solidFill>
+                    <a:schemeClr val="lt1"/>
+                  </a:solidFill>
+                  <a:latin typeface="+mn-lt"/>
+                  <a:ea typeface="+mn-ea"/>
+                  <a:cs typeface="+mn-cs"/>
+                </a:defRPr>
+              </a:lvl8pPr>
+              <a:lvl9pPr marL="3657600" algn="l" defTabSz="914400" rtl="0" eaLnBrk="1" latinLnBrk="0" hangingPunct="1">
+                <a:defRPr sz="1800" kern="1200">
+                  <a:solidFill>
+                    <a:schemeClr val="lt1"/>
+                  </a:solidFill>
+                  <a:latin typeface="+mn-lt"/>
+                  <a:ea typeface="+mn-ea"/>
+                  <a:cs typeface="+mn-cs"/>
+                </a:defRPr>
+              </a:lvl9pPr>
+            </a:lstStyle>
+            <a:p>
+              <a:pPr algn="ctr"/>
+              <a:endParaRPr lang="en-CA"/>
+            </a:p>
+          </p:txBody>
+        </p:sp>
+        <p:sp>
+          <p:nvSpPr>
+            <p:cNvPr id="80" name="Rectangle 79"/>
+            <p:cNvSpPr/>
+            <p:nvPr/>
+          </p:nvSpPr>
+          <p:spPr>
+            <a:xfrm>
+              <a:off x="4748291" y="5799293"/>
+              <a:ext cx="178594" cy="152400"/>
+            </a:xfrm>
+            <a:prstGeom prst="rect">
+              <a:avLst/>
+            </a:prstGeom>
+          </p:spPr>
+          <p:style>
+            <a:lnRef idx="2">
+              <a:schemeClr val="accent1">
+                <a:shade val="50000"/>
+              </a:schemeClr>
+            </a:lnRef>
+            <a:fillRef idx="1">
+              <a:schemeClr val="accent1"/>
+            </a:fillRef>
+            <a:effectRef idx="0">
+              <a:schemeClr val="accent1"/>
+            </a:effectRef>
+            <a:fontRef idx="minor">
+              <a:schemeClr val="lt1"/>
+            </a:fontRef>
+          </p:style>
+          <p:txBody>
+            <a:bodyPr rtlCol="0" anchor="ctr"/>
+            <a:lstStyle/>
+            <a:p>
+              <a:pPr algn="ctr"/>
+              <a:endParaRPr lang="en-CA"/>
+            </a:p>
+          </p:txBody>
+        </p:sp>
+        <p:sp>
+          <p:nvSpPr>
+            <p:cNvPr id="81" name="Rectangle 80"/>
+            <p:cNvSpPr/>
+            <p:nvPr/>
+          </p:nvSpPr>
+          <p:spPr>
+            <a:xfrm>
+              <a:off x="4748291" y="5971129"/>
+              <a:ext cx="257175" cy="172642"/>
+            </a:xfrm>
+            <a:prstGeom prst="rect">
+              <a:avLst/>
+            </a:prstGeom>
+          </p:spPr>
+          <p:style>
+            <a:lnRef idx="2">
+              <a:schemeClr val="accent1">
+                <a:shade val="50000"/>
+              </a:schemeClr>
+            </a:lnRef>
+            <a:fillRef idx="1">
+              <a:schemeClr val="accent1"/>
+            </a:fillRef>
+            <a:effectRef idx="0">
+              <a:schemeClr val="accent1"/>
+            </a:effectRef>
+            <a:fontRef idx="minor">
+              <a:schemeClr val="lt1"/>
+            </a:fontRef>
+          </p:style>
+          <p:txBody>
+            <a:bodyPr rtlCol="0" anchor="ctr"/>
+            <a:lstStyle/>
+            <a:p>
+              <a:pPr algn="ctr"/>
+              <a:endParaRPr lang="en-CA"/>
+            </a:p>
+          </p:txBody>
+        </p:sp>
+        <p:sp>
+          <p:nvSpPr>
+            <p:cNvPr id="82" name="TextBox 81"/>
+            <p:cNvSpPr txBox="1"/>
+            <p:nvPr/>
+          </p:nvSpPr>
+          <p:spPr>
+            <a:xfrm>
+              <a:off x="4063265" y="5138078"/>
+              <a:ext cx="338554" cy="1247774"/>
+            </a:xfrm>
+            <a:prstGeom prst="rect">
+              <a:avLst/>
+            </a:prstGeom>
+            <a:noFill/>
+          </p:spPr>
+          <p:txBody>
+            <a:bodyPr vert="eaVert" wrap="square" rtlCol="0">
+              <a:spAutoFit/>
+            </a:bodyPr>
+            <a:lstStyle/>
+            <a:p>
+              <a:r>
+                <a:rPr lang="en-CA" sz="1000" dirty="0"/>
+                <a:t>passageway</a:t>
+              </a:r>
+            </a:p>
+          </p:txBody>
+        </p:sp>
+        <p:sp>
+          <p:nvSpPr>
+            <p:cNvPr id="83" name="TextBox 82"/>
+            <p:cNvSpPr txBox="1"/>
+            <p:nvPr/>
+          </p:nvSpPr>
+          <p:spPr>
+            <a:xfrm>
+              <a:off x="4492047" y="5138848"/>
+              <a:ext cx="338554" cy="1247774"/>
+            </a:xfrm>
+            <a:prstGeom prst="rect">
+              <a:avLst/>
+            </a:prstGeom>
+            <a:noFill/>
+          </p:spPr>
+          <p:txBody>
+            <a:bodyPr vert="eaVert" wrap="square" rtlCol="0">
+              <a:spAutoFit/>
+            </a:bodyPr>
+            <a:lstStyle/>
+            <a:p>
+              <a:r>
+                <a:rPr lang="en-CA" sz="1000" dirty="0"/>
+                <a:t>passageway</a:t>
+              </a:r>
+            </a:p>
+          </p:txBody>
+        </p:sp>
+        <p:sp>
+          <p:nvSpPr>
+            <p:cNvPr id="84" name="Rectangle 83"/>
+            <p:cNvSpPr/>
+            <p:nvPr/>
+          </p:nvSpPr>
+          <p:spPr>
+            <a:xfrm>
+              <a:off x="4366022" y="4518596"/>
+              <a:ext cx="71751" cy="191100"/>
+            </a:xfrm>
+            <a:prstGeom prst="rect">
+              <a:avLst/>
+            </a:prstGeom>
+          </p:spPr>
+          <p:style>
+            <a:lnRef idx="2">
+              <a:schemeClr val="accent1">
+                <a:shade val="50000"/>
+              </a:schemeClr>
+            </a:lnRef>
+            <a:fillRef idx="1">
+              <a:schemeClr val="accent1"/>
+            </a:fillRef>
+            <a:effectRef idx="0">
+              <a:schemeClr val="accent1"/>
+            </a:effectRef>
+            <a:fontRef idx="minor">
+              <a:schemeClr val="lt1"/>
+            </a:fontRef>
+          </p:style>
+          <p:txBody>
+            <a:bodyPr rtlCol="0" anchor="ctr"/>
+            <a:lstStyle/>
+            <a:p>
+              <a:pPr algn="ctr"/>
+              <a:endParaRPr lang="en-CA"/>
+            </a:p>
+          </p:txBody>
+        </p:sp>
+        <p:sp>
+          <p:nvSpPr>
+            <p:cNvPr id="85" name="Rectangle 84"/>
+            <p:cNvSpPr/>
+            <p:nvPr/>
+          </p:nvSpPr>
+          <p:spPr>
+            <a:xfrm>
+              <a:off x="4830484" y="5322771"/>
+              <a:ext cx="174982" cy="205300"/>
+            </a:xfrm>
+            <a:prstGeom prst="rect">
+              <a:avLst/>
+            </a:prstGeom>
+          </p:spPr>
+          <p:style>
+            <a:lnRef idx="2">
+              <a:schemeClr val="accent2">
+                <a:shade val="50000"/>
+              </a:schemeClr>
+            </a:lnRef>
+            <a:fillRef idx="1">
+              <a:schemeClr val="accent2"/>
+            </a:fillRef>
+            <a:effectRef idx="0">
+              <a:schemeClr val="accent2"/>
+            </a:effectRef>
+            <a:fontRef idx="minor">
+              <a:schemeClr val="lt1"/>
+            </a:fontRef>
+          </p:style>
+          <p:txBody>
+            <a:bodyPr rtlCol="0" anchor="ctr"/>
+            <a:lstStyle/>
+            <a:p>
+              <a:pPr algn="ctr"/>
+              <a:endParaRPr lang="en-CA"/>
+            </a:p>
+          </p:txBody>
+        </p:sp>
+        <p:sp>
+          <p:nvSpPr>
+            <p:cNvPr id="86" name="TextBox 85"/>
+            <p:cNvSpPr txBox="1"/>
+            <p:nvPr/>
+          </p:nvSpPr>
+          <p:spPr>
+            <a:xfrm>
+              <a:off x="4147904" y="4725544"/>
+              <a:ext cx="776175" cy="246221"/>
+            </a:xfrm>
+            <a:prstGeom prst="rect">
+              <a:avLst/>
+            </a:prstGeom>
+            <a:noFill/>
+          </p:spPr>
+          <p:txBody>
+            <a:bodyPr wrap="none" rtlCol="0">
+              <a:spAutoFit/>
+            </a:bodyPr>
+            <a:lstStyle/>
+            <a:p>
+              <a:r>
+                <a:rPr lang="en-CA" sz="1000" dirty="0" smtClean="0"/>
+                <a:t>passageway</a:t>
+              </a:r>
+              <a:endParaRPr lang="en-CA" sz="1000" dirty="0"/>
+            </a:p>
+          </p:txBody>
+        </p:sp>
+        <p:sp>
+          <p:nvSpPr>
+            <p:cNvPr id="87" name="Rectangle 86"/>
+            <p:cNvSpPr/>
+            <p:nvPr/>
+          </p:nvSpPr>
+          <p:spPr>
+            <a:xfrm>
+              <a:off x="4149199" y="4344188"/>
+              <a:ext cx="50160" cy="151620"/>
+            </a:xfrm>
+            <a:prstGeom prst="rect">
+              <a:avLst/>
+            </a:prstGeom>
+          </p:spPr>
+          <p:style>
+            <a:lnRef idx="2">
+              <a:schemeClr val="accent6">
+                <a:shade val="50000"/>
+              </a:schemeClr>
+            </a:lnRef>
+            <a:fillRef idx="1">
+              <a:schemeClr val="accent6"/>
+            </a:fillRef>
+            <a:effectRef idx="0">
+              <a:schemeClr val="accent6"/>
+            </a:effectRef>
+            <a:fontRef idx="minor">
+              <a:schemeClr val="lt1"/>
+            </a:fontRef>
+          </p:style>
+          <p:txBody>
+            <a:bodyPr rtlCol="0" anchor="ctr"/>
+            <a:lstStyle/>
+            <a:p>
+              <a:pPr algn="ctr"/>
+              <a:endParaRPr lang="en-CA"/>
+            </a:p>
+          </p:txBody>
+        </p:sp>
+        <p:sp>
+          <p:nvSpPr>
+            <p:cNvPr id="88" name="Rectangle 87"/>
+            <p:cNvSpPr/>
+            <p:nvPr/>
+          </p:nvSpPr>
+          <p:spPr>
+            <a:xfrm>
+              <a:off x="1979685" y="4545709"/>
+              <a:ext cx="111248" cy="52903"/>
+            </a:xfrm>
+            <a:prstGeom prst="rect">
+              <a:avLst/>
+            </a:prstGeom>
+          </p:spPr>
+          <p:style>
+            <a:lnRef idx="2">
+              <a:schemeClr val="accent1">
+                <a:shade val="50000"/>
+              </a:schemeClr>
+            </a:lnRef>
+            <a:fillRef idx="1">
+              <a:schemeClr val="accent1"/>
+            </a:fillRef>
+            <a:effectRef idx="0">
+              <a:schemeClr val="accent1"/>
+            </a:effectRef>
+            <a:fontRef idx="minor">
+              <a:schemeClr val="lt1"/>
+            </a:fontRef>
+          </p:style>
+          <p:txBody>
+            <a:bodyPr rtlCol="0" anchor="ctr"/>
+            <a:lstStyle/>
+            <a:p>
+              <a:pPr algn="ctr"/>
+              <a:endParaRPr lang="en-CA"/>
+            </a:p>
+          </p:txBody>
+        </p:sp>
+      </p:grpSp>
     </p:spTree>
     <p:extLst>
       <p:ext uri="{BB962C8B-B14F-4D97-AF65-F5344CB8AC3E}">
-        <p14:creationId xmlns:p14="http://schemas.microsoft.com/office/powerpoint/2010/main" xmlns="" val="3957772106"/>
+        <p14:creationId xmlns:p14="http://schemas.microsoft.com/office/powerpoint/2010/main" xmlns="" val="1391038647"/>
       </p:ext>
     </p:extLst>
   </p:cSld>
   <p:clrMapOvr>
     <a:masterClrMapping/>
   </p:clrMapOvr>
+  <p:timing>
+    <p:tnLst>
+      <p:par>
+        <p:cTn id="1" dur="indefinite" restart="never" nodeType="tmRoot"/>
+      </p:par>
+    </p:tnLst>
+  </p:timing>
 </p:sld>
 </file>
 
@@ -5262,7 +10804,7 @@
       </p:grpSpPr>
       <p:sp>
         <p:nvSpPr>
-          <p:cNvPr id="2" name="标题 1"/>
+          <p:cNvPr id="2" name="Title 1"/>
           <p:cNvSpPr>
             <a:spLocks noGrp="1"/>
           </p:cNvSpPr>
@@ -5276,61 +10818,74 @@
           <a:lstStyle/>
           <a:p>
             <a:r>
-              <a:rPr lang="en-US" altLang="zh-CN" dirty="0" smtClean="0"/>
-              <a:t>Manager</a:t>
-            </a:r>
-            <a:endParaRPr lang="zh-CN" altLang="en-US" dirty="0"/>
-          </a:p>
-        </p:txBody>
-      </p:sp>
-      <p:sp>
-        <p:nvSpPr>
-          <p:cNvPr id="3" name="内容占位符 2"/>
+              <a:rPr lang="en-US" altLang="zh-CN" b="1" dirty="0" smtClean="0"/>
+              <a:t>Stock Handler</a:t>
+            </a:r>
+            <a:endParaRPr lang="en-US" dirty="0"/>
+          </a:p>
+        </p:txBody>
+      </p:sp>
+      <p:sp>
+        <p:nvSpPr>
+          <p:cNvPr id="3" name="Content Placeholder 2"/>
           <p:cNvSpPr>
             <a:spLocks noGrp="1"/>
           </p:cNvSpPr>
           <p:nvPr>
-            <p:ph idx="1"/>
+            <p:ph sz="quarter" idx="1"/>
           </p:nvPr>
         </p:nvSpPr>
-        <p:spPr>
-          <a:xfrm>
-            <a:off x="971600" y="2132856"/>
-            <a:ext cx="7879162" cy="2764903"/>
-          </a:xfrm>
-        </p:spPr>
-        <p:txBody>
-          <a:bodyPr>
-            <a:normAutofit/>
-          </a:bodyPr>
+        <p:spPr/>
+        <p:txBody>
+          <a:bodyPr/>
           <a:lstStyle/>
           <a:p>
+            <a:pPr marL="457200" indent="-457200">
+              <a:buFont typeface="Arial" pitchFamily="34" charset="0"/>
+              <a:buChar char="•"/>
+            </a:pPr>
             <a:r>
               <a:rPr lang="en-US" altLang="zh-CN" dirty="0" smtClean="0"/>
-              <a:t>It is a management and reporting system</a:t>
-            </a:r>
-          </a:p>
-          <a:p>
+              <a:t>Create daily plans for stock to be gather	</a:t>
+            </a:r>
+          </a:p>
+          <a:p>
+            <a:pPr marL="457200" indent="-457200">
+              <a:buFont typeface="Arial" pitchFamily="34" charset="0"/>
+              <a:buChar char="•"/>
+            </a:pPr>
             <a:r>
               <a:rPr lang="en-US" altLang="zh-CN" dirty="0" smtClean="0"/>
-              <a:t>Product listing, purchase order listing and shipping listing, including basic information about item name, price, and time.</a:t>
-            </a:r>
-          </a:p>
-          <a:p>
+              <a:t>Figure out most efficient routes to take to gather all products for shipment 	</a:t>
+            </a:r>
+          </a:p>
+          <a:p>
+            <a:pPr marL="457200" indent="-457200">
+              <a:buFont typeface="Arial" pitchFamily="34" charset="0"/>
+              <a:buChar char="•"/>
+            </a:pPr>
             <a:r>
               <a:rPr lang="en-US" altLang="zh-CN" dirty="0" smtClean="0"/>
-              <a:t>Statistic report, employee report.</a:t>
-            </a:r>
-            <a:endParaRPr lang="zh-CN" altLang="en-US" dirty="0"/>
+              <a:t>Recording and monitoring of inconsistencies in stock levels 	</a:t>
+            </a:r>
+          </a:p>
+          <a:p>
+            <a:pPr marL="457200" indent="-457200">
+              <a:buFont typeface="Arial" pitchFamily="34" charset="0"/>
+              <a:buChar char="•"/>
+            </a:pPr>
+            <a:r>
+              <a:rPr lang="en-US" altLang="zh-CN" dirty="0" smtClean="0"/>
+              <a:t>Track speed of each of the workers</a:t>
+            </a:r>
+            <a:endParaRPr lang="zh-CN" altLang="en-US" dirty="0" smtClean="0"/>
+          </a:p>
+          <a:p>
+            <a:endParaRPr lang="en-US" dirty="0"/>
           </a:p>
         </p:txBody>
       </p:sp>
     </p:spTree>
-    <p:extLst>
-      <p:ext uri="{BB962C8B-B14F-4D97-AF65-F5344CB8AC3E}">
-        <p14:creationId xmlns:p14="http://schemas.microsoft.com/office/powerpoint/2010/main" xmlns="" val="1471122107"/>
-      </p:ext>
-    </p:extLst>
   </p:cSld>
   <p:clrMapOvr>
     <a:masterClrMapping/>
@@ -5357,6 +10912,39 @@
       </p:grpSpPr>
       <p:sp>
         <p:nvSpPr>
+          <p:cNvPr id="2" name="标题 1"/>
+          <p:cNvSpPr>
+            <a:spLocks noGrp="1"/>
+          </p:cNvSpPr>
+          <p:nvPr>
+            <p:ph type="title"/>
+          </p:nvPr>
+        </p:nvSpPr>
+        <p:spPr/>
+        <p:txBody>
+          <a:bodyPr>
+            <a:normAutofit/>
+          </a:bodyPr>
+          <a:lstStyle/>
+          <a:p>
+            <a:r>
+              <a:rPr lang="en-US" altLang="zh-CN" b="1" dirty="0"/>
+              <a:t>Shipper </a:t>
+            </a:r>
+            <a:r>
+              <a:rPr lang="en-US" altLang="zh-CN" b="1" dirty="0" smtClean="0"/>
+              <a:t>&amp; </a:t>
+            </a:r>
+            <a:r>
+              <a:rPr lang="en-US" altLang="zh-CN" b="1" dirty="0"/>
+              <a:t>Receiver 	</a:t>
+            </a:r>
+            <a:endParaRPr lang="zh-CN" altLang="en-US" b="1" dirty="0"/>
+          </a:p>
+        </p:txBody>
+      </p:sp>
+      <p:sp>
+        <p:nvSpPr>
           <p:cNvPr id="3" name="内容占位符 2"/>
           <p:cNvSpPr>
             <a:spLocks noGrp="1"/>
@@ -5367,8 +10955,8 @@
         </p:nvSpPr>
         <p:spPr>
           <a:xfrm>
-            <a:off x="1331640" y="2060848"/>
-            <a:ext cx="6419056" cy="2692896"/>
+            <a:off x="910861" y="1556792"/>
+            <a:ext cx="7618040" cy="2088232"/>
           </a:xfrm>
         </p:spPr>
         <p:txBody>
@@ -5376,34 +10964,113 @@
           <a:lstStyle/>
           <a:p>
             <a:r>
+              <a:rPr lang="en-US" altLang="zh-CN" dirty="0"/>
+              <a:t>Check and </a:t>
+            </a:r>
+            <a:r>
               <a:rPr lang="en-US" altLang="zh-CN" dirty="0" smtClean="0"/>
-              <a:t>No</a:t>
+              <a:t>assign </a:t>
             </a:r>
             <a:r>
               <a:rPr lang="en-US" altLang="zh-CN" dirty="0"/>
-              <a:t> breakdown of the work</a:t>
-            </a:r>
-            <a:endParaRPr lang="en-US" altLang="zh-CN" dirty="0" smtClean="0"/>
-          </a:p>
-          <a:p>
+              <a:t>upcoming </a:t>
+            </a:r>
             <a:r>
               <a:rPr lang="en-US" altLang="zh-CN" dirty="0" smtClean="0"/>
-              <a:t>Cooperate closely</a:t>
+              <a:t>shipments	</a:t>
             </a:r>
           </a:p>
           <a:p>
             <a:r>
               <a:rPr lang="en-US" altLang="zh-CN" dirty="0" smtClean="0"/>
-              <a:t>Discuss and Find out solution</a:t>
-            </a:r>
-            <a:endParaRPr lang="zh-CN" altLang="en-US" dirty="0"/>
+              <a:t>Record </a:t>
+            </a:r>
+            <a:r>
+              <a:rPr lang="en-US" altLang="zh-CN" dirty="0"/>
+              <a:t>outgoing shipment </a:t>
+            </a:r>
+            <a:r>
+              <a:rPr lang="en-US" altLang="zh-CN" dirty="0" smtClean="0"/>
+              <a:t>information</a:t>
+            </a:r>
+          </a:p>
+          <a:p>
+            <a:r>
+              <a:rPr lang="en-US" altLang="zh-CN" dirty="0"/>
+              <a:t>Track pallet contents </a:t>
+            </a:r>
+          </a:p>
+          <a:p>
+            <a:endParaRPr lang="en-US" altLang="zh-CN" dirty="0"/>
+          </a:p>
+        </p:txBody>
+      </p:sp>
+      <p:sp>
+        <p:nvSpPr>
+          <p:cNvPr id="4" name="TextBox 3"/>
+          <p:cNvSpPr txBox="1"/>
+          <p:nvPr/>
+        </p:nvSpPr>
+        <p:spPr>
+          <a:xfrm>
+            <a:off x="907615" y="3501008"/>
+            <a:ext cx="7549571" cy="2062103"/>
+          </a:xfrm>
+          <a:prstGeom prst="rect">
+            <a:avLst/>
+          </a:prstGeom>
+          <a:noFill/>
+        </p:spPr>
+        <p:txBody>
+          <a:bodyPr wrap="square" rtlCol="0">
+            <a:spAutoFit/>
+          </a:bodyPr>
+          <a:lstStyle/>
+          <a:p>
+            <a:pPr marL="457200" indent="-457200">
+              <a:buFont typeface="Arial" pitchFamily="34" charset="0"/>
+              <a:buChar char="•"/>
+            </a:pPr>
+            <a:r>
+              <a:rPr lang="en-US" altLang="zh-CN" sz="3200" dirty="0"/>
+              <a:t>Input information for incoming products </a:t>
+            </a:r>
+            <a:endParaRPr lang="en-US" altLang="zh-CN" sz="3200" dirty="0" smtClean="0"/>
+          </a:p>
+          <a:p>
+            <a:pPr marL="457200" indent="-457200">
+              <a:buFont typeface="Arial" pitchFamily="34" charset="0"/>
+              <a:buChar char="•"/>
+            </a:pPr>
+            <a:r>
+              <a:rPr lang="en-US" altLang="zh-CN" sz="3200" dirty="0" smtClean="0"/>
+              <a:t>Check </a:t>
+            </a:r>
+            <a:r>
+              <a:rPr lang="en-US" altLang="zh-CN" sz="3200" dirty="0"/>
+              <a:t>warehouse capacity 	</a:t>
+            </a:r>
+          </a:p>
+          <a:p>
+            <a:pPr marL="457200" indent="-457200">
+              <a:buFont typeface="Arial" pitchFamily="34" charset="0"/>
+              <a:buChar char="•"/>
+            </a:pPr>
+            <a:r>
+              <a:rPr lang="en-US" altLang="zh-CN" sz="3200" dirty="0" smtClean="0"/>
+              <a:t>Check </a:t>
+            </a:r>
+            <a:r>
+              <a:rPr lang="en-US" altLang="zh-CN" sz="3200" dirty="0"/>
+              <a:t>shipments to be shipped to create space 	</a:t>
+            </a:r>
           </a:p>
         </p:txBody>
       </p:sp>
     </p:spTree>
     <p:extLst>
       <p:ext uri="{BB962C8B-B14F-4D97-AF65-F5344CB8AC3E}">
-        <p14:creationId xmlns:p14="http://schemas.microsoft.com/office/powerpoint/2010/main" xmlns="" val="1440489434"/>
+        <p14:creationId xmlns:p14="http://schemas.microsoft.com/office/powerpoint/2010/main" xmlns="" val="3957772106"/>
       </p:ext>
     </p:extLst>
   </p:cSld>

--- a/docs/presentation-proposal/group02-proposalPresentation-warehouse.pptx
+++ b/docs/presentation-proposal/group02-proposalPresentation-warehouse.pptx
@@ -2,10 +2,10 @@
 <file path=ppt/presentation.xml><?xml version="1.0" encoding="utf-8"?>
 <p:presentation xmlns:a="http://schemas.openxmlformats.org/drawingml/2006/main" xmlns:r="http://schemas.openxmlformats.org/officeDocument/2006/relationships" xmlns:p="http://schemas.openxmlformats.org/presentationml/2006/main" saveSubsetFonts="1">
   <p:sldMasterIdLst>
-    <p:sldMasterId id="2147483660" r:id="rId1"/>
+    <p:sldMasterId id="2147483732" r:id="rId1"/>
   </p:sldMasterIdLst>
   <p:notesMasterIdLst>
-    <p:notesMasterId r:id="rId15"/>
+    <p:notesMasterId r:id="rId13"/>
   </p:notesMasterIdLst>
   <p:sldIdLst>
     <p:sldId id="256" r:id="rId2"/>
@@ -13,14 +13,12 @@
     <p:sldId id="266" r:id="rId4"/>
     <p:sldId id="267" r:id="rId5"/>
     <p:sldId id="259" r:id="rId6"/>
-    <p:sldId id="268" r:id="rId7"/>
-    <p:sldId id="269" r:id="rId8"/>
+    <p:sldId id="270" r:id="rId7"/>
+    <p:sldId id="271" r:id="rId8"/>
     <p:sldId id="261" r:id="rId9"/>
-    <p:sldId id="263" r:id="rId10"/>
-    <p:sldId id="264" r:id="rId11"/>
-    <p:sldId id="265" r:id="rId12"/>
-    <p:sldId id="257" r:id="rId13"/>
-    <p:sldId id="258" r:id="rId14"/>
+    <p:sldId id="272" r:id="rId10"/>
+    <p:sldId id="257" r:id="rId11"/>
+    <p:sldId id="274" r:id="rId12"/>
   </p:sldIdLst>
   <p:sldSz cx="9144000" cy="6858000" type="screen4x3"/>
   <p:notesSz cx="6858000" cy="9144000"/>
@@ -204,7 +202,8 @@
           <a:p>
             <a:fld id="{CB511BAD-4069-4735-B597-50D65E1DCD13}" type="datetimeFigureOut">
               <a:rPr lang="en-US" smtClean="0"/>
-              <a:t>10/4/2013</a:t>
+              <a:pPr/>
+              <a:t>10/7/2013</a:t>
             </a:fld>
             <a:endParaRPr lang="en-US"/>
           </a:p>
@@ -365,6 +364,7 @@
           <a:p>
             <a:fld id="{CC6A8E79-C43C-4BE9-815B-BB8A78C8DF5A}" type="slidenum">
               <a:rPr lang="en-US" smtClean="0"/>
+              <a:pPr/>
               <a:t>‹#›</a:t>
             </a:fld>
             <a:endParaRPr lang="en-US"/>
@@ -372,6 +372,11 @@
         </p:txBody>
       </p:sp>
     </p:spTree>
+    <p:extLst>
+      <p:ext uri="{BB962C8B-B14F-4D97-AF65-F5344CB8AC3E}">
+        <p14:creationId xmlns="" xmlns:p14="http://schemas.microsoft.com/office/powerpoint/2010/main" val="2354437794"/>
+      </p:ext>
+    </p:extLst>
   </p:cSld>
   <p:clrMap bg1="lt1" tx1="dk1" bg2="lt2" tx2="dk2" accent1="accent1" accent2="accent2" accent3="accent3" accent4="accent4" accent5="accent5" accent6="accent6" hlink="hlink" folHlink="folHlink"/>
   <p:notesStyle>
@@ -536,6 +541,7 @@
           <a:p>
             <a:fld id="{CC6A8E79-C43C-4BE9-815B-BB8A78C8DF5A}" type="slidenum">
               <a:rPr lang="en-US" smtClean="0"/>
+              <a:pPr/>
               <a:t>5</a:t>
             </a:fld>
             <a:endParaRPr lang="en-US"/>
@@ -543,176 +549,6 @@
         </p:txBody>
       </p:sp>
     </p:spTree>
-  </p:cSld>
-  <p:clrMapOvr>
-    <a:masterClrMapping/>
-  </p:clrMapOvr>
-</p:notes>
-</file>
-
-<file path=ppt/notesSlides/notesSlide2.xml><?xml version="1.0" encoding="utf-8"?>
-<p:notes xmlns:a="http://schemas.openxmlformats.org/drawingml/2006/main" xmlns:r="http://schemas.openxmlformats.org/officeDocument/2006/relationships" xmlns:p="http://schemas.openxmlformats.org/presentationml/2006/main">
-  <p:cSld>
-    <p:spTree>
-      <p:nvGrpSpPr>
-        <p:cNvPr id="1" name=""/>
-        <p:cNvGrpSpPr/>
-        <p:nvPr/>
-      </p:nvGrpSpPr>
-      <p:grpSpPr>
-        <a:xfrm>
-          <a:off x="0" y="0"/>
-          <a:ext cx="0" cy="0"/>
-          <a:chOff x="0" y="0"/>
-          <a:chExt cx="0" cy="0"/>
-        </a:xfrm>
-      </p:grpSpPr>
-      <p:sp>
-        <p:nvSpPr>
-          <p:cNvPr id="2" name="Slide Image Placeholder 1"/>
-          <p:cNvSpPr>
-            <a:spLocks noGrp="1" noRot="1" noChangeAspect="1"/>
-          </p:cNvSpPr>
-          <p:nvPr>
-            <p:ph type="sldImg"/>
-          </p:nvPr>
-        </p:nvSpPr>
-        <p:spPr/>
-      </p:sp>
-      <p:sp>
-        <p:nvSpPr>
-          <p:cNvPr id="3" name="Notes Placeholder 2"/>
-          <p:cNvSpPr>
-            <a:spLocks noGrp="1"/>
-          </p:cNvSpPr>
-          <p:nvPr>
-            <p:ph type="body" idx="1"/>
-          </p:nvPr>
-        </p:nvSpPr>
-        <p:spPr/>
-        <p:txBody>
-          <a:bodyPr/>
-          <a:lstStyle/>
-          <a:p>
-            <a:endParaRPr lang="en-CA" dirty="0"/>
-          </a:p>
-        </p:txBody>
-      </p:sp>
-      <p:sp>
-        <p:nvSpPr>
-          <p:cNvPr id="4" name="Slide Number Placeholder 3"/>
-          <p:cNvSpPr>
-            <a:spLocks noGrp="1"/>
-          </p:cNvSpPr>
-          <p:nvPr>
-            <p:ph type="sldNum" sz="quarter" idx="10"/>
-          </p:nvPr>
-        </p:nvSpPr>
-        <p:spPr/>
-        <p:txBody>
-          <a:bodyPr/>
-          <a:lstStyle/>
-          <a:p>
-            <a:fld id="{A65087DF-A252-433C-A54F-35F1BAC6DEB9}" type="slidenum">
-              <a:rPr lang="en-CA" smtClean="0"/>
-              <a:pPr/>
-              <a:t>6</a:t>
-            </a:fld>
-            <a:endParaRPr lang="en-CA"/>
-          </a:p>
-        </p:txBody>
-      </p:sp>
-    </p:spTree>
-    <p:extLst>
-      <p:ext uri="{BB962C8B-B14F-4D97-AF65-F5344CB8AC3E}">
-        <p14:creationId xmlns:p14="http://schemas.microsoft.com/office/powerpoint/2010/main" xmlns="" val="3316710920"/>
-      </p:ext>
-    </p:extLst>
-  </p:cSld>
-  <p:clrMapOvr>
-    <a:masterClrMapping/>
-  </p:clrMapOvr>
-</p:notes>
-</file>
-
-<file path=ppt/notesSlides/notesSlide3.xml><?xml version="1.0" encoding="utf-8"?>
-<p:notes xmlns:a="http://schemas.openxmlformats.org/drawingml/2006/main" xmlns:r="http://schemas.openxmlformats.org/officeDocument/2006/relationships" xmlns:p="http://schemas.openxmlformats.org/presentationml/2006/main">
-  <p:cSld>
-    <p:spTree>
-      <p:nvGrpSpPr>
-        <p:cNvPr id="1" name=""/>
-        <p:cNvGrpSpPr/>
-        <p:nvPr/>
-      </p:nvGrpSpPr>
-      <p:grpSpPr>
-        <a:xfrm>
-          <a:off x="0" y="0"/>
-          <a:ext cx="0" cy="0"/>
-          <a:chOff x="0" y="0"/>
-          <a:chExt cx="0" cy="0"/>
-        </a:xfrm>
-      </p:grpSpPr>
-      <p:sp>
-        <p:nvSpPr>
-          <p:cNvPr id="2" name="Slide Image Placeholder 1"/>
-          <p:cNvSpPr>
-            <a:spLocks noGrp="1" noRot="1" noChangeAspect="1"/>
-          </p:cNvSpPr>
-          <p:nvPr>
-            <p:ph type="sldImg"/>
-          </p:nvPr>
-        </p:nvSpPr>
-        <p:spPr/>
-      </p:sp>
-      <p:sp>
-        <p:nvSpPr>
-          <p:cNvPr id="3" name="Notes Placeholder 2"/>
-          <p:cNvSpPr>
-            <a:spLocks noGrp="1"/>
-          </p:cNvSpPr>
-          <p:nvPr>
-            <p:ph type="body" idx="1"/>
-          </p:nvPr>
-        </p:nvSpPr>
-        <p:spPr/>
-        <p:txBody>
-          <a:bodyPr/>
-          <a:lstStyle/>
-          <a:p>
-            <a:endParaRPr lang="en-CA" dirty="0"/>
-          </a:p>
-        </p:txBody>
-      </p:sp>
-      <p:sp>
-        <p:nvSpPr>
-          <p:cNvPr id="4" name="Slide Number Placeholder 3"/>
-          <p:cNvSpPr>
-            <a:spLocks noGrp="1"/>
-          </p:cNvSpPr>
-          <p:nvPr>
-            <p:ph type="sldNum" sz="quarter" idx="10"/>
-          </p:nvPr>
-        </p:nvSpPr>
-        <p:spPr/>
-        <p:txBody>
-          <a:bodyPr/>
-          <a:lstStyle/>
-          <a:p>
-            <a:fld id="{A65087DF-A252-433C-A54F-35F1BAC6DEB9}" type="slidenum">
-              <a:rPr lang="en-CA" smtClean="0"/>
-              <a:pPr/>
-              <a:t>7</a:t>
-            </a:fld>
-            <a:endParaRPr lang="en-CA"/>
-          </a:p>
-        </p:txBody>
-      </p:sp>
-    </p:spTree>
-    <p:extLst>
-      <p:ext uri="{BB962C8B-B14F-4D97-AF65-F5344CB8AC3E}">
-        <p14:creationId xmlns:p14="http://schemas.microsoft.com/office/powerpoint/2010/main" xmlns="" val="1146942259"/>
-      </p:ext>
-    </p:extLst>
   </p:cSld>
   <p:clrMapOvr>
     <a:masterClrMapping/>
@@ -863,7 +699,8 @@
           <a:p>
             <a:fld id="{73CC2D5F-2818-49F9-8B93-5B29C12AB2A0}" type="datetimeFigureOut">
               <a:rPr lang="en-US" smtClean="0"/>
-              <a:t>10/4/2013</a:t>
+              <a:pPr/>
+              <a:t>10/7/2013</a:t>
             </a:fld>
             <a:endParaRPr lang="en-US"/>
           </a:p>
@@ -915,6 +752,7 @@
           <a:p>
             <a:fld id="{9C88D894-CD59-4A3A-96CE-672184F17681}" type="slidenum">
               <a:rPr lang="en-US" smtClean="0"/>
+              <a:pPr/>
               <a:t>‹#›</a:t>
             </a:fld>
             <a:endParaRPr lang="en-US"/>
@@ -1222,7 +1060,8 @@
           <a:p>
             <a:fld id="{73CC2D5F-2818-49F9-8B93-5B29C12AB2A0}" type="datetimeFigureOut">
               <a:rPr lang="en-US" smtClean="0"/>
-              <a:t>10/4/2013</a:t>
+              <a:pPr/>
+              <a:t>10/7/2013</a:t>
             </a:fld>
             <a:endParaRPr lang="en-US"/>
           </a:p>
@@ -1264,6 +1103,7 @@
           <a:p>
             <a:fld id="{9C88D894-CD59-4A3A-96CE-672184F17681}" type="slidenum">
               <a:rPr lang="en-US" smtClean="0"/>
+              <a:pPr/>
               <a:t>‹#›</a:t>
             </a:fld>
             <a:endParaRPr lang="en-US"/>
@@ -1397,7 +1237,8 @@
           <a:p>
             <a:fld id="{73CC2D5F-2818-49F9-8B93-5B29C12AB2A0}" type="datetimeFigureOut">
               <a:rPr lang="en-US" smtClean="0"/>
-              <a:t>10/4/2013</a:t>
+              <a:pPr/>
+              <a:t>10/7/2013</a:t>
             </a:fld>
             <a:endParaRPr lang="en-US"/>
           </a:p>
@@ -1439,6 +1280,7 @@
           <a:p>
             <a:fld id="{9C88D894-CD59-4A3A-96CE-672184F17681}" type="slidenum">
               <a:rPr lang="en-US" smtClean="0"/>
+              <a:pPr/>
               <a:t>‹#›</a:t>
             </a:fld>
             <a:endParaRPr lang="en-US"/>
@@ -1632,7 +1474,8 @@
           <a:p>
             <a:fld id="{73CC2D5F-2818-49F9-8B93-5B29C12AB2A0}" type="datetimeFigureOut">
               <a:rPr lang="en-US" smtClean="0"/>
-              <a:t>10/4/2013</a:t>
+              <a:pPr/>
+              <a:t>10/7/2013</a:t>
             </a:fld>
             <a:endParaRPr lang="en-US"/>
           </a:p>
@@ -1674,6 +1517,7 @@
           <a:p>
             <a:fld id="{9C88D894-CD59-4A3A-96CE-672184F17681}" type="slidenum">
               <a:rPr lang="en-US" smtClean="0"/>
+              <a:pPr/>
               <a:t>‹#›</a:t>
             </a:fld>
             <a:endParaRPr lang="en-US"/>
@@ -1901,7 +1745,8 @@
           <a:p>
             <a:fld id="{73CC2D5F-2818-49F9-8B93-5B29C12AB2A0}" type="datetimeFigureOut">
               <a:rPr lang="en-US" smtClean="0"/>
-              <a:t>10/4/2013</a:t>
+              <a:pPr/>
+              <a:t>10/7/2013</a:t>
             </a:fld>
             <a:endParaRPr lang="en-US"/>
           </a:p>
@@ -1953,6 +1798,7 @@
           <a:p>
             <a:fld id="{9C88D894-CD59-4A3A-96CE-672184F17681}" type="slidenum">
               <a:rPr lang="en-US" smtClean="0"/>
+              <a:pPr/>
               <a:t>‹#›</a:t>
             </a:fld>
             <a:endParaRPr lang="en-US"/>
@@ -2121,7 +1967,8 @@
           <a:p>
             <a:fld id="{73CC2D5F-2818-49F9-8B93-5B29C12AB2A0}" type="datetimeFigureOut">
               <a:rPr lang="en-US" smtClean="0"/>
-              <a:t>10/4/2013</a:t>
+              <a:pPr/>
+              <a:t>10/7/2013</a:t>
             </a:fld>
             <a:endParaRPr lang="en-US"/>
           </a:p>
@@ -2163,6 +2010,7 @@
           <a:p>
             <a:fld id="{9C88D894-CD59-4A3A-96CE-672184F17681}" type="slidenum">
               <a:rPr lang="en-US" smtClean="0"/>
+              <a:pPr/>
               <a:t>‹#›</a:t>
             </a:fld>
             <a:endParaRPr lang="en-US"/>
@@ -2473,7 +2321,8 @@
           <a:p>
             <a:fld id="{73CC2D5F-2818-49F9-8B93-5B29C12AB2A0}" type="datetimeFigureOut">
               <a:rPr lang="en-US" smtClean="0"/>
-              <a:t>10/4/2013</a:t>
+              <a:pPr/>
+              <a:t>10/7/2013</a:t>
             </a:fld>
             <a:endParaRPr lang="en-US"/>
           </a:p>
@@ -2515,6 +2364,7 @@
           <a:p>
             <a:fld id="{9C88D894-CD59-4A3A-96CE-672184F17681}" type="slidenum">
               <a:rPr lang="en-US" smtClean="0"/>
+              <a:pPr/>
               <a:t>‹#›</a:t>
             </a:fld>
             <a:endParaRPr lang="en-US"/>
@@ -2705,7 +2555,8 @@
           <a:p>
             <a:fld id="{73CC2D5F-2818-49F9-8B93-5B29C12AB2A0}" type="datetimeFigureOut">
               <a:rPr lang="en-US" smtClean="0"/>
-              <a:t>10/4/2013</a:t>
+              <a:pPr/>
+              <a:t>10/7/2013</a:t>
             </a:fld>
             <a:endParaRPr lang="en-US"/>
           </a:p>
@@ -2747,6 +2598,7 @@
           <a:p>
             <a:fld id="{9C88D894-CD59-4A3A-96CE-672184F17681}" type="slidenum">
               <a:rPr lang="en-US" smtClean="0"/>
+              <a:pPr/>
               <a:t>‹#›</a:t>
             </a:fld>
             <a:endParaRPr lang="en-US"/>
@@ -2845,7 +2697,8 @@
           <a:p>
             <a:fld id="{73CC2D5F-2818-49F9-8B93-5B29C12AB2A0}" type="datetimeFigureOut">
               <a:rPr lang="en-US" smtClean="0"/>
-              <a:t>10/4/2013</a:t>
+              <a:pPr/>
+              <a:t>10/7/2013</a:t>
             </a:fld>
             <a:endParaRPr lang="en-US"/>
           </a:p>
@@ -2887,6 +2740,7 @@
           <a:p>
             <a:fld id="{9C88D894-CD59-4A3A-96CE-672184F17681}" type="slidenum">
               <a:rPr lang="en-US" smtClean="0"/>
+              <a:pPr/>
               <a:t>‹#›</a:t>
             </a:fld>
             <a:endParaRPr lang="en-US"/>
@@ -3122,7 +2976,8 @@
           <a:p>
             <a:fld id="{73CC2D5F-2818-49F9-8B93-5B29C12AB2A0}" type="datetimeFigureOut">
               <a:rPr lang="en-US" smtClean="0"/>
-              <a:t>10/4/2013</a:t>
+              <a:pPr/>
+              <a:t>10/7/2013</a:t>
             </a:fld>
             <a:endParaRPr lang="en-US"/>
           </a:p>
@@ -3164,6 +3019,7 @@
           <a:p>
             <a:fld id="{9C88D894-CD59-4A3A-96CE-672184F17681}" type="slidenum">
               <a:rPr lang="en-US" smtClean="0"/>
+              <a:pPr/>
               <a:t>‹#›</a:t>
             </a:fld>
             <a:endParaRPr lang="en-US"/>
@@ -3529,7 +3385,8 @@
           <a:p>
             <a:fld id="{73CC2D5F-2818-49F9-8B93-5B29C12AB2A0}" type="datetimeFigureOut">
               <a:rPr lang="en-US" smtClean="0"/>
-              <a:t>10/4/2013</a:t>
+              <a:pPr/>
+              <a:t>10/7/2013</a:t>
             </a:fld>
             <a:endParaRPr lang="en-US"/>
           </a:p>
@@ -3571,6 +3428,7 @@
           <a:p>
             <a:fld id="{9C88D894-CD59-4A3A-96CE-672184F17681}" type="slidenum">
               <a:rPr lang="en-US" smtClean="0"/>
+              <a:pPr/>
               <a:t>‹#›</a:t>
             </a:fld>
             <a:endParaRPr lang="en-US"/>
@@ -3867,7 +3725,8 @@
           <a:p>
             <a:fld id="{73CC2D5F-2818-49F9-8B93-5B29C12AB2A0}" type="datetimeFigureOut">
               <a:rPr lang="en-US" smtClean="0"/>
-              <a:t>10/4/2013</a:t>
+              <a:pPr/>
+              <a:t>10/7/2013</a:t>
             </a:fld>
             <a:endParaRPr lang="en-US"/>
           </a:p>
@@ -3941,6 +3800,7 @@
           <a:p>
             <a:fld id="{9C88D894-CD59-4A3A-96CE-672184F17681}" type="slidenum">
               <a:rPr lang="en-US" smtClean="0"/>
+              <a:pPr/>
               <a:t>‹#›</a:t>
             </a:fld>
             <a:endParaRPr lang="en-US"/>
@@ -4073,17 +3933,17 @@
   </p:cSld>
   <p:clrMap bg1="lt1" tx1="dk1" bg2="lt2" tx2="dk2" accent1="accent1" accent2="accent2" accent3="accent3" accent4="accent4" accent5="accent5" accent6="accent6" hlink="hlink" folHlink="folHlink"/>
   <p:sldLayoutIdLst>
-    <p:sldLayoutId id="2147483661" r:id="rId1"/>
-    <p:sldLayoutId id="2147483662" r:id="rId2"/>
-    <p:sldLayoutId id="2147483663" r:id="rId3"/>
-    <p:sldLayoutId id="2147483664" r:id="rId4"/>
-    <p:sldLayoutId id="2147483665" r:id="rId5"/>
-    <p:sldLayoutId id="2147483666" r:id="rId6"/>
-    <p:sldLayoutId id="2147483667" r:id="rId7"/>
-    <p:sldLayoutId id="2147483668" r:id="rId8"/>
-    <p:sldLayoutId id="2147483669" r:id="rId9"/>
-    <p:sldLayoutId id="2147483670" r:id="rId10"/>
-    <p:sldLayoutId id="2147483671" r:id="rId11"/>
+    <p:sldLayoutId id="2147483733" r:id="rId1"/>
+    <p:sldLayoutId id="2147483734" r:id="rId2"/>
+    <p:sldLayoutId id="2147483735" r:id="rId3"/>
+    <p:sldLayoutId id="2147483736" r:id="rId4"/>
+    <p:sldLayoutId id="2147483737" r:id="rId5"/>
+    <p:sldLayoutId id="2147483738" r:id="rId6"/>
+    <p:sldLayoutId id="2147483739" r:id="rId7"/>
+    <p:sldLayoutId id="2147483740" r:id="rId8"/>
+    <p:sldLayoutId id="2147483741" r:id="rId9"/>
+    <p:sldLayoutId id="2147483742" r:id="rId10"/>
+    <p:sldLayoutId id="2147483743" r:id="rId11"/>
   </p:sldLayoutIdLst>
   <p:txStyles>
     <p:titleStyle>
@@ -4415,7 +4275,9 @@
           </a:xfrm>
         </p:spPr>
         <p:txBody>
-          <a:bodyPr/>
+          <a:bodyPr>
+            <a:normAutofit/>
+          </a:bodyPr>
           <a:lstStyle/>
           <a:p>
             <a:r>
@@ -4436,20 +4298,197 @@
             <p:ph type="subTitle" idx="1"/>
           </p:nvPr>
         </p:nvSpPr>
-        <p:spPr/>
+        <p:spPr>
+          <a:xfrm>
+            <a:off x="1219200" y="5029200"/>
+            <a:ext cx="6858000" cy="762000"/>
+          </a:xfrm>
+        </p:spPr>
         <p:txBody>
-          <a:bodyPr/>
+          <a:bodyPr>
+            <a:normAutofit lnSpcReduction="10000"/>
+          </a:bodyPr>
           <a:lstStyle/>
           <a:p>
-            <a:endParaRPr lang="en-US"/>
+            <a:pPr algn="ctr"/>
+            <a:r>
+              <a:rPr lang="en-US" dirty="0" err="1" smtClean="0"/>
+              <a:t>Xingze</a:t>
+            </a:r>
+            <a:r>
+              <a:rPr lang="en-US" dirty="0" smtClean="0"/>
+              <a:t> </a:t>
+            </a:r>
+            <a:r>
+              <a:rPr lang="en-US" dirty="0" err="1" smtClean="0"/>
+              <a:t>Guo</a:t>
+            </a:r>
+            <a:r>
+              <a:rPr lang="en-US" dirty="0" smtClean="0"/>
+              <a:t>	</a:t>
+            </a:r>
+            <a:r>
+              <a:rPr lang="en-US" dirty="0" err="1" smtClean="0"/>
+              <a:t>Rongli</a:t>
+            </a:r>
+            <a:r>
+              <a:rPr lang="en-US" dirty="0" smtClean="0"/>
+              <a:t> Han	</a:t>
+            </a:r>
+            <a:r>
+              <a:rPr lang="en-US" dirty="0" err="1" smtClean="0"/>
+              <a:t>Xianming</a:t>
+            </a:r>
+            <a:r>
+              <a:rPr lang="en-US" dirty="0" smtClean="0"/>
+              <a:t> </a:t>
+            </a:r>
+            <a:r>
+              <a:rPr lang="en-US" dirty="0" err="1" smtClean="0"/>
+              <a:t>Luo</a:t>
+            </a:r>
+            <a:endParaRPr lang="en-US" dirty="0" smtClean="0"/>
+          </a:p>
+          <a:p>
+            <a:pPr algn="ctr"/>
+            <a:r>
+              <a:rPr lang="en-US" dirty="0" smtClean="0"/>
+              <a:t>Spencer </a:t>
+            </a:r>
+            <a:r>
+              <a:rPr lang="en-US" dirty="0" err="1" smtClean="0"/>
+              <a:t>Ondrusek</a:t>
+            </a:r>
+            <a:r>
+              <a:rPr lang="en-US" dirty="0" smtClean="0"/>
+              <a:t>	Matt </a:t>
+            </a:r>
+            <a:r>
+              <a:rPr lang="en-US" dirty="0" err="1" smtClean="0"/>
+              <a:t>Triff</a:t>
+            </a:r>
+            <a:endParaRPr lang="en-US" dirty="0" smtClean="0"/>
+          </a:p>
+          <a:p>
+            <a:pPr algn="ctr"/>
+            <a:endParaRPr lang="en-US" dirty="0"/>
           </a:p>
         </p:txBody>
       </p:sp>
+      <p:sp>
+        <p:nvSpPr>
+          <p:cNvPr id="4" name="Subtitle 2"/>
+          <p:cNvSpPr txBox="1">
+            <a:spLocks/>
+          </p:cNvSpPr>
+          <p:nvPr/>
+        </p:nvSpPr>
+        <p:spPr>
+          <a:xfrm>
+            <a:off x="4953000" y="4343400"/>
+            <a:ext cx="3124200" cy="533400"/>
+          </a:xfrm>
+          <a:prstGeom prst="rect">
+            <a:avLst/>
+          </a:prstGeom>
+        </p:spPr>
+        <p:txBody>
+          <a:bodyPr vert="horz">
+            <a:normAutofit/>
+          </a:bodyPr>
+          <a:lstStyle/>
+          <a:p>
+            <a:pPr marL="0" marR="0" lvl="0" indent="0" algn="r" defTabSz="914400" rtl="0" eaLnBrk="1" fontAlgn="auto" latinLnBrk="0" hangingPunct="1">
+              <a:lnSpc>
+                <a:spcPct val="100000"/>
+              </a:lnSpc>
+              <a:spcBef>
+                <a:spcPts val="600"/>
+              </a:spcBef>
+              <a:spcAft>
+                <a:spcPts val="0"/>
+              </a:spcAft>
+              <a:buClr>
+                <a:schemeClr val="accent1"/>
+              </a:buClr>
+              <a:buSzPct val="76000"/>
+              <a:buFont typeface="Wingdings 3"/>
+              <a:buNone/>
+              <a:tabLst/>
+              <a:defRPr/>
+            </a:pPr>
+            <a:r>
+              <a:rPr kumimoji="0" lang="en-US" sz="2000" b="0" i="0" u="none" strike="noStrike" kern="1200" cap="none" spc="0" normalizeH="0" baseline="0" noProof="0" dirty="0" smtClean="0">
+                <a:ln>
+                  <a:noFill/>
+                </a:ln>
+                <a:solidFill>
+                  <a:schemeClr val="tx2"/>
+                </a:solidFill>
+                <a:effectLst/>
+                <a:uLnTx/>
+                <a:uFillTx/>
+                <a:latin typeface="+mj-lt"/>
+                <a:ea typeface="+mj-ea"/>
+                <a:cs typeface="+mj-cs"/>
+              </a:rPr>
+              <a:t>Group 2</a:t>
+            </a:r>
+            <a:endParaRPr kumimoji="0" lang="en-US" sz="2000" b="0" i="0" u="none" strike="noStrike" kern="1200" cap="none" spc="0" normalizeH="0" baseline="0" noProof="0" dirty="0">
+              <a:ln>
+                <a:noFill/>
+              </a:ln>
+              <a:solidFill>
+                <a:schemeClr val="tx2"/>
+              </a:solidFill>
+              <a:effectLst/>
+              <a:uLnTx/>
+              <a:uFillTx/>
+              <a:latin typeface="+mj-lt"/>
+              <a:ea typeface="+mj-ea"/>
+              <a:cs typeface="+mj-cs"/>
+            </a:endParaRPr>
+          </a:p>
+        </p:txBody>
+      </p:sp>
+      <p:pic>
+        <p:nvPicPr>
+          <p:cNvPr id="1026" name="Picture 2" descr="C:\Users\Matt\AppData\Local\Microsoft\Windows\Temporary Internet Files\Content.IE5\EZ6K964Y\MC900318300[1].wmf"/>
+          <p:cNvPicPr>
+            <a:picLocks noChangeAspect="1" noChangeArrowheads="1"/>
+          </p:cNvPicPr>
+          <p:nvPr/>
+        </p:nvPicPr>
+        <p:blipFill>
+          <a:blip r:embed="rId2" cstate="print"/>
+          <a:srcRect/>
+          <a:stretch>
+            <a:fillRect/>
+          </a:stretch>
+        </p:blipFill>
+        <p:spPr bwMode="auto">
+          <a:xfrm>
+            <a:off x="1981200" y="228600"/>
+            <a:ext cx="5105400" cy="3222176"/>
+          </a:xfrm>
+          <a:prstGeom prst="rect">
+            <a:avLst/>
+          </a:prstGeom>
+          <a:noFill/>
+        </p:spPr>
+      </p:pic>
     </p:spTree>
   </p:cSld>
   <p:clrMapOvr>
     <a:masterClrMapping/>
   </p:clrMapOvr>
+  <p:timing>
+    <p:tnLst>
+      <p:par>
+        <p:cTn id="1" dur="indefinite" restart="never" nodeType="tmRoot"/>
+      </p:par>
+    </p:tnLst>
+  </p:timing>
 </p:sld>
 </file>
 
@@ -4472,7 +4511,7 @@
       </p:grpSpPr>
       <p:sp>
         <p:nvSpPr>
-          <p:cNvPr id="2" name="标题 1"/>
+          <p:cNvPr id="2" name="Title 1"/>
           <p:cNvSpPr>
             <a:spLocks noGrp="1"/>
           </p:cNvSpPr>
@@ -4486,29 +4525,24 @@
           <a:lstStyle/>
           <a:p>
             <a:r>
-              <a:rPr lang="en-US" altLang="zh-CN" dirty="0" smtClean="0"/>
-              <a:t>Manager</a:t>
-            </a:r>
-            <a:endParaRPr lang="zh-CN" altLang="en-US" dirty="0"/>
+              <a:rPr lang="en-US" dirty="0" smtClean="0"/>
+              <a:t>Project Tools</a:t>
+            </a:r>
+            <a:endParaRPr lang="en-US" dirty="0"/>
           </a:p>
         </p:txBody>
       </p:sp>
       <p:sp>
         <p:nvSpPr>
-          <p:cNvPr id="3" name="内容占位符 2"/>
+          <p:cNvPr id="3" name="Content Placeholder 2"/>
           <p:cNvSpPr>
             <a:spLocks noGrp="1"/>
           </p:cNvSpPr>
           <p:nvPr>
-            <p:ph idx="1"/>
+            <p:ph sz="quarter" idx="1"/>
           </p:nvPr>
         </p:nvSpPr>
-        <p:spPr>
-          <a:xfrm>
-            <a:off x="971600" y="2132856"/>
-            <a:ext cx="7879162" cy="2764903"/>
-          </a:xfrm>
-        </p:spPr>
+        <p:spPr/>
         <p:txBody>
           <a:bodyPr>
             <a:normAutofit/>
@@ -4516,35 +4550,120 @@
           <a:lstStyle/>
           <a:p>
             <a:r>
-              <a:rPr lang="en-US" altLang="zh-CN" dirty="0" smtClean="0"/>
-              <a:t>It is a management and reporting system</a:t>
-            </a:r>
-          </a:p>
-          <a:p>
-            <a:r>
-              <a:rPr lang="en-US" altLang="zh-CN" dirty="0" smtClean="0"/>
-              <a:t>Product listing, purchase order listing and shipping listing, including basic information about item name, price, and time.</a:t>
-            </a:r>
-          </a:p>
-          <a:p>
-            <a:r>
-              <a:rPr lang="en-US" altLang="zh-CN" dirty="0" smtClean="0"/>
-              <a:t>Statistic report, employee report.</a:t>
-            </a:r>
-            <a:endParaRPr lang="zh-CN" altLang="en-US" dirty="0"/>
+              <a:rPr lang="en-US" sz="3200" dirty="0" smtClean="0"/>
+              <a:t>Software</a:t>
+            </a:r>
+          </a:p>
+          <a:p>
+            <a:pPr lvl="1"/>
+            <a:r>
+              <a:rPr lang="en-US" sz="3200" dirty="0" smtClean="0"/>
+              <a:t>Languages</a:t>
+            </a:r>
+          </a:p>
+          <a:p>
+            <a:pPr lvl="2"/>
+            <a:r>
+              <a:rPr lang="en-US" sz="3200" dirty="0" smtClean="0"/>
+              <a:t>Java</a:t>
+            </a:r>
+          </a:p>
+          <a:p>
+            <a:pPr lvl="2"/>
+            <a:r>
+              <a:rPr lang="en-US" sz="3200" dirty="0" smtClean="0"/>
+              <a:t>SQL</a:t>
+            </a:r>
+          </a:p>
+          <a:p>
+            <a:pPr lvl="2"/>
+            <a:endParaRPr lang="en-US" sz="3200" dirty="0" smtClean="0"/>
+          </a:p>
+          <a:p>
+            <a:pPr lvl="1"/>
+            <a:r>
+              <a:rPr lang="en-US" sz="3200" dirty="0" smtClean="0"/>
+              <a:t>Databases</a:t>
+            </a:r>
+          </a:p>
+          <a:p>
+            <a:pPr lvl="2"/>
+            <a:r>
+              <a:rPr lang="en-US" sz="3200" dirty="0" err="1" smtClean="0"/>
+              <a:t>MySQL</a:t>
+            </a:r>
+            <a:endParaRPr lang="en-US" sz="3200" dirty="0" smtClean="0"/>
+          </a:p>
+          <a:p>
+            <a:pPr lvl="2"/>
+            <a:r>
+              <a:rPr lang="en-US" sz="3200" dirty="0" smtClean="0"/>
+              <a:t>Neo4j</a:t>
+            </a:r>
           </a:p>
         </p:txBody>
       </p:sp>
+      <p:sp>
+        <p:nvSpPr>
+          <p:cNvPr id="4" name="Content Placeholder 3"/>
+          <p:cNvSpPr>
+            <a:spLocks noGrp="1"/>
+          </p:cNvSpPr>
+          <p:nvPr>
+            <p:ph sz="quarter" idx="2"/>
+          </p:nvPr>
+        </p:nvSpPr>
+        <p:spPr/>
+        <p:txBody>
+          <a:bodyPr/>
+          <a:lstStyle/>
+          <a:p>
+            <a:r>
+              <a:rPr lang="en-US" sz="3200" dirty="0" smtClean="0"/>
+              <a:t>Project Management</a:t>
+            </a:r>
+          </a:p>
+          <a:p>
+            <a:pPr lvl="2"/>
+            <a:r>
+              <a:rPr lang="en-US" sz="3200" dirty="0" err="1" smtClean="0"/>
+              <a:t>GitHub</a:t>
+            </a:r>
+            <a:endParaRPr lang="en-US" sz="3200" dirty="0" smtClean="0"/>
+          </a:p>
+          <a:p>
+            <a:pPr lvl="2"/>
+            <a:r>
+              <a:rPr lang="en-US" sz="3200" dirty="0" smtClean="0"/>
+              <a:t>Ant</a:t>
+            </a:r>
+          </a:p>
+          <a:p>
+            <a:pPr lvl="2"/>
+            <a:r>
+              <a:rPr lang="en-US" sz="3200" dirty="0" err="1" smtClean="0"/>
+              <a:t>Doxygen</a:t>
+            </a:r>
+            <a:endParaRPr lang="en-US" sz="3200" dirty="0" smtClean="0"/>
+          </a:p>
+          <a:p>
+            <a:pPr lvl="1"/>
+            <a:endParaRPr lang="en-US" dirty="0"/>
+          </a:p>
+        </p:txBody>
+      </p:sp>
     </p:spTree>
-    <p:extLst>
-      <p:ext uri="{BB962C8B-B14F-4D97-AF65-F5344CB8AC3E}">
-        <p14:creationId xmlns:p14="http://schemas.microsoft.com/office/powerpoint/2010/main" xmlns="" val="1471122107"/>
-      </p:ext>
-    </p:extLst>
   </p:cSld>
   <p:clrMapOvr>
     <a:masterClrMapping/>
   </p:clrMapOvr>
+  <p:timing>
+    <p:tnLst>
+      <p:par>
+        <p:cTn id="1" dur="indefinite" restart="never" nodeType="tmRoot"/>
+      </p:par>
+    </p:tnLst>
+  </p:timing>
 </p:sld>
 </file>
 
@@ -4567,81 +4686,6 @@
       </p:grpSpPr>
       <p:sp>
         <p:nvSpPr>
-          <p:cNvPr id="3" name="内容占位符 2"/>
-          <p:cNvSpPr>
-            <a:spLocks noGrp="1"/>
-          </p:cNvSpPr>
-          <p:nvPr>
-            <p:ph idx="1"/>
-          </p:nvPr>
-        </p:nvSpPr>
-        <p:spPr>
-          <a:xfrm>
-            <a:off x="1331640" y="2060848"/>
-            <a:ext cx="6419056" cy="2692896"/>
-          </a:xfrm>
-        </p:spPr>
-        <p:txBody>
-          <a:bodyPr/>
-          <a:lstStyle/>
-          <a:p>
-            <a:r>
-              <a:rPr lang="en-US" altLang="zh-CN" dirty="0" smtClean="0"/>
-              <a:t>No</a:t>
-            </a:r>
-            <a:r>
-              <a:rPr lang="en-US" altLang="zh-CN" dirty="0"/>
-              <a:t> breakdown of the work</a:t>
-            </a:r>
-            <a:endParaRPr lang="en-US" altLang="zh-CN" dirty="0" smtClean="0"/>
-          </a:p>
-          <a:p>
-            <a:r>
-              <a:rPr lang="en-US" altLang="zh-CN" dirty="0" smtClean="0"/>
-              <a:t>Cooperate closely</a:t>
-            </a:r>
-          </a:p>
-          <a:p>
-            <a:r>
-              <a:rPr lang="en-US" altLang="zh-CN" dirty="0" smtClean="0"/>
-              <a:t>Discuss and Find out solution</a:t>
-            </a:r>
-            <a:endParaRPr lang="zh-CN" altLang="en-US" dirty="0"/>
-          </a:p>
-        </p:txBody>
-      </p:sp>
-    </p:spTree>
-    <p:extLst>
-      <p:ext uri="{BB962C8B-B14F-4D97-AF65-F5344CB8AC3E}">
-        <p14:creationId xmlns:p14="http://schemas.microsoft.com/office/powerpoint/2010/main" xmlns="" val="1440489434"/>
-      </p:ext>
-    </p:extLst>
-  </p:cSld>
-  <p:clrMapOvr>
-    <a:masterClrMapping/>
-  </p:clrMapOvr>
-</p:sld>
-</file>
-
-<file path=ppt/slides/slide12.xml><?xml version="1.0" encoding="utf-8"?>
-<p:sld xmlns:a="http://schemas.openxmlformats.org/drawingml/2006/main" xmlns:r="http://schemas.openxmlformats.org/officeDocument/2006/relationships" xmlns:p="http://schemas.openxmlformats.org/presentationml/2006/main">
-  <p:cSld>
-    <p:spTree>
-      <p:nvGrpSpPr>
-        <p:cNvPr id="1" name=""/>
-        <p:cNvGrpSpPr/>
-        <p:nvPr/>
-      </p:nvGrpSpPr>
-      <p:grpSpPr>
-        <a:xfrm>
-          <a:off x="0" y="0"/>
-          <a:ext cx="0" cy="0"/>
-          <a:chOff x="0" y="0"/>
-          <a:chExt cx="0" cy="0"/>
-        </a:xfrm>
-      </p:grpSpPr>
-      <p:sp>
-        <p:nvSpPr>
           <p:cNvPr id="2" name="Title 1"/>
           <p:cNvSpPr>
             <a:spLocks noGrp="1"/>
@@ -4657,7 +4701,7 @@
           <a:p>
             <a:r>
               <a:rPr lang="en-US" dirty="0" smtClean="0"/>
-              <a:t>Project Tools</a:t>
+              <a:t>Summary	</a:t>
             </a:r>
             <a:endParaRPr lang="en-US" dirty="0"/>
           </a:p>
@@ -4675,193 +4719,38 @@
         </p:nvSpPr>
         <p:spPr/>
         <p:txBody>
-          <a:bodyPr>
-            <a:normAutofit/>
-          </a:bodyPr>
-          <a:lstStyle/>
-          <a:p>
-            <a:r>
-              <a:rPr lang="en-US" sz="3200" dirty="0" smtClean="0"/>
-              <a:t>Software</a:t>
-            </a:r>
-          </a:p>
-          <a:p>
-            <a:pPr lvl="1"/>
-            <a:r>
-              <a:rPr lang="en-US" sz="3200" dirty="0" smtClean="0"/>
-              <a:t>Languages</a:t>
-            </a:r>
-          </a:p>
-          <a:p>
-            <a:pPr lvl="2"/>
-            <a:r>
-              <a:rPr lang="en-US" sz="3200" dirty="0" smtClean="0"/>
-              <a:t>Java</a:t>
-            </a:r>
-          </a:p>
-          <a:p>
-            <a:pPr lvl="2"/>
-            <a:r>
-              <a:rPr lang="en-US" sz="3200" dirty="0" smtClean="0"/>
-              <a:t>SQL</a:t>
-            </a:r>
-          </a:p>
-          <a:p>
-            <a:pPr lvl="2"/>
-            <a:endParaRPr lang="en-US" sz="3200" dirty="0" smtClean="0"/>
-          </a:p>
-          <a:p>
-            <a:pPr lvl="1"/>
-            <a:r>
-              <a:rPr lang="en-US" sz="3200" dirty="0" smtClean="0"/>
-              <a:t>Databases</a:t>
-            </a:r>
-          </a:p>
-          <a:p>
-            <a:pPr lvl="2"/>
-            <a:r>
-              <a:rPr lang="en-US" sz="3200" dirty="0" err="1" smtClean="0"/>
-              <a:t>MySQL</a:t>
-            </a:r>
-            <a:endParaRPr lang="en-US" sz="3200" dirty="0" smtClean="0"/>
-          </a:p>
-          <a:p>
-            <a:pPr lvl="2"/>
-            <a:r>
-              <a:rPr lang="en-US" sz="3200" dirty="0" smtClean="0"/>
-              <a:t>Neo4j</a:t>
-            </a:r>
-          </a:p>
-        </p:txBody>
-      </p:sp>
-      <p:sp>
-        <p:nvSpPr>
-          <p:cNvPr id="4" name="Content Placeholder 3"/>
-          <p:cNvSpPr>
-            <a:spLocks noGrp="1"/>
-          </p:cNvSpPr>
-          <p:nvPr>
-            <p:ph sz="quarter" idx="2"/>
-          </p:nvPr>
-        </p:nvSpPr>
-        <p:spPr/>
-        <p:txBody>
           <a:bodyPr/>
           <a:lstStyle/>
           <a:p>
             <a:r>
-              <a:rPr lang="en-US" sz="3200" dirty="0" smtClean="0"/>
-              <a:t>Project Management</a:t>
-            </a:r>
-          </a:p>
-          <a:p>
-            <a:pPr lvl="2"/>
-            <a:r>
-              <a:rPr lang="en-US" sz="3200" dirty="0" err="1" smtClean="0"/>
-              <a:t>GitHub</a:t>
-            </a:r>
-            <a:endParaRPr lang="en-US" sz="3200" dirty="0" smtClean="0"/>
-          </a:p>
-          <a:p>
-            <a:pPr lvl="2"/>
-            <a:r>
-              <a:rPr lang="en-US" sz="3200" dirty="0" smtClean="0"/>
-              <a:t>Ant</a:t>
-            </a:r>
-          </a:p>
-          <a:p>
-            <a:pPr lvl="2"/>
-            <a:r>
-              <a:rPr lang="en-US" sz="3200" dirty="0" err="1" smtClean="0"/>
-              <a:t>Doxygen</a:t>
-            </a:r>
-            <a:endParaRPr lang="en-US" sz="3200" dirty="0" smtClean="0"/>
-          </a:p>
-          <a:p>
-            <a:pPr lvl="1"/>
+              <a:rPr lang="en-US" dirty="0" smtClean="0"/>
+              <a:t>Increase Stock Handler efficiency</a:t>
+            </a:r>
+          </a:p>
+          <a:p>
+            <a:r>
+              <a:rPr lang="en-US" dirty="0" smtClean="0"/>
+              <a:t>Provide management with the tools to make informed decisions</a:t>
+            </a:r>
+          </a:p>
+          <a:p>
+            <a:r>
+              <a:rPr lang="en-US" dirty="0" smtClean="0"/>
+              <a:t>Increase </a:t>
+            </a:r>
+            <a:r>
+              <a:rPr lang="en-US" dirty="0" smtClean="0"/>
+              <a:t>the overall quality of warehouse </a:t>
+            </a:r>
+            <a:r>
+              <a:rPr lang="en-US" dirty="0" smtClean="0"/>
+              <a:t>service throug</a:t>
+            </a:r>
+            <a:r>
+              <a:rPr lang="en-US" dirty="0" smtClean="0"/>
+              <a:t>h increased accuracy</a:t>
+            </a:r>
             <a:endParaRPr lang="en-US" dirty="0"/>
-          </a:p>
-        </p:txBody>
-      </p:sp>
-    </p:spTree>
-  </p:cSld>
-  <p:clrMapOvr>
-    <a:masterClrMapping/>
-  </p:clrMapOvr>
-</p:sld>
-</file>
-
-<file path=ppt/slides/slide13.xml><?xml version="1.0" encoding="utf-8"?>
-<p:sld xmlns:a="http://schemas.openxmlformats.org/drawingml/2006/main" xmlns:r="http://schemas.openxmlformats.org/officeDocument/2006/relationships" xmlns:p="http://schemas.openxmlformats.org/presentationml/2006/main">
-  <p:cSld>
-    <p:spTree>
-      <p:nvGrpSpPr>
-        <p:cNvPr id="1" name=""/>
-        <p:cNvGrpSpPr/>
-        <p:nvPr/>
-      </p:nvGrpSpPr>
-      <p:grpSpPr>
-        <a:xfrm>
-          <a:off x="0" y="0"/>
-          <a:ext cx="0" cy="0"/>
-          <a:chOff x="0" y="0"/>
-          <a:chExt cx="0" cy="0"/>
-        </a:xfrm>
-      </p:grpSpPr>
-      <p:sp>
-        <p:nvSpPr>
-          <p:cNvPr id="2" name="Title 1"/>
-          <p:cNvSpPr>
-            <a:spLocks noGrp="1"/>
-          </p:cNvSpPr>
-          <p:nvPr>
-            <p:ph type="title"/>
-          </p:nvPr>
-        </p:nvSpPr>
-        <p:spPr/>
-        <p:txBody>
-          <a:bodyPr/>
-          <a:lstStyle/>
-          <a:p>
-            <a:endParaRPr lang="en-US"/>
-          </a:p>
-        </p:txBody>
-      </p:sp>
-      <p:sp>
-        <p:nvSpPr>
-          <p:cNvPr id="3" name="Content Placeholder 2"/>
-          <p:cNvSpPr>
-            <a:spLocks noGrp="1"/>
-          </p:cNvSpPr>
-          <p:nvPr>
-            <p:ph sz="quarter" idx="1"/>
-          </p:nvPr>
-        </p:nvSpPr>
-        <p:spPr/>
-        <p:txBody>
-          <a:bodyPr/>
-          <a:lstStyle/>
-          <a:p>
-            <a:endParaRPr lang="en-US" dirty="0"/>
-          </a:p>
-        </p:txBody>
-      </p:sp>
-      <p:sp>
-        <p:nvSpPr>
-          <p:cNvPr id="4" name="Content Placeholder 3"/>
-          <p:cNvSpPr>
-            <a:spLocks noGrp="1"/>
-          </p:cNvSpPr>
-          <p:nvPr>
-            <p:ph sz="quarter" idx="2"/>
-          </p:nvPr>
-        </p:nvSpPr>
-        <p:spPr/>
-        <p:txBody>
-          <a:bodyPr/>
-          <a:lstStyle/>
-          <a:p>
-            <a:endParaRPr lang="en-US"/>
           </a:p>
         </p:txBody>
       </p:sp>
@@ -4975,6 +4864,13 @@
   <p:clrMapOvr>
     <a:masterClrMapping/>
   </p:clrMapOvr>
+  <p:timing>
+    <p:tnLst>
+      <p:par>
+        <p:cTn id="1" dur="indefinite" restart="never" nodeType="tmRoot"/>
+      </p:par>
+    </p:tnLst>
+  </p:timing>
 </p:sld>
 </file>
 
@@ -5111,6 +5007,13 @@
   <p:clrMapOvr>
     <a:masterClrMapping/>
   </p:clrMapOvr>
+  <p:timing>
+    <p:tnLst>
+      <p:par>
+        <p:cTn id="1" dur="indefinite" restart="never" nodeType="tmRoot"/>
+      </p:par>
+    </p:tnLst>
+  </p:timing>
 </p:sld>
 </file>
 
@@ -5146,7 +5049,11 @@
           <a:bodyPr/>
           <a:lstStyle/>
           <a:p>
-            <a:endParaRPr lang="en-US"/>
+            <a:r>
+              <a:rPr lang="en-US" dirty="0" smtClean="0"/>
+              <a:t>Introduction</a:t>
+            </a:r>
+            <a:endParaRPr lang="en-US" dirty="0"/>
           </a:p>
         </p:txBody>
       </p:sp>
@@ -5173,19 +5080,88 @@
           <a:p>
             <a:r>
               <a:rPr lang="en-US" dirty="0" smtClean="0"/>
-              <a:t>Interactive map of the </a:t>
-            </a:r>
-            <a:r>
-              <a:rPr lang="en-US" dirty="0" err="1" smtClean="0"/>
-              <a:t>floorplan</a:t>
-            </a:r>
-            <a:r>
-              <a:rPr lang="en-US" dirty="0" smtClean="0"/>
-              <a:t> of the warehouse</a:t>
+              <a:t>Interactive map of the floor plan of the warehouse</a:t>
             </a:r>
           </a:p>
           <a:p>
             <a:endParaRPr lang="en-US" dirty="0"/>
+          </a:p>
+          <a:p>
+            <a:endParaRPr lang="en-US" dirty="0"/>
+          </a:p>
+        </p:txBody>
+      </p:sp>
+      <p:sp>
+        <p:nvSpPr>
+          <p:cNvPr id="5" name="Content Placeholder 2"/>
+          <p:cNvSpPr txBox="1">
+            <a:spLocks/>
+          </p:cNvSpPr>
+          <p:nvPr/>
+        </p:nvSpPr>
+        <p:spPr>
+          <a:xfrm>
+            <a:off x="3429000" y="3352800"/>
+            <a:ext cx="2438400" cy="1371600"/>
+          </a:xfrm>
+          <a:prstGeom prst="rect">
+            <a:avLst/>
+          </a:prstGeom>
+        </p:spPr>
+        <p:txBody>
+          <a:bodyPr vert="horz">
+            <a:normAutofit/>
+          </a:bodyPr>
+          <a:lstStyle/>
+          <a:p>
+            <a:pPr marL="274320" marR="0" lvl="0" indent="-274320" algn="l" defTabSz="914400" rtl="0" eaLnBrk="1" fontAlgn="auto" latinLnBrk="0" hangingPunct="1">
+              <a:lnSpc>
+                <a:spcPct val="100000"/>
+              </a:lnSpc>
+              <a:spcBef>
+                <a:spcPts val="600"/>
+              </a:spcBef>
+              <a:spcAft>
+                <a:spcPts val="0"/>
+              </a:spcAft>
+              <a:buClr>
+                <a:schemeClr val="accent1"/>
+              </a:buClr>
+              <a:buSzPct val="76000"/>
+              <a:tabLst/>
+              <a:defRPr/>
+            </a:pPr>
+            <a:r>
+              <a:rPr kumimoji="0" lang="en-US" sz="5400" b="0" i="0" u="none" strike="noStrike" kern="1200" cap="none" spc="0" normalizeH="0" baseline="0" noProof="0" dirty="0" smtClean="0">
+                <a:ln>
+                  <a:noFill/>
+                </a:ln>
+                <a:solidFill>
+                  <a:schemeClr val="tx1"/>
+                </a:solidFill>
+                <a:effectLst/>
+                <a:uLnTx/>
+                <a:uFillTx/>
+                <a:latin typeface="+mn-lt"/>
+                <a:ea typeface="+mn-ea"/>
+                <a:cs typeface="+mn-cs"/>
+              </a:rPr>
+              <a:t>DEMO</a:t>
+            </a:r>
+            <a:endParaRPr kumimoji="0" lang="en-US" sz="5400" b="0" i="0" u="none" strike="noStrike" kern="1200" cap="none" spc="0" normalizeH="0" baseline="0" noProof="0" dirty="0">
+              <a:ln>
+                <a:noFill/>
+              </a:ln>
+              <a:solidFill>
+                <a:schemeClr val="tx1"/>
+              </a:solidFill>
+              <a:effectLst/>
+              <a:uLnTx/>
+              <a:uFillTx/>
+              <a:latin typeface="+mn-lt"/>
+              <a:ea typeface="+mn-ea"/>
+              <a:cs typeface="+mn-cs"/>
+            </a:endParaRPr>
           </a:p>
         </p:txBody>
       </p:sp>
@@ -5194,6 +5170,13 @@
   <p:clrMapOvr>
     <a:masterClrMapping/>
   </p:clrMapOvr>
+  <p:timing>
+    <p:tnLst>
+      <p:par>
+        <p:cTn id="1" dur="indefinite" restart="never" nodeType="tmRoot"/>
+      </p:par>
+    </p:tnLst>
+  </p:timing>
 </p:sld>
 </file>
 
@@ -5287,11 +5270,18 @@
   <p:clrMapOvr>
     <a:masterClrMapping/>
   </p:clrMapOvr>
+  <p:timing>
+    <p:tnLst>
+      <p:par>
+        <p:cTn id="1" dur="indefinite" restart="never" nodeType="tmRoot"/>
+      </p:par>
+    </p:tnLst>
+  </p:timing>
 </p:sld>
 </file>
 
 <file path=ppt/slides/slide6.xml><?xml version="1.0" encoding="utf-8"?>
-<p:sld xmlns:a="http://schemas.openxmlformats.org/drawingml/2006/main" xmlns:r="http://schemas.openxmlformats.org/officeDocument/2006/relationships" xmlns:p="http://schemas.openxmlformats.org/presentationml/2006/main" showMasterSp="0">
+<p:sld xmlns:a="http://schemas.openxmlformats.org/drawingml/2006/main" xmlns:r="http://schemas.openxmlformats.org/officeDocument/2006/relationships" xmlns:p="http://schemas.openxmlformats.org/presentationml/2006/main">
   <p:cSld>
     <p:spTree>
       <p:nvGrpSpPr>
@@ -5307,18 +5297,41 @@
           <a:chExt cx="0" cy="0"/>
         </a:xfrm>
       </p:grpSpPr>
+      <p:sp>
+        <p:nvSpPr>
+          <p:cNvPr id="2" name="Title 1"/>
+          <p:cNvSpPr>
+            <a:spLocks noGrp="1"/>
+          </p:cNvSpPr>
+          <p:nvPr>
+            <p:ph type="title"/>
+          </p:nvPr>
+        </p:nvSpPr>
+        <p:spPr/>
+        <p:txBody>
+          <a:bodyPr/>
+          <a:lstStyle/>
+          <a:p>
+            <a:r>
+              <a:rPr lang="en-US" dirty="0" smtClean="0"/>
+              <a:t>Where to Start</a:t>
+            </a:r>
+            <a:endParaRPr lang="en-US" dirty="0"/>
+          </a:p>
+        </p:txBody>
+      </p:sp>
       <p:grpSp>
         <p:nvGrpSpPr>
-          <p:cNvPr id="17" name="Group 16"/>
+          <p:cNvPr id="3" name="Group 2"/>
           <p:cNvGrpSpPr/>
           <p:nvPr/>
         </p:nvGrpSpPr>
         <p:grpSpPr>
           <a:xfrm>
-            <a:off x="1564481" y="800100"/>
-            <a:ext cx="5979319" cy="4991100"/>
-            <a:chOff x="1564481" y="800100"/>
-            <a:chExt cx="4352925" cy="3181350"/>
+            <a:off x="1524000" y="1219200"/>
+            <a:ext cx="6026610" cy="5028896"/>
+            <a:chOff x="1524000" y="1295400"/>
+            <a:chExt cx="6026610" cy="5028896"/>
           </a:xfrm>
         </p:grpSpPr>
         <p:sp>
@@ -5329,8 +5342,8 @@
           </p:nvSpPr>
           <p:spPr>
             <a:xfrm>
-              <a:off x="3050381" y="3155950"/>
-              <a:ext cx="1381125" cy="825500"/>
+              <a:off x="3657600" y="5486400"/>
+              <a:ext cx="1828800" cy="837896"/>
             </a:xfrm>
             <a:prstGeom prst="roundRect">
               <a:avLst/>
@@ -5367,14 +5380,14 @@
         </p:sp>
         <p:sp>
           <p:nvSpPr>
-            <p:cNvPr id="6" name="Rounded Rectangle 5"/>
+            <p:cNvPr id="5" name="Rounded Rectangle 4"/>
             <p:cNvSpPr/>
             <p:nvPr/>
           </p:nvSpPr>
           <p:spPr>
             <a:xfrm>
-              <a:off x="3183731" y="800100"/>
-              <a:ext cx="1114425" cy="635000"/>
+              <a:off x="3810000" y="1295400"/>
+              <a:ext cx="1530810" cy="996228"/>
             </a:xfrm>
             <a:prstGeom prst="roundRect">
               <a:avLst/>
@@ -5510,14 +5523,14 @@
         </p:sp>
         <p:sp>
           <p:nvSpPr>
-            <p:cNvPr id="7" name="Rounded Rectangle 6"/>
+            <p:cNvPr id="6" name="Rounded Rectangle 5"/>
             <p:cNvSpPr/>
             <p:nvPr/>
           </p:nvSpPr>
           <p:spPr>
             <a:xfrm>
-              <a:off x="3183731" y="1978025"/>
-              <a:ext cx="1114425" cy="635000"/>
+              <a:off x="3810000" y="2743200"/>
+              <a:ext cx="1530810" cy="996228"/>
             </a:xfrm>
             <a:prstGeom prst="roundRect">
               <a:avLst/>
@@ -5653,14 +5666,14 @@
         </p:sp>
         <p:sp>
           <p:nvSpPr>
-            <p:cNvPr id="8" name="Rounded Rectangle 7"/>
+            <p:cNvPr id="7" name="Rounded Rectangle 6"/>
             <p:cNvSpPr/>
             <p:nvPr/>
           </p:nvSpPr>
           <p:spPr>
             <a:xfrm>
-              <a:off x="4802981" y="800100"/>
-              <a:ext cx="1114425" cy="635000"/>
+              <a:off x="6019800" y="1295400"/>
+              <a:ext cx="1530810" cy="996228"/>
             </a:xfrm>
             <a:prstGeom prst="roundRect">
               <a:avLst/>
@@ -5796,14 +5809,14 @@
         </p:sp>
         <p:sp>
           <p:nvSpPr>
-            <p:cNvPr id="9" name="Rounded Rectangle 8"/>
+            <p:cNvPr id="8" name="Rounded Rectangle 7"/>
             <p:cNvSpPr/>
             <p:nvPr/>
           </p:nvSpPr>
           <p:spPr>
             <a:xfrm>
-              <a:off x="1564481" y="800100"/>
-              <a:ext cx="1114425" cy="635000"/>
+              <a:off x="1524000" y="1295400"/>
+              <a:ext cx="1530810" cy="996228"/>
             </a:xfrm>
             <a:prstGeom prst="roundRect">
               <a:avLst/>
@@ -5939,17 +5952,17 @@
         </p:sp>
         <p:cxnSp>
           <p:nvCxnSpPr>
-            <p:cNvPr id="24" name="Straight Arrow Connector 23"/>
+            <p:cNvPr id="9" name="Straight Arrow Connector 8"/>
             <p:cNvCxnSpPr>
-              <a:stCxn id="7" idx="2"/>
-              <a:endCxn id="4" idx="0"/>
+              <a:stCxn id="6" idx="2"/>
+              <a:endCxn id="15" idx="0"/>
             </p:cNvCxnSpPr>
             <p:nvPr/>
           </p:nvCxnSpPr>
           <p:spPr>
             <a:xfrm>
-              <a:off x="3740944" y="2613026"/>
-              <a:ext cx="0" cy="542925"/>
+              <a:off x="4575405" y="3739428"/>
+              <a:ext cx="0" cy="451572"/>
             </a:xfrm>
             <a:prstGeom prst="straightConnector1">
               <a:avLst/>
@@ -5976,14 +5989,17 @@
         </p:cxnSp>
         <p:cxnSp>
           <p:nvCxnSpPr>
-            <p:cNvPr id="25" name="Straight Arrow Connector 24"/>
-            <p:cNvCxnSpPr/>
+            <p:cNvPr id="10" name="Straight Arrow Connector 9"/>
+            <p:cNvCxnSpPr>
+              <a:stCxn id="5" idx="2"/>
+              <a:endCxn id="6" idx="0"/>
+            </p:cNvCxnSpPr>
             <p:nvPr/>
           </p:nvCxnSpPr>
           <p:spPr>
             <a:xfrm>
-              <a:off x="3740944" y="1435101"/>
-              <a:ext cx="0" cy="542925"/>
+              <a:off x="4575405" y="2291628"/>
+              <a:ext cx="0" cy="451572"/>
             </a:xfrm>
             <a:prstGeom prst="straightConnector1">
               <a:avLst/>
@@ -6010,17 +6026,17 @@
         </p:cxnSp>
         <p:cxnSp>
           <p:nvCxnSpPr>
-            <p:cNvPr id="27" name="Elbow Connector 26"/>
+            <p:cNvPr id="11" name="Elbow Connector 26"/>
             <p:cNvCxnSpPr>
-              <a:stCxn id="9" idx="2"/>
-              <a:endCxn id="4" idx="1"/>
+              <a:stCxn id="8" idx="2"/>
+              <a:endCxn id="15" idx="1"/>
             </p:cNvCxnSpPr>
             <p:nvPr/>
           </p:nvCxnSpPr>
           <p:spPr>
             <a:xfrm rot="16200000" flipH="1">
-              <a:off x="1519238" y="2037556"/>
-              <a:ext cx="2133600" cy="928688"/>
+              <a:off x="1850959" y="2730073"/>
+              <a:ext cx="2397486" cy="1520595"/>
             </a:xfrm>
             <a:prstGeom prst="bentConnector2">
               <a:avLst/>
@@ -6046,17 +6062,17 @@
         </p:cxnSp>
         <p:cxnSp>
           <p:nvCxnSpPr>
-            <p:cNvPr id="29" name="Elbow Connector 28"/>
+            <p:cNvPr id="12" name="Elbow Connector 28"/>
             <p:cNvCxnSpPr>
-              <a:stCxn id="8" idx="2"/>
-              <a:endCxn id="4" idx="3"/>
+              <a:stCxn id="7" idx="2"/>
+              <a:endCxn id="15" idx="3"/>
             </p:cNvCxnSpPr>
             <p:nvPr/>
           </p:nvCxnSpPr>
           <p:spPr>
             <a:xfrm rot="5400000">
-              <a:off x="3829050" y="2037556"/>
-              <a:ext cx="2133600" cy="928688"/>
+              <a:off x="4864265" y="2768174"/>
+              <a:ext cx="2397486" cy="1444395"/>
             </a:xfrm>
             <a:prstGeom prst="bentConnector2">
               <a:avLst/>
@@ -6082,17 +6098,17 @@
         </p:cxnSp>
         <p:cxnSp>
           <p:nvCxnSpPr>
-            <p:cNvPr id="36" name="Straight Arrow Connector 35"/>
+            <p:cNvPr id="13" name="Straight Arrow Connector 12"/>
             <p:cNvCxnSpPr>
-              <a:stCxn id="9" idx="2"/>
-              <a:endCxn id="7" idx="1"/>
+              <a:stCxn id="8" idx="2"/>
+              <a:endCxn id="6" idx="1"/>
             </p:cNvCxnSpPr>
             <p:nvPr/>
           </p:nvCxnSpPr>
           <p:spPr>
             <a:xfrm>
-              <a:off x="2121694" y="1435101"/>
-              <a:ext cx="1062038" cy="860425"/>
+              <a:off x="2289405" y="2291628"/>
+              <a:ext cx="1520595" cy="949686"/>
             </a:xfrm>
             <a:prstGeom prst="straightConnector1">
               <a:avLst/>
@@ -6119,17 +6135,17 @@
         </p:cxnSp>
         <p:cxnSp>
           <p:nvCxnSpPr>
-            <p:cNvPr id="37" name="Straight Arrow Connector 36"/>
+            <p:cNvPr id="14" name="Straight Arrow Connector 13"/>
             <p:cNvCxnSpPr>
-              <a:stCxn id="8" idx="2"/>
-              <a:endCxn id="7" idx="3"/>
+              <a:stCxn id="7" idx="2"/>
+              <a:endCxn id="6" idx="3"/>
             </p:cNvCxnSpPr>
             <p:nvPr/>
           </p:nvCxnSpPr>
           <p:spPr>
             <a:xfrm flipH="1">
-              <a:off x="4298156" y="1435101"/>
-              <a:ext cx="1062038" cy="860425"/>
+              <a:off x="5340810" y="2291628"/>
+              <a:ext cx="1444395" cy="949686"/>
             </a:xfrm>
             <a:prstGeom prst="straightConnector1">
               <a:avLst/>
@@ -6154,43 +6170,223 @@
             </a:fontRef>
           </p:style>
         </p:cxnSp>
+        <p:sp>
+          <p:nvSpPr>
+            <p:cNvPr id="15" name="Rounded Rectangle 14"/>
+            <p:cNvSpPr/>
+            <p:nvPr/>
+          </p:nvSpPr>
+          <p:spPr>
+            <a:xfrm>
+              <a:off x="3810000" y="4191000"/>
+              <a:ext cx="1530810" cy="996228"/>
+            </a:xfrm>
+            <a:prstGeom prst="roundRect">
+              <a:avLst/>
+            </a:prstGeom>
+          </p:spPr>
+          <p:style>
+            <a:lnRef idx="2">
+              <a:schemeClr val="accent1">
+                <a:shade val="50000"/>
+              </a:schemeClr>
+            </a:lnRef>
+            <a:fillRef idx="1">
+              <a:schemeClr val="accent1"/>
+            </a:fillRef>
+            <a:effectRef idx="0">
+              <a:schemeClr val="accent1"/>
+            </a:effectRef>
+            <a:fontRef idx="minor">
+              <a:schemeClr val="lt1"/>
+            </a:fontRef>
+          </p:style>
+          <p:txBody>
+            <a:bodyPr rot="0" spcFirstLastPara="0" vert="horz" wrap="square" lIns="91440" tIns="45720" rIns="91440" bIns="45720" numCol="1" spcCol="0" rtlCol="0" fromWordArt="0" anchor="ctr" anchorCtr="0" forceAA="0" compatLnSpc="1">
+              <a:prstTxWarp prst="textNoShape">
+                <a:avLst/>
+              </a:prstTxWarp>
+              <a:noAutofit/>
+            </a:bodyPr>
+            <a:lstStyle>
+              <a:defPPr>
+                <a:defRPr lang="en-US"/>
+              </a:defPPr>
+              <a:lvl1pPr marL="0" algn="l" defTabSz="914400" rtl="0" eaLnBrk="1" latinLnBrk="0" hangingPunct="1">
+                <a:defRPr sz="1800" kern="1200">
+                  <a:solidFill>
+                    <a:schemeClr val="lt1"/>
+                  </a:solidFill>
+                  <a:latin typeface="+mn-lt"/>
+                  <a:ea typeface="+mn-ea"/>
+                  <a:cs typeface="+mn-cs"/>
+                </a:defRPr>
+              </a:lvl1pPr>
+              <a:lvl2pPr marL="457200" algn="l" defTabSz="914400" rtl="0" eaLnBrk="1" latinLnBrk="0" hangingPunct="1">
+                <a:defRPr sz="1800" kern="1200">
+                  <a:solidFill>
+                    <a:schemeClr val="lt1"/>
+                  </a:solidFill>
+                  <a:latin typeface="+mn-lt"/>
+                  <a:ea typeface="+mn-ea"/>
+                  <a:cs typeface="+mn-cs"/>
+                </a:defRPr>
+              </a:lvl2pPr>
+              <a:lvl3pPr marL="914400" algn="l" defTabSz="914400" rtl="0" eaLnBrk="1" latinLnBrk="0" hangingPunct="1">
+                <a:defRPr sz="1800" kern="1200">
+                  <a:solidFill>
+                    <a:schemeClr val="lt1"/>
+                  </a:solidFill>
+                  <a:latin typeface="+mn-lt"/>
+                  <a:ea typeface="+mn-ea"/>
+                  <a:cs typeface="+mn-cs"/>
+                </a:defRPr>
+              </a:lvl3pPr>
+              <a:lvl4pPr marL="1371600" algn="l" defTabSz="914400" rtl="0" eaLnBrk="1" latinLnBrk="0" hangingPunct="1">
+                <a:defRPr sz="1800" kern="1200">
+                  <a:solidFill>
+                    <a:schemeClr val="lt1"/>
+                  </a:solidFill>
+                  <a:latin typeface="+mn-lt"/>
+                  <a:ea typeface="+mn-ea"/>
+                  <a:cs typeface="+mn-cs"/>
+                </a:defRPr>
+              </a:lvl4pPr>
+              <a:lvl5pPr marL="1828800" algn="l" defTabSz="914400" rtl="0" eaLnBrk="1" latinLnBrk="0" hangingPunct="1">
+                <a:defRPr sz="1800" kern="1200">
+                  <a:solidFill>
+                    <a:schemeClr val="lt1"/>
+                  </a:solidFill>
+                  <a:latin typeface="+mn-lt"/>
+                  <a:ea typeface="+mn-ea"/>
+                  <a:cs typeface="+mn-cs"/>
+                </a:defRPr>
+              </a:lvl5pPr>
+              <a:lvl6pPr marL="2286000" algn="l" defTabSz="914400" rtl="0" eaLnBrk="1" latinLnBrk="0" hangingPunct="1">
+                <a:defRPr sz="1800" kern="1200">
+                  <a:solidFill>
+                    <a:schemeClr val="lt1"/>
+                  </a:solidFill>
+                  <a:latin typeface="+mn-lt"/>
+                  <a:ea typeface="+mn-ea"/>
+                  <a:cs typeface="+mn-cs"/>
+                </a:defRPr>
+              </a:lvl6pPr>
+              <a:lvl7pPr marL="2743200" algn="l" defTabSz="914400" rtl="0" eaLnBrk="1" latinLnBrk="0" hangingPunct="1">
+                <a:defRPr sz="1800" kern="1200">
+                  <a:solidFill>
+                    <a:schemeClr val="lt1"/>
+                  </a:solidFill>
+                  <a:latin typeface="+mn-lt"/>
+                  <a:ea typeface="+mn-ea"/>
+                  <a:cs typeface="+mn-cs"/>
+                </a:defRPr>
+              </a:lvl7pPr>
+              <a:lvl8pPr marL="3200400" algn="l" defTabSz="914400" rtl="0" eaLnBrk="1" latinLnBrk="0" hangingPunct="1">
+                <a:defRPr sz="1800" kern="1200">
+                  <a:solidFill>
+                    <a:schemeClr val="lt1"/>
+                  </a:solidFill>
+                  <a:latin typeface="+mn-lt"/>
+                  <a:ea typeface="+mn-ea"/>
+                  <a:cs typeface="+mn-cs"/>
+                </a:defRPr>
+              </a:lvl8pPr>
+              <a:lvl9pPr marL="3657600" algn="l" defTabSz="914400" rtl="0" eaLnBrk="1" latinLnBrk="0" hangingPunct="1">
+                <a:defRPr sz="1800" kern="1200">
+                  <a:solidFill>
+                    <a:schemeClr val="lt1"/>
+                  </a:solidFill>
+                  <a:latin typeface="+mn-lt"/>
+                  <a:ea typeface="+mn-ea"/>
+                  <a:cs typeface="+mn-cs"/>
+                </a:defRPr>
+              </a:lvl9pPr>
+            </a:lstStyle>
+            <a:p>
+              <a:pPr algn="ctr"/>
+              <a:r>
+                <a:rPr lang="en-CA" dirty="0" smtClean="0"/>
+                <a:t>GUI</a:t>
+              </a:r>
+            </a:p>
+          </p:txBody>
+        </p:sp>
+        <p:cxnSp>
+          <p:nvCxnSpPr>
+            <p:cNvPr id="16" name="Straight Arrow Connector 15"/>
+            <p:cNvCxnSpPr>
+              <a:stCxn id="15" idx="2"/>
+              <a:endCxn id="4" idx="0"/>
+            </p:cNvCxnSpPr>
+            <p:nvPr/>
+          </p:nvCxnSpPr>
+          <p:spPr>
+            <a:xfrm flipH="1">
+              <a:off x="4572000" y="5187228"/>
+              <a:ext cx="3405" cy="299172"/>
+            </a:xfrm>
+            <a:prstGeom prst="straightConnector1">
+              <a:avLst/>
+            </a:prstGeom>
+            <a:ln>
+              <a:tailEnd type="arrow"/>
+            </a:ln>
+          </p:spPr>
+          <p:style>
+            <a:lnRef idx="1">
+              <a:schemeClr val="accent1"/>
+            </a:lnRef>
+            <a:fillRef idx="0">
+              <a:schemeClr val="accent1"/>
+            </a:fillRef>
+            <a:effectRef idx="0">
+              <a:schemeClr val="accent1"/>
+            </a:effectRef>
+            <a:fontRef idx="minor">
+              <a:schemeClr val="tx1"/>
+            </a:fontRef>
+          </p:style>
+        </p:cxnSp>
+        <p:cxnSp>
+          <p:nvCxnSpPr>
+            <p:cNvPr id="17" name="Straight Arrow Connector 16"/>
+            <p:cNvCxnSpPr>
+              <a:stCxn id="15" idx="2"/>
+              <a:endCxn id="4" idx="0"/>
+            </p:cNvCxnSpPr>
+            <p:nvPr/>
+          </p:nvCxnSpPr>
+          <p:spPr>
+            <a:xfrm flipH="1">
+              <a:off x="4572000" y="5187228"/>
+              <a:ext cx="3405" cy="299172"/>
+            </a:xfrm>
+            <a:prstGeom prst="straightConnector1">
+              <a:avLst/>
+            </a:prstGeom>
+            <a:ln>
+              <a:headEnd type="arrow"/>
+              <a:tailEnd type="arrow"/>
+            </a:ln>
+          </p:spPr>
+          <p:style>
+            <a:lnRef idx="1">
+              <a:schemeClr val="accent1"/>
+            </a:lnRef>
+            <a:fillRef idx="0">
+              <a:schemeClr val="accent1"/>
+            </a:fillRef>
+            <a:effectRef idx="0">
+              <a:schemeClr val="accent1"/>
+            </a:effectRef>
+            <a:fontRef idx="minor">
+              <a:schemeClr val="tx1"/>
+            </a:fontRef>
+          </p:style>
+        </p:cxnSp>
       </p:grpSp>
-      <p:sp>
-        <p:nvSpPr>
-          <p:cNvPr id="40" name="TextBox 39"/>
-          <p:cNvSpPr txBox="1"/>
-          <p:nvPr/>
-        </p:nvSpPr>
-        <p:spPr>
-          <a:xfrm>
-            <a:off x="957262" y="247650"/>
-            <a:ext cx="2014538" cy="369332"/>
-          </a:xfrm>
-          <a:prstGeom prst="rect">
-            <a:avLst/>
-          </a:prstGeom>
-          <a:noFill/>
-        </p:spPr>
-        <p:txBody>
-          <a:bodyPr wrap="square" rtlCol="0">
-            <a:spAutoFit/>
-          </a:bodyPr>
-          <a:lstStyle/>
-          <a:p>
-            <a:r>
-              <a:rPr lang="en-CA" dirty="0" smtClean="0"/>
-              <a:t>Where To Start</a:t>
-            </a:r>
-            <a:endParaRPr lang="en-CA" dirty="0"/>
-          </a:p>
-        </p:txBody>
-      </p:sp>
     </p:spTree>
-    <p:extLst>
-      <p:ext uri="{BB962C8B-B14F-4D97-AF65-F5344CB8AC3E}">
-        <p14:creationId xmlns:p14="http://schemas.microsoft.com/office/powerpoint/2010/main" xmlns="" val="1908525928"/>
-      </p:ext>
-    </p:extLst>
   </p:cSld>
   <p:clrMapOvr>
     <a:masterClrMapping/>
@@ -6224,352 +6420,135 @@
       </p:grpSpPr>
       <p:sp>
         <p:nvSpPr>
-          <p:cNvPr id="4" name="TextBox 3"/>
-          <p:cNvSpPr txBox="1"/>
-          <p:nvPr/>
-        </p:nvSpPr>
-        <p:spPr>
-          <a:xfrm>
-            <a:off x="357188" y="200025"/>
-            <a:ext cx="3071811" cy="400110"/>
-          </a:xfrm>
-          <a:prstGeom prst="rect">
-            <a:avLst/>
-          </a:prstGeom>
-          <a:noFill/>
-        </p:spPr>
+          <p:cNvPr id="2" name="Title 1"/>
+          <p:cNvSpPr>
+            <a:spLocks noGrp="1"/>
+          </p:cNvSpPr>
+          <p:nvPr>
+            <p:ph type="title"/>
+          </p:nvPr>
+        </p:nvSpPr>
+        <p:spPr/>
         <p:txBody>
-          <a:bodyPr wrap="square" rtlCol="0">
-            <a:spAutoFit/>
-          </a:bodyPr>
+          <a:bodyPr/>
           <a:lstStyle/>
           <a:p>
             <a:r>
-              <a:rPr lang="en-CA" sz="2000" dirty="0" smtClean="0"/>
+              <a:rPr lang="en-US" dirty="0" smtClean="0"/>
               <a:t>Challenges</a:t>
             </a:r>
-            <a:endParaRPr lang="en-CA" sz="2000" dirty="0"/>
+            <a:endParaRPr lang="en-US" dirty="0"/>
           </a:p>
         </p:txBody>
       </p:sp>
       <p:sp>
         <p:nvSpPr>
-          <p:cNvPr id="5" name="TextBox 4"/>
-          <p:cNvSpPr txBox="1"/>
-          <p:nvPr/>
-        </p:nvSpPr>
-        <p:spPr>
-          <a:xfrm>
-            <a:off x="885824" y="800100"/>
-            <a:ext cx="2924175" cy="369332"/>
-          </a:xfrm>
-          <a:prstGeom prst="rect">
-            <a:avLst/>
-          </a:prstGeom>
-          <a:noFill/>
-        </p:spPr>
+          <p:cNvPr id="3" name="Content Placeholder 2"/>
+          <p:cNvSpPr>
+            <a:spLocks noGrp="1"/>
+          </p:cNvSpPr>
+          <p:nvPr>
+            <p:ph sz="quarter" idx="1"/>
+          </p:nvPr>
+        </p:nvSpPr>
+        <p:spPr/>
         <p:txBody>
-          <a:bodyPr wrap="square" rtlCol="0">
-            <a:spAutoFit/>
-          </a:bodyPr>
+          <a:bodyPr/>
           <a:lstStyle/>
           <a:p>
-            <a:r>
-              <a:rPr lang="en-CA" dirty="0" smtClean="0"/>
-              <a:t>1.Database</a:t>
-            </a:r>
-            <a:endParaRPr lang="en-CA" dirty="0"/>
-          </a:p>
-        </p:txBody>
-      </p:sp>
-      <p:sp>
-        <p:nvSpPr>
-          <p:cNvPr id="6" name="TextBox 5"/>
-          <p:cNvSpPr txBox="1"/>
-          <p:nvPr/>
-        </p:nvSpPr>
-        <p:spPr>
-          <a:xfrm>
-            <a:off x="885824" y="1514476"/>
-            <a:ext cx="2085975" cy="646331"/>
-          </a:xfrm>
-          <a:prstGeom prst="rect">
-            <a:avLst/>
-          </a:prstGeom>
-          <a:noFill/>
-        </p:spPr>
-        <p:txBody>
-          <a:bodyPr wrap="square" rtlCol="0">
-            <a:spAutoFit/>
-          </a:bodyPr>
-          <a:lstStyle/>
-          <a:p>
-            <a:r>
-              <a:rPr lang="en-CA" dirty="0" smtClean="0"/>
-              <a:t>2.Algorithm</a:t>
-            </a:r>
-          </a:p>
-          <a:p>
-            <a:endParaRPr lang="en-CA" dirty="0"/>
-          </a:p>
-        </p:txBody>
-      </p:sp>
-      <p:sp>
-        <p:nvSpPr>
-          <p:cNvPr id="7" name="TextBox 6"/>
-          <p:cNvSpPr txBox="1"/>
-          <p:nvPr/>
-        </p:nvSpPr>
-        <p:spPr>
-          <a:xfrm>
-            <a:off x="1295400" y="1905000"/>
-            <a:ext cx="5718573" cy="1661993"/>
-          </a:xfrm>
-          <a:prstGeom prst="rect">
-            <a:avLst/>
-          </a:prstGeom>
-          <a:noFill/>
-        </p:spPr>
-        <p:txBody>
-          <a:bodyPr wrap="square" rtlCol="0">
-            <a:spAutoFit/>
-          </a:bodyPr>
-          <a:lstStyle/>
-          <a:p>
-            <a:r>
-              <a:rPr lang="en-CA" sz="1600" dirty="0"/>
-              <a:t>Figure out most efficient </a:t>
-            </a:r>
-            <a:endParaRPr lang="en-CA" sz="1600" dirty="0" smtClean="0"/>
-          </a:p>
-          <a:p>
-            <a:r>
-              <a:rPr lang="en-CA" sz="1600" dirty="0" smtClean="0"/>
-              <a:t>routes </a:t>
-            </a:r>
-            <a:r>
-              <a:rPr lang="en-CA" sz="1600" dirty="0"/>
-              <a:t>to take to gather all </a:t>
-            </a:r>
-            <a:endParaRPr lang="en-CA" sz="1600" dirty="0" smtClean="0"/>
-          </a:p>
-          <a:p>
-            <a:r>
-              <a:rPr lang="en-CA" sz="1600" dirty="0" smtClean="0"/>
-              <a:t>products </a:t>
-            </a:r>
-            <a:r>
-              <a:rPr lang="en-CA" sz="1600" dirty="0"/>
-              <a:t>for shipment</a:t>
-            </a:r>
-            <a:endParaRPr lang="en-CA" sz="1600" dirty="0" smtClean="0"/>
-          </a:p>
-          <a:p>
-            <a:endParaRPr lang="en-CA" dirty="0" smtClean="0"/>
-          </a:p>
-          <a:p>
-            <a:endParaRPr lang="en-CA" dirty="0" smtClean="0"/>
-          </a:p>
-          <a:p>
-            <a:endParaRPr lang="en-CA" dirty="0"/>
-          </a:p>
-        </p:txBody>
-      </p:sp>
-      <p:sp>
-        <p:nvSpPr>
-          <p:cNvPr id="47" name="TextBox 3"/>
-          <p:cNvSpPr txBox="1"/>
-          <p:nvPr/>
-        </p:nvSpPr>
-        <p:spPr>
-          <a:xfrm>
-            <a:off x="1414463" y="2741197"/>
-            <a:ext cx="5432823" cy="1384995"/>
-          </a:xfrm>
-          <a:prstGeom prst="rect">
-            <a:avLst/>
-          </a:prstGeom>
-          <a:noFill/>
-        </p:spPr>
-        <p:txBody>
-          <a:bodyPr wrap="square" rtlCol="0">
-            <a:spAutoFit/>
-          </a:bodyPr>
-          <a:lstStyle>
-            <a:defPPr>
-              <a:defRPr lang="en-US"/>
-            </a:defPPr>
-            <a:lvl1pPr marL="0" algn="l" defTabSz="914400" rtl="0" eaLnBrk="1" latinLnBrk="0" hangingPunct="1">
-              <a:defRPr sz="1800" kern="1200">
-                <a:solidFill>
-                  <a:schemeClr val="tx1"/>
-                </a:solidFill>
-                <a:latin typeface="+mn-lt"/>
-                <a:ea typeface="+mn-ea"/>
-                <a:cs typeface="+mn-cs"/>
-              </a:defRPr>
-            </a:lvl1pPr>
-            <a:lvl2pPr marL="457200" algn="l" defTabSz="914400" rtl="0" eaLnBrk="1" latinLnBrk="0" hangingPunct="1">
-              <a:defRPr sz="1800" kern="1200">
-                <a:solidFill>
-                  <a:schemeClr val="tx1"/>
-                </a:solidFill>
-                <a:latin typeface="+mn-lt"/>
-                <a:ea typeface="+mn-ea"/>
-                <a:cs typeface="+mn-cs"/>
-              </a:defRPr>
-            </a:lvl2pPr>
-            <a:lvl3pPr marL="914400" algn="l" defTabSz="914400" rtl="0" eaLnBrk="1" latinLnBrk="0" hangingPunct="1">
-              <a:defRPr sz="1800" kern="1200">
-                <a:solidFill>
-                  <a:schemeClr val="tx1"/>
-                </a:solidFill>
-                <a:latin typeface="+mn-lt"/>
-                <a:ea typeface="+mn-ea"/>
-                <a:cs typeface="+mn-cs"/>
-              </a:defRPr>
-            </a:lvl3pPr>
-            <a:lvl4pPr marL="1371600" algn="l" defTabSz="914400" rtl="0" eaLnBrk="1" latinLnBrk="0" hangingPunct="1">
-              <a:defRPr sz="1800" kern="1200">
-                <a:solidFill>
-                  <a:schemeClr val="tx1"/>
-                </a:solidFill>
-                <a:latin typeface="+mn-lt"/>
-                <a:ea typeface="+mn-ea"/>
-                <a:cs typeface="+mn-cs"/>
-              </a:defRPr>
-            </a:lvl4pPr>
-            <a:lvl5pPr marL="1828800" algn="l" defTabSz="914400" rtl="0" eaLnBrk="1" latinLnBrk="0" hangingPunct="1">
-              <a:defRPr sz="1800" kern="1200">
-                <a:solidFill>
-                  <a:schemeClr val="tx1"/>
-                </a:solidFill>
-                <a:latin typeface="+mn-lt"/>
-                <a:ea typeface="+mn-ea"/>
-                <a:cs typeface="+mn-cs"/>
-              </a:defRPr>
-            </a:lvl5pPr>
-            <a:lvl6pPr marL="2286000" algn="l" defTabSz="914400" rtl="0" eaLnBrk="1" latinLnBrk="0" hangingPunct="1">
-              <a:defRPr sz="1800" kern="1200">
-                <a:solidFill>
-                  <a:schemeClr val="tx1"/>
-                </a:solidFill>
-                <a:latin typeface="+mn-lt"/>
-                <a:ea typeface="+mn-ea"/>
-                <a:cs typeface="+mn-cs"/>
-              </a:defRPr>
-            </a:lvl6pPr>
-            <a:lvl7pPr marL="2743200" algn="l" defTabSz="914400" rtl="0" eaLnBrk="1" latinLnBrk="0" hangingPunct="1">
-              <a:defRPr sz="1800" kern="1200">
-                <a:solidFill>
-                  <a:schemeClr val="tx1"/>
-                </a:solidFill>
-                <a:latin typeface="+mn-lt"/>
-                <a:ea typeface="+mn-ea"/>
-                <a:cs typeface="+mn-cs"/>
-              </a:defRPr>
-            </a:lvl7pPr>
-            <a:lvl8pPr marL="3200400" algn="l" defTabSz="914400" rtl="0" eaLnBrk="1" latinLnBrk="0" hangingPunct="1">
-              <a:defRPr sz="1800" kern="1200">
-                <a:solidFill>
-                  <a:schemeClr val="tx1"/>
-                </a:solidFill>
-                <a:latin typeface="+mn-lt"/>
-                <a:ea typeface="+mn-ea"/>
-                <a:cs typeface="+mn-cs"/>
-              </a:defRPr>
-            </a:lvl8pPr>
-            <a:lvl9pPr marL="3657600" algn="l" defTabSz="914400" rtl="0" eaLnBrk="1" latinLnBrk="0" hangingPunct="1">
-              <a:defRPr sz="1800" kern="1200">
-                <a:solidFill>
-                  <a:schemeClr val="tx1"/>
-                </a:solidFill>
-                <a:latin typeface="+mn-lt"/>
-                <a:ea typeface="+mn-ea"/>
-                <a:cs typeface="+mn-cs"/>
-              </a:defRPr>
-            </a:lvl9pPr>
-          </a:lstStyle>
-          <a:p>
-            <a:endParaRPr lang="en-CA" sz="1600" dirty="0" smtClean="0"/>
-          </a:p>
-          <a:p>
-            <a:r>
-              <a:rPr lang="en-CA" sz="1600" dirty="0" smtClean="0"/>
-              <a:t>Figure </a:t>
-            </a:r>
-            <a:r>
-              <a:rPr lang="en-CA" sz="1600" dirty="0"/>
-              <a:t>out most </a:t>
-            </a:r>
-            <a:r>
-              <a:rPr lang="en-CA" sz="1600" dirty="0" smtClean="0"/>
-              <a:t>efficient </a:t>
-            </a:r>
-            <a:endParaRPr lang="en-CA" sz="1600" dirty="0" smtClean="0"/>
-          </a:p>
-          <a:p>
-            <a:r>
-              <a:rPr lang="en-CA" sz="1600" dirty="0" smtClean="0"/>
-              <a:t>way </a:t>
-            </a:r>
-            <a:r>
-              <a:rPr lang="en-CA" sz="1600" dirty="0" smtClean="0"/>
-              <a:t>to </a:t>
-            </a:r>
-            <a:r>
-              <a:rPr lang="en-CA" sz="1600" dirty="0"/>
-              <a:t>put as much </a:t>
-            </a:r>
-            <a:r>
-              <a:rPr lang="en-CA" sz="1600" dirty="0" smtClean="0"/>
-              <a:t>stuff</a:t>
-            </a:r>
-          </a:p>
-          <a:p>
-            <a:r>
-              <a:rPr lang="en-CA" sz="1600" dirty="0" smtClean="0"/>
-              <a:t> </a:t>
-            </a:r>
-            <a:r>
-              <a:rPr lang="en-CA" sz="1600" dirty="0"/>
-              <a:t>as possible in bin</a:t>
-            </a:r>
-            <a:r>
-              <a:rPr lang="en-CA" dirty="0"/>
-              <a:t>.</a:t>
-            </a:r>
-            <a:endParaRPr lang="en-CA" dirty="0" smtClean="0"/>
-          </a:p>
-          <a:p>
-            <a:endParaRPr lang="en-CA" dirty="0"/>
+            <a:pPr marL="514350" indent="-514350">
+              <a:buFont typeface="+mj-lt"/>
+              <a:buAutoNum type="arabicPeriod"/>
+            </a:pPr>
+            <a:r>
+              <a:rPr lang="en-US" dirty="0" smtClean="0"/>
+              <a:t>Concurrency of </a:t>
+            </a:r>
+          </a:p>
+          <a:p>
+            <a:pPr marL="514350" indent="-514350">
+              <a:buNone/>
+            </a:pPr>
+            <a:r>
+              <a:rPr lang="en-US" dirty="0" smtClean="0"/>
+              <a:t>	 Data</a:t>
+            </a:r>
+          </a:p>
+          <a:p>
+            <a:pPr marL="514350" indent="-514350">
+              <a:buFont typeface="+mj-lt"/>
+              <a:buAutoNum type="arabicPeriod"/>
+            </a:pPr>
+            <a:r>
+              <a:rPr lang="en-US" dirty="0" smtClean="0"/>
+              <a:t>Algorithms</a:t>
+            </a:r>
+          </a:p>
+          <a:p>
+            <a:pPr marL="788670" lvl="1" indent="-514350">
+              <a:buFont typeface="+mj-lt"/>
+              <a:buAutoNum type="arabicPeriod"/>
+            </a:pPr>
+            <a:r>
+              <a:rPr lang="en-US" dirty="0" smtClean="0"/>
+              <a:t>Find Most Efficient </a:t>
+            </a:r>
+          </a:p>
+          <a:p>
+            <a:pPr marL="788670" lvl="1" indent="-514350">
+              <a:buNone/>
+            </a:pPr>
+            <a:r>
+              <a:rPr lang="en-US" dirty="0" smtClean="0"/>
+              <a:t>	Routes</a:t>
+            </a:r>
+          </a:p>
+          <a:p>
+            <a:pPr marL="788670" lvl="1" indent="-514350">
+              <a:buFont typeface="+mj-lt"/>
+              <a:buAutoNum type="arabicPeriod"/>
+            </a:pPr>
+            <a:r>
+              <a:rPr lang="en-US" dirty="0" smtClean="0"/>
+              <a:t>Find Most Efficient </a:t>
+            </a:r>
+          </a:p>
+          <a:p>
+            <a:pPr marL="788670" lvl="1" indent="-514350">
+              <a:buNone/>
+            </a:pPr>
+            <a:r>
+              <a:rPr lang="en-US" dirty="0" smtClean="0"/>
+              <a:t>	Storage Method</a:t>
+            </a:r>
+            <a:endParaRPr lang="en-US" dirty="0"/>
           </a:p>
         </p:txBody>
       </p:sp>
       <p:grpSp>
         <p:nvGrpSpPr>
-          <p:cNvPr id="91" name="Group 90"/>
+          <p:cNvPr id="4" name="Group 3"/>
           <p:cNvGrpSpPr/>
           <p:nvPr/>
         </p:nvGrpSpPr>
         <p:grpSpPr>
           <a:xfrm>
-            <a:off x="3886200" y="1295400"/>
-            <a:ext cx="4882159" cy="4634022"/>
-            <a:chOff x="1975841" y="3600628"/>
-            <a:chExt cx="3043912" cy="2785994"/>
+            <a:off x="3886200" y="1219200"/>
+            <a:ext cx="2362200" cy="5396022"/>
+            <a:chOff x="3886200" y="1295400"/>
+            <a:chExt cx="1731229" cy="4634022"/>
           </a:xfrm>
         </p:grpSpPr>
         <p:sp>
           <p:nvSpPr>
-            <p:cNvPr id="2" name="Rectangle 1"/>
+            <p:cNvPr id="5" name="Rectangle 4"/>
             <p:cNvSpPr/>
             <p:nvPr/>
           </p:nvSpPr>
           <p:spPr>
             <a:xfrm>
-              <a:off x="1990725" y="3605986"/>
-              <a:ext cx="257175" cy="226636"/>
+              <a:off x="3910073" y="1304312"/>
+              <a:ext cx="412485" cy="376970"/>
             </a:xfrm>
             <a:prstGeom prst="rect">
               <a:avLst/>
@@ -6602,14 +6581,14 @@
         </p:sp>
         <p:sp>
           <p:nvSpPr>
-            <p:cNvPr id="9" name="Rectangle 8"/>
+            <p:cNvPr id="6" name="Rectangle 5"/>
             <p:cNvSpPr/>
             <p:nvPr/>
           </p:nvSpPr>
           <p:spPr>
             <a:xfrm>
-              <a:off x="1990725" y="3848874"/>
-              <a:ext cx="257175" cy="226636"/>
+              <a:off x="3910073" y="1708315"/>
+              <a:ext cx="412485" cy="376970"/>
             </a:xfrm>
             <a:prstGeom prst="rect">
               <a:avLst/>
@@ -6642,14 +6621,14 @@
         </p:sp>
         <p:sp>
           <p:nvSpPr>
-            <p:cNvPr id="10" name="Rectangle 9"/>
+            <p:cNvPr id="7" name="Rectangle 6"/>
             <p:cNvSpPr/>
             <p:nvPr/>
           </p:nvSpPr>
           <p:spPr>
             <a:xfrm>
-              <a:off x="1990725" y="4091762"/>
-              <a:ext cx="257175" cy="226636"/>
+              <a:off x="3910073" y="2112317"/>
+              <a:ext cx="412485" cy="376970"/>
             </a:xfrm>
             <a:prstGeom prst="rect">
               <a:avLst/>
@@ -6781,14 +6760,14 @@
         </p:sp>
         <p:sp>
           <p:nvSpPr>
-            <p:cNvPr id="3" name="Rectangle 2"/>
+            <p:cNvPr id="8" name="Rectangle 7"/>
             <p:cNvSpPr/>
             <p:nvPr/>
           </p:nvSpPr>
           <p:spPr>
             <a:xfrm>
-              <a:off x="1990725" y="4344188"/>
-              <a:ext cx="178594" cy="152400"/>
+              <a:off x="3910073" y="2532184"/>
+              <a:ext cx="286449" cy="253491"/>
             </a:xfrm>
             <a:prstGeom prst="rect">
               <a:avLst/>
@@ -6825,14 +6804,14 @@
         </p:sp>
         <p:sp>
           <p:nvSpPr>
-            <p:cNvPr id="12" name="Rectangle 11"/>
+            <p:cNvPr id="9" name="Rectangle 8"/>
             <p:cNvSpPr/>
             <p:nvPr/>
           </p:nvSpPr>
           <p:spPr>
             <a:xfrm>
-              <a:off x="2990774" y="5800073"/>
-              <a:ext cx="50160" cy="151620"/>
+              <a:off x="5514061" y="4953799"/>
+              <a:ext cx="80452" cy="252194"/>
             </a:xfrm>
             <a:prstGeom prst="rect">
               <a:avLst/>
@@ -6865,14 +6844,14 @@
         </p:sp>
         <p:sp>
           <p:nvSpPr>
-            <p:cNvPr id="13" name="Rectangle 12"/>
+            <p:cNvPr id="10" name="Rectangle 9"/>
             <p:cNvSpPr/>
             <p:nvPr/>
           </p:nvSpPr>
           <p:spPr>
             <a:xfrm>
-              <a:off x="2401490" y="3605986"/>
-              <a:ext cx="257175" cy="226636"/>
+              <a:off x="4568902" y="1304312"/>
+              <a:ext cx="412485" cy="376970"/>
             </a:xfrm>
             <a:prstGeom prst="rect">
               <a:avLst/>
@@ -6905,14 +6884,14 @@
         </p:sp>
         <p:sp>
           <p:nvSpPr>
-            <p:cNvPr id="14" name="Rectangle 13"/>
+            <p:cNvPr id="11" name="Rectangle 10"/>
             <p:cNvSpPr/>
             <p:nvPr/>
           </p:nvSpPr>
           <p:spPr>
             <a:xfrm>
-              <a:off x="2401490" y="3848874"/>
-              <a:ext cx="257175" cy="226636"/>
+              <a:off x="4568902" y="1708315"/>
+              <a:ext cx="412485" cy="376970"/>
             </a:xfrm>
             <a:prstGeom prst="rect">
               <a:avLst/>
@@ -6943,14 +6922,14 @@
         </p:sp>
         <p:sp>
           <p:nvSpPr>
-            <p:cNvPr id="15" name="Rectangle 14"/>
+            <p:cNvPr id="12" name="Rectangle 11"/>
             <p:cNvSpPr/>
             <p:nvPr/>
           </p:nvSpPr>
           <p:spPr>
             <a:xfrm>
-              <a:off x="2401490" y="4091762"/>
-              <a:ext cx="257175" cy="226636"/>
+              <a:off x="4568902" y="2112317"/>
+              <a:ext cx="412485" cy="376970"/>
             </a:xfrm>
             <a:prstGeom prst="rect">
               <a:avLst/>
@@ -7082,14 +7061,123 @@
         </p:sp>
         <p:sp>
           <p:nvSpPr>
+            <p:cNvPr id="13" name="Rectangle 12"/>
+            <p:cNvSpPr/>
+            <p:nvPr/>
+          </p:nvSpPr>
+          <p:spPr>
+            <a:xfrm>
+              <a:off x="4568904" y="2526205"/>
+              <a:ext cx="286449" cy="253491"/>
+            </a:xfrm>
+            <a:prstGeom prst="rect">
+              <a:avLst/>
+            </a:prstGeom>
+          </p:spPr>
+          <p:style>
+            <a:lnRef idx="2">
+              <a:schemeClr val="accent1">
+                <a:shade val="50000"/>
+              </a:schemeClr>
+            </a:lnRef>
+            <a:fillRef idx="1">
+              <a:schemeClr val="accent1"/>
+            </a:fillRef>
+            <a:effectRef idx="0">
+              <a:schemeClr val="accent1"/>
+            </a:effectRef>
+            <a:fontRef idx="minor">
+              <a:schemeClr val="lt1"/>
+            </a:fontRef>
+          </p:style>
+          <p:txBody>
+            <a:bodyPr rtlCol="0" anchor="ctr"/>
+            <a:lstStyle/>
+            <a:p>
+              <a:pPr algn="ctr"/>
+              <a:endParaRPr lang="en-CA"/>
+            </a:p>
+          </p:txBody>
+        </p:sp>
+        <p:sp>
+          <p:nvSpPr>
+            <p:cNvPr id="14" name="Rectangle 13"/>
+            <p:cNvSpPr/>
+            <p:nvPr/>
+          </p:nvSpPr>
+          <p:spPr>
+            <a:xfrm>
+              <a:off x="4723524" y="2822285"/>
+              <a:ext cx="235074" cy="317860"/>
+            </a:xfrm>
+            <a:prstGeom prst="rect">
+              <a:avLst/>
+            </a:prstGeom>
+          </p:spPr>
+          <p:style>
+            <a:lnRef idx="2">
+              <a:schemeClr val="accent1">
+                <a:shade val="50000"/>
+              </a:schemeClr>
+            </a:lnRef>
+            <a:fillRef idx="1">
+              <a:schemeClr val="accent1"/>
+            </a:fillRef>
+            <a:effectRef idx="0">
+              <a:schemeClr val="accent1"/>
+            </a:effectRef>
+            <a:fontRef idx="minor">
+              <a:schemeClr val="lt1"/>
+            </a:fontRef>
+          </p:style>
+          <p:txBody>
+            <a:bodyPr rtlCol="0" anchor="ctr"/>
+            <a:lstStyle/>
+            <a:p>
+              <a:pPr algn="ctr"/>
+              <a:endParaRPr lang="en-CA"/>
+            </a:p>
+          </p:txBody>
+        </p:sp>
+        <p:sp>
+          <p:nvSpPr>
+            <p:cNvPr id="15" name="TextBox 14"/>
+            <p:cNvSpPr txBox="1"/>
+            <p:nvPr/>
+          </p:nvSpPr>
+          <p:spPr>
+            <a:xfrm>
+              <a:off x="4106351" y="1524139"/>
+              <a:ext cx="543010" cy="2075458"/>
+            </a:xfrm>
+            <a:prstGeom prst="rect">
+              <a:avLst/>
+            </a:prstGeom>
+            <a:noFill/>
+          </p:spPr>
+          <p:txBody>
+            <a:bodyPr vert="eaVert" wrap="square" rtlCol="0">
+              <a:spAutoFit/>
+            </a:bodyPr>
+            <a:lstStyle/>
+            <a:p>
+              <a:r>
+                <a:rPr lang="en-CA" sz="1000" dirty="0"/>
+                <a:t>passageway</a:t>
+              </a:r>
+            </a:p>
+          </p:txBody>
+        </p:sp>
+        <p:sp>
+          <p:nvSpPr>
             <p:cNvPr id="16" name="Rectangle 15"/>
             <p:cNvSpPr/>
             <p:nvPr/>
           </p:nvSpPr>
           <p:spPr>
             <a:xfrm>
-              <a:off x="2401491" y="4340593"/>
-              <a:ext cx="178594" cy="152400"/>
+              <a:off x="5204944" y="1295400"/>
+              <a:ext cx="412485" cy="376970"/>
             </a:xfrm>
             <a:prstGeom prst="rect">
               <a:avLst/>
@@ -7128,8 +7216,8 @@
           </p:nvSpPr>
           <p:spPr>
             <a:xfrm>
-              <a:off x="2497893" y="4518598"/>
-              <a:ext cx="146563" cy="191099"/>
+              <a:off x="5204944" y="1699402"/>
+              <a:ext cx="412485" cy="376970"/>
             </a:xfrm>
             <a:prstGeom prst="rect">
               <a:avLst/>
@@ -7162,14 +7250,233 @@
         </p:sp>
         <p:sp>
           <p:nvSpPr>
-            <p:cNvPr id="19" name="TextBox 18"/>
+            <p:cNvPr id="18" name="Rectangle 17"/>
+            <p:cNvSpPr/>
+            <p:nvPr/>
+          </p:nvSpPr>
+          <p:spPr>
+            <a:xfrm>
+              <a:off x="5204944" y="2103405"/>
+              <a:ext cx="412485" cy="376970"/>
+            </a:xfrm>
+            <a:prstGeom prst="rect">
+              <a:avLst/>
+            </a:prstGeom>
+          </p:spPr>
+          <p:style>
+            <a:lnRef idx="2">
+              <a:schemeClr val="accent1">
+                <a:shade val="50000"/>
+              </a:schemeClr>
+            </a:lnRef>
+            <a:fillRef idx="1">
+              <a:schemeClr val="accent1"/>
+            </a:fillRef>
+            <a:effectRef idx="0">
+              <a:schemeClr val="accent1"/>
+            </a:effectRef>
+            <a:fontRef idx="minor">
+              <a:schemeClr val="lt1"/>
+            </a:fontRef>
+          </p:style>
+          <p:txBody>
+            <a:bodyPr rot="0" spcFirstLastPara="0" vert="horz" wrap="square" lIns="91440" tIns="45720" rIns="91440" bIns="45720" numCol="1" spcCol="0" rtlCol="0" fromWordArt="0" anchor="ctr" anchorCtr="0" forceAA="0" compatLnSpc="1">
+              <a:prstTxWarp prst="textNoShape">
+                <a:avLst/>
+              </a:prstTxWarp>
+              <a:noAutofit/>
+            </a:bodyPr>
+            <a:lstStyle>
+              <a:defPPr>
+                <a:defRPr lang="en-US"/>
+              </a:defPPr>
+              <a:lvl1pPr marL="0" algn="l" defTabSz="914400" rtl="0" eaLnBrk="1" latinLnBrk="0" hangingPunct="1">
+                <a:defRPr sz="1800" kern="1200">
+                  <a:solidFill>
+                    <a:schemeClr val="lt1"/>
+                  </a:solidFill>
+                  <a:latin typeface="+mn-lt"/>
+                  <a:ea typeface="+mn-ea"/>
+                  <a:cs typeface="+mn-cs"/>
+                </a:defRPr>
+              </a:lvl1pPr>
+              <a:lvl2pPr marL="457200" algn="l" defTabSz="914400" rtl="0" eaLnBrk="1" latinLnBrk="0" hangingPunct="1">
+                <a:defRPr sz="1800" kern="1200">
+                  <a:solidFill>
+                    <a:schemeClr val="lt1"/>
+                  </a:solidFill>
+                  <a:latin typeface="+mn-lt"/>
+                  <a:ea typeface="+mn-ea"/>
+                  <a:cs typeface="+mn-cs"/>
+                </a:defRPr>
+              </a:lvl2pPr>
+              <a:lvl3pPr marL="914400" algn="l" defTabSz="914400" rtl="0" eaLnBrk="1" latinLnBrk="0" hangingPunct="1">
+                <a:defRPr sz="1800" kern="1200">
+                  <a:solidFill>
+                    <a:schemeClr val="lt1"/>
+                  </a:solidFill>
+                  <a:latin typeface="+mn-lt"/>
+                  <a:ea typeface="+mn-ea"/>
+                  <a:cs typeface="+mn-cs"/>
+                </a:defRPr>
+              </a:lvl3pPr>
+              <a:lvl4pPr marL="1371600" algn="l" defTabSz="914400" rtl="0" eaLnBrk="1" latinLnBrk="0" hangingPunct="1">
+                <a:defRPr sz="1800" kern="1200">
+                  <a:solidFill>
+                    <a:schemeClr val="lt1"/>
+                  </a:solidFill>
+                  <a:latin typeface="+mn-lt"/>
+                  <a:ea typeface="+mn-ea"/>
+                  <a:cs typeface="+mn-cs"/>
+                </a:defRPr>
+              </a:lvl4pPr>
+              <a:lvl5pPr marL="1828800" algn="l" defTabSz="914400" rtl="0" eaLnBrk="1" latinLnBrk="0" hangingPunct="1">
+                <a:defRPr sz="1800" kern="1200">
+                  <a:solidFill>
+                    <a:schemeClr val="lt1"/>
+                  </a:solidFill>
+                  <a:latin typeface="+mn-lt"/>
+                  <a:ea typeface="+mn-ea"/>
+                  <a:cs typeface="+mn-cs"/>
+                </a:defRPr>
+              </a:lvl5pPr>
+              <a:lvl6pPr marL="2286000" algn="l" defTabSz="914400" rtl="0" eaLnBrk="1" latinLnBrk="0" hangingPunct="1">
+                <a:defRPr sz="1800" kern="1200">
+                  <a:solidFill>
+                    <a:schemeClr val="lt1"/>
+                  </a:solidFill>
+                  <a:latin typeface="+mn-lt"/>
+                  <a:ea typeface="+mn-ea"/>
+                  <a:cs typeface="+mn-cs"/>
+                </a:defRPr>
+              </a:lvl6pPr>
+              <a:lvl7pPr marL="2743200" algn="l" defTabSz="914400" rtl="0" eaLnBrk="1" latinLnBrk="0" hangingPunct="1">
+                <a:defRPr sz="1800" kern="1200">
+                  <a:solidFill>
+                    <a:schemeClr val="lt1"/>
+                  </a:solidFill>
+                  <a:latin typeface="+mn-lt"/>
+                  <a:ea typeface="+mn-ea"/>
+                  <a:cs typeface="+mn-cs"/>
+                </a:defRPr>
+              </a:lvl7pPr>
+              <a:lvl8pPr marL="3200400" algn="l" defTabSz="914400" rtl="0" eaLnBrk="1" latinLnBrk="0" hangingPunct="1">
+                <a:defRPr sz="1800" kern="1200">
+                  <a:solidFill>
+                    <a:schemeClr val="lt1"/>
+                  </a:solidFill>
+                  <a:latin typeface="+mn-lt"/>
+                  <a:ea typeface="+mn-ea"/>
+                  <a:cs typeface="+mn-cs"/>
+                </a:defRPr>
+              </a:lvl8pPr>
+              <a:lvl9pPr marL="3657600" algn="l" defTabSz="914400" rtl="0" eaLnBrk="1" latinLnBrk="0" hangingPunct="1">
+                <a:defRPr sz="1800" kern="1200">
+                  <a:solidFill>
+                    <a:schemeClr val="lt1"/>
+                  </a:solidFill>
+                  <a:latin typeface="+mn-lt"/>
+                  <a:ea typeface="+mn-ea"/>
+                  <a:cs typeface="+mn-cs"/>
+                </a:defRPr>
+              </a:lvl9pPr>
+            </a:lstStyle>
+            <a:p>
+              <a:pPr algn="ctr"/>
+              <a:endParaRPr lang="en-CA"/>
+            </a:p>
+          </p:txBody>
+        </p:sp>
+        <p:sp>
+          <p:nvSpPr>
+            <p:cNvPr id="19" name="Rectangle 18"/>
+            <p:cNvSpPr/>
+            <p:nvPr/>
+          </p:nvSpPr>
+          <p:spPr>
+            <a:xfrm>
+              <a:off x="5204944" y="2526133"/>
+              <a:ext cx="377363" cy="253491"/>
+            </a:xfrm>
+            <a:prstGeom prst="rect">
+              <a:avLst/>
+            </a:prstGeom>
+          </p:spPr>
+          <p:style>
+            <a:lnRef idx="2">
+              <a:schemeClr val="accent1">
+                <a:shade val="50000"/>
+              </a:schemeClr>
+            </a:lnRef>
+            <a:fillRef idx="1">
+              <a:schemeClr val="accent1"/>
+            </a:fillRef>
+            <a:effectRef idx="0">
+              <a:schemeClr val="accent1"/>
+            </a:effectRef>
+            <a:fontRef idx="minor">
+              <a:schemeClr val="lt1"/>
+            </a:fontRef>
+          </p:style>
+          <p:txBody>
+            <a:bodyPr rtlCol="0" anchor="ctr"/>
+            <a:lstStyle/>
+            <a:p>
+              <a:pPr algn="ctr"/>
+              <a:endParaRPr lang="en-CA"/>
+            </a:p>
+          </p:txBody>
+        </p:sp>
+        <p:sp>
+          <p:nvSpPr>
+            <p:cNvPr id="20" name="Rectangle 19"/>
+            <p:cNvSpPr/>
+            <p:nvPr/>
+          </p:nvSpPr>
+          <p:spPr>
+            <a:xfrm>
+              <a:off x="5204697" y="2820625"/>
+              <a:ext cx="412485" cy="287160"/>
+            </a:xfrm>
+            <a:prstGeom prst="rect">
+              <a:avLst/>
+            </a:prstGeom>
+          </p:spPr>
+          <p:style>
+            <a:lnRef idx="2">
+              <a:schemeClr val="accent1">
+                <a:shade val="50000"/>
+              </a:schemeClr>
+            </a:lnRef>
+            <a:fillRef idx="1">
+              <a:schemeClr val="accent1"/>
+            </a:fillRef>
+            <a:effectRef idx="0">
+              <a:schemeClr val="accent1"/>
+            </a:effectRef>
+            <a:fontRef idx="minor">
+              <a:schemeClr val="lt1"/>
+            </a:fontRef>
+          </p:style>
+          <p:txBody>
+            <a:bodyPr rtlCol="0" anchor="ctr"/>
+            <a:lstStyle/>
+            <a:p>
+              <a:pPr algn="ctr"/>
+              <a:endParaRPr lang="en-CA"/>
+            </a:p>
+          </p:txBody>
+        </p:sp>
+        <p:sp>
+          <p:nvSpPr>
+            <p:cNvPr id="21" name="TextBox 20"/>
             <p:cNvSpPr txBox="1"/>
             <p:nvPr/>
           </p:nvSpPr>
           <p:spPr>
             <a:xfrm>
-              <a:off x="2113100" y="3738147"/>
-              <a:ext cx="338554" cy="1247774"/>
+              <a:off x="4793764" y="1533050"/>
+              <a:ext cx="543010" cy="2075458"/>
             </a:xfrm>
             <a:prstGeom prst="rect">
               <a:avLst/>
@@ -7191,342 +7498,14 @@
         </p:sp>
         <p:sp>
           <p:nvSpPr>
-            <p:cNvPr id="20" name="Rectangle 19"/>
-            <p:cNvSpPr/>
-            <p:nvPr/>
-          </p:nvSpPr>
-          <p:spPr>
-            <a:xfrm>
-              <a:off x="2798047" y="3600628"/>
-              <a:ext cx="257175" cy="226636"/>
-            </a:xfrm>
-            <a:prstGeom prst="rect">
-              <a:avLst/>
-            </a:prstGeom>
-          </p:spPr>
-          <p:style>
-            <a:lnRef idx="2">
-              <a:schemeClr val="accent1">
-                <a:shade val="50000"/>
-              </a:schemeClr>
-            </a:lnRef>
-            <a:fillRef idx="1">
-              <a:schemeClr val="accent1"/>
-            </a:fillRef>
-            <a:effectRef idx="0">
-              <a:schemeClr val="accent1"/>
-            </a:effectRef>
-            <a:fontRef idx="minor">
-              <a:schemeClr val="lt1"/>
-            </a:fontRef>
-          </p:style>
-          <p:txBody>
-            <a:bodyPr rtlCol="0" anchor="ctr"/>
-            <a:lstStyle/>
-            <a:p>
-              <a:pPr algn="ctr"/>
-              <a:endParaRPr lang="en-CA"/>
-            </a:p>
-          </p:txBody>
-        </p:sp>
-        <p:sp>
-          <p:nvSpPr>
-            <p:cNvPr id="21" name="Rectangle 20"/>
-            <p:cNvSpPr/>
-            <p:nvPr/>
-          </p:nvSpPr>
-          <p:spPr>
-            <a:xfrm>
-              <a:off x="2798047" y="3843516"/>
-              <a:ext cx="257175" cy="226636"/>
-            </a:xfrm>
-            <a:prstGeom prst="rect">
-              <a:avLst/>
-            </a:prstGeom>
-          </p:spPr>
-          <p:style>
-            <a:lnRef idx="2">
-              <a:schemeClr val="accent1">
-                <a:shade val="50000"/>
-              </a:schemeClr>
-            </a:lnRef>
-            <a:fillRef idx="1">
-              <a:schemeClr val="accent1"/>
-            </a:fillRef>
-            <a:effectRef idx="0">
-              <a:schemeClr val="accent1"/>
-            </a:effectRef>
-            <a:fontRef idx="minor">
-              <a:schemeClr val="lt1"/>
-            </a:fontRef>
-          </p:style>
-          <p:txBody>
-            <a:bodyPr rtlCol="0" anchor="ctr"/>
-            <a:lstStyle/>
-            <a:p>
-              <a:pPr algn="ctr"/>
-              <a:endParaRPr lang="en-CA"/>
-            </a:p>
-          </p:txBody>
-        </p:sp>
-        <p:sp>
-          <p:nvSpPr>
             <p:cNvPr id="22" name="Rectangle 21"/>
             <p:cNvSpPr/>
             <p:nvPr/>
           </p:nvSpPr>
           <p:spPr>
             <a:xfrm>
-              <a:off x="2798047" y="4086404"/>
-              <a:ext cx="257175" cy="226636"/>
-            </a:xfrm>
-            <a:prstGeom prst="rect">
-              <a:avLst/>
-            </a:prstGeom>
-          </p:spPr>
-          <p:style>
-            <a:lnRef idx="2">
-              <a:schemeClr val="accent1">
-                <a:shade val="50000"/>
-              </a:schemeClr>
-            </a:lnRef>
-            <a:fillRef idx="1">
-              <a:schemeClr val="accent1"/>
-            </a:fillRef>
-            <a:effectRef idx="0">
-              <a:schemeClr val="accent1"/>
-            </a:effectRef>
-            <a:fontRef idx="minor">
-              <a:schemeClr val="lt1"/>
-            </a:fontRef>
-          </p:style>
-          <p:txBody>
-            <a:bodyPr rot="0" spcFirstLastPara="0" vert="horz" wrap="square" lIns="91440" tIns="45720" rIns="91440" bIns="45720" numCol="1" spcCol="0" rtlCol="0" fromWordArt="0" anchor="ctr" anchorCtr="0" forceAA="0" compatLnSpc="1">
-              <a:prstTxWarp prst="textNoShape">
-                <a:avLst/>
-              </a:prstTxWarp>
-              <a:noAutofit/>
-            </a:bodyPr>
-            <a:lstStyle>
-              <a:defPPr>
-                <a:defRPr lang="en-US"/>
-              </a:defPPr>
-              <a:lvl1pPr marL="0" algn="l" defTabSz="914400" rtl="0" eaLnBrk="1" latinLnBrk="0" hangingPunct="1">
-                <a:defRPr sz="1800" kern="1200">
-                  <a:solidFill>
-                    <a:schemeClr val="lt1"/>
-                  </a:solidFill>
-                  <a:latin typeface="+mn-lt"/>
-                  <a:ea typeface="+mn-ea"/>
-                  <a:cs typeface="+mn-cs"/>
-                </a:defRPr>
-              </a:lvl1pPr>
-              <a:lvl2pPr marL="457200" algn="l" defTabSz="914400" rtl="0" eaLnBrk="1" latinLnBrk="0" hangingPunct="1">
-                <a:defRPr sz="1800" kern="1200">
-                  <a:solidFill>
-                    <a:schemeClr val="lt1"/>
-                  </a:solidFill>
-                  <a:latin typeface="+mn-lt"/>
-                  <a:ea typeface="+mn-ea"/>
-                  <a:cs typeface="+mn-cs"/>
-                </a:defRPr>
-              </a:lvl2pPr>
-              <a:lvl3pPr marL="914400" algn="l" defTabSz="914400" rtl="0" eaLnBrk="1" latinLnBrk="0" hangingPunct="1">
-                <a:defRPr sz="1800" kern="1200">
-                  <a:solidFill>
-                    <a:schemeClr val="lt1"/>
-                  </a:solidFill>
-                  <a:latin typeface="+mn-lt"/>
-                  <a:ea typeface="+mn-ea"/>
-                  <a:cs typeface="+mn-cs"/>
-                </a:defRPr>
-              </a:lvl3pPr>
-              <a:lvl4pPr marL="1371600" algn="l" defTabSz="914400" rtl="0" eaLnBrk="1" latinLnBrk="0" hangingPunct="1">
-                <a:defRPr sz="1800" kern="1200">
-                  <a:solidFill>
-                    <a:schemeClr val="lt1"/>
-                  </a:solidFill>
-                  <a:latin typeface="+mn-lt"/>
-                  <a:ea typeface="+mn-ea"/>
-                  <a:cs typeface="+mn-cs"/>
-                </a:defRPr>
-              </a:lvl4pPr>
-              <a:lvl5pPr marL="1828800" algn="l" defTabSz="914400" rtl="0" eaLnBrk="1" latinLnBrk="0" hangingPunct="1">
-                <a:defRPr sz="1800" kern="1200">
-                  <a:solidFill>
-                    <a:schemeClr val="lt1"/>
-                  </a:solidFill>
-                  <a:latin typeface="+mn-lt"/>
-                  <a:ea typeface="+mn-ea"/>
-                  <a:cs typeface="+mn-cs"/>
-                </a:defRPr>
-              </a:lvl5pPr>
-              <a:lvl6pPr marL="2286000" algn="l" defTabSz="914400" rtl="0" eaLnBrk="1" latinLnBrk="0" hangingPunct="1">
-                <a:defRPr sz="1800" kern="1200">
-                  <a:solidFill>
-                    <a:schemeClr val="lt1"/>
-                  </a:solidFill>
-                  <a:latin typeface="+mn-lt"/>
-                  <a:ea typeface="+mn-ea"/>
-                  <a:cs typeface="+mn-cs"/>
-                </a:defRPr>
-              </a:lvl6pPr>
-              <a:lvl7pPr marL="2743200" algn="l" defTabSz="914400" rtl="0" eaLnBrk="1" latinLnBrk="0" hangingPunct="1">
-                <a:defRPr sz="1800" kern="1200">
-                  <a:solidFill>
-                    <a:schemeClr val="lt1"/>
-                  </a:solidFill>
-                  <a:latin typeface="+mn-lt"/>
-                  <a:ea typeface="+mn-ea"/>
-                  <a:cs typeface="+mn-cs"/>
-                </a:defRPr>
-              </a:lvl7pPr>
-              <a:lvl8pPr marL="3200400" algn="l" defTabSz="914400" rtl="0" eaLnBrk="1" latinLnBrk="0" hangingPunct="1">
-                <a:defRPr sz="1800" kern="1200">
-                  <a:solidFill>
-                    <a:schemeClr val="lt1"/>
-                  </a:solidFill>
-                  <a:latin typeface="+mn-lt"/>
-                  <a:ea typeface="+mn-ea"/>
-                  <a:cs typeface="+mn-cs"/>
-                </a:defRPr>
-              </a:lvl8pPr>
-              <a:lvl9pPr marL="3657600" algn="l" defTabSz="914400" rtl="0" eaLnBrk="1" latinLnBrk="0" hangingPunct="1">
-                <a:defRPr sz="1800" kern="1200">
-                  <a:solidFill>
-                    <a:schemeClr val="lt1"/>
-                  </a:solidFill>
-                  <a:latin typeface="+mn-lt"/>
-                  <a:ea typeface="+mn-ea"/>
-                  <a:cs typeface="+mn-cs"/>
-                </a:defRPr>
-              </a:lvl9pPr>
-            </a:lstStyle>
-            <a:p>
-              <a:pPr algn="ctr"/>
-              <a:endParaRPr lang="en-CA"/>
-            </a:p>
-          </p:txBody>
-        </p:sp>
-        <p:sp>
-          <p:nvSpPr>
-            <p:cNvPr id="23" name="Rectangle 22"/>
-            <p:cNvSpPr/>
-            <p:nvPr/>
-          </p:nvSpPr>
-          <p:spPr>
-            <a:xfrm>
-              <a:off x="2798047" y="4340550"/>
-              <a:ext cx="235277" cy="152400"/>
-            </a:xfrm>
-            <a:prstGeom prst="rect">
-              <a:avLst/>
-            </a:prstGeom>
-          </p:spPr>
-          <p:style>
-            <a:lnRef idx="2">
-              <a:schemeClr val="accent1">
-                <a:shade val="50000"/>
-              </a:schemeClr>
-            </a:lnRef>
-            <a:fillRef idx="1">
-              <a:schemeClr val="accent1"/>
-            </a:fillRef>
-            <a:effectRef idx="0">
-              <a:schemeClr val="accent1"/>
-            </a:effectRef>
-            <a:fontRef idx="minor">
-              <a:schemeClr val="lt1"/>
-            </a:fontRef>
-          </p:style>
-          <p:txBody>
-            <a:bodyPr rtlCol="0" anchor="ctr"/>
-            <a:lstStyle/>
-            <a:p>
-              <a:pPr algn="ctr"/>
-              <a:endParaRPr lang="en-CA"/>
-            </a:p>
-          </p:txBody>
-        </p:sp>
-        <p:sp>
-          <p:nvSpPr>
-            <p:cNvPr id="24" name="Rectangle 23"/>
-            <p:cNvSpPr/>
-            <p:nvPr/>
-          </p:nvSpPr>
-          <p:spPr>
-            <a:xfrm>
-              <a:off x="2797893" y="4517600"/>
-              <a:ext cx="257175" cy="172642"/>
-            </a:xfrm>
-            <a:prstGeom prst="rect">
-              <a:avLst/>
-            </a:prstGeom>
-          </p:spPr>
-          <p:style>
-            <a:lnRef idx="2">
-              <a:schemeClr val="accent1">
-                <a:shade val="50000"/>
-              </a:schemeClr>
-            </a:lnRef>
-            <a:fillRef idx="1">
-              <a:schemeClr val="accent1"/>
-            </a:fillRef>
-            <a:effectRef idx="0">
-              <a:schemeClr val="accent1"/>
-            </a:effectRef>
-            <a:fontRef idx="minor">
-              <a:schemeClr val="lt1"/>
-            </a:fontRef>
-          </p:style>
-          <p:txBody>
-            <a:bodyPr rtlCol="0" anchor="ctr"/>
-            <a:lstStyle/>
-            <a:p>
-              <a:pPr algn="ctr"/>
-              <a:endParaRPr lang="en-CA"/>
-            </a:p>
-          </p:txBody>
-        </p:sp>
-        <p:sp>
-          <p:nvSpPr>
-            <p:cNvPr id="25" name="TextBox 24"/>
-            <p:cNvSpPr txBox="1"/>
-            <p:nvPr/>
-          </p:nvSpPr>
-          <p:spPr>
-            <a:xfrm>
-              <a:off x="2541686" y="3743504"/>
-              <a:ext cx="338554" cy="1247774"/>
-            </a:xfrm>
-            <a:prstGeom prst="rect">
-              <a:avLst/>
-            </a:prstGeom>
-            <a:noFill/>
-          </p:spPr>
-          <p:txBody>
-            <a:bodyPr vert="eaVert" wrap="square" rtlCol="0">
-              <a:spAutoFit/>
-            </a:bodyPr>
-            <a:lstStyle/>
-            <a:p>
-              <a:r>
-                <a:rPr lang="en-CA" sz="1000" dirty="0"/>
-                <a:t>passageway</a:t>
-              </a:r>
-            </a:p>
-          </p:txBody>
-        </p:sp>
-        <p:sp>
-          <p:nvSpPr>
-            <p:cNvPr id="26" name="Rectangle 25"/>
-            <p:cNvSpPr/>
-            <p:nvPr/>
-          </p:nvSpPr>
-          <p:spPr>
-            <a:xfrm>
-              <a:off x="1977628" y="5043706"/>
-              <a:ext cx="257175" cy="226636"/>
+              <a:off x="3889066" y="3695712"/>
+              <a:ext cx="412485" cy="376970"/>
             </a:xfrm>
             <a:prstGeom prst="rect">
               <a:avLst/>
@@ -7559,14 +7538,273 @@
         </p:sp>
         <p:sp>
           <p:nvSpPr>
+            <p:cNvPr id="23" name="Rectangle 22"/>
+            <p:cNvSpPr/>
+            <p:nvPr/>
+          </p:nvSpPr>
+          <p:spPr>
+            <a:xfrm>
+              <a:off x="3887158" y="4130370"/>
+              <a:ext cx="412485" cy="376970"/>
+            </a:xfrm>
+            <a:prstGeom prst="rect">
+              <a:avLst/>
+            </a:prstGeom>
+          </p:spPr>
+          <p:style>
+            <a:lnRef idx="2">
+              <a:schemeClr val="accent1">
+                <a:shade val="50000"/>
+              </a:schemeClr>
+            </a:lnRef>
+            <a:fillRef idx="1">
+              <a:schemeClr val="accent1"/>
+            </a:fillRef>
+            <a:effectRef idx="0">
+              <a:schemeClr val="accent1"/>
+            </a:effectRef>
+            <a:fontRef idx="minor">
+              <a:schemeClr val="lt1"/>
+            </a:fontRef>
+          </p:style>
+          <p:txBody>
+            <a:bodyPr rtlCol="0" anchor="ctr"/>
+            <a:lstStyle/>
+            <a:p>
+              <a:pPr algn="ctr"/>
+              <a:endParaRPr lang="en-CA"/>
+            </a:p>
+          </p:txBody>
+        </p:sp>
+        <p:sp>
+          <p:nvSpPr>
+            <p:cNvPr id="24" name="Rectangle 23"/>
+            <p:cNvSpPr/>
+            <p:nvPr/>
+          </p:nvSpPr>
+          <p:spPr>
+            <a:xfrm>
+              <a:off x="3886200" y="4562052"/>
+              <a:ext cx="412485" cy="376970"/>
+            </a:xfrm>
+            <a:prstGeom prst="rect">
+              <a:avLst/>
+            </a:prstGeom>
+          </p:spPr>
+          <p:style>
+            <a:lnRef idx="2">
+              <a:schemeClr val="accent1">
+                <a:shade val="50000"/>
+              </a:schemeClr>
+            </a:lnRef>
+            <a:fillRef idx="1">
+              <a:schemeClr val="accent1"/>
+            </a:fillRef>
+            <a:effectRef idx="0">
+              <a:schemeClr val="accent1"/>
+            </a:effectRef>
+            <a:fontRef idx="minor">
+              <a:schemeClr val="lt1"/>
+            </a:fontRef>
+          </p:style>
+          <p:txBody>
+            <a:bodyPr rot="0" spcFirstLastPara="0" vert="horz" wrap="square" lIns="91440" tIns="45720" rIns="91440" bIns="45720" numCol="1" spcCol="0" rtlCol="0" fromWordArt="0" anchor="ctr" anchorCtr="0" forceAA="0" compatLnSpc="1">
+              <a:prstTxWarp prst="textNoShape">
+                <a:avLst/>
+              </a:prstTxWarp>
+              <a:noAutofit/>
+            </a:bodyPr>
+            <a:lstStyle>
+              <a:defPPr>
+                <a:defRPr lang="en-US"/>
+              </a:defPPr>
+              <a:lvl1pPr marL="0" algn="l" defTabSz="914400" rtl="0" eaLnBrk="1" latinLnBrk="0" hangingPunct="1">
+                <a:defRPr sz="1800" kern="1200">
+                  <a:solidFill>
+                    <a:schemeClr val="lt1"/>
+                  </a:solidFill>
+                  <a:latin typeface="+mn-lt"/>
+                  <a:ea typeface="+mn-ea"/>
+                  <a:cs typeface="+mn-cs"/>
+                </a:defRPr>
+              </a:lvl1pPr>
+              <a:lvl2pPr marL="457200" algn="l" defTabSz="914400" rtl="0" eaLnBrk="1" latinLnBrk="0" hangingPunct="1">
+                <a:defRPr sz="1800" kern="1200">
+                  <a:solidFill>
+                    <a:schemeClr val="lt1"/>
+                  </a:solidFill>
+                  <a:latin typeface="+mn-lt"/>
+                  <a:ea typeface="+mn-ea"/>
+                  <a:cs typeface="+mn-cs"/>
+                </a:defRPr>
+              </a:lvl2pPr>
+              <a:lvl3pPr marL="914400" algn="l" defTabSz="914400" rtl="0" eaLnBrk="1" latinLnBrk="0" hangingPunct="1">
+                <a:defRPr sz="1800" kern="1200">
+                  <a:solidFill>
+                    <a:schemeClr val="lt1"/>
+                  </a:solidFill>
+                  <a:latin typeface="+mn-lt"/>
+                  <a:ea typeface="+mn-ea"/>
+                  <a:cs typeface="+mn-cs"/>
+                </a:defRPr>
+              </a:lvl3pPr>
+              <a:lvl4pPr marL="1371600" algn="l" defTabSz="914400" rtl="0" eaLnBrk="1" latinLnBrk="0" hangingPunct="1">
+                <a:defRPr sz="1800" kern="1200">
+                  <a:solidFill>
+                    <a:schemeClr val="lt1"/>
+                  </a:solidFill>
+                  <a:latin typeface="+mn-lt"/>
+                  <a:ea typeface="+mn-ea"/>
+                  <a:cs typeface="+mn-cs"/>
+                </a:defRPr>
+              </a:lvl4pPr>
+              <a:lvl5pPr marL="1828800" algn="l" defTabSz="914400" rtl="0" eaLnBrk="1" latinLnBrk="0" hangingPunct="1">
+                <a:defRPr sz="1800" kern="1200">
+                  <a:solidFill>
+                    <a:schemeClr val="lt1"/>
+                  </a:solidFill>
+                  <a:latin typeface="+mn-lt"/>
+                  <a:ea typeface="+mn-ea"/>
+                  <a:cs typeface="+mn-cs"/>
+                </a:defRPr>
+              </a:lvl5pPr>
+              <a:lvl6pPr marL="2286000" algn="l" defTabSz="914400" rtl="0" eaLnBrk="1" latinLnBrk="0" hangingPunct="1">
+                <a:defRPr sz="1800" kern="1200">
+                  <a:solidFill>
+                    <a:schemeClr val="lt1"/>
+                  </a:solidFill>
+                  <a:latin typeface="+mn-lt"/>
+                  <a:ea typeface="+mn-ea"/>
+                  <a:cs typeface="+mn-cs"/>
+                </a:defRPr>
+              </a:lvl6pPr>
+              <a:lvl7pPr marL="2743200" algn="l" defTabSz="914400" rtl="0" eaLnBrk="1" latinLnBrk="0" hangingPunct="1">
+                <a:defRPr sz="1800" kern="1200">
+                  <a:solidFill>
+                    <a:schemeClr val="lt1"/>
+                  </a:solidFill>
+                  <a:latin typeface="+mn-lt"/>
+                  <a:ea typeface="+mn-ea"/>
+                  <a:cs typeface="+mn-cs"/>
+                </a:defRPr>
+              </a:lvl7pPr>
+              <a:lvl8pPr marL="3200400" algn="l" defTabSz="914400" rtl="0" eaLnBrk="1" latinLnBrk="0" hangingPunct="1">
+                <a:defRPr sz="1800" kern="1200">
+                  <a:solidFill>
+                    <a:schemeClr val="lt1"/>
+                  </a:solidFill>
+                  <a:latin typeface="+mn-lt"/>
+                  <a:ea typeface="+mn-ea"/>
+                  <a:cs typeface="+mn-cs"/>
+                </a:defRPr>
+              </a:lvl8pPr>
+              <a:lvl9pPr marL="3657600" algn="l" defTabSz="914400" rtl="0" eaLnBrk="1" latinLnBrk="0" hangingPunct="1">
+                <a:defRPr sz="1800" kern="1200">
+                  <a:solidFill>
+                    <a:schemeClr val="lt1"/>
+                  </a:solidFill>
+                  <a:latin typeface="+mn-lt"/>
+                  <a:ea typeface="+mn-ea"/>
+                  <a:cs typeface="+mn-cs"/>
+                </a:defRPr>
+              </a:lvl9pPr>
+            </a:lstStyle>
+            <a:p>
+              <a:pPr algn="ctr"/>
+              <a:endParaRPr lang="en-CA"/>
+            </a:p>
+          </p:txBody>
+        </p:sp>
+        <p:sp>
+          <p:nvSpPr>
+            <p:cNvPr id="25" name="Rectangle 24"/>
+            <p:cNvSpPr/>
+            <p:nvPr/>
+          </p:nvSpPr>
+          <p:spPr>
+            <a:xfrm>
+              <a:off x="3887158" y="4971264"/>
+              <a:ext cx="286449" cy="253491"/>
+            </a:xfrm>
+            <a:prstGeom prst="rect">
+              <a:avLst/>
+            </a:prstGeom>
+          </p:spPr>
+          <p:style>
+            <a:lnRef idx="2">
+              <a:schemeClr val="accent1">
+                <a:shade val="50000"/>
+              </a:schemeClr>
+            </a:lnRef>
+            <a:fillRef idx="1">
+              <a:schemeClr val="accent1"/>
+            </a:fillRef>
+            <a:effectRef idx="0">
+              <a:schemeClr val="accent1"/>
+            </a:effectRef>
+            <a:fontRef idx="minor">
+              <a:schemeClr val="lt1"/>
+            </a:fontRef>
+          </p:style>
+          <p:txBody>
+            <a:bodyPr rtlCol="0" anchor="ctr"/>
+            <a:lstStyle/>
+            <a:p>
+              <a:pPr algn="ctr"/>
+              <a:endParaRPr lang="en-CA"/>
+            </a:p>
+          </p:txBody>
+        </p:sp>
+        <p:sp>
+          <p:nvSpPr>
+            <p:cNvPr id="26" name="Rectangle 25"/>
+            <p:cNvSpPr/>
+            <p:nvPr/>
+          </p:nvSpPr>
+          <p:spPr>
+            <a:xfrm>
+              <a:off x="3886200" y="5254051"/>
+              <a:ext cx="154683" cy="158430"/>
+            </a:xfrm>
+            <a:prstGeom prst="rect">
+              <a:avLst/>
+            </a:prstGeom>
+          </p:spPr>
+          <p:style>
+            <a:lnRef idx="2">
+              <a:schemeClr val="accent1">
+                <a:shade val="50000"/>
+              </a:schemeClr>
+            </a:lnRef>
+            <a:fillRef idx="1">
+              <a:schemeClr val="accent1"/>
+            </a:fillRef>
+            <a:effectRef idx="0">
+              <a:schemeClr val="accent1"/>
+            </a:effectRef>
+            <a:fontRef idx="minor">
+              <a:schemeClr val="lt1"/>
+            </a:fontRef>
+          </p:style>
+          <p:txBody>
+            <a:bodyPr rtlCol="0" anchor="ctr"/>
+            <a:lstStyle/>
+            <a:p>
+              <a:pPr algn="ctr"/>
+              <a:endParaRPr lang="en-CA"/>
+            </a:p>
+          </p:txBody>
+        </p:sp>
+        <p:sp>
+          <p:nvSpPr>
             <p:cNvPr id="27" name="Rectangle 26"/>
             <p:cNvSpPr/>
             <p:nvPr/>
           </p:nvSpPr>
           <p:spPr>
             <a:xfrm>
-              <a:off x="1976438" y="5305024"/>
-              <a:ext cx="257175" cy="226636"/>
+              <a:off x="4064632" y="5254049"/>
+              <a:ext cx="206243" cy="287160"/>
             </a:xfrm>
             <a:prstGeom prst="rect">
               <a:avLst/>
@@ -7605,8 +7843,8 @@
           </p:nvSpPr>
           <p:spPr>
             <a:xfrm>
-              <a:off x="1975841" y="5564553"/>
-              <a:ext cx="257175" cy="226636"/>
+              <a:off x="4545987" y="3697143"/>
+              <a:ext cx="412485" cy="376970"/>
             </a:xfrm>
             <a:prstGeom prst="rect">
               <a:avLst/>
@@ -7629,107 +7867,8 @@
             </a:fontRef>
           </p:style>
           <p:txBody>
-            <a:bodyPr rot="0" spcFirstLastPara="0" vert="horz" wrap="square" lIns="91440" tIns="45720" rIns="91440" bIns="45720" numCol="1" spcCol="0" rtlCol="0" fromWordArt="0" anchor="ctr" anchorCtr="0" forceAA="0" compatLnSpc="1">
-              <a:prstTxWarp prst="textNoShape">
-                <a:avLst/>
-              </a:prstTxWarp>
-              <a:noAutofit/>
-            </a:bodyPr>
-            <a:lstStyle>
-              <a:defPPr>
-                <a:defRPr lang="en-US"/>
-              </a:defPPr>
-              <a:lvl1pPr marL="0" algn="l" defTabSz="914400" rtl="0" eaLnBrk="1" latinLnBrk="0" hangingPunct="1">
-                <a:defRPr sz="1800" kern="1200">
-                  <a:solidFill>
-                    <a:schemeClr val="lt1"/>
-                  </a:solidFill>
-                  <a:latin typeface="+mn-lt"/>
-                  <a:ea typeface="+mn-ea"/>
-                  <a:cs typeface="+mn-cs"/>
-                </a:defRPr>
-              </a:lvl1pPr>
-              <a:lvl2pPr marL="457200" algn="l" defTabSz="914400" rtl="0" eaLnBrk="1" latinLnBrk="0" hangingPunct="1">
-                <a:defRPr sz="1800" kern="1200">
-                  <a:solidFill>
-                    <a:schemeClr val="lt1"/>
-                  </a:solidFill>
-                  <a:latin typeface="+mn-lt"/>
-                  <a:ea typeface="+mn-ea"/>
-                  <a:cs typeface="+mn-cs"/>
-                </a:defRPr>
-              </a:lvl2pPr>
-              <a:lvl3pPr marL="914400" algn="l" defTabSz="914400" rtl="0" eaLnBrk="1" latinLnBrk="0" hangingPunct="1">
-                <a:defRPr sz="1800" kern="1200">
-                  <a:solidFill>
-                    <a:schemeClr val="lt1"/>
-                  </a:solidFill>
-                  <a:latin typeface="+mn-lt"/>
-                  <a:ea typeface="+mn-ea"/>
-                  <a:cs typeface="+mn-cs"/>
-                </a:defRPr>
-              </a:lvl3pPr>
-              <a:lvl4pPr marL="1371600" algn="l" defTabSz="914400" rtl="0" eaLnBrk="1" latinLnBrk="0" hangingPunct="1">
-                <a:defRPr sz="1800" kern="1200">
-                  <a:solidFill>
-                    <a:schemeClr val="lt1"/>
-                  </a:solidFill>
-                  <a:latin typeface="+mn-lt"/>
-                  <a:ea typeface="+mn-ea"/>
-                  <a:cs typeface="+mn-cs"/>
-                </a:defRPr>
-              </a:lvl4pPr>
-              <a:lvl5pPr marL="1828800" algn="l" defTabSz="914400" rtl="0" eaLnBrk="1" latinLnBrk="0" hangingPunct="1">
-                <a:defRPr sz="1800" kern="1200">
-                  <a:solidFill>
-                    <a:schemeClr val="lt1"/>
-                  </a:solidFill>
-                  <a:latin typeface="+mn-lt"/>
-                  <a:ea typeface="+mn-ea"/>
-                  <a:cs typeface="+mn-cs"/>
-                </a:defRPr>
-              </a:lvl5pPr>
-              <a:lvl6pPr marL="2286000" algn="l" defTabSz="914400" rtl="0" eaLnBrk="1" latinLnBrk="0" hangingPunct="1">
-                <a:defRPr sz="1800" kern="1200">
-                  <a:solidFill>
-                    <a:schemeClr val="lt1"/>
-                  </a:solidFill>
-                  <a:latin typeface="+mn-lt"/>
-                  <a:ea typeface="+mn-ea"/>
-                  <a:cs typeface="+mn-cs"/>
-                </a:defRPr>
-              </a:lvl6pPr>
-              <a:lvl7pPr marL="2743200" algn="l" defTabSz="914400" rtl="0" eaLnBrk="1" latinLnBrk="0" hangingPunct="1">
-                <a:defRPr sz="1800" kern="1200">
-                  <a:solidFill>
-                    <a:schemeClr val="lt1"/>
-                  </a:solidFill>
-                  <a:latin typeface="+mn-lt"/>
-                  <a:ea typeface="+mn-ea"/>
-                  <a:cs typeface="+mn-cs"/>
-                </a:defRPr>
-              </a:lvl7pPr>
-              <a:lvl8pPr marL="3200400" algn="l" defTabSz="914400" rtl="0" eaLnBrk="1" latinLnBrk="0" hangingPunct="1">
-                <a:defRPr sz="1800" kern="1200">
-                  <a:solidFill>
-                    <a:schemeClr val="lt1"/>
-                  </a:solidFill>
-                  <a:latin typeface="+mn-lt"/>
-                  <a:ea typeface="+mn-ea"/>
-                  <a:cs typeface="+mn-cs"/>
-                </a:defRPr>
-              </a:lvl8pPr>
-              <a:lvl9pPr marL="3657600" algn="l" defTabSz="914400" rtl="0" eaLnBrk="1" latinLnBrk="0" hangingPunct="1">
-                <a:defRPr sz="1800" kern="1200">
-                  <a:solidFill>
-                    <a:schemeClr val="lt1"/>
-                  </a:solidFill>
-                  <a:latin typeface="+mn-lt"/>
-                  <a:ea typeface="+mn-ea"/>
-                  <a:cs typeface="+mn-cs"/>
-                </a:defRPr>
-              </a:lvl9pPr>
-            </a:lstStyle>
+            <a:bodyPr rtlCol="0" anchor="ctr"/>
+            <a:lstStyle/>
             <a:p>
               <a:pPr algn="ctr"/>
               <a:endParaRPr lang="en-CA"/>
@@ -7744,8 +7883,8 @@
           </p:nvSpPr>
           <p:spPr>
             <a:xfrm>
-              <a:off x="1976438" y="5810573"/>
-              <a:ext cx="178594" cy="152400"/>
+              <a:off x="4545987" y="4124400"/>
+              <a:ext cx="412485" cy="376970"/>
             </a:xfrm>
             <a:prstGeom prst="rect">
               <a:avLst/>
@@ -7784,8 +7923,8 @@
           </p:nvSpPr>
           <p:spPr>
             <a:xfrm>
-              <a:off x="1975841" y="5980586"/>
-              <a:ext cx="96441" cy="95249"/>
+              <a:off x="4545987" y="4552115"/>
+              <a:ext cx="412485" cy="376970"/>
             </a:xfrm>
             <a:prstGeom prst="rect">
               <a:avLst/>
@@ -7808,8 +7947,107 @@
             </a:fontRef>
           </p:style>
           <p:txBody>
-            <a:bodyPr rtlCol="0" anchor="ctr"/>
-            <a:lstStyle/>
+            <a:bodyPr rot="0" spcFirstLastPara="0" vert="horz" wrap="square" lIns="91440" tIns="45720" rIns="91440" bIns="45720" numCol="1" spcCol="0" rtlCol="0" fromWordArt="0" anchor="ctr" anchorCtr="0" forceAA="0" compatLnSpc="1">
+              <a:prstTxWarp prst="textNoShape">
+                <a:avLst/>
+              </a:prstTxWarp>
+              <a:noAutofit/>
+            </a:bodyPr>
+            <a:lstStyle>
+              <a:defPPr>
+                <a:defRPr lang="en-US"/>
+              </a:defPPr>
+              <a:lvl1pPr marL="0" algn="l" defTabSz="914400" rtl="0" eaLnBrk="1" latinLnBrk="0" hangingPunct="1">
+                <a:defRPr sz="1800" kern="1200">
+                  <a:solidFill>
+                    <a:schemeClr val="lt1"/>
+                  </a:solidFill>
+                  <a:latin typeface="+mn-lt"/>
+                  <a:ea typeface="+mn-ea"/>
+                  <a:cs typeface="+mn-cs"/>
+                </a:defRPr>
+              </a:lvl1pPr>
+              <a:lvl2pPr marL="457200" algn="l" defTabSz="914400" rtl="0" eaLnBrk="1" latinLnBrk="0" hangingPunct="1">
+                <a:defRPr sz="1800" kern="1200">
+                  <a:solidFill>
+                    <a:schemeClr val="lt1"/>
+                  </a:solidFill>
+                  <a:latin typeface="+mn-lt"/>
+                  <a:ea typeface="+mn-ea"/>
+                  <a:cs typeface="+mn-cs"/>
+                </a:defRPr>
+              </a:lvl2pPr>
+              <a:lvl3pPr marL="914400" algn="l" defTabSz="914400" rtl="0" eaLnBrk="1" latinLnBrk="0" hangingPunct="1">
+                <a:defRPr sz="1800" kern="1200">
+                  <a:solidFill>
+                    <a:schemeClr val="lt1"/>
+                  </a:solidFill>
+                  <a:latin typeface="+mn-lt"/>
+                  <a:ea typeface="+mn-ea"/>
+                  <a:cs typeface="+mn-cs"/>
+                </a:defRPr>
+              </a:lvl3pPr>
+              <a:lvl4pPr marL="1371600" algn="l" defTabSz="914400" rtl="0" eaLnBrk="1" latinLnBrk="0" hangingPunct="1">
+                <a:defRPr sz="1800" kern="1200">
+                  <a:solidFill>
+                    <a:schemeClr val="lt1"/>
+                  </a:solidFill>
+                  <a:latin typeface="+mn-lt"/>
+                  <a:ea typeface="+mn-ea"/>
+                  <a:cs typeface="+mn-cs"/>
+                </a:defRPr>
+              </a:lvl4pPr>
+              <a:lvl5pPr marL="1828800" algn="l" defTabSz="914400" rtl="0" eaLnBrk="1" latinLnBrk="0" hangingPunct="1">
+                <a:defRPr sz="1800" kern="1200">
+                  <a:solidFill>
+                    <a:schemeClr val="lt1"/>
+                  </a:solidFill>
+                  <a:latin typeface="+mn-lt"/>
+                  <a:ea typeface="+mn-ea"/>
+                  <a:cs typeface="+mn-cs"/>
+                </a:defRPr>
+              </a:lvl5pPr>
+              <a:lvl6pPr marL="2286000" algn="l" defTabSz="914400" rtl="0" eaLnBrk="1" latinLnBrk="0" hangingPunct="1">
+                <a:defRPr sz="1800" kern="1200">
+                  <a:solidFill>
+                    <a:schemeClr val="lt1"/>
+                  </a:solidFill>
+                  <a:latin typeface="+mn-lt"/>
+                  <a:ea typeface="+mn-ea"/>
+                  <a:cs typeface="+mn-cs"/>
+                </a:defRPr>
+              </a:lvl6pPr>
+              <a:lvl7pPr marL="2743200" algn="l" defTabSz="914400" rtl="0" eaLnBrk="1" latinLnBrk="0" hangingPunct="1">
+                <a:defRPr sz="1800" kern="1200">
+                  <a:solidFill>
+                    <a:schemeClr val="lt1"/>
+                  </a:solidFill>
+                  <a:latin typeface="+mn-lt"/>
+                  <a:ea typeface="+mn-ea"/>
+                  <a:cs typeface="+mn-cs"/>
+                </a:defRPr>
+              </a:lvl7pPr>
+              <a:lvl8pPr marL="3200400" algn="l" defTabSz="914400" rtl="0" eaLnBrk="1" latinLnBrk="0" hangingPunct="1">
+                <a:defRPr sz="1800" kern="1200">
+                  <a:solidFill>
+                    <a:schemeClr val="lt1"/>
+                  </a:solidFill>
+                  <a:latin typeface="+mn-lt"/>
+                  <a:ea typeface="+mn-ea"/>
+                  <a:cs typeface="+mn-cs"/>
+                </a:defRPr>
+              </a:lvl8pPr>
+              <a:lvl9pPr marL="3657600" algn="l" defTabSz="914400" rtl="0" eaLnBrk="1" latinLnBrk="0" hangingPunct="1">
+                <a:defRPr sz="1800" kern="1200">
+                  <a:solidFill>
+                    <a:schemeClr val="lt1"/>
+                  </a:solidFill>
+                  <a:latin typeface="+mn-lt"/>
+                  <a:ea typeface="+mn-ea"/>
+                  <a:cs typeface="+mn-cs"/>
+                </a:defRPr>
+              </a:lvl9pPr>
+            </a:lstStyle>
             <a:p>
               <a:pPr algn="ctr"/>
               <a:endParaRPr lang="en-CA"/>
@@ -7824,8 +8062,8 @@
           </p:nvSpPr>
           <p:spPr>
             <a:xfrm>
-              <a:off x="2087089" y="5980585"/>
-              <a:ext cx="128588" cy="172642"/>
+              <a:off x="4549580" y="4964821"/>
+              <a:ext cx="286449" cy="253491"/>
             </a:xfrm>
             <a:prstGeom prst="rect">
               <a:avLst/>
@@ -7864,8 +8102,8 @@
           </p:nvSpPr>
           <p:spPr>
             <a:xfrm>
-              <a:off x="2387203" y="5044566"/>
-              <a:ext cx="257175" cy="226636"/>
+              <a:off x="4547835" y="5254049"/>
+              <a:ext cx="412485" cy="287160"/>
             </a:xfrm>
             <a:prstGeom prst="rect">
               <a:avLst/>
@@ -7904,8 +8142,8 @@
           </p:nvSpPr>
           <p:spPr>
             <a:xfrm>
-              <a:off x="2387203" y="5301435"/>
-              <a:ext cx="257175" cy="226636"/>
+              <a:off x="5182027" y="3735198"/>
+              <a:ext cx="412485" cy="376970"/>
             </a:xfrm>
             <a:prstGeom prst="rect">
               <a:avLst/>
@@ -7944,8 +8182,8 @@
           </p:nvSpPr>
           <p:spPr>
             <a:xfrm>
-              <a:off x="2387203" y="5558579"/>
-              <a:ext cx="257175" cy="226636"/>
+              <a:off x="5182027" y="4543203"/>
+              <a:ext cx="412485" cy="376970"/>
             </a:xfrm>
             <a:prstGeom prst="rect">
               <a:avLst/>
@@ -8083,8 +8321,8 @@
           </p:nvSpPr>
           <p:spPr>
             <a:xfrm>
-              <a:off x="2389443" y="5806700"/>
-              <a:ext cx="178594" cy="152400"/>
+              <a:off x="5182029" y="4952501"/>
+              <a:ext cx="286449" cy="253491"/>
             </a:xfrm>
             <a:prstGeom prst="rect">
               <a:avLst/>
@@ -8123,8 +8361,8 @@
           </p:nvSpPr>
           <p:spPr>
             <a:xfrm>
-              <a:off x="2388355" y="5980585"/>
-              <a:ext cx="257175" cy="172642"/>
+              <a:off x="5182027" y="5238321"/>
+              <a:ext cx="412485" cy="287160"/>
             </a:xfrm>
             <a:prstGeom prst="rect">
               <a:avLst/>
@@ -8157,273 +8395,14 @@
         </p:sp>
         <p:sp>
           <p:nvSpPr>
-            <p:cNvPr id="37" name="Rectangle 36"/>
-            <p:cNvSpPr/>
-            <p:nvPr/>
-          </p:nvSpPr>
-          <p:spPr>
-            <a:xfrm>
-              <a:off x="2783759" y="5067445"/>
-              <a:ext cx="257175" cy="226636"/>
-            </a:xfrm>
-            <a:prstGeom prst="rect">
-              <a:avLst/>
-            </a:prstGeom>
-          </p:spPr>
-          <p:style>
-            <a:lnRef idx="2">
-              <a:schemeClr val="accent1">
-                <a:shade val="50000"/>
-              </a:schemeClr>
-            </a:lnRef>
-            <a:fillRef idx="1">
-              <a:schemeClr val="accent1"/>
-            </a:fillRef>
-            <a:effectRef idx="0">
-              <a:schemeClr val="accent1"/>
-            </a:effectRef>
-            <a:fontRef idx="minor">
-              <a:schemeClr val="lt1"/>
-            </a:fontRef>
-          </p:style>
-          <p:txBody>
-            <a:bodyPr rtlCol="0" anchor="ctr"/>
-            <a:lstStyle/>
-            <a:p>
-              <a:pPr algn="ctr"/>
-              <a:endParaRPr lang="en-CA"/>
-            </a:p>
-          </p:txBody>
-        </p:sp>
-        <p:sp>
-          <p:nvSpPr>
-            <p:cNvPr id="39" name="Rectangle 38"/>
-            <p:cNvSpPr/>
-            <p:nvPr/>
-          </p:nvSpPr>
-          <p:spPr>
-            <a:xfrm>
-              <a:off x="2783759" y="5553221"/>
-              <a:ext cx="257175" cy="226636"/>
-            </a:xfrm>
-            <a:prstGeom prst="rect">
-              <a:avLst/>
-            </a:prstGeom>
-          </p:spPr>
-          <p:style>
-            <a:lnRef idx="2">
-              <a:schemeClr val="accent1">
-                <a:shade val="50000"/>
-              </a:schemeClr>
-            </a:lnRef>
-            <a:fillRef idx="1">
-              <a:schemeClr val="accent1"/>
-            </a:fillRef>
-            <a:effectRef idx="0">
-              <a:schemeClr val="accent1"/>
-            </a:effectRef>
-            <a:fontRef idx="minor">
-              <a:schemeClr val="lt1"/>
-            </a:fontRef>
-          </p:style>
-          <p:txBody>
-            <a:bodyPr rot="0" spcFirstLastPara="0" vert="horz" wrap="square" lIns="91440" tIns="45720" rIns="91440" bIns="45720" numCol="1" spcCol="0" rtlCol="0" fromWordArt="0" anchor="ctr" anchorCtr="0" forceAA="0" compatLnSpc="1">
-              <a:prstTxWarp prst="textNoShape">
-                <a:avLst/>
-              </a:prstTxWarp>
-              <a:noAutofit/>
-            </a:bodyPr>
-            <a:lstStyle>
-              <a:defPPr>
-                <a:defRPr lang="en-US"/>
-              </a:defPPr>
-              <a:lvl1pPr marL="0" algn="l" defTabSz="914400" rtl="0" eaLnBrk="1" latinLnBrk="0" hangingPunct="1">
-                <a:defRPr sz="1800" kern="1200">
-                  <a:solidFill>
-                    <a:schemeClr val="lt1"/>
-                  </a:solidFill>
-                  <a:latin typeface="+mn-lt"/>
-                  <a:ea typeface="+mn-ea"/>
-                  <a:cs typeface="+mn-cs"/>
-                </a:defRPr>
-              </a:lvl1pPr>
-              <a:lvl2pPr marL="457200" algn="l" defTabSz="914400" rtl="0" eaLnBrk="1" latinLnBrk="0" hangingPunct="1">
-                <a:defRPr sz="1800" kern="1200">
-                  <a:solidFill>
-                    <a:schemeClr val="lt1"/>
-                  </a:solidFill>
-                  <a:latin typeface="+mn-lt"/>
-                  <a:ea typeface="+mn-ea"/>
-                  <a:cs typeface="+mn-cs"/>
-                </a:defRPr>
-              </a:lvl2pPr>
-              <a:lvl3pPr marL="914400" algn="l" defTabSz="914400" rtl="0" eaLnBrk="1" latinLnBrk="0" hangingPunct="1">
-                <a:defRPr sz="1800" kern="1200">
-                  <a:solidFill>
-                    <a:schemeClr val="lt1"/>
-                  </a:solidFill>
-                  <a:latin typeface="+mn-lt"/>
-                  <a:ea typeface="+mn-ea"/>
-                  <a:cs typeface="+mn-cs"/>
-                </a:defRPr>
-              </a:lvl3pPr>
-              <a:lvl4pPr marL="1371600" algn="l" defTabSz="914400" rtl="0" eaLnBrk="1" latinLnBrk="0" hangingPunct="1">
-                <a:defRPr sz="1800" kern="1200">
-                  <a:solidFill>
-                    <a:schemeClr val="lt1"/>
-                  </a:solidFill>
-                  <a:latin typeface="+mn-lt"/>
-                  <a:ea typeface="+mn-ea"/>
-                  <a:cs typeface="+mn-cs"/>
-                </a:defRPr>
-              </a:lvl4pPr>
-              <a:lvl5pPr marL="1828800" algn="l" defTabSz="914400" rtl="0" eaLnBrk="1" latinLnBrk="0" hangingPunct="1">
-                <a:defRPr sz="1800" kern="1200">
-                  <a:solidFill>
-                    <a:schemeClr val="lt1"/>
-                  </a:solidFill>
-                  <a:latin typeface="+mn-lt"/>
-                  <a:ea typeface="+mn-ea"/>
-                  <a:cs typeface="+mn-cs"/>
-                </a:defRPr>
-              </a:lvl5pPr>
-              <a:lvl6pPr marL="2286000" algn="l" defTabSz="914400" rtl="0" eaLnBrk="1" latinLnBrk="0" hangingPunct="1">
-                <a:defRPr sz="1800" kern="1200">
-                  <a:solidFill>
-                    <a:schemeClr val="lt1"/>
-                  </a:solidFill>
-                  <a:latin typeface="+mn-lt"/>
-                  <a:ea typeface="+mn-ea"/>
-                  <a:cs typeface="+mn-cs"/>
-                </a:defRPr>
-              </a:lvl6pPr>
-              <a:lvl7pPr marL="2743200" algn="l" defTabSz="914400" rtl="0" eaLnBrk="1" latinLnBrk="0" hangingPunct="1">
-                <a:defRPr sz="1800" kern="1200">
-                  <a:solidFill>
-                    <a:schemeClr val="lt1"/>
-                  </a:solidFill>
-                  <a:latin typeface="+mn-lt"/>
-                  <a:ea typeface="+mn-ea"/>
-                  <a:cs typeface="+mn-cs"/>
-                </a:defRPr>
-              </a:lvl7pPr>
-              <a:lvl8pPr marL="3200400" algn="l" defTabSz="914400" rtl="0" eaLnBrk="1" latinLnBrk="0" hangingPunct="1">
-                <a:defRPr sz="1800" kern="1200">
-                  <a:solidFill>
-                    <a:schemeClr val="lt1"/>
-                  </a:solidFill>
-                  <a:latin typeface="+mn-lt"/>
-                  <a:ea typeface="+mn-ea"/>
-                  <a:cs typeface="+mn-cs"/>
-                </a:defRPr>
-              </a:lvl8pPr>
-              <a:lvl9pPr marL="3657600" algn="l" defTabSz="914400" rtl="0" eaLnBrk="1" latinLnBrk="0" hangingPunct="1">
-                <a:defRPr sz="1800" kern="1200">
-                  <a:solidFill>
-                    <a:schemeClr val="lt1"/>
-                  </a:solidFill>
-                  <a:latin typeface="+mn-lt"/>
-                  <a:ea typeface="+mn-ea"/>
-                  <a:cs typeface="+mn-cs"/>
-                </a:defRPr>
-              </a:lvl9pPr>
-            </a:lstStyle>
-            <a:p>
-              <a:pPr algn="ctr"/>
-              <a:endParaRPr lang="en-CA"/>
-            </a:p>
-          </p:txBody>
-        </p:sp>
-        <p:sp>
-          <p:nvSpPr>
-            <p:cNvPr id="40" name="Rectangle 39"/>
-            <p:cNvSpPr/>
-            <p:nvPr/>
-          </p:nvSpPr>
-          <p:spPr>
-            <a:xfrm>
-              <a:off x="2783760" y="5799293"/>
-              <a:ext cx="178594" cy="152400"/>
-            </a:xfrm>
-            <a:prstGeom prst="rect">
-              <a:avLst/>
-            </a:prstGeom>
-          </p:spPr>
-          <p:style>
-            <a:lnRef idx="2">
-              <a:schemeClr val="accent1">
-                <a:shade val="50000"/>
-              </a:schemeClr>
-            </a:lnRef>
-            <a:fillRef idx="1">
-              <a:schemeClr val="accent1"/>
-            </a:fillRef>
-            <a:effectRef idx="0">
-              <a:schemeClr val="accent1"/>
-            </a:effectRef>
-            <a:fontRef idx="minor">
-              <a:schemeClr val="lt1"/>
-            </a:fontRef>
-          </p:style>
-          <p:txBody>
-            <a:bodyPr rtlCol="0" anchor="ctr"/>
-            <a:lstStyle/>
-            <a:p>
-              <a:pPr algn="ctr"/>
-              <a:endParaRPr lang="en-CA"/>
-            </a:p>
-          </p:txBody>
-        </p:sp>
-        <p:sp>
-          <p:nvSpPr>
-            <p:cNvPr id="41" name="Rectangle 40"/>
-            <p:cNvSpPr/>
-            <p:nvPr/>
-          </p:nvSpPr>
-          <p:spPr>
-            <a:xfrm>
-              <a:off x="2783759" y="5971129"/>
-              <a:ext cx="257175" cy="172642"/>
-            </a:xfrm>
-            <a:prstGeom prst="rect">
-              <a:avLst/>
-            </a:prstGeom>
-          </p:spPr>
-          <p:style>
-            <a:lnRef idx="2">
-              <a:schemeClr val="accent1">
-                <a:shade val="50000"/>
-              </a:schemeClr>
-            </a:lnRef>
-            <a:fillRef idx="1">
-              <a:schemeClr val="accent1"/>
-            </a:fillRef>
-            <a:effectRef idx="0">
-              <a:schemeClr val="accent1"/>
-            </a:effectRef>
-            <a:fontRef idx="minor">
-              <a:schemeClr val="lt1"/>
-            </a:fontRef>
-          </p:style>
-          <p:txBody>
-            <a:bodyPr rtlCol="0" anchor="ctr"/>
-            <a:lstStyle/>
-            <a:p>
-              <a:pPr algn="ctr"/>
-              <a:endParaRPr lang="en-CA"/>
-            </a:p>
-          </p:txBody>
-        </p:sp>
-        <p:sp>
-          <p:nvSpPr>
-            <p:cNvPr id="42" name="TextBox 41"/>
+            <p:cNvPr id="37" name="TextBox 36"/>
             <p:cNvSpPr txBox="1"/>
             <p:nvPr/>
           </p:nvSpPr>
           <p:spPr>
             <a:xfrm>
-              <a:off x="2098734" y="5138078"/>
-              <a:ext cx="338554" cy="1247774"/>
+              <a:off x="4083309" y="3852684"/>
+              <a:ext cx="543010" cy="2075458"/>
             </a:xfrm>
             <a:prstGeom prst="rect">
               <a:avLst/>
@@ -8445,14 +8424,14 @@
         </p:sp>
         <p:sp>
           <p:nvSpPr>
-            <p:cNvPr id="43" name="TextBox 42"/>
+            <p:cNvPr id="38" name="TextBox 37"/>
             <p:cNvSpPr txBox="1"/>
             <p:nvPr/>
           </p:nvSpPr>
           <p:spPr>
             <a:xfrm>
-              <a:off x="2527516" y="5138848"/>
-              <a:ext cx="338554" cy="1247774"/>
+              <a:off x="4771037" y="3853964"/>
+              <a:ext cx="543010" cy="2075458"/>
             </a:xfrm>
             <a:prstGeom prst="rect">
               <a:avLst/>
@@ -8474,14 +8453,14 @@
         </p:sp>
         <p:sp>
           <p:nvSpPr>
-            <p:cNvPr id="44" name="Rectangle 43"/>
+            <p:cNvPr id="39" name="Rectangle 38"/>
             <p:cNvSpPr/>
             <p:nvPr/>
           </p:nvSpPr>
           <p:spPr>
             <a:xfrm>
-              <a:off x="2401490" y="4518596"/>
-              <a:ext cx="71751" cy="191100"/>
+              <a:off x="4568902" y="2822282"/>
+              <a:ext cx="115082" cy="317862"/>
             </a:xfrm>
             <a:prstGeom prst="rect">
               <a:avLst/>
@@ -8514,14 +8493,14 @@
         </p:sp>
         <p:sp>
           <p:nvSpPr>
-            <p:cNvPr id="45" name="Rectangle 44"/>
+            <p:cNvPr id="40" name="Rectangle 39"/>
             <p:cNvSpPr/>
             <p:nvPr/>
           </p:nvSpPr>
           <p:spPr>
             <a:xfrm>
-              <a:off x="2865953" y="5322771"/>
-              <a:ext cx="174982" cy="205300"/>
+              <a:off x="5313859" y="4159889"/>
+              <a:ext cx="280655" cy="341481"/>
             </a:xfrm>
             <a:prstGeom prst="rect">
               <a:avLst/>
@@ -8554,14 +8533,14 @@
         </p:sp>
         <p:sp>
           <p:nvSpPr>
-            <p:cNvPr id="46" name="TextBox 45"/>
+            <p:cNvPr id="41" name="TextBox 40"/>
             <p:cNvSpPr txBox="1"/>
             <p:nvPr/>
           </p:nvSpPr>
           <p:spPr>
             <a:xfrm>
-              <a:off x="2183373" y="4725544"/>
-              <a:ext cx="776175" cy="246221"/>
+              <a:off x="4219063" y="3166504"/>
+              <a:ext cx="1244914" cy="409546"/>
             </a:xfrm>
             <a:prstGeom prst="rect">
               <a:avLst/>
@@ -8584,14 +8563,14 @@
         </p:sp>
         <p:sp>
           <p:nvSpPr>
-            <p:cNvPr id="48" name="Rectangle 47"/>
+            <p:cNvPr id="42" name="Rectangle 41"/>
             <p:cNvSpPr/>
             <p:nvPr/>
           </p:nvSpPr>
           <p:spPr>
             <a:xfrm>
-              <a:off x="2115585" y="4534364"/>
-              <a:ext cx="50160" cy="151620"/>
+              <a:off x="4110337" y="2848509"/>
+              <a:ext cx="80452" cy="252194"/>
             </a:xfrm>
             <a:prstGeom prst="rect">
               <a:avLst/>
@@ -8624,14 +8603,69 @@
         </p:sp>
         <p:sp>
           <p:nvSpPr>
-            <p:cNvPr id="49" name="Rectangle 48"/>
+            <p:cNvPr id="43" name="Rectangle 42"/>
             <p:cNvSpPr/>
             <p:nvPr/>
           </p:nvSpPr>
           <p:spPr>
             <a:xfrm>
-              <a:off x="3955256" y="3605986"/>
-              <a:ext cx="257175" cy="226636"/>
+              <a:off x="3892365" y="2867380"/>
+              <a:ext cx="178432" cy="87995"/>
+            </a:xfrm>
+            <a:prstGeom prst="rect">
+              <a:avLst/>
+            </a:prstGeom>
+          </p:spPr>
+          <p:style>
+            <a:lnRef idx="2">
+              <a:schemeClr val="accent1">
+                <a:shade val="50000"/>
+              </a:schemeClr>
+            </a:lnRef>
+            <a:fillRef idx="1">
+              <a:schemeClr val="accent1"/>
+            </a:fillRef>
+            <a:effectRef idx="0">
+              <a:schemeClr val="accent1"/>
+            </a:effectRef>
+            <a:fontRef idx="minor">
+              <a:schemeClr val="lt1"/>
+            </a:fontRef>
+          </p:style>
+          <p:txBody>
+            <a:bodyPr rtlCol="0" anchor="ctr"/>
+            <a:lstStyle/>
+            <a:p>
+              <a:pPr algn="ctr"/>
+              <a:endParaRPr lang="en-CA"/>
+            </a:p>
+          </p:txBody>
+        </p:sp>
+      </p:grpSp>
+      <p:grpSp>
+        <p:nvGrpSpPr>
+          <p:cNvPr id="84" name="Group 83"/>
+          <p:cNvGrpSpPr/>
+          <p:nvPr/>
+        </p:nvGrpSpPr>
+        <p:grpSpPr>
+          <a:xfrm>
+            <a:off x="6629400" y="1219200"/>
+            <a:ext cx="2291359" cy="5410200"/>
+            <a:chOff x="7037130" y="1295400"/>
+            <a:chExt cx="1731229" cy="4634022"/>
+          </a:xfrm>
+        </p:grpSpPr>
+        <p:sp>
+          <p:nvSpPr>
+            <p:cNvPr id="85" name="Rectangle 84"/>
+            <p:cNvSpPr/>
+            <p:nvPr/>
+          </p:nvSpPr>
+          <p:spPr>
+            <a:xfrm>
+              <a:off x="7061002" y="1304312"/>
+              <a:ext cx="412485" cy="376970"/>
             </a:xfrm>
             <a:prstGeom prst="rect">
               <a:avLst/>
@@ -8664,14 +8698,14 @@
         </p:sp>
         <p:sp>
           <p:nvSpPr>
-            <p:cNvPr id="50" name="Rectangle 49"/>
+            <p:cNvPr id="86" name="Rectangle 85"/>
             <p:cNvSpPr/>
             <p:nvPr/>
           </p:nvSpPr>
           <p:spPr>
             <a:xfrm>
-              <a:off x="3955256" y="3848874"/>
-              <a:ext cx="257175" cy="226636"/>
+              <a:off x="7061002" y="1708315"/>
+              <a:ext cx="412485" cy="376970"/>
             </a:xfrm>
             <a:prstGeom prst="rect">
               <a:avLst/>
@@ -8704,14 +8738,14 @@
         </p:sp>
         <p:sp>
           <p:nvSpPr>
-            <p:cNvPr id="51" name="Rectangle 50"/>
+            <p:cNvPr id="87" name="Rectangle 86"/>
             <p:cNvSpPr/>
             <p:nvPr/>
           </p:nvSpPr>
           <p:spPr>
             <a:xfrm>
-              <a:off x="3955256" y="4091762"/>
-              <a:ext cx="257175" cy="226636"/>
+              <a:off x="7061002" y="2112317"/>
+              <a:ext cx="412485" cy="376970"/>
             </a:xfrm>
             <a:prstGeom prst="rect">
               <a:avLst/>
@@ -8843,14 +8877,14 @@
         </p:sp>
         <p:sp>
           <p:nvSpPr>
-            <p:cNvPr id="52" name="Rectangle 51"/>
+            <p:cNvPr id="88" name="Rectangle 87"/>
             <p:cNvSpPr/>
             <p:nvPr/>
           </p:nvSpPr>
           <p:spPr>
             <a:xfrm>
-              <a:off x="3955257" y="4344188"/>
-              <a:ext cx="178594" cy="152400"/>
+              <a:off x="7061004" y="2532184"/>
+              <a:ext cx="286449" cy="253491"/>
             </a:xfrm>
             <a:prstGeom prst="rect">
               <a:avLst/>
@@ -8887,14 +8921,14 @@
         </p:sp>
         <p:sp>
           <p:nvSpPr>
-            <p:cNvPr id="53" name="Rectangle 52"/>
+            <p:cNvPr id="89" name="Rectangle 88"/>
             <p:cNvSpPr/>
             <p:nvPr/>
           </p:nvSpPr>
           <p:spPr>
             <a:xfrm>
-              <a:off x="3940372" y="6099467"/>
-              <a:ext cx="111248" cy="52903"/>
+              <a:off x="7037130" y="5451789"/>
+              <a:ext cx="178432" cy="87995"/>
             </a:xfrm>
             <a:prstGeom prst="rect">
               <a:avLst/>
@@ -8927,14 +8961,14 @@
         </p:sp>
         <p:sp>
           <p:nvSpPr>
-            <p:cNvPr id="54" name="Rectangle 53"/>
+            <p:cNvPr id="90" name="Rectangle 89"/>
             <p:cNvSpPr/>
             <p:nvPr/>
           </p:nvSpPr>
           <p:spPr>
             <a:xfrm>
-              <a:off x="4955306" y="5800073"/>
-              <a:ext cx="50160" cy="151620"/>
+              <a:off x="8664992" y="4953799"/>
+              <a:ext cx="80452" cy="252194"/>
             </a:xfrm>
             <a:prstGeom prst="rect">
               <a:avLst/>
@@ -8967,14 +9001,14 @@
         </p:sp>
         <p:sp>
           <p:nvSpPr>
-            <p:cNvPr id="55" name="Rectangle 54"/>
+            <p:cNvPr id="91" name="Rectangle 90"/>
             <p:cNvSpPr/>
             <p:nvPr/>
           </p:nvSpPr>
           <p:spPr>
             <a:xfrm>
-              <a:off x="4366022" y="3605986"/>
-              <a:ext cx="257175" cy="226636"/>
+              <a:off x="7719834" y="1304312"/>
+              <a:ext cx="412485" cy="376970"/>
             </a:xfrm>
             <a:prstGeom prst="rect">
               <a:avLst/>
@@ -9007,14 +9041,14 @@
         </p:sp>
         <p:sp>
           <p:nvSpPr>
-            <p:cNvPr id="56" name="Rectangle 55"/>
+            <p:cNvPr id="92" name="Rectangle 91"/>
             <p:cNvSpPr/>
             <p:nvPr/>
           </p:nvSpPr>
           <p:spPr>
             <a:xfrm>
-              <a:off x="4366022" y="3848874"/>
-              <a:ext cx="257175" cy="226636"/>
+              <a:off x="7719834" y="1708315"/>
+              <a:ext cx="412485" cy="376970"/>
             </a:xfrm>
             <a:prstGeom prst="rect">
               <a:avLst/>
@@ -9045,14 +9079,14 @@
         </p:sp>
         <p:sp>
           <p:nvSpPr>
-            <p:cNvPr id="57" name="Rectangle 56"/>
+            <p:cNvPr id="93" name="Rectangle 92"/>
             <p:cNvSpPr/>
             <p:nvPr/>
           </p:nvSpPr>
           <p:spPr>
             <a:xfrm>
-              <a:off x="4366022" y="4091762"/>
-              <a:ext cx="257175" cy="226636"/>
+              <a:off x="7719834" y="2112317"/>
+              <a:ext cx="412485" cy="376970"/>
             </a:xfrm>
             <a:prstGeom prst="rect">
               <a:avLst/>
@@ -9184,14 +9218,14 @@
         </p:sp>
         <p:sp>
           <p:nvSpPr>
-            <p:cNvPr id="58" name="Rectangle 57"/>
+            <p:cNvPr id="94" name="Rectangle 93"/>
             <p:cNvSpPr/>
             <p:nvPr/>
           </p:nvSpPr>
           <p:spPr>
             <a:xfrm>
-              <a:off x="4366022" y="4340593"/>
-              <a:ext cx="178594" cy="152400"/>
+              <a:off x="7719834" y="2526205"/>
+              <a:ext cx="286449" cy="253491"/>
             </a:xfrm>
             <a:prstGeom prst="rect">
               <a:avLst/>
@@ -9224,14 +9258,14 @@
         </p:sp>
         <p:sp>
           <p:nvSpPr>
-            <p:cNvPr id="59" name="Rectangle 58"/>
+            <p:cNvPr id="95" name="Rectangle 94"/>
             <p:cNvSpPr/>
             <p:nvPr/>
           </p:nvSpPr>
           <p:spPr>
             <a:xfrm>
-              <a:off x="4462425" y="4518598"/>
-              <a:ext cx="146563" cy="191099"/>
+              <a:off x="7874455" y="2822285"/>
+              <a:ext cx="235074" cy="317860"/>
             </a:xfrm>
             <a:prstGeom prst="rect">
               <a:avLst/>
@@ -9264,14 +9298,14 @@
         </p:sp>
         <p:sp>
           <p:nvSpPr>
-            <p:cNvPr id="60" name="TextBox 59"/>
+            <p:cNvPr id="96" name="TextBox 95"/>
             <p:cNvSpPr txBox="1"/>
             <p:nvPr/>
           </p:nvSpPr>
           <p:spPr>
             <a:xfrm>
-              <a:off x="4077631" y="3738147"/>
-              <a:ext cx="338554" cy="1247774"/>
+              <a:off x="7257281" y="1524139"/>
+              <a:ext cx="543010" cy="2075458"/>
             </a:xfrm>
             <a:prstGeom prst="rect">
               <a:avLst/>
@@ -9293,14 +9327,14 @@
         </p:sp>
         <p:sp>
           <p:nvSpPr>
-            <p:cNvPr id="61" name="Rectangle 60"/>
+            <p:cNvPr id="97" name="Rectangle 96"/>
             <p:cNvSpPr/>
             <p:nvPr/>
           </p:nvSpPr>
           <p:spPr>
             <a:xfrm>
-              <a:off x="4762578" y="3600628"/>
-              <a:ext cx="257175" cy="226636"/>
+              <a:off x="8355874" y="1295400"/>
+              <a:ext cx="412485" cy="376970"/>
             </a:xfrm>
             <a:prstGeom prst="rect">
               <a:avLst/>
@@ -9333,14 +9367,14 @@
         </p:sp>
         <p:sp>
           <p:nvSpPr>
-            <p:cNvPr id="62" name="Rectangle 61"/>
+            <p:cNvPr id="98" name="Rectangle 97"/>
             <p:cNvSpPr/>
             <p:nvPr/>
           </p:nvSpPr>
           <p:spPr>
             <a:xfrm>
-              <a:off x="4762578" y="3843516"/>
-              <a:ext cx="257175" cy="226636"/>
+              <a:off x="8355874" y="1699402"/>
+              <a:ext cx="412485" cy="376970"/>
             </a:xfrm>
             <a:prstGeom prst="rect">
               <a:avLst/>
@@ -9373,14 +9407,14 @@
         </p:sp>
         <p:sp>
           <p:nvSpPr>
-            <p:cNvPr id="63" name="Rectangle 62"/>
+            <p:cNvPr id="99" name="Rectangle 98"/>
             <p:cNvSpPr/>
             <p:nvPr/>
           </p:nvSpPr>
           <p:spPr>
             <a:xfrm>
-              <a:off x="4762578" y="4086404"/>
-              <a:ext cx="257175" cy="226636"/>
+              <a:off x="8355874" y="2103405"/>
+              <a:ext cx="412485" cy="376970"/>
             </a:xfrm>
             <a:prstGeom prst="rect">
               <a:avLst/>
@@ -9512,14 +9546,14 @@
         </p:sp>
         <p:sp>
           <p:nvSpPr>
-            <p:cNvPr id="64" name="Rectangle 63"/>
+            <p:cNvPr id="100" name="Rectangle 99"/>
             <p:cNvSpPr/>
             <p:nvPr/>
           </p:nvSpPr>
           <p:spPr>
             <a:xfrm>
-              <a:off x="4762578" y="4340550"/>
-              <a:ext cx="235277" cy="152400"/>
+              <a:off x="8355874" y="2526133"/>
+              <a:ext cx="377363" cy="253491"/>
             </a:xfrm>
             <a:prstGeom prst="rect">
               <a:avLst/>
@@ -9552,14 +9586,14 @@
         </p:sp>
         <p:sp>
           <p:nvSpPr>
-            <p:cNvPr id="65" name="Rectangle 64"/>
+            <p:cNvPr id="101" name="Rectangle 100"/>
             <p:cNvSpPr/>
             <p:nvPr/>
           </p:nvSpPr>
           <p:spPr>
             <a:xfrm>
-              <a:off x="4762424" y="4517600"/>
-              <a:ext cx="257175" cy="172642"/>
+              <a:off x="8355627" y="2820625"/>
+              <a:ext cx="412485" cy="287160"/>
             </a:xfrm>
             <a:prstGeom prst="rect">
               <a:avLst/>
@@ -9592,14 +9626,14 @@
         </p:sp>
         <p:sp>
           <p:nvSpPr>
-            <p:cNvPr id="66" name="TextBox 65"/>
+            <p:cNvPr id="102" name="TextBox 101"/>
             <p:cNvSpPr txBox="1"/>
             <p:nvPr/>
           </p:nvSpPr>
           <p:spPr>
             <a:xfrm>
-              <a:off x="4506218" y="3743504"/>
-              <a:ext cx="338554" cy="1247774"/>
+              <a:off x="7944695" y="1533050"/>
+              <a:ext cx="543010" cy="2075458"/>
             </a:xfrm>
             <a:prstGeom prst="rect">
               <a:avLst/>
@@ -9621,14 +9655,14 @@
         </p:sp>
         <p:sp>
           <p:nvSpPr>
-            <p:cNvPr id="67" name="Rectangle 66"/>
+            <p:cNvPr id="103" name="Rectangle 102"/>
             <p:cNvSpPr/>
             <p:nvPr/>
           </p:nvSpPr>
           <p:spPr>
             <a:xfrm>
-              <a:off x="3942159" y="5043706"/>
-              <a:ext cx="257175" cy="226636"/>
+              <a:off x="7039996" y="3695712"/>
+              <a:ext cx="412485" cy="376970"/>
             </a:xfrm>
             <a:prstGeom prst="rect">
               <a:avLst/>
@@ -9661,14 +9695,14 @@
         </p:sp>
         <p:sp>
           <p:nvSpPr>
-            <p:cNvPr id="68" name="Rectangle 67"/>
+            <p:cNvPr id="104" name="Rectangle 103"/>
             <p:cNvSpPr/>
             <p:nvPr/>
           </p:nvSpPr>
           <p:spPr>
             <a:xfrm>
-              <a:off x="3940969" y="5305024"/>
-              <a:ext cx="257175" cy="226636"/>
+              <a:off x="7038087" y="4130370"/>
+              <a:ext cx="412485" cy="376970"/>
             </a:xfrm>
             <a:prstGeom prst="rect">
               <a:avLst/>
@@ -9701,14 +9735,14 @@
         </p:sp>
         <p:sp>
           <p:nvSpPr>
-            <p:cNvPr id="69" name="Rectangle 68"/>
+            <p:cNvPr id="105" name="Rectangle 104"/>
             <p:cNvSpPr/>
             <p:nvPr/>
           </p:nvSpPr>
           <p:spPr>
             <a:xfrm>
-              <a:off x="3940373" y="5564553"/>
-              <a:ext cx="257175" cy="226636"/>
+              <a:off x="7037131" y="4562052"/>
+              <a:ext cx="412485" cy="376970"/>
             </a:xfrm>
             <a:prstGeom prst="rect">
               <a:avLst/>
@@ -9840,14 +9874,14 @@
         </p:sp>
         <p:sp>
           <p:nvSpPr>
-            <p:cNvPr id="70" name="Rectangle 69"/>
+            <p:cNvPr id="106" name="Rectangle 105"/>
             <p:cNvSpPr/>
             <p:nvPr/>
           </p:nvSpPr>
           <p:spPr>
             <a:xfrm>
-              <a:off x="3940969" y="5810573"/>
-              <a:ext cx="178594" cy="152400"/>
+              <a:off x="7038087" y="4971264"/>
+              <a:ext cx="286449" cy="253491"/>
             </a:xfrm>
             <a:prstGeom prst="rect">
               <a:avLst/>
@@ -9880,14 +9914,14 @@
         </p:sp>
         <p:sp>
           <p:nvSpPr>
-            <p:cNvPr id="71" name="Rectangle 70"/>
+            <p:cNvPr id="107" name="Rectangle 106"/>
             <p:cNvSpPr/>
             <p:nvPr/>
           </p:nvSpPr>
           <p:spPr>
             <a:xfrm>
-              <a:off x="3940373" y="5980586"/>
-              <a:ext cx="96441" cy="95249"/>
+              <a:off x="7037131" y="5254051"/>
+              <a:ext cx="154683" cy="158430"/>
             </a:xfrm>
             <a:prstGeom prst="rect">
               <a:avLst/>
@@ -9920,14 +9954,14 @@
         </p:sp>
         <p:sp>
           <p:nvSpPr>
-            <p:cNvPr id="72" name="Rectangle 71"/>
+            <p:cNvPr id="108" name="Rectangle 107"/>
             <p:cNvSpPr/>
             <p:nvPr/>
           </p:nvSpPr>
           <p:spPr>
             <a:xfrm>
-              <a:off x="4051620" y="5980585"/>
-              <a:ext cx="128588" cy="172642"/>
+              <a:off x="7215561" y="5254049"/>
+              <a:ext cx="206243" cy="287160"/>
             </a:xfrm>
             <a:prstGeom prst="rect">
               <a:avLst/>
@@ -9960,14 +9994,14 @@
         </p:sp>
         <p:sp>
           <p:nvSpPr>
-            <p:cNvPr id="73" name="Rectangle 72"/>
+            <p:cNvPr id="109" name="Rectangle 108"/>
             <p:cNvSpPr/>
             <p:nvPr/>
           </p:nvSpPr>
           <p:spPr>
             <a:xfrm>
-              <a:off x="4351734" y="5044566"/>
-              <a:ext cx="257175" cy="226636"/>
+              <a:off x="7696917" y="3697143"/>
+              <a:ext cx="412485" cy="376970"/>
             </a:xfrm>
             <a:prstGeom prst="rect">
               <a:avLst/>
@@ -10000,14 +10034,14 @@
         </p:sp>
         <p:sp>
           <p:nvSpPr>
-            <p:cNvPr id="74" name="Rectangle 73"/>
+            <p:cNvPr id="110" name="Rectangle 109"/>
             <p:cNvSpPr/>
             <p:nvPr/>
           </p:nvSpPr>
           <p:spPr>
             <a:xfrm>
-              <a:off x="4351734" y="5301435"/>
-              <a:ext cx="257175" cy="226636"/>
+              <a:off x="7696917" y="4124400"/>
+              <a:ext cx="412485" cy="376970"/>
             </a:xfrm>
             <a:prstGeom prst="rect">
               <a:avLst/>
@@ -10040,14 +10074,14 @@
         </p:sp>
         <p:sp>
           <p:nvSpPr>
-            <p:cNvPr id="75" name="Rectangle 74"/>
+            <p:cNvPr id="111" name="Rectangle 110"/>
             <p:cNvSpPr/>
             <p:nvPr/>
           </p:nvSpPr>
           <p:spPr>
             <a:xfrm>
-              <a:off x="4351734" y="5558579"/>
-              <a:ext cx="257175" cy="226636"/>
+              <a:off x="7696917" y="4552115"/>
+              <a:ext cx="412485" cy="376970"/>
             </a:xfrm>
             <a:prstGeom prst="rect">
               <a:avLst/>
@@ -10179,14 +10213,14 @@
         </p:sp>
         <p:sp>
           <p:nvSpPr>
-            <p:cNvPr id="76" name="Rectangle 75"/>
+            <p:cNvPr id="112" name="Rectangle 111"/>
             <p:cNvSpPr/>
             <p:nvPr/>
           </p:nvSpPr>
           <p:spPr>
             <a:xfrm>
-              <a:off x="4353975" y="5806700"/>
-              <a:ext cx="178594" cy="152400"/>
+              <a:off x="7700511" y="4964821"/>
+              <a:ext cx="286449" cy="253491"/>
             </a:xfrm>
             <a:prstGeom prst="rect">
               <a:avLst/>
@@ -10219,14 +10253,14 @@
         </p:sp>
         <p:sp>
           <p:nvSpPr>
-            <p:cNvPr id="77" name="Rectangle 76"/>
+            <p:cNvPr id="113" name="Rectangle 112"/>
             <p:cNvSpPr/>
             <p:nvPr/>
           </p:nvSpPr>
           <p:spPr>
             <a:xfrm>
-              <a:off x="4352886" y="5980585"/>
-              <a:ext cx="257175" cy="172642"/>
+              <a:off x="7698765" y="5254049"/>
+              <a:ext cx="412485" cy="287160"/>
             </a:xfrm>
             <a:prstGeom prst="rect">
               <a:avLst/>
@@ -10259,14 +10293,14 @@
         </p:sp>
         <p:sp>
           <p:nvSpPr>
-            <p:cNvPr id="78" name="Rectangle 77"/>
+            <p:cNvPr id="114" name="Rectangle 113"/>
             <p:cNvSpPr/>
             <p:nvPr/>
           </p:nvSpPr>
           <p:spPr>
             <a:xfrm>
-              <a:off x="4748291" y="5067445"/>
-              <a:ext cx="257175" cy="226636"/>
+              <a:off x="8332959" y="3735198"/>
+              <a:ext cx="412485" cy="376970"/>
             </a:xfrm>
             <a:prstGeom prst="rect">
               <a:avLst/>
@@ -10299,14 +10333,14 @@
         </p:sp>
         <p:sp>
           <p:nvSpPr>
-            <p:cNvPr id="79" name="Rectangle 78"/>
+            <p:cNvPr id="115" name="Rectangle 114"/>
             <p:cNvSpPr/>
             <p:nvPr/>
           </p:nvSpPr>
           <p:spPr>
             <a:xfrm>
-              <a:off x="4748291" y="5553221"/>
-              <a:ext cx="257175" cy="226636"/>
+              <a:off x="8332959" y="4543203"/>
+              <a:ext cx="412485" cy="376970"/>
             </a:xfrm>
             <a:prstGeom prst="rect">
               <a:avLst/>
@@ -10438,14 +10472,14 @@
         </p:sp>
         <p:sp>
           <p:nvSpPr>
-            <p:cNvPr id="80" name="Rectangle 79"/>
+            <p:cNvPr id="116" name="Rectangle 115"/>
             <p:cNvSpPr/>
             <p:nvPr/>
           </p:nvSpPr>
           <p:spPr>
             <a:xfrm>
-              <a:off x="4748291" y="5799293"/>
-              <a:ext cx="178594" cy="152400"/>
+              <a:off x="8332959" y="4952501"/>
+              <a:ext cx="286449" cy="253491"/>
             </a:xfrm>
             <a:prstGeom prst="rect">
               <a:avLst/>
@@ -10478,14 +10512,14 @@
         </p:sp>
         <p:sp>
           <p:nvSpPr>
-            <p:cNvPr id="81" name="Rectangle 80"/>
+            <p:cNvPr id="117" name="Rectangle 116"/>
             <p:cNvSpPr/>
             <p:nvPr/>
           </p:nvSpPr>
           <p:spPr>
             <a:xfrm>
-              <a:off x="4748291" y="5971129"/>
-              <a:ext cx="257175" cy="172642"/>
+              <a:off x="8332959" y="5238321"/>
+              <a:ext cx="412485" cy="287160"/>
             </a:xfrm>
             <a:prstGeom prst="rect">
               <a:avLst/>
@@ -10518,14 +10552,14 @@
         </p:sp>
         <p:sp>
           <p:nvSpPr>
-            <p:cNvPr id="82" name="TextBox 81"/>
+            <p:cNvPr id="118" name="TextBox 117"/>
             <p:cNvSpPr txBox="1"/>
             <p:nvPr/>
           </p:nvSpPr>
           <p:spPr>
             <a:xfrm>
-              <a:off x="4063265" y="5138078"/>
-              <a:ext cx="338554" cy="1247774"/>
+              <a:off x="7234239" y="3852684"/>
+              <a:ext cx="543010" cy="2075458"/>
             </a:xfrm>
             <a:prstGeom prst="rect">
               <a:avLst/>
@@ -10547,14 +10581,14 @@
         </p:sp>
         <p:sp>
           <p:nvSpPr>
-            <p:cNvPr id="83" name="TextBox 82"/>
+            <p:cNvPr id="119" name="TextBox 118"/>
             <p:cNvSpPr txBox="1"/>
             <p:nvPr/>
           </p:nvSpPr>
           <p:spPr>
             <a:xfrm>
-              <a:off x="4492047" y="5138848"/>
-              <a:ext cx="338554" cy="1247774"/>
+              <a:off x="7921966" y="3853964"/>
+              <a:ext cx="543010" cy="2075458"/>
             </a:xfrm>
             <a:prstGeom prst="rect">
               <a:avLst/>
@@ -10576,14 +10610,14 @@
         </p:sp>
         <p:sp>
           <p:nvSpPr>
-            <p:cNvPr id="84" name="Rectangle 83"/>
+            <p:cNvPr id="120" name="Rectangle 119"/>
             <p:cNvSpPr/>
             <p:nvPr/>
           </p:nvSpPr>
           <p:spPr>
             <a:xfrm>
-              <a:off x="4366022" y="4518596"/>
-              <a:ext cx="71751" cy="191100"/>
+              <a:off x="7719834" y="2822282"/>
+              <a:ext cx="115082" cy="317862"/>
             </a:xfrm>
             <a:prstGeom prst="rect">
               <a:avLst/>
@@ -10616,14 +10650,14 @@
         </p:sp>
         <p:sp>
           <p:nvSpPr>
-            <p:cNvPr id="85" name="Rectangle 84"/>
+            <p:cNvPr id="121" name="Rectangle 120"/>
             <p:cNvSpPr/>
             <p:nvPr/>
           </p:nvSpPr>
           <p:spPr>
             <a:xfrm>
-              <a:off x="4830484" y="5322771"/>
-              <a:ext cx="174982" cy="205300"/>
+              <a:off x="8464789" y="4159889"/>
+              <a:ext cx="280655" cy="341481"/>
             </a:xfrm>
             <a:prstGeom prst="rect">
               <a:avLst/>
@@ -10656,14 +10690,14 @@
         </p:sp>
         <p:sp>
           <p:nvSpPr>
-            <p:cNvPr id="86" name="TextBox 85"/>
+            <p:cNvPr id="122" name="TextBox 121"/>
             <p:cNvSpPr txBox="1"/>
             <p:nvPr/>
           </p:nvSpPr>
           <p:spPr>
             <a:xfrm>
-              <a:off x="4147904" y="4725544"/>
-              <a:ext cx="776175" cy="246221"/>
+              <a:off x="7369992" y="3166504"/>
+              <a:ext cx="1244914" cy="409546"/>
             </a:xfrm>
             <a:prstGeom prst="rect">
               <a:avLst/>
@@ -10686,14 +10720,14 @@
         </p:sp>
         <p:sp>
           <p:nvSpPr>
-            <p:cNvPr id="87" name="Rectangle 86"/>
+            <p:cNvPr id="123" name="Rectangle 122"/>
             <p:cNvSpPr/>
             <p:nvPr/>
           </p:nvSpPr>
           <p:spPr>
             <a:xfrm>
-              <a:off x="4149199" y="4344188"/>
-              <a:ext cx="50160" cy="151620"/>
+              <a:off x="7372069" y="2532184"/>
+              <a:ext cx="80452" cy="252194"/>
             </a:xfrm>
             <a:prstGeom prst="rect">
               <a:avLst/>
@@ -10724,53 +10758,43 @@
             </a:p>
           </p:txBody>
         </p:sp>
-        <p:sp>
-          <p:nvSpPr>
-            <p:cNvPr id="88" name="Rectangle 87"/>
-            <p:cNvSpPr/>
-            <p:nvPr/>
-          </p:nvSpPr>
-          <p:spPr>
-            <a:xfrm>
-              <a:off x="1979685" y="4545709"/>
-              <a:ext cx="111248" cy="52903"/>
-            </a:xfrm>
-            <a:prstGeom prst="rect">
-              <a:avLst/>
-            </a:prstGeom>
-          </p:spPr>
-          <p:style>
-            <a:lnRef idx="2">
-              <a:schemeClr val="accent1">
-                <a:shade val="50000"/>
-              </a:schemeClr>
-            </a:lnRef>
-            <a:fillRef idx="1">
-              <a:schemeClr val="accent1"/>
-            </a:fillRef>
-            <a:effectRef idx="0">
-              <a:schemeClr val="accent1"/>
-            </a:effectRef>
-            <a:fontRef idx="minor">
-              <a:schemeClr val="lt1"/>
-            </a:fontRef>
-          </p:style>
-          <p:txBody>
-            <a:bodyPr rtlCol="0" anchor="ctr"/>
-            <a:lstStyle/>
-            <a:p>
-              <a:pPr algn="ctr"/>
-              <a:endParaRPr lang="en-CA"/>
-            </a:p>
-          </p:txBody>
-        </p:sp>
       </p:grpSp>
+      <p:cxnSp>
+        <p:nvCxnSpPr>
+          <p:cNvPr id="125" name="Straight Connector 124"/>
+          <p:cNvCxnSpPr/>
+          <p:nvPr/>
+        </p:nvCxnSpPr>
+        <p:spPr>
+          <a:xfrm>
+            <a:off x="6477000" y="1219200"/>
+            <a:ext cx="0" cy="5105400"/>
+          </a:xfrm>
+          <a:prstGeom prst="line">
+            <a:avLst/>
+          </a:prstGeom>
+          <a:ln w="50800">
+            <a:solidFill>
+              <a:schemeClr val="tx1"/>
+            </a:solidFill>
+          </a:ln>
+        </p:spPr>
+        <p:style>
+          <a:lnRef idx="1">
+            <a:schemeClr val="accent1"/>
+          </a:lnRef>
+          <a:fillRef idx="0">
+            <a:schemeClr val="accent1"/>
+          </a:fillRef>
+          <a:effectRef idx="0">
+            <a:schemeClr val="accent1"/>
+          </a:effectRef>
+          <a:fontRef idx="minor">
+            <a:schemeClr val="tx1"/>
+          </a:fontRef>
+        </p:style>
+      </p:cxnSp>
     </p:spTree>
-    <p:extLst>
-      <p:ext uri="{BB962C8B-B14F-4D97-AF65-F5344CB8AC3E}">
-        <p14:creationId xmlns:p14="http://schemas.microsoft.com/office/powerpoint/2010/main" xmlns="" val="1391038647"/>
-      </p:ext>
-    </p:extLst>
   </p:cSld>
   <p:clrMapOvr>
     <a:masterClrMapping/>
@@ -10819,7 +10843,7 @@
           <a:p>
             <a:r>
               <a:rPr lang="en-US" altLang="zh-CN" b="1" dirty="0" smtClean="0"/>
-              <a:t>Stock Handler</a:t>
+              <a:t>Stock Handler          Manager</a:t>
             </a:r>
             <a:endParaRPr lang="en-US" dirty="0"/>
           </a:p>
@@ -10835,9 +10859,16 @@
             <p:ph sz="quarter" idx="1"/>
           </p:nvPr>
         </p:nvSpPr>
-        <p:spPr/>
+        <p:spPr>
+          <a:xfrm>
+            <a:off x="457200" y="1219200"/>
+            <a:ext cx="3733800" cy="4191000"/>
+          </a:xfrm>
+        </p:spPr>
         <p:txBody>
-          <a:bodyPr/>
+          <a:bodyPr>
+            <a:normAutofit/>
+          </a:bodyPr>
           <a:lstStyle/>
           <a:p>
             <a:pPr marL="457200" indent="-457200">
@@ -10846,7 +10877,7 @@
             </a:pPr>
             <a:r>
               <a:rPr lang="en-US" altLang="zh-CN" dirty="0" smtClean="0"/>
-              <a:t>Create daily plans for stock to be gather	</a:t>
+              <a:t>Create optimal stock gathering plans	</a:t>
             </a:r>
           </a:p>
           <a:p>
@@ -10856,7 +10887,7 @@
             </a:pPr>
             <a:r>
               <a:rPr lang="en-US" altLang="zh-CN" dirty="0" smtClean="0"/>
-              <a:t>Figure out most efficient routes to take to gather all products for shipment 	</a:t>
+              <a:t>Recording and monitor issues with stock	</a:t>
             </a:r>
           </a:p>
           <a:p>
@@ -10866,22 +10897,70 @@
             </a:pPr>
             <a:r>
               <a:rPr lang="en-US" altLang="zh-CN" dirty="0" smtClean="0"/>
-              <a:t>Recording and monitoring of inconsistencies in stock levels 	</a:t>
-            </a:r>
-          </a:p>
-          <a:p>
-            <a:pPr marL="457200" indent="-457200">
-              <a:buFont typeface="Arial" pitchFamily="34" charset="0"/>
+              <a:t>Track employee speed</a:t>
+            </a:r>
+            <a:endParaRPr lang="zh-CN" altLang="en-US" dirty="0" smtClean="0"/>
+          </a:p>
+          <a:p>
+            <a:endParaRPr lang="en-US" dirty="0"/>
+          </a:p>
+        </p:txBody>
+      </p:sp>
+      <p:sp>
+        <p:nvSpPr>
+          <p:cNvPr id="4" name="TextBox 3"/>
+          <p:cNvSpPr txBox="1"/>
+          <p:nvPr/>
+        </p:nvSpPr>
+        <p:spPr>
+          <a:xfrm>
+            <a:off x="4800600" y="1219200"/>
+            <a:ext cx="3733800" cy="2893100"/>
+          </a:xfrm>
+          <a:prstGeom prst="rect">
+            <a:avLst/>
+          </a:prstGeom>
+          <a:noFill/>
+        </p:spPr>
+        <p:txBody>
+          <a:bodyPr wrap="square" rtlCol="0">
+            <a:spAutoFit/>
+          </a:bodyPr>
+          <a:lstStyle/>
+          <a:p>
+            <a:pPr marL="342900" indent="-342900">
+              <a:buFont typeface="Arial"/>
               <a:buChar char="•"/>
             </a:pPr>
             <a:r>
-              <a:rPr lang="en-US" altLang="zh-CN" dirty="0" smtClean="0"/>
-              <a:t>Track speed of each of the workers</a:t>
-            </a:r>
-            <a:endParaRPr lang="zh-CN" altLang="en-US" dirty="0" smtClean="0"/>
-          </a:p>
-          <a:p>
-            <a:endParaRPr lang="en-US" dirty="0"/>
+              <a:rPr lang="en-US" altLang="zh-CN" sz="2600" dirty="0" smtClean="0"/>
+              <a:t>Create employee reports</a:t>
+            </a:r>
+          </a:p>
+          <a:p>
+            <a:pPr marL="342900" indent="-342900">
+              <a:buFont typeface="Arial"/>
+              <a:buChar char="•"/>
+            </a:pPr>
+            <a:r>
+              <a:rPr lang="en-US" altLang="zh-CN" sz="2600" dirty="0" smtClean="0"/>
+              <a:t>Create warehouse statistic reports</a:t>
+            </a:r>
+            <a:endParaRPr lang="en-US" altLang="zh-CN" sz="2600" dirty="0"/>
+          </a:p>
+          <a:p>
+            <a:pPr marL="342900" indent="-342900">
+              <a:buFont typeface="Arial"/>
+              <a:buChar char="•"/>
+            </a:pPr>
+            <a:r>
+              <a:rPr lang="en-US" altLang="zh-CN" sz="2600" dirty="0" smtClean="0"/>
+              <a:t>Warehouse stock and product information</a:t>
+            </a:r>
+            <a:endParaRPr lang="en-US" altLang="zh-CN" sz="2600" dirty="0"/>
+          </a:p>
+          <a:p>
+            <a:endParaRPr lang="en-US" sz="2600" dirty="0"/>
           </a:p>
         </p:txBody>
       </p:sp>
@@ -10890,6 +10969,13 @@
   <p:clrMapOvr>
     <a:masterClrMapping/>
   </p:clrMapOvr>
+  <p:timing>
+    <p:tnLst>
+      <p:par>
+        <p:cTn id="1" dur="indefinite" restart="never" nodeType="tmRoot"/>
+      </p:par>
+    </p:tnLst>
+  </p:timing>
 </p:sld>
 </file>
 
@@ -10912,7 +10998,7 @@
       </p:grpSpPr>
       <p:sp>
         <p:nvSpPr>
-          <p:cNvPr id="2" name="标题 1"/>
+          <p:cNvPr id="2" name="Title 1"/>
           <p:cNvSpPr>
             <a:spLocks noGrp="1"/>
           </p:cNvSpPr>
@@ -10922,161 +11008,110 @@
         </p:nvSpPr>
         <p:spPr/>
         <p:txBody>
-          <a:bodyPr>
-            <a:normAutofit/>
-          </a:bodyPr>
+          <a:bodyPr/>
           <a:lstStyle/>
           <a:p>
             <a:r>
-              <a:rPr lang="en-US" altLang="zh-CN" b="1" dirty="0"/>
-              <a:t>Shipper </a:t>
-            </a:r>
-            <a:r>
-              <a:rPr lang="en-US" altLang="zh-CN" b="1" dirty="0" smtClean="0"/>
-              <a:t>&amp; </a:t>
-            </a:r>
-            <a:r>
-              <a:rPr lang="en-US" altLang="zh-CN" b="1" dirty="0"/>
-              <a:t>Receiver 	</a:t>
-            </a:r>
-            <a:endParaRPr lang="zh-CN" altLang="en-US" b="1" dirty="0"/>
+              <a:rPr lang="en-US" b="1" dirty="0" smtClean="0"/>
+              <a:t>Shipper			    Receiver</a:t>
+            </a:r>
+            <a:endParaRPr lang="en-US" b="1" dirty="0"/>
           </a:p>
         </p:txBody>
       </p:sp>
       <p:sp>
         <p:nvSpPr>
-          <p:cNvPr id="3" name="内容占位符 2"/>
+          <p:cNvPr id="3" name="Content Placeholder 2"/>
           <p:cNvSpPr>
             <a:spLocks noGrp="1"/>
           </p:cNvSpPr>
           <p:nvPr>
-            <p:ph idx="1"/>
+            <p:ph sz="quarter" idx="1"/>
           </p:nvPr>
         </p:nvSpPr>
-        <p:spPr>
-          <a:xfrm>
-            <a:off x="910861" y="1556792"/>
-            <a:ext cx="7618040" cy="2088232"/>
-          </a:xfrm>
-        </p:spPr>
+        <p:spPr/>
         <p:txBody>
           <a:bodyPr/>
           <a:lstStyle/>
           <a:p>
             <a:r>
-              <a:rPr lang="en-US" altLang="zh-CN" dirty="0"/>
-              <a:t>Check and </a:t>
-            </a:r>
-            <a:r>
               <a:rPr lang="en-US" altLang="zh-CN" dirty="0" smtClean="0"/>
-              <a:t>assign </a:t>
-            </a:r>
-            <a:r>
-              <a:rPr lang="en-US" altLang="zh-CN" dirty="0"/>
-              <a:t>upcoming </a:t>
-            </a:r>
+              <a:t>View upcoming shipments</a:t>
+            </a:r>
+          </a:p>
+          <a:p>
             <a:r>
               <a:rPr lang="en-US" altLang="zh-CN" dirty="0" smtClean="0"/>
-              <a:t>shipments	</a:t>
+              <a:t>Assign shipment tasks to Stock Handlers</a:t>
             </a:r>
           </a:p>
           <a:p>
             <a:r>
               <a:rPr lang="en-US" altLang="zh-CN" dirty="0" smtClean="0"/>
-              <a:t>Record </a:t>
-            </a:r>
-            <a:r>
-              <a:rPr lang="en-US" altLang="zh-CN" dirty="0"/>
-              <a:t>outgoing shipment </a:t>
-            </a:r>
+              <a:t>Record outgoing shipment information</a:t>
+            </a:r>
+          </a:p>
+          <a:p>
             <a:r>
               <a:rPr lang="en-US" altLang="zh-CN" dirty="0" smtClean="0"/>
-              <a:t>information</a:t>
-            </a:r>
-          </a:p>
-          <a:p>
-            <a:r>
-              <a:rPr lang="en-US" altLang="zh-CN" dirty="0"/>
               <a:t>Track pallet contents </a:t>
             </a:r>
           </a:p>
           <a:p>
-            <a:endParaRPr lang="en-US" altLang="zh-CN" dirty="0"/>
+            <a:endParaRPr lang="en-US" dirty="0"/>
           </a:p>
         </p:txBody>
       </p:sp>
       <p:sp>
         <p:nvSpPr>
-          <p:cNvPr id="4" name="TextBox 3"/>
-          <p:cNvSpPr txBox="1"/>
-          <p:nvPr/>
-        </p:nvSpPr>
-        <p:spPr>
-          <a:xfrm>
-            <a:off x="907615" y="3501008"/>
-            <a:ext cx="7549571" cy="2062103"/>
-          </a:xfrm>
-          <a:prstGeom prst="rect">
-            <a:avLst/>
-          </a:prstGeom>
-          <a:noFill/>
-        </p:spPr>
+          <p:cNvPr id="4" name="Content Placeholder 3"/>
+          <p:cNvSpPr>
+            <a:spLocks noGrp="1"/>
+          </p:cNvSpPr>
+          <p:nvPr>
+            <p:ph sz="quarter" idx="2"/>
+          </p:nvPr>
+        </p:nvSpPr>
+        <p:spPr/>
         <p:txBody>
-          <a:bodyPr wrap="square" rtlCol="0">
-            <a:spAutoFit/>
-          </a:bodyPr>
+          <a:bodyPr/>
           <a:lstStyle/>
           <a:p>
-            <a:pPr marL="457200" indent="-457200">
-              <a:buFont typeface="Arial" pitchFamily="34" charset="0"/>
-              <a:buChar char="•"/>
-            </a:pPr>
-            <a:r>
-              <a:rPr lang="en-US" altLang="zh-CN" sz="3200" dirty="0"/>
-              <a:t>Input information for incoming products </a:t>
-            </a:r>
-            <a:endParaRPr lang="en-US" altLang="zh-CN" sz="3200" dirty="0" smtClean="0"/>
-          </a:p>
-          <a:p>
-            <a:pPr marL="457200" indent="-457200">
-              <a:buFont typeface="Arial" pitchFamily="34" charset="0"/>
-              <a:buChar char="•"/>
-            </a:pPr>
-            <a:r>
-              <a:rPr lang="en-US" altLang="zh-CN" sz="3200" dirty="0" smtClean="0"/>
-              <a:t>Check </a:t>
-            </a:r>
-            <a:r>
-              <a:rPr lang="en-US" altLang="zh-CN" sz="3200" dirty="0"/>
-              <a:t>warehouse capacity 	</a:t>
-            </a:r>
-          </a:p>
-          <a:p>
-            <a:pPr marL="457200" indent="-457200">
-              <a:buFont typeface="Arial" pitchFamily="34" charset="0"/>
-              <a:buChar char="•"/>
-            </a:pPr>
-            <a:r>
-              <a:rPr lang="en-US" altLang="zh-CN" sz="3200" dirty="0" smtClean="0"/>
-              <a:t>Check </a:t>
-            </a:r>
-            <a:r>
-              <a:rPr lang="en-US" altLang="zh-CN" sz="3200" dirty="0"/>
-              <a:t>shipments to be shipped to create space 	</a:t>
+            <a:r>
+              <a:rPr lang="en-US" altLang="zh-CN" sz="2400" dirty="0" smtClean="0"/>
+              <a:t>Input new product information</a:t>
+            </a:r>
+          </a:p>
+          <a:p>
+            <a:r>
+              <a:rPr lang="en-US" altLang="zh-CN" sz="2400" dirty="0" smtClean="0"/>
+              <a:t>Check warehouse capacity</a:t>
+            </a:r>
+          </a:p>
+          <a:p>
+            <a:r>
+              <a:rPr lang="en-US" altLang="zh-CN" sz="2400" dirty="0" smtClean="0"/>
+              <a:t>Check shipments needed to create space</a:t>
+            </a:r>
+            <a:r>
+              <a:rPr lang="en-US" altLang="zh-CN" sz="2800" dirty="0" smtClean="0"/>
+              <a:t>	</a:t>
             </a:r>
           </a:p>
         </p:txBody>
       </p:sp>
     </p:spTree>
-    <p:extLst>
-      <p:ext uri="{BB962C8B-B14F-4D97-AF65-F5344CB8AC3E}">
-        <p14:creationId xmlns:p14="http://schemas.microsoft.com/office/powerpoint/2010/main" xmlns="" val="3957772106"/>
-      </p:ext>
-    </p:extLst>
   </p:cSld>
   <p:clrMapOvr>
     <a:masterClrMapping/>
   </p:clrMapOvr>
+  <p:timing>
+    <p:tnLst>
+      <p:par>
+        <p:cTn id="1" dur="indefinite" restart="never" nodeType="tmRoot"/>
+      </p:par>
+    </p:tnLst>
+  </p:timing>
 </p:sld>
 </file>
 
